--- a/presentation/JPWP.pptx
+++ b/presentation/JPWP.pptx
@@ -6,31 +6,25 @@
   </p:sldMasterIdLst>
   <p:sldIdLst>
     <p:sldId id="256" r:id="rId2"/>
-    <p:sldId id="279" r:id="rId3"/>
-    <p:sldId id="284" r:id="rId4"/>
-    <p:sldId id="280" r:id="rId5"/>
-    <p:sldId id="281" r:id="rId6"/>
-    <p:sldId id="261" r:id="rId7"/>
-    <p:sldId id="282" r:id="rId8"/>
-    <p:sldId id="283" r:id="rId9"/>
-    <p:sldId id="258" r:id="rId10"/>
-    <p:sldId id="263" r:id="rId11"/>
-    <p:sldId id="257" r:id="rId12"/>
-    <p:sldId id="262" r:id="rId13"/>
-    <p:sldId id="264" r:id="rId14"/>
-    <p:sldId id="265" r:id="rId15"/>
-    <p:sldId id="266" r:id="rId16"/>
-    <p:sldId id="267" r:id="rId17"/>
-    <p:sldId id="268" r:id="rId18"/>
-    <p:sldId id="259" r:id="rId19"/>
-    <p:sldId id="269" r:id="rId20"/>
-    <p:sldId id="270" r:id="rId21"/>
-    <p:sldId id="260" r:id="rId22"/>
-    <p:sldId id="271" r:id="rId23"/>
-    <p:sldId id="273" r:id="rId24"/>
-    <p:sldId id="274" r:id="rId25"/>
-    <p:sldId id="275" r:id="rId26"/>
-    <p:sldId id="276" r:id="rId27"/>
+    <p:sldId id="258" r:id="rId3"/>
+    <p:sldId id="289" r:id="rId4"/>
+    <p:sldId id="287" r:id="rId5"/>
+    <p:sldId id="288" r:id="rId6"/>
+    <p:sldId id="262" r:id="rId7"/>
+    <p:sldId id="276" r:id="rId8"/>
+    <p:sldId id="257" r:id="rId9"/>
+    <p:sldId id="264" r:id="rId10"/>
+    <p:sldId id="265" r:id="rId11"/>
+    <p:sldId id="266" r:id="rId12"/>
+    <p:sldId id="267" r:id="rId13"/>
+    <p:sldId id="259" r:id="rId14"/>
+    <p:sldId id="269" r:id="rId15"/>
+    <p:sldId id="285" r:id="rId16"/>
+    <p:sldId id="260" r:id="rId17"/>
+    <p:sldId id="271" r:id="rId18"/>
+    <p:sldId id="273" r:id="rId19"/>
+    <p:sldId id="274" r:id="rId20"/>
+    <p:sldId id="286" r:id="rId21"/>
   </p:sldIdLst>
   <p:sldSz cx="12192000" cy="6858000"/>
   <p:notesSz cx="6858000" cy="9144000"/>
@@ -145,1959 +139,9 @@
     <p1510:client id="{43B9AFD7-307E-9E84-DD69-624AF2659A4B}" v="125" dt="2020-05-12T15:57:41.864"/>
     <p1510:client id="{5F26FCDD-5F59-8B80-9DB1-F1B175DC4718}" v="197" dt="2020-05-12T15:07:12.381"/>
     <p1510:client id="{606725E8-308C-102D-0207-51E62C62696E}" v="54" dt="2020-05-12T20:14:29.871"/>
+    <p1510:client id="{B253DDD6-BD15-45B6-F176-47D0B71A5FC0}" v="519" dt="2020-05-16T14:29:52.262"/>
   </p1510:revLst>
 </p1510:revInfo>
-</file>
-
-<file path=ppt/changesInfos/changesInfo1.xml><?xml version="1.0" encoding="utf-8"?>
-<pc:chgInfo xmlns:a="http://schemas.openxmlformats.org/drawingml/2006/main" xmlns:r="http://schemas.openxmlformats.org/officeDocument/2006/relationships" xmlns:ac="http://schemas.microsoft.com/office/drawing/2013/main/command" xmlns:pc="http://schemas.microsoft.com/office/powerpoint/2013/main/command">
-  <pc:docChgLst>
-    <pc:chgData name="Oskar Świerczek" userId="S::oswiercz@student.agh.edu.pl::617318f4-811a-474e-9827-c5bfb0bd343d" providerId="AD" clId="Web-{5F26FCDD-5F59-8B80-9DB1-F1B175DC4718}"/>
-    <pc:docChg chg="addSld delSld modSld sldOrd addMainMaster delMainMaster">
-      <pc:chgData name="Oskar Świerczek" userId="S::oswiercz@student.agh.edu.pl::617318f4-811a-474e-9827-c5bfb0bd343d" providerId="AD" clId="Web-{5F26FCDD-5F59-8B80-9DB1-F1B175DC4718}" dt="2020-05-12T15:07:12.381" v="191"/>
-      <pc:docMkLst>
-        <pc:docMk/>
-      </pc:docMkLst>
-      <pc:sldChg chg="modSp mod modClrScheme chgLayout">
-        <pc:chgData name="Oskar Świerczek" userId="S::oswiercz@student.agh.edu.pl::617318f4-811a-474e-9827-c5bfb0bd343d" providerId="AD" clId="Web-{5F26FCDD-5F59-8B80-9DB1-F1B175DC4718}" dt="2020-05-12T15:07:12.381" v="191"/>
-        <pc:sldMkLst>
-          <pc:docMk/>
-          <pc:sldMk cId="109857222" sldId="256"/>
-        </pc:sldMkLst>
-        <pc:spChg chg="mod ord">
-          <ac:chgData name="Oskar Świerczek" userId="S::oswiercz@student.agh.edu.pl::617318f4-811a-474e-9827-c5bfb0bd343d" providerId="AD" clId="Web-{5F26FCDD-5F59-8B80-9DB1-F1B175DC4718}" dt="2020-05-12T15:07:12.381" v="191"/>
-          <ac:spMkLst>
-            <pc:docMk/>
-            <pc:sldMk cId="109857222" sldId="256"/>
-            <ac:spMk id="2" creationId="{00000000-0000-0000-0000-000000000000}"/>
-          </ac:spMkLst>
-        </pc:spChg>
-        <pc:spChg chg="mod ord">
-          <ac:chgData name="Oskar Świerczek" userId="S::oswiercz@student.agh.edu.pl::617318f4-811a-474e-9827-c5bfb0bd343d" providerId="AD" clId="Web-{5F26FCDD-5F59-8B80-9DB1-F1B175DC4718}" dt="2020-05-12T15:07:12.381" v="191"/>
-          <ac:spMkLst>
-            <pc:docMk/>
-            <pc:sldMk cId="109857222" sldId="256"/>
-            <ac:spMk id="3" creationId="{00000000-0000-0000-0000-000000000000}"/>
-          </ac:spMkLst>
-        </pc:spChg>
-      </pc:sldChg>
-      <pc:sldChg chg="modSp new mod modClrScheme chgLayout">
-        <pc:chgData name="Oskar Świerczek" userId="S::oswiercz@student.agh.edu.pl::617318f4-811a-474e-9827-c5bfb0bd343d" providerId="AD" clId="Web-{5F26FCDD-5F59-8B80-9DB1-F1B175DC4718}" dt="2020-05-12T15:07:12.381" v="191"/>
-        <pc:sldMkLst>
-          <pc:docMk/>
-          <pc:sldMk cId="105424987" sldId="257"/>
-        </pc:sldMkLst>
-        <pc:spChg chg="mod ord">
-          <ac:chgData name="Oskar Świerczek" userId="S::oswiercz@student.agh.edu.pl::617318f4-811a-474e-9827-c5bfb0bd343d" providerId="AD" clId="Web-{5F26FCDD-5F59-8B80-9DB1-F1B175DC4718}" dt="2020-05-12T15:07:12.381" v="191"/>
-          <ac:spMkLst>
-            <pc:docMk/>
-            <pc:sldMk cId="105424987" sldId="257"/>
-            <ac:spMk id="2" creationId="{897A6E50-6069-4E7C-B97A-6DEA81049F95}"/>
-          </ac:spMkLst>
-        </pc:spChg>
-        <pc:spChg chg="mod ord">
-          <ac:chgData name="Oskar Świerczek" userId="S::oswiercz@student.agh.edu.pl::617318f4-811a-474e-9827-c5bfb0bd343d" providerId="AD" clId="Web-{5F26FCDD-5F59-8B80-9DB1-F1B175DC4718}" dt="2020-05-12T15:07:12.381" v="191"/>
-          <ac:spMkLst>
-            <pc:docMk/>
-            <pc:sldMk cId="105424987" sldId="257"/>
-            <ac:spMk id="3" creationId="{30204A08-6D50-4631-AAED-53C953690283}"/>
-          </ac:spMkLst>
-        </pc:spChg>
-      </pc:sldChg>
-      <pc:sldChg chg="modSp new mod ord modClrScheme chgLayout">
-        <pc:chgData name="Oskar Świerczek" userId="S::oswiercz@student.agh.edu.pl::617318f4-811a-474e-9827-c5bfb0bd343d" providerId="AD" clId="Web-{5F26FCDD-5F59-8B80-9DB1-F1B175DC4718}" dt="2020-05-12T15:07:12.381" v="191"/>
-        <pc:sldMkLst>
-          <pc:docMk/>
-          <pc:sldMk cId="1868812331" sldId="258"/>
-        </pc:sldMkLst>
-        <pc:spChg chg="mod ord">
-          <ac:chgData name="Oskar Świerczek" userId="S::oswiercz@student.agh.edu.pl::617318f4-811a-474e-9827-c5bfb0bd343d" providerId="AD" clId="Web-{5F26FCDD-5F59-8B80-9DB1-F1B175DC4718}" dt="2020-05-12T15:07:12.381" v="191"/>
-          <ac:spMkLst>
-            <pc:docMk/>
-            <pc:sldMk cId="1868812331" sldId="258"/>
-            <ac:spMk id="2" creationId="{C0FDDD89-4F44-4DEE-B3D0-C16B18DF2F7F}"/>
-          </ac:spMkLst>
-        </pc:spChg>
-        <pc:spChg chg="mod ord">
-          <ac:chgData name="Oskar Świerczek" userId="S::oswiercz@student.agh.edu.pl::617318f4-811a-474e-9827-c5bfb0bd343d" providerId="AD" clId="Web-{5F26FCDD-5F59-8B80-9DB1-F1B175DC4718}" dt="2020-05-12T15:07:12.381" v="191"/>
-          <ac:spMkLst>
-            <pc:docMk/>
-            <pc:sldMk cId="1868812331" sldId="258"/>
-            <ac:spMk id="3" creationId="{E38EB11C-E9A4-47B4-81B5-5DF12ED60185}"/>
-          </ac:spMkLst>
-        </pc:spChg>
-      </pc:sldChg>
-      <pc:sldChg chg="modSp new mod modClrScheme chgLayout">
-        <pc:chgData name="Oskar Świerczek" userId="S::oswiercz@student.agh.edu.pl::617318f4-811a-474e-9827-c5bfb0bd343d" providerId="AD" clId="Web-{5F26FCDD-5F59-8B80-9DB1-F1B175DC4718}" dt="2020-05-12T15:07:12.381" v="191"/>
-        <pc:sldMkLst>
-          <pc:docMk/>
-          <pc:sldMk cId="3479801979" sldId="259"/>
-        </pc:sldMkLst>
-        <pc:spChg chg="mod ord">
-          <ac:chgData name="Oskar Świerczek" userId="S::oswiercz@student.agh.edu.pl::617318f4-811a-474e-9827-c5bfb0bd343d" providerId="AD" clId="Web-{5F26FCDD-5F59-8B80-9DB1-F1B175DC4718}" dt="2020-05-12T15:07:12.381" v="191"/>
-          <ac:spMkLst>
-            <pc:docMk/>
-            <pc:sldMk cId="3479801979" sldId="259"/>
-            <ac:spMk id="2" creationId="{384C5B59-F74E-4142-90AA-6E36B928F9A0}"/>
-          </ac:spMkLst>
-        </pc:spChg>
-        <pc:spChg chg="mod ord">
-          <ac:chgData name="Oskar Świerczek" userId="S::oswiercz@student.agh.edu.pl::617318f4-811a-474e-9827-c5bfb0bd343d" providerId="AD" clId="Web-{5F26FCDD-5F59-8B80-9DB1-F1B175DC4718}" dt="2020-05-12T15:07:12.381" v="191"/>
-          <ac:spMkLst>
-            <pc:docMk/>
-            <pc:sldMk cId="3479801979" sldId="259"/>
-            <ac:spMk id="3" creationId="{69FFCFE3-4B24-4DB6-AF04-428008B4CA1C}"/>
-          </ac:spMkLst>
-        </pc:spChg>
-      </pc:sldChg>
-      <pc:sldChg chg="modSp new mod modClrScheme chgLayout">
-        <pc:chgData name="Oskar Świerczek" userId="S::oswiercz@student.agh.edu.pl::617318f4-811a-474e-9827-c5bfb0bd343d" providerId="AD" clId="Web-{5F26FCDD-5F59-8B80-9DB1-F1B175DC4718}" dt="2020-05-12T15:07:12.381" v="191"/>
-        <pc:sldMkLst>
-          <pc:docMk/>
-          <pc:sldMk cId="1869126936" sldId="260"/>
-        </pc:sldMkLst>
-        <pc:spChg chg="mod ord">
-          <ac:chgData name="Oskar Świerczek" userId="S::oswiercz@student.agh.edu.pl::617318f4-811a-474e-9827-c5bfb0bd343d" providerId="AD" clId="Web-{5F26FCDD-5F59-8B80-9DB1-F1B175DC4718}" dt="2020-05-12T15:07:12.381" v="191"/>
-          <ac:spMkLst>
-            <pc:docMk/>
-            <pc:sldMk cId="1869126936" sldId="260"/>
-            <ac:spMk id="2" creationId="{04F849B3-5F0E-4519-81AE-7BE7CDFAF381}"/>
-          </ac:spMkLst>
-        </pc:spChg>
-        <pc:spChg chg="mod ord">
-          <ac:chgData name="Oskar Świerczek" userId="S::oswiercz@student.agh.edu.pl::617318f4-811a-474e-9827-c5bfb0bd343d" providerId="AD" clId="Web-{5F26FCDD-5F59-8B80-9DB1-F1B175DC4718}" dt="2020-05-12T15:07:12.381" v="191"/>
-          <ac:spMkLst>
-            <pc:docMk/>
-            <pc:sldMk cId="1869126936" sldId="260"/>
-            <ac:spMk id="3" creationId="{B8EDF199-952D-41C4-94B0-97FF2389BA2A}"/>
-          </ac:spMkLst>
-        </pc:spChg>
-      </pc:sldChg>
-      <pc:sldChg chg="modSp new mod modClrScheme chgLayout">
-        <pc:chgData name="Oskar Świerczek" userId="S::oswiercz@student.agh.edu.pl::617318f4-811a-474e-9827-c5bfb0bd343d" providerId="AD" clId="Web-{5F26FCDD-5F59-8B80-9DB1-F1B175DC4718}" dt="2020-05-12T15:07:12.381" v="191"/>
-        <pc:sldMkLst>
-          <pc:docMk/>
-          <pc:sldMk cId="460468888" sldId="261"/>
-        </pc:sldMkLst>
-        <pc:spChg chg="mod ord">
-          <ac:chgData name="Oskar Świerczek" userId="S::oswiercz@student.agh.edu.pl::617318f4-811a-474e-9827-c5bfb0bd343d" providerId="AD" clId="Web-{5F26FCDD-5F59-8B80-9DB1-F1B175DC4718}" dt="2020-05-12T15:07:12.381" v="191"/>
-          <ac:spMkLst>
-            <pc:docMk/>
-            <pc:sldMk cId="460468888" sldId="261"/>
-            <ac:spMk id="2" creationId="{C3A2BB1C-20FA-4892-BBDD-230CA6E60B4D}"/>
-          </ac:spMkLst>
-        </pc:spChg>
-        <pc:spChg chg="mod ord">
-          <ac:chgData name="Oskar Świerczek" userId="S::oswiercz@student.agh.edu.pl::617318f4-811a-474e-9827-c5bfb0bd343d" providerId="AD" clId="Web-{5F26FCDD-5F59-8B80-9DB1-F1B175DC4718}" dt="2020-05-12T15:07:12.381" v="191"/>
-          <ac:spMkLst>
-            <pc:docMk/>
-            <pc:sldMk cId="460468888" sldId="261"/>
-            <ac:spMk id="3" creationId="{95569AAD-22F5-4728-BCF0-B472FD13A30A}"/>
-          </ac:spMkLst>
-        </pc:spChg>
-      </pc:sldChg>
-      <pc:sldChg chg="modSp new mod ord modClrScheme chgLayout">
-        <pc:chgData name="Oskar Świerczek" userId="S::oswiercz@student.agh.edu.pl::617318f4-811a-474e-9827-c5bfb0bd343d" providerId="AD" clId="Web-{5F26FCDD-5F59-8B80-9DB1-F1B175DC4718}" dt="2020-05-12T15:07:12.381" v="191"/>
-        <pc:sldMkLst>
-          <pc:docMk/>
-          <pc:sldMk cId="3183330867" sldId="262"/>
-        </pc:sldMkLst>
-        <pc:spChg chg="mod ord">
-          <ac:chgData name="Oskar Świerczek" userId="S::oswiercz@student.agh.edu.pl::617318f4-811a-474e-9827-c5bfb0bd343d" providerId="AD" clId="Web-{5F26FCDD-5F59-8B80-9DB1-F1B175DC4718}" dt="2020-05-12T15:07:12.381" v="191"/>
-          <ac:spMkLst>
-            <pc:docMk/>
-            <pc:sldMk cId="3183330867" sldId="262"/>
-            <ac:spMk id="2" creationId="{63D470B5-4995-411E-9DBF-94E743BCBDE1}"/>
-          </ac:spMkLst>
-        </pc:spChg>
-        <pc:spChg chg="mod ord">
-          <ac:chgData name="Oskar Świerczek" userId="S::oswiercz@student.agh.edu.pl::617318f4-811a-474e-9827-c5bfb0bd343d" providerId="AD" clId="Web-{5F26FCDD-5F59-8B80-9DB1-F1B175DC4718}" dt="2020-05-12T15:07:12.381" v="191"/>
-          <ac:spMkLst>
-            <pc:docMk/>
-            <pc:sldMk cId="3183330867" sldId="262"/>
-            <ac:spMk id="3" creationId="{17807C96-CEB5-4B2D-8692-772BF539B1B3}"/>
-          </ac:spMkLst>
-        </pc:spChg>
-      </pc:sldChg>
-      <pc:sldChg chg="new del">
-        <pc:chgData name="Oskar Świerczek" userId="S::oswiercz@student.agh.edu.pl::617318f4-811a-474e-9827-c5bfb0bd343d" providerId="AD" clId="Web-{5F26FCDD-5F59-8B80-9DB1-F1B175DC4718}" dt="2020-05-12T15:04:07.213" v="165"/>
-        <pc:sldMkLst>
-          <pc:docMk/>
-          <pc:sldMk cId="4288752795" sldId="262"/>
-        </pc:sldMkLst>
-      </pc:sldChg>
-      <pc:sldChg chg="new mod modClrScheme chgLayout">
-        <pc:chgData name="Oskar Świerczek" userId="S::oswiercz@student.agh.edu.pl::617318f4-811a-474e-9827-c5bfb0bd343d" providerId="AD" clId="Web-{5F26FCDD-5F59-8B80-9DB1-F1B175DC4718}" dt="2020-05-12T15:07:12.381" v="191"/>
-        <pc:sldMkLst>
-          <pc:docMk/>
-          <pc:sldMk cId="418852218" sldId="263"/>
-        </pc:sldMkLst>
-      </pc:sldChg>
-      <pc:sldMasterChg chg="del delSldLayout">
-        <pc:chgData name="Oskar Świerczek" userId="S::oswiercz@student.agh.edu.pl::617318f4-811a-474e-9827-c5bfb0bd343d" providerId="AD" clId="Web-{5F26FCDD-5F59-8B80-9DB1-F1B175DC4718}" dt="2020-05-12T15:06:02.330" v="184"/>
-        <pc:sldMasterMkLst>
-          <pc:docMk/>
-          <pc:sldMasterMk cId="2460954070" sldId="2147483660"/>
-        </pc:sldMasterMkLst>
-        <pc:sldLayoutChg chg="del">
-          <pc:chgData name="Oskar Świerczek" userId="S::oswiercz@student.agh.edu.pl::617318f4-811a-474e-9827-c5bfb0bd343d" providerId="AD" clId="Web-{5F26FCDD-5F59-8B80-9DB1-F1B175DC4718}" dt="2020-05-12T15:06:02.330" v="184"/>
-          <pc:sldLayoutMkLst>
-            <pc:docMk/>
-            <pc:sldMasterMk cId="2460954070" sldId="2147483660"/>
-            <pc:sldLayoutMk cId="2385387890" sldId="2147483661"/>
-          </pc:sldLayoutMkLst>
-        </pc:sldLayoutChg>
-        <pc:sldLayoutChg chg="del">
-          <pc:chgData name="Oskar Świerczek" userId="S::oswiercz@student.agh.edu.pl::617318f4-811a-474e-9827-c5bfb0bd343d" providerId="AD" clId="Web-{5F26FCDD-5F59-8B80-9DB1-F1B175DC4718}" dt="2020-05-12T15:06:02.330" v="184"/>
-          <pc:sldLayoutMkLst>
-            <pc:docMk/>
-            <pc:sldMasterMk cId="2460954070" sldId="2147483660"/>
-            <pc:sldLayoutMk cId="949138452" sldId="2147483662"/>
-          </pc:sldLayoutMkLst>
-        </pc:sldLayoutChg>
-        <pc:sldLayoutChg chg="del">
-          <pc:chgData name="Oskar Świerczek" userId="S::oswiercz@student.agh.edu.pl::617318f4-811a-474e-9827-c5bfb0bd343d" providerId="AD" clId="Web-{5F26FCDD-5F59-8B80-9DB1-F1B175DC4718}" dt="2020-05-12T15:06:02.330" v="184"/>
-          <pc:sldLayoutMkLst>
-            <pc:docMk/>
-            <pc:sldMasterMk cId="2460954070" sldId="2147483660"/>
-            <pc:sldLayoutMk cId="2591524520" sldId="2147483663"/>
-          </pc:sldLayoutMkLst>
-        </pc:sldLayoutChg>
-        <pc:sldLayoutChg chg="del">
-          <pc:chgData name="Oskar Świerczek" userId="S::oswiercz@student.agh.edu.pl::617318f4-811a-474e-9827-c5bfb0bd343d" providerId="AD" clId="Web-{5F26FCDD-5F59-8B80-9DB1-F1B175DC4718}" dt="2020-05-12T15:06:02.330" v="184"/>
-          <pc:sldLayoutMkLst>
-            <pc:docMk/>
-            <pc:sldMasterMk cId="2460954070" sldId="2147483660"/>
-            <pc:sldLayoutMk cId="1203092039" sldId="2147483664"/>
-          </pc:sldLayoutMkLst>
-        </pc:sldLayoutChg>
-        <pc:sldLayoutChg chg="del">
-          <pc:chgData name="Oskar Świerczek" userId="S::oswiercz@student.agh.edu.pl::617318f4-811a-474e-9827-c5bfb0bd343d" providerId="AD" clId="Web-{5F26FCDD-5F59-8B80-9DB1-F1B175DC4718}" dt="2020-05-12T15:06:02.330" v="184"/>
-          <pc:sldLayoutMkLst>
-            <pc:docMk/>
-            <pc:sldMasterMk cId="2460954070" sldId="2147483660"/>
-            <pc:sldLayoutMk cId="3733172339" sldId="2147483665"/>
-          </pc:sldLayoutMkLst>
-        </pc:sldLayoutChg>
-        <pc:sldLayoutChg chg="del">
-          <pc:chgData name="Oskar Świerczek" userId="S::oswiercz@student.agh.edu.pl::617318f4-811a-474e-9827-c5bfb0bd343d" providerId="AD" clId="Web-{5F26FCDD-5F59-8B80-9DB1-F1B175DC4718}" dt="2020-05-12T15:06:02.330" v="184"/>
-          <pc:sldLayoutMkLst>
-            <pc:docMk/>
-            <pc:sldMasterMk cId="2460954070" sldId="2147483660"/>
-            <pc:sldLayoutMk cId="3210312558" sldId="2147483666"/>
-          </pc:sldLayoutMkLst>
-        </pc:sldLayoutChg>
-        <pc:sldLayoutChg chg="del">
-          <pc:chgData name="Oskar Świerczek" userId="S::oswiercz@student.agh.edu.pl::617318f4-811a-474e-9827-c5bfb0bd343d" providerId="AD" clId="Web-{5F26FCDD-5F59-8B80-9DB1-F1B175DC4718}" dt="2020-05-12T15:06:02.330" v="184"/>
-          <pc:sldLayoutMkLst>
-            <pc:docMk/>
-            <pc:sldMasterMk cId="2460954070" sldId="2147483660"/>
-            <pc:sldLayoutMk cId="3146388984" sldId="2147483667"/>
-          </pc:sldLayoutMkLst>
-        </pc:sldLayoutChg>
-        <pc:sldLayoutChg chg="del">
-          <pc:chgData name="Oskar Świerczek" userId="S::oswiercz@student.agh.edu.pl::617318f4-811a-474e-9827-c5bfb0bd343d" providerId="AD" clId="Web-{5F26FCDD-5F59-8B80-9DB1-F1B175DC4718}" dt="2020-05-12T15:06:02.330" v="184"/>
-          <pc:sldLayoutMkLst>
-            <pc:docMk/>
-            <pc:sldMasterMk cId="2460954070" sldId="2147483660"/>
-            <pc:sldLayoutMk cId="3171841454" sldId="2147483668"/>
-          </pc:sldLayoutMkLst>
-        </pc:sldLayoutChg>
-        <pc:sldLayoutChg chg="del">
-          <pc:chgData name="Oskar Świerczek" userId="S::oswiercz@student.agh.edu.pl::617318f4-811a-474e-9827-c5bfb0bd343d" providerId="AD" clId="Web-{5F26FCDD-5F59-8B80-9DB1-F1B175DC4718}" dt="2020-05-12T15:06:02.330" v="184"/>
-          <pc:sldLayoutMkLst>
-            <pc:docMk/>
-            <pc:sldMasterMk cId="2460954070" sldId="2147483660"/>
-            <pc:sldLayoutMk cId="1718958274" sldId="2147483669"/>
-          </pc:sldLayoutMkLst>
-        </pc:sldLayoutChg>
-        <pc:sldLayoutChg chg="del">
-          <pc:chgData name="Oskar Świerczek" userId="S::oswiercz@student.agh.edu.pl::617318f4-811a-474e-9827-c5bfb0bd343d" providerId="AD" clId="Web-{5F26FCDD-5F59-8B80-9DB1-F1B175DC4718}" dt="2020-05-12T15:06:02.330" v="184"/>
-          <pc:sldLayoutMkLst>
-            <pc:docMk/>
-            <pc:sldMasterMk cId="2460954070" sldId="2147483660"/>
-            <pc:sldLayoutMk cId="2202905451" sldId="2147483670"/>
-          </pc:sldLayoutMkLst>
-        </pc:sldLayoutChg>
-        <pc:sldLayoutChg chg="del">
-          <pc:chgData name="Oskar Świerczek" userId="S::oswiercz@student.agh.edu.pl::617318f4-811a-474e-9827-c5bfb0bd343d" providerId="AD" clId="Web-{5F26FCDD-5F59-8B80-9DB1-F1B175DC4718}" dt="2020-05-12T15:06:02.330" v="184"/>
-          <pc:sldLayoutMkLst>
-            <pc:docMk/>
-            <pc:sldMasterMk cId="2460954070" sldId="2147483660"/>
-            <pc:sldLayoutMk cId="3479445657" sldId="2147483671"/>
-          </pc:sldLayoutMkLst>
-        </pc:sldLayoutChg>
-      </pc:sldMasterChg>
-      <pc:sldMasterChg chg="add del addSldLayout delSldLayout modSldLayout">
-        <pc:chgData name="Oskar Świerczek" userId="S::oswiercz@student.agh.edu.pl::617318f4-811a-474e-9827-c5bfb0bd343d" providerId="AD" clId="Web-{5F26FCDD-5F59-8B80-9DB1-F1B175DC4718}" dt="2020-05-12T15:06:10.705" v="185"/>
-        <pc:sldMasterMkLst>
-          <pc:docMk/>
-          <pc:sldMasterMk cId="761902376" sldId="2147483672"/>
-        </pc:sldMasterMkLst>
-        <pc:sldLayoutChg chg="add del mod replId">
-          <pc:chgData name="Oskar Świerczek" userId="S::oswiercz@student.agh.edu.pl::617318f4-811a-474e-9827-c5bfb0bd343d" providerId="AD" clId="Web-{5F26FCDD-5F59-8B80-9DB1-F1B175DC4718}" dt="2020-05-12T15:06:10.705" v="185"/>
-          <pc:sldLayoutMkLst>
-            <pc:docMk/>
-            <pc:sldMasterMk cId="761902376" sldId="2147483672"/>
-            <pc:sldLayoutMk cId="3260930275" sldId="2147483673"/>
-          </pc:sldLayoutMkLst>
-        </pc:sldLayoutChg>
-        <pc:sldLayoutChg chg="add del mod replId">
-          <pc:chgData name="Oskar Świerczek" userId="S::oswiercz@student.agh.edu.pl::617318f4-811a-474e-9827-c5bfb0bd343d" providerId="AD" clId="Web-{5F26FCDD-5F59-8B80-9DB1-F1B175DC4718}" dt="2020-05-12T15:06:10.705" v="185"/>
-          <pc:sldLayoutMkLst>
-            <pc:docMk/>
-            <pc:sldMasterMk cId="761902376" sldId="2147483672"/>
-            <pc:sldLayoutMk cId="3727670012" sldId="2147483674"/>
-          </pc:sldLayoutMkLst>
-        </pc:sldLayoutChg>
-        <pc:sldLayoutChg chg="add del mod replId">
-          <pc:chgData name="Oskar Świerczek" userId="S::oswiercz@student.agh.edu.pl::617318f4-811a-474e-9827-c5bfb0bd343d" providerId="AD" clId="Web-{5F26FCDD-5F59-8B80-9DB1-F1B175DC4718}" dt="2020-05-12T15:06:10.705" v="185"/>
-          <pc:sldLayoutMkLst>
-            <pc:docMk/>
-            <pc:sldMasterMk cId="761902376" sldId="2147483672"/>
-            <pc:sldLayoutMk cId="1856975259" sldId="2147483675"/>
-          </pc:sldLayoutMkLst>
-        </pc:sldLayoutChg>
-        <pc:sldLayoutChg chg="add del mod replId">
-          <pc:chgData name="Oskar Świerczek" userId="S::oswiercz@student.agh.edu.pl::617318f4-811a-474e-9827-c5bfb0bd343d" providerId="AD" clId="Web-{5F26FCDD-5F59-8B80-9DB1-F1B175DC4718}" dt="2020-05-12T15:06:10.705" v="185"/>
-          <pc:sldLayoutMkLst>
-            <pc:docMk/>
-            <pc:sldMasterMk cId="761902376" sldId="2147483672"/>
-            <pc:sldLayoutMk cId="77861734" sldId="2147483676"/>
-          </pc:sldLayoutMkLst>
-        </pc:sldLayoutChg>
-        <pc:sldLayoutChg chg="add del mod replId">
-          <pc:chgData name="Oskar Świerczek" userId="S::oswiercz@student.agh.edu.pl::617318f4-811a-474e-9827-c5bfb0bd343d" providerId="AD" clId="Web-{5F26FCDD-5F59-8B80-9DB1-F1B175DC4718}" dt="2020-05-12T15:06:10.705" v="185"/>
-          <pc:sldLayoutMkLst>
-            <pc:docMk/>
-            <pc:sldMasterMk cId="761902376" sldId="2147483672"/>
-            <pc:sldLayoutMk cId="760915209" sldId="2147483677"/>
-          </pc:sldLayoutMkLst>
-        </pc:sldLayoutChg>
-        <pc:sldLayoutChg chg="add del mod replId">
-          <pc:chgData name="Oskar Świerczek" userId="S::oswiercz@student.agh.edu.pl::617318f4-811a-474e-9827-c5bfb0bd343d" providerId="AD" clId="Web-{5F26FCDD-5F59-8B80-9DB1-F1B175DC4718}" dt="2020-05-12T15:06:10.705" v="185"/>
-          <pc:sldLayoutMkLst>
-            <pc:docMk/>
-            <pc:sldMasterMk cId="761902376" sldId="2147483672"/>
-            <pc:sldLayoutMk cId="2302386817" sldId="2147483678"/>
-          </pc:sldLayoutMkLst>
-        </pc:sldLayoutChg>
-        <pc:sldLayoutChg chg="add del mod replId">
-          <pc:chgData name="Oskar Świerczek" userId="S::oswiercz@student.agh.edu.pl::617318f4-811a-474e-9827-c5bfb0bd343d" providerId="AD" clId="Web-{5F26FCDD-5F59-8B80-9DB1-F1B175DC4718}" dt="2020-05-12T15:06:10.705" v="185"/>
-          <pc:sldLayoutMkLst>
-            <pc:docMk/>
-            <pc:sldMasterMk cId="761902376" sldId="2147483672"/>
-            <pc:sldLayoutMk cId="4063456265" sldId="2147483679"/>
-          </pc:sldLayoutMkLst>
-        </pc:sldLayoutChg>
-        <pc:sldLayoutChg chg="add del mod replId">
-          <pc:chgData name="Oskar Świerczek" userId="S::oswiercz@student.agh.edu.pl::617318f4-811a-474e-9827-c5bfb0bd343d" providerId="AD" clId="Web-{5F26FCDD-5F59-8B80-9DB1-F1B175DC4718}" dt="2020-05-12T15:06:10.705" v="185"/>
-          <pc:sldLayoutMkLst>
-            <pc:docMk/>
-            <pc:sldMasterMk cId="761902376" sldId="2147483672"/>
-            <pc:sldLayoutMk cId="4178872337" sldId="2147483680"/>
-          </pc:sldLayoutMkLst>
-        </pc:sldLayoutChg>
-        <pc:sldLayoutChg chg="add del mod replId">
-          <pc:chgData name="Oskar Świerczek" userId="S::oswiercz@student.agh.edu.pl::617318f4-811a-474e-9827-c5bfb0bd343d" providerId="AD" clId="Web-{5F26FCDD-5F59-8B80-9DB1-F1B175DC4718}" dt="2020-05-12T15:06:10.705" v="185"/>
-          <pc:sldLayoutMkLst>
-            <pc:docMk/>
-            <pc:sldMasterMk cId="761902376" sldId="2147483672"/>
-            <pc:sldLayoutMk cId="3861430488" sldId="2147483681"/>
-          </pc:sldLayoutMkLst>
-        </pc:sldLayoutChg>
-        <pc:sldLayoutChg chg="add del mod replId">
-          <pc:chgData name="Oskar Świerczek" userId="S::oswiercz@student.agh.edu.pl::617318f4-811a-474e-9827-c5bfb0bd343d" providerId="AD" clId="Web-{5F26FCDD-5F59-8B80-9DB1-F1B175DC4718}" dt="2020-05-12T15:06:10.705" v="185"/>
-          <pc:sldLayoutMkLst>
-            <pc:docMk/>
-            <pc:sldMasterMk cId="761902376" sldId="2147483672"/>
-            <pc:sldLayoutMk cId="1108751105" sldId="2147483682"/>
-          </pc:sldLayoutMkLst>
-        </pc:sldLayoutChg>
-        <pc:sldLayoutChg chg="add del mod replId">
-          <pc:chgData name="Oskar Świerczek" userId="S::oswiercz@student.agh.edu.pl::617318f4-811a-474e-9827-c5bfb0bd343d" providerId="AD" clId="Web-{5F26FCDD-5F59-8B80-9DB1-F1B175DC4718}" dt="2020-05-12T15:06:10.705" v="185"/>
-          <pc:sldLayoutMkLst>
-            <pc:docMk/>
-            <pc:sldMasterMk cId="761902376" sldId="2147483672"/>
-            <pc:sldLayoutMk cId="2405634712" sldId="2147483683"/>
-          </pc:sldLayoutMkLst>
-        </pc:sldLayoutChg>
-        <pc:sldLayoutChg chg="add del mod replId">
-          <pc:chgData name="Oskar Świerczek" userId="S::oswiercz@student.agh.edu.pl::617318f4-811a-474e-9827-c5bfb0bd343d" providerId="AD" clId="Web-{5F26FCDD-5F59-8B80-9DB1-F1B175DC4718}" dt="2020-05-12T15:06:10.705" v="185"/>
-          <pc:sldLayoutMkLst>
-            <pc:docMk/>
-            <pc:sldMasterMk cId="761902376" sldId="2147483672"/>
-            <pc:sldLayoutMk cId="1062464445" sldId="2147483684"/>
-          </pc:sldLayoutMkLst>
-        </pc:sldLayoutChg>
-        <pc:sldLayoutChg chg="add del mod replId">
-          <pc:chgData name="Oskar Świerczek" userId="S::oswiercz@student.agh.edu.pl::617318f4-811a-474e-9827-c5bfb0bd343d" providerId="AD" clId="Web-{5F26FCDD-5F59-8B80-9DB1-F1B175DC4718}" dt="2020-05-12T15:06:10.705" v="185"/>
-          <pc:sldLayoutMkLst>
-            <pc:docMk/>
-            <pc:sldMasterMk cId="761902376" sldId="2147483672"/>
-            <pc:sldLayoutMk cId="3245786476" sldId="2147483685"/>
-          </pc:sldLayoutMkLst>
-        </pc:sldLayoutChg>
-        <pc:sldLayoutChg chg="add del mod replId">
-          <pc:chgData name="Oskar Świerczek" userId="S::oswiercz@student.agh.edu.pl::617318f4-811a-474e-9827-c5bfb0bd343d" providerId="AD" clId="Web-{5F26FCDD-5F59-8B80-9DB1-F1B175DC4718}" dt="2020-05-12T15:06:10.705" v="185"/>
-          <pc:sldLayoutMkLst>
-            <pc:docMk/>
-            <pc:sldMasterMk cId="761902376" sldId="2147483672"/>
-            <pc:sldLayoutMk cId="1138471852" sldId="2147483686"/>
-          </pc:sldLayoutMkLst>
-        </pc:sldLayoutChg>
-        <pc:sldLayoutChg chg="add del mod replId">
-          <pc:chgData name="Oskar Świerczek" userId="S::oswiercz@student.agh.edu.pl::617318f4-811a-474e-9827-c5bfb0bd343d" providerId="AD" clId="Web-{5F26FCDD-5F59-8B80-9DB1-F1B175DC4718}" dt="2020-05-12T15:06:10.705" v="185"/>
-          <pc:sldLayoutMkLst>
-            <pc:docMk/>
-            <pc:sldMasterMk cId="761902376" sldId="2147483672"/>
-            <pc:sldLayoutMk cId="1376686827" sldId="2147483687"/>
-          </pc:sldLayoutMkLst>
-        </pc:sldLayoutChg>
-        <pc:sldLayoutChg chg="add del mod replId">
-          <pc:chgData name="Oskar Świerczek" userId="S::oswiercz@student.agh.edu.pl::617318f4-811a-474e-9827-c5bfb0bd343d" providerId="AD" clId="Web-{5F26FCDD-5F59-8B80-9DB1-F1B175DC4718}" dt="2020-05-12T15:06:10.705" v="185"/>
-          <pc:sldLayoutMkLst>
-            <pc:docMk/>
-            <pc:sldMasterMk cId="761902376" sldId="2147483672"/>
-            <pc:sldLayoutMk cId="4199833453" sldId="2147483688"/>
-          </pc:sldLayoutMkLst>
-        </pc:sldLayoutChg>
-        <pc:sldLayoutChg chg="add del mod replId">
-          <pc:chgData name="Oskar Świerczek" userId="S::oswiercz@student.agh.edu.pl::617318f4-811a-474e-9827-c5bfb0bd343d" providerId="AD" clId="Web-{5F26FCDD-5F59-8B80-9DB1-F1B175DC4718}" dt="2020-05-12T15:06:10.705" v="185"/>
-          <pc:sldLayoutMkLst>
-            <pc:docMk/>
-            <pc:sldMasterMk cId="761902376" sldId="2147483672"/>
-            <pc:sldLayoutMk cId="2645783446" sldId="2147483689"/>
-          </pc:sldLayoutMkLst>
-        </pc:sldLayoutChg>
-      </pc:sldMasterChg>
-      <pc:sldMasterChg chg="add del addSldLayout delSldLayout modSldLayout">
-        <pc:chgData name="Oskar Świerczek" userId="S::oswiercz@student.agh.edu.pl::617318f4-811a-474e-9827-c5bfb0bd343d" providerId="AD" clId="Web-{5F26FCDD-5F59-8B80-9DB1-F1B175DC4718}" dt="2020-05-12T15:06:17.425" v="186"/>
-        <pc:sldMasterMkLst>
-          <pc:docMk/>
-          <pc:sldMasterMk cId="4277236078" sldId="2147483690"/>
-        </pc:sldMasterMkLst>
-        <pc:sldLayoutChg chg="add del mod replId">
-          <pc:chgData name="Oskar Świerczek" userId="S::oswiercz@student.agh.edu.pl::617318f4-811a-474e-9827-c5bfb0bd343d" providerId="AD" clId="Web-{5F26FCDD-5F59-8B80-9DB1-F1B175DC4718}" dt="2020-05-12T15:06:17.425" v="186"/>
-          <pc:sldLayoutMkLst>
-            <pc:docMk/>
-            <pc:sldMasterMk cId="4277236078" sldId="2147483690"/>
-            <pc:sldLayoutMk cId="4288558474" sldId="2147483691"/>
-          </pc:sldLayoutMkLst>
-        </pc:sldLayoutChg>
-        <pc:sldLayoutChg chg="add del mod replId">
-          <pc:chgData name="Oskar Świerczek" userId="S::oswiercz@student.agh.edu.pl::617318f4-811a-474e-9827-c5bfb0bd343d" providerId="AD" clId="Web-{5F26FCDD-5F59-8B80-9DB1-F1B175DC4718}" dt="2020-05-12T15:06:17.425" v="186"/>
-          <pc:sldLayoutMkLst>
-            <pc:docMk/>
-            <pc:sldMasterMk cId="4277236078" sldId="2147483690"/>
-            <pc:sldLayoutMk cId="3975535023" sldId="2147483692"/>
-          </pc:sldLayoutMkLst>
-        </pc:sldLayoutChg>
-        <pc:sldLayoutChg chg="add del mod replId">
-          <pc:chgData name="Oskar Świerczek" userId="S::oswiercz@student.agh.edu.pl::617318f4-811a-474e-9827-c5bfb0bd343d" providerId="AD" clId="Web-{5F26FCDD-5F59-8B80-9DB1-F1B175DC4718}" dt="2020-05-12T15:06:17.425" v="186"/>
-          <pc:sldLayoutMkLst>
-            <pc:docMk/>
-            <pc:sldMasterMk cId="4277236078" sldId="2147483690"/>
-            <pc:sldLayoutMk cId="3574597999" sldId="2147483693"/>
-          </pc:sldLayoutMkLst>
-        </pc:sldLayoutChg>
-        <pc:sldLayoutChg chg="add del mod replId">
-          <pc:chgData name="Oskar Świerczek" userId="S::oswiercz@student.agh.edu.pl::617318f4-811a-474e-9827-c5bfb0bd343d" providerId="AD" clId="Web-{5F26FCDD-5F59-8B80-9DB1-F1B175DC4718}" dt="2020-05-12T15:06:17.425" v="186"/>
-          <pc:sldLayoutMkLst>
-            <pc:docMk/>
-            <pc:sldMasterMk cId="4277236078" sldId="2147483690"/>
-            <pc:sldLayoutMk cId="2905187988" sldId="2147483694"/>
-          </pc:sldLayoutMkLst>
-        </pc:sldLayoutChg>
-        <pc:sldLayoutChg chg="add del mod replId">
-          <pc:chgData name="Oskar Świerczek" userId="S::oswiercz@student.agh.edu.pl::617318f4-811a-474e-9827-c5bfb0bd343d" providerId="AD" clId="Web-{5F26FCDD-5F59-8B80-9DB1-F1B175DC4718}" dt="2020-05-12T15:06:17.425" v="186"/>
-          <pc:sldLayoutMkLst>
-            <pc:docMk/>
-            <pc:sldMasterMk cId="4277236078" sldId="2147483690"/>
-            <pc:sldLayoutMk cId="3992846446" sldId="2147483695"/>
-          </pc:sldLayoutMkLst>
-        </pc:sldLayoutChg>
-        <pc:sldLayoutChg chg="add del mod replId">
-          <pc:chgData name="Oskar Świerczek" userId="S::oswiercz@student.agh.edu.pl::617318f4-811a-474e-9827-c5bfb0bd343d" providerId="AD" clId="Web-{5F26FCDD-5F59-8B80-9DB1-F1B175DC4718}" dt="2020-05-12T15:06:17.425" v="186"/>
-          <pc:sldLayoutMkLst>
-            <pc:docMk/>
-            <pc:sldMasterMk cId="4277236078" sldId="2147483690"/>
-            <pc:sldLayoutMk cId="1873530280" sldId="2147483696"/>
-          </pc:sldLayoutMkLst>
-        </pc:sldLayoutChg>
-        <pc:sldLayoutChg chg="add del mod replId">
-          <pc:chgData name="Oskar Świerczek" userId="S::oswiercz@student.agh.edu.pl::617318f4-811a-474e-9827-c5bfb0bd343d" providerId="AD" clId="Web-{5F26FCDD-5F59-8B80-9DB1-F1B175DC4718}" dt="2020-05-12T15:06:17.425" v="186"/>
-          <pc:sldLayoutMkLst>
-            <pc:docMk/>
-            <pc:sldMasterMk cId="4277236078" sldId="2147483690"/>
-            <pc:sldLayoutMk cId="2976100245" sldId="2147483697"/>
-          </pc:sldLayoutMkLst>
-        </pc:sldLayoutChg>
-        <pc:sldLayoutChg chg="add del mod replId">
-          <pc:chgData name="Oskar Świerczek" userId="S::oswiercz@student.agh.edu.pl::617318f4-811a-474e-9827-c5bfb0bd343d" providerId="AD" clId="Web-{5F26FCDD-5F59-8B80-9DB1-F1B175DC4718}" dt="2020-05-12T15:06:17.425" v="186"/>
-          <pc:sldLayoutMkLst>
-            <pc:docMk/>
-            <pc:sldMasterMk cId="4277236078" sldId="2147483690"/>
-            <pc:sldLayoutMk cId="4110499273" sldId="2147483698"/>
-          </pc:sldLayoutMkLst>
-        </pc:sldLayoutChg>
-        <pc:sldLayoutChg chg="add del mod replId">
-          <pc:chgData name="Oskar Świerczek" userId="S::oswiercz@student.agh.edu.pl::617318f4-811a-474e-9827-c5bfb0bd343d" providerId="AD" clId="Web-{5F26FCDD-5F59-8B80-9DB1-F1B175DC4718}" dt="2020-05-12T15:06:17.425" v="186"/>
-          <pc:sldLayoutMkLst>
-            <pc:docMk/>
-            <pc:sldMasterMk cId="4277236078" sldId="2147483690"/>
-            <pc:sldLayoutMk cId="2866183911" sldId="2147483699"/>
-          </pc:sldLayoutMkLst>
-        </pc:sldLayoutChg>
-        <pc:sldLayoutChg chg="add del mod replId">
-          <pc:chgData name="Oskar Świerczek" userId="S::oswiercz@student.agh.edu.pl::617318f4-811a-474e-9827-c5bfb0bd343d" providerId="AD" clId="Web-{5F26FCDD-5F59-8B80-9DB1-F1B175DC4718}" dt="2020-05-12T15:06:17.425" v="186"/>
-          <pc:sldLayoutMkLst>
-            <pc:docMk/>
-            <pc:sldMasterMk cId="4277236078" sldId="2147483690"/>
-            <pc:sldLayoutMk cId="3551943804" sldId="2147483700"/>
-          </pc:sldLayoutMkLst>
-        </pc:sldLayoutChg>
-        <pc:sldLayoutChg chg="add del mod replId">
-          <pc:chgData name="Oskar Świerczek" userId="S::oswiercz@student.agh.edu.pl::617318f4-811a-474e-9827-c5bfb0bd343d" providerId="AD" clId="Web-{5F26FCDD-5F59-8B80-9DB1-F1B175DC4718}" dt="2020-05-12T15:06:17.425" v="186"/>
-          <pc:sldLayoutMkLst>
-            <pc:docMk/>
-            <pc:sldMasterMk cId="4277236078" sldId="2147483690"/>
-            <pc:sldLayoutMk cId="3646814791" sldId="2147483701"/>
-          </pc:sldLayoutMkLst>
-        </pc:sldLayoutChg>
-        <pc:sldLayoutChg chg="add del mod replId">
-          <pc:chgData name="Oskar Świerczek" userId="S::oswiercz@student.agh.edu.pl::617318f4-811a-474e-9827-c5bfb0bd343d" providerId="AD" clId="Web-{5F26FCDD-5F59-8B80-9DB1-F1B175DC4718}" dt="2020-05-12T15:06:17.425" v="186"/>
-          <pc:sldLayoutMkLst>
-            <pc:docMk/>
-            <pc:sldMasterMk cId="4277236078" sldId="2147483690"/>
-            <pc:sldLayoutMk cId="1682374746" sldId="2147483702"/>
-          </pc:sldLayoutMkLst>
-        </pc:sldLayoutChg>
-        <pc:sldLayoutChg chg="add del mod replId">
-          <pc:chgData name="Oskar Świerczek" userId="S::oswiercz@student.agh.edu.pl::617318f4-811a-474e-9827-c5bfb0bd343d" providerId="AD" clId="Web-{5F26FCDD-5F59-8B80-9DB1-F1B175DC4718}" dt="2020-05-12T15:06:17.425" v="186"/>
-          <pc:sldLayoutMkLst>
-            <pc:docMk/>
-            <pc:sldMasterMk cId="4277236078" sldId="2147483690"/>
-            <pc:sldLayoutMk cId="3508673475" sldId="2147483703"/>
-          </pc:sldLayoutMkLst>
-        </pc:sldLayoutChg>
-        <pc:sldLayoutChg chg="add del mod replId">
-          <pc:chgData name="Oskar Świerczek" userId="S::oswiercz@student.agh.edu.pl::617318f4-811a-474e-9827-c5bfb0bd343d" providerId="AD" clId="Web-{5F26FCDD-5F59-8B80-9DB1-F1B175DC4718}" dt="2020-05-12T15:06:17.425" v="186"/>
-          <pc:sldLayoutMkLst>
-            <pc:docMk/>
-            <pc:sldMasterMk cId="4277236078" sldId="2147483690"/>
-            <pc:sldLayoutMk cId="2631587890" sldId="2147483704"/>
-          </pc:sldLayoutMkLst>
-        </pc:sldLayoutChg>
-        <pc:sldLayoutChg chg="add del mod replId">
-          <pc:chgData name="Oskar Świerczek" userId="S::oswiercz@student.agh.edu.pl::617318f4-811a-474e-9827-c5bfb0bd343d" providerId="AD" clId="Web-{5F26FCDD-5F59-8B80-9DB1-F1B175DC4718}" dt="2020-05-12T15:06:17.425" v="186"/>
-          <pc:sldLayoutMkLst>
-            <pc:docMk/>
-            <pc:sldMasterMk cId="4277236078" sldId="2147483690"/>
-            <pc:sldLayoutMk cId="871695014" sldId="2147483705"/>
-          </pc:sldLayoutMkLst>
-        </pc:sldLayoutChg>
-        <pc:sldLayoutChg chg="add del mod replId">
-          <pc:chgData name="Oskar Świerczek" userId="S::oswiercz@student.agh.edu.pl::617318f4-811a-474e-9827-c5bfb0bd343d" providerId="AD" clId="Web-{5F26FCDD-5F59-8B80-9DB1-F1B175DC4718}" dt="2020-05-12T15:06:17.425" v="186"/>
-          <pc:sldLayoutMkLst>
-            <pc:docMk/>
-            <pc:sldMasterMk cId="4277236078" sldId="2147483690"/>
-            <pc:sldLayoutMk cId="1049515370" sldId="2147483706"/>
-          </pc:sldLayoutMkLst>
-        </pc:sldLayoutChg>
-      </pc:sldMasterChg>
-      <pc:sldMasterChg chg="add del addSldLayout delSldLayout modSldLayout">
-        <pc:chgData name="Oskar Świerczek" userId="S::oswiercz@student.agh.edu.pl::617318f4-811a-474e-9827-c5bfb0bd343d" providerId="AD" clId="Web-{5F26FCDD-5F59-8B80-9DB1-F1B175DC4718}" dt="2020-05-12T15:06:28.597" v="187"/>
-        <pc:sldMasterMkLst>
-          <pc:docMk/>
-          <pc:sldMasterMk cId="463524371" sldId="2147483707"/>
-        </pc:sldMasterMkLst>
-        <pc:sldLayoutChg chg="add del mod replId">
-          <pc:chgData name="Oskar Świerczek" userId="S::oswiercz@student.agh.edu.pl::617318f4-811a-474e-9827-c5bfb0bd343d" providerId="AD" clId="Web-{5F26FCDD-5F59-8B80-9DB1-F1B175DC4718}" dt="2020-05-12T15:06:28.597" v="187"/>
-          <pc:sldLayoutMkLst>
-            <pc:docMk/>
-            <pc:sldMasterMk cId="463524371" sldId="2147483707"/>
-            <pc:sldLayoutMk cId="240042333" sldId="2147483708"/>
-          </pc:sldLayoutMkLst>
-        </pc:sldLayoutChg>
-        <pc:sldLayoutChg chg="add del mod replId">
-          <pc:chgData name="Oskar Świerczek" userId="S::oswiercz@student.agh.edu.pl::617318f4-811a-474e-9827-c5bfb0bd343d" providerId="AD" clId="Web-{5F26FCDD-5F59-8B80-9DB1-F1B175DC4718}" dt="2020-05-12T15:06:28.597" v="187"/>
-          <pc:sldLayoutMkLst>
-            <pc:docMk/>
-            <pc:sldMasterMk cId="463524371" sldId="2147483707"/>
-            <pc:sldLayoutMk cId="3276481920" sldId="2147483709"/>
-          </pc:sldLayoutMkLst>
-        </pc:sldLayoutChg>
-        <pc:sldLayoutChg chg="add del mod replId">
-          <pc:chgData name="Oskar Świerczek" userId="S::oswiercz@student.agh.edu.pl::617318f4-811a-474e-9827-c5bfb0bd343d" providerId="AD" clId="Web-{5F26FCDD-5F59-8B80-9DB1-F1B175DC4718}" dt="2020-05-12T15:06:28.597" v="187"/>
-          <pc:sldLayoutMkLst>
-            <pc:docMk/>
-            <pc:sldMasterMk cId="463524371" sldId="2147483707"/>
-            <pc:sldLayoutMk cId="3317841121" sldId="2147483710"/>
-          </pc:sldLayoutMkLst>
-        </pc:sldLayoutChg>
-        <pc:sldLayoutChg chg="add del mod replId">
-          <pc:chgData name="Oskar Świerczek" userId="S::oswiercz@student.agh.edu.pl::617318f4-811a-474e-9827-c5bfb0bd343d" providerId="AD" clId="Web-{5F26FCDD-5F59-8B80-9DB1-F1B175DC4718}" dt="2020-05-12T15:06:28.597" v="187"/>
-          <pc:sldLayoutMkLst>
-            <pc:docMk/>
-            <pc:sldMasterMk cId="463524371" sldId="2147483707"/>
-            <pc:sldLayoutMk cId="3818618459" sldId="2147483711"/>
-          </pc:sldLayoutMkLst>
-        </pc:sldLayoutChg>
-        <pc:sldLayoutChg chg="add del mod replId">
-          <pc:chgData name="Oskar Świerczek" userId="S::oswiercz@student.agh.edu.pl::617318f4-811a-474e-9827-c5bfb0bd343d" providerId="AD" clId="Web-{5F26FCDD-5F59-8B80-9DB1-F1B175DC4718}" dt="2020-05-12T15:06:28.597" v="187"/>
-          <pc:sldLayoutMkLst>
-            <pc:docMk/>
-            <pc:sldMasterMk cId="463524371" sldId="2147483707"/>
-            <pc:sldLayoutMk cId="510326889" sldId="2147483712"/>
-          </pc:sldLayoutMkLst>
-        </pc:sldLayoutChg>
-        <pc:sldLayoutChg chg="add del mod replId">
-          <pc:chgData name="Oskar Świerczek" userId="S::oswiercz@student.agh.edu.pl::617318f4-811a-474e-9827-c5bfb0bd343d" providerId="AD" clId="Web-{5F26FCDD-5F59-8B80-9DB1-F1B175DC4718}" dt="2020-05-12T15:06:28.597" v="187"/>
-          <pc:sldLayoutMkLst>
-            <pc:docMk/>
-            <pc:sldMasterMk cId="463524371" sldId="2147483707"/>
-            <pc:sldLayoutMk cId="2276455049" sldId="2147483713"/>
-          </pc:sldLayoutMkLst>
-        </pc:sldLayoutChg>
-        <pc:sldLayoutChg chg="add del mod replId">
-          <pc:chgData name="Oskar Świerczek" userId="S::oswiercz@student.agh.edu.pl::617318f4-811a-474e-9827-c5bfb0bd343d" providerId="AD" clId="Web-{5F26FCDD-5F59-8B80-9DB1-F1B175DC4718}" dt="2020-05-12T15:06:28.597" v="187"/>
-          <pc:sldLayoutMkLst>
-            <pc:docMk/>
-            <pc:sldMasterMk cId="463524371" sldId="2147483707"/>
-            <pc:sldLayoutMk cId="3052814419" sldId="2147483714"/>
-          </pc:sldLayoutMkLst>
-        </pc:sldLayoutChg>
-        <pc:sldLayoutChg chg="add del mod replId">
-          <pc:chgData name="Oskar Świerczek" userId="S::oswiercz@student.agh.edu.pl::617318f4-811a-474e-9827-c5bfb0bd343d" providerId="AD" clId="Web-{5F26FCDD-5F59-8B80-9DB1-F1B175DC4718}" dt="2020-05-12T15:06:28.597" v="187"/>
-          <pc:sldLayoutMkLst>
-            <pc:docMk/>
-            <pc:sldMasterMk cId="463524371" sldId="2147483707"/>
-            <pc:sldLayoutMk cId="2161745327" sldId="2147483715"/>
-          </pc:sldLayoutMkLst>
-        </pc:sldLayoutChg>
-        <pc:sldLayoutChg chg="add del mod replId">
-          <pc:chgData name="Oskar Świerczek" userId="S::oswiercz@student.agh.edu.pl::617318f4-811a-474e-9827-c5bfb0bd343d" providerId="AD" clId="Web-{5F26FCDD-5F59-8B80-9DB1-F1B175DC4718}" dt="2020-05-12T15:06:28.597" v="187"/>
-          <pc:sldLayoutMkLst>
-            <pc:docMk/>
-            <pc:sldMasterMk cId="463524371" sldId="2147483707"/>
-            <pc:sldLayoutMk cId="2964673623" sldId="2147483716"/>
-          </pc:sldLayoutMkLst>
-        </pc:sldLayoutChg>
-        <pc:sldLayoutChg chg="add del mod replId">
-          <pc:chgData name="Oskar Świerczek" userId="S::oswiercz@student.agh.edu.pl::617318f4-811a-474e-9827-c5bfb0bd343d" providerId="AD" clId="Web-{5F26FCDD-5F59-8B80-9DB1-F1B175DC4718}" dt="2020-05-12T15:06:28.597" v="187"/>
-          <pc:sldLayoutMkLst>
-            <pc:docMk/>
-            <pc:sldMasterMk cId="463524371" sldId="2147483707"/>
-            <pc:sldLayoutMk cId="186076880" sldId="2147483717"/>
-          </pc:sldLayoutMkLst>
-        </pc:sldLayoutChg>
-        <pc:sldLayoutChg chg="add del mod replId">
-          <pc:chgData name="Oskar Świerczek" userId="S::oswiercz@student.agh.edu.pl::617318f4-811a-474e-9827-c5bfb0bd343d" providerId="AD" clId="Web-{5F26FCDD-5F59-8B80-9DB1-F1B175DC4718}" dt="2020-05-12T15:06:28.597" v="187"/>
-          <pc:sldLayoutMkLst>
-            <pc:docMk/>
-            <pc:sldMasterMk cId="463524371" sldId="2147483707"/>
-            <pc:sldLayoutMk cId="3582175033" sldId="2147483718"/>
-          </pc:sldLayoutMkLst>
-        </pc:sldLayoutChg>
-        <pc:sldLayoutChg chg="add del mod replId">
-          <pc:chgData name="Oskar Świerczek" userId="S::oswiercz@student.agh.edu.pl::617318f4-811a-474e-9827-c5bfb0bd343d" providerId="AD" clId="Web-{5F26FCDD-5F59-8B80-9DB1-F1B175DC4718}" dt="2020-05-12T15:06:28.597" v="187"/>
-          <pc:sldLayoutMkLst>
-            <pc:docMk/>
-            <pc:sldMasterMk cId="463524371" sldId="2147483707"/>
-            <pc:sldLayoutMk cId="2280355192" sldId="2147483719"/>
-          </pc:sldLayoutMkLst>
-        </pc:sldLayoutChg>
-        <pc:sldLayoutChg chg="add del mod replId">
-          <pc:chgData name="Oskar Świerczek" userId="S::oswiercz@student.agh.edu.pl::617318f4-811a-474e-9827-c5bfb0bd343d" providerId="AD" clId="Web-{5F26FCDD-5F59-8B80-9DB1-F1B175DC4718}" dt="2020-05-12T15:06:28.597" v="187"/>
-          <pc:sldLayoutMkLst>
-            <pc:docMk/>
-            <pc:sldMasterMk cId="463524371" sldId="2147483707"/>
-            <pc:sldLayoutMk cId="1357829921" sldId="2147483720"/>
-          </pc:sldLayoutMkLst>
-        </pc:sldLayoutChg>
-        <pc:sldLayoutChg chg="add del mod replId">
-          <pc:chgData name="Oskar Świerczek" userId="S::oswiercz@student.agh.edu.pl::617318f4-811a-474e-9827-c5bfb0bd343d" providerId="AD" clId="Web-{5F26FCDD-5F59-8B80-9DB1-F1B175DC4718}" dt="2020-05-12T15:06:28.597" v="187"/>
-          <pc:sldLayoutMkLst>
-            <pc:docMk/>
-            <pc:sldMasterMk cId="463524371" sldId="2147483707"/>
-            <pc:sldLayoutMk cId="1882793148" sldId="2147483721"/>
-          </pc:sldLayoutMkLst>
-        </pc:sldLayoutChg>
-        <pc:sldLayoutChg chg="add del mod replId">
-          <pc:chgData name="Oskar Świerczek" userId="S::oswiercz@student.agh.edu.pl::617318f4-811a-474e-9827-c5bfb0bd343d" providerId="AD" clId="Web-{5F26FCDD-5F59-8B80-9DB1-F1B175DC4718}" dt="2020-05-12T15:06:28.597" v="187"/>
-          <pc:sldLayoutMkLst>
-            <pc:docMk/>
-            <pc:sldMasterMk cId="463524371" sldId="2147483707"/>
-            <pc:sldLayoutMk cId="2977774657" sldId="2147483722"/>
-          </pc:sldLayoutMkLst>
-        </pc:sldLayoutChg>
-        <pc:sldLayoutChg chg="add del mod replId">
-          <pc:chgData name="Oskar Świerczek" userId="S::oswiercz@student.agh.edu.pl::617318f4-811a-474e-9827-c5bfb0bd343d" providerId="AD" clId="Web-{5F26FCDD-5F59-8B80-9DB1-F1B175DC4718}" dt="2020-05-12T15:06:28.597" v="187"/>
-          <pc:sldLayoutMkLst>
-            <pc:docMk/>
-            <pc:sldMasterMk cId="463524371" sldId="2147483707"/>
-            <pc:sldLayoutMk cId="3994397366" sldId="2147483723"/>
-          </pc:sldLayoutMkLst>
-        </pc:sldLayoutChg>
-      </pc:sldMasterChg>
-      <pc:sldMasterChg chg="add del addSldLayout delSldLayout modSldLayout">
-        <pc:chgData name="Oskar Świerczek" userId="S::oswiercz@student.agh.edu.pl::617318f4-811a-474e-9827-c5bfb0bd343d" providerId="AD" clId="Web-{5F26FCDD-5F59-8B80-9DB1-F1B175DC4718}" dt="2020-05-12T15:06:43.364" v="188"/>
-        <pc:sldMasterMkLst>
-          <pc:docMk/>
-          <pc:sldMasterMk cId="3717103376" sldId="2147483724"/>
-        </pc:sldMasterMkLst>
-        <pc:sldLayoutChg chg="add del mod replId">
-          <pc:chgData name="Oskar Świerczek" userId="S::oswiercz@student.agh.edu.pl::617318f4-811a-474e-9827-c5bfb0bd343d" providerId="AD" clId="Web-{5F26FCDD-5F59-8B80-9DB1-F1B175DC4718}" dt="2020-05-12T15:06:43.364" v="188"/>
-          <pc:sldLayoutMkLst>
-            <pc:docMk/>
-            <pc:sldMasterMk cId="3717103376" sldId="2147483724"/>
-            <pc:sldLayoutMk cId="123208949" sldId="2147483725"/>
-          </pc:sldLayoutMkLst>
-        </pc:sldLayoutChg>
-        <pc:sldLayoutChg chg="add del mod replId">
-          <pc:chgData name="Oskar Świerczek" userId="S::oswiercz@student.agh.edu.pl::617318f4-811a-474e-9827-c5bfb0bd343d" providerId="AD" clId="Web-{5F26FCDD-5F59-8B80-9DB1-F1B175DC4718}" dt="2020-05-12T15:06:43.364" v="188"/>
-          <pc:sldLayoutMkLst>
-            <pc:docMk/>
-            <pc:sldMasterMk cId="3717103376" sldId="2147483724"/>
-            <pc:sldLayoutMk cId="1170978498" sldId="2147483726"/>
-          </pc:sldLayoutMkLst>
-        </pc:sldLayoutChg>
-        <pc:sldLayoutChg chg="add del mod replId">
-          <pc:chgData name="Oskar Świerczek" userId="S::oswiercz@student.agh.edu.pl::617318f4-811a-474e-9827-c5bfb0bd343d" providerId="AD" clId="Web-{5F26FCDD-5F59-8B80-9DB1-F1B175DC4718}" dt="2020-05-12T15:06:43.364" v="188"/>
-          <pc:sldLayoutMkLst>
-            <pc:docMk/>
-            <pc:sldMasterMk cId="3717103376" sldId="2147483724"/>
-            <pc:sldLayoutMk cId="3302431034" sldId="2147483727"/>
-          </pc:sldLayoutMkLst>
-        </pc:sldLayoutChg>
-        <pc:sldLayoutChg chg="add del mod replId">
-          <pc:chgData name="Oskar Świerczek" userId="S::oswiercz@student.agh.edu.pl::617318f4-811a-474e-9827-c5bfb0bd343d" providerId="AD" clId="Web-{5F26FCDD-5F59-8B80-9DB1-F1B175DC4718}" dt="2020-05-12T15:06:43.364" v="188"/>
-          <pc:sldLayoutMkLst>
-            <pc:docMk/>
-            <pc:sldMasterMk cId="3717103376" sldId="2147483724"/>
-            <pc:sldLayoutMk cId="1128369787" sldId="2147483728"/>
-          </pc:sldLayoutMkLst>
-        </pc:sldLayoutChg>
-        <pc:sldLayoutChg chg="add del mod replId">
-          <pc:chgData name="Oskar Świerczek" userId="S::oswiercz@student.agh.edu.pl::617318f4-811a-474e-9827-c5bfb0bd343d" providerId="AD" clId="Web-{5F26FCDD-5F59-8B80-9DB1-F1B175DC4718}" dt="2020-05-12T15:06:43.364" v="188"/>
-          <pc:sldLayoutMkLst>
-            <pc:docMk/>
-            <pc:sldMasterMk cId="3717103376" sldId="2147483724"/>
-            <pc:sldLayoutMk cId="4271089744" sldId="2147483729"/>
-          </pc:sldLayoutMkLst>
-        </pc:sldLayoutChg>
-        <pc:sldLayoutChg chg="add del mod replId">
-          <pc:chgData name="Oskar Świerczek" userId="S::oswiercz@student.agh.edu.pl::617318f4-811a-474e-9827-c5bfb0bd343d" providerId="AD" clId="Web-{5F26FCDD-5F59-8B80-9DB1-F1B175DC4718}" dt="2020-05-12T15:06:43.364" v="188"/>
-          <pc:sldLayoutMkLst>
-            <pc:docMk/>
-            <pc:sldMasterMk cId="3717103376" sldId="2147483724"/>
-            <pc:sldLayoutMk cId="3406902879" sldId="2147483730"/>
-          </pc:sldLayoutMkLst>
-        </pc:sldLayoutChg>
-        <pc:sldLayoutChg chg="add del mod replId">
-          <pc:chgData name="Oskar Świerczek" userId="S::oswiercz@student.agh.edu.pl::617318f4-811a-474e-9827-c5bfb0bd343d" providerId="AD" clId="Web-{5F26FCDD-5F59-8B80-9DB1-F1B175DC4718}" dt="2020-05-12T15:06:43.364" v="188"/>
-          <pc:sldLayoutMkLst>
-            <pc:docMk/>
-            <pc:sldMasterMk cId="3717103376" sldId="2147483724"/>
-            <pc:sldLayoutMk cId="3474272727" sldId="2147483731"/>
-          </pc:sldLayoutMkLst>
-        </pc:sldLayoutChg>
-        <pc:sldLayoutChg chg="add del mod replId">
-          <pc:chgData name="Oskar Świerczek" userId="S::oswiercz@student.agh.edu.pl::617318f4-811a-474e-9827-c5bfb0bd343d" providerId="AD" clId="Web-{5F26FCDD-5F59-8B80-9DB1-F1B175DC4718}" dt="2020-05-12T15:06:43.364" v="188"/>
-          <pc:sldLayoutMkLst>
-            <pc:docMk/>
-            <pc:sldMasterMk cId="3717103376" sldId="2147483724"/>
-            <pc:sldLayoutMk cId="319443629" sldId="2147483732"/>
-          </pc:sldLayoutMkLst>
-        </pc:sldLayoutChg>
-        <pc:sldLayoutChg chg="add del mod replId">
-          <pc:chgData name="Oskar Świerczek" userId="S::oswiercz@student.agh.edu.pl::617318f4-811a-474e-9827-c5bfb0bd343d" providerId="AD" clId="Web-{5F26FCDD-5F59-8B80-9DB1-F1B175DC4718}" dt="2020-05-12T15:06:43.364" v="188"/>
-          <pc:sldLayoutMkLst>
-            <pc:docMk/>
-            <pc:sldMasterMk cId="3717103376" sldId="2147483724"/>
-            <pc:sldLayoutMk cId="2554373740" sldId="2147483733"/>
-          </pc:sldLayoutMkLst>
-        </pc:sldLayoutChg>
-        <pc:sldLayoutChg chg="add del mod replId">
-          <pc:chgData name="Oskar Świerczek" userId="S::oswiercz@student.agh.edu.pl::617318f4-811a-474e-9827-c5bfb0bd343d" providerId="AD" clId="Web-{5F26FCDD-5F59-8B80-9DB1-F1B175DC4718}" dt="2020-05-12T15:06:43.364" v="188"/>
-          <pc:sldLayoutMkLst>
-            <pc:docMk/>
-            <pc:sldMasterMk cId="3717103376" sldId="2147483724"/>
-            <pc:sldLayoutMk cId="1445628694" sldId="2147483734"/>
-          </pc:sldLayoutMkLst>
-        </pc:sldLayoutChg>
-        <pc:sldLayoutChg chg="add del mod replId">
-          <pc:chgData name="Oskar Świerczek" userId="S::oswiercz@student.agh.edu.pl::617318f4-811a-474e-9827-c5bfb0bd343d" providerId="AD" clId="Web-{5F26FCDD-5F59-8B80-9DB1-F1B175DC4718}" dt="2020-05-12T15:06:43.364" v="188"/>
-          <pc:sldLayoutMkLst>
-            <pc:docMk/>
-            <pc:sldMasterMk cId="3717103376" sldId="2147483724"/>
-            <pc:sldLayoutMk cId="1958301946" sldId="2147483735"/>
-          </pc:sldLayoutMkLst>
-        </pc:sldLayoutChg>
-      </pc:sldMasterChg>
-      <pc:sldMasterChg chg="add del addSldLayout delSldLayout modSldLayout">
-        <pc:chgData name="Oskar Świerczek" userId="S::oswiercz@student.agh.edu.pl::617318f4-811a-474e-9827-c5bfb0bd343d" providerId="AD" clId="Web-{5F26FCDD-5F59-8B80-9DB1-F1B175DC4718}" dt="2020-05-12T15:06:53.849" v="189"/>
-        <pc:sldMasterMkLst>
-          <pc:docMk/>
-          <pc:sldMasterMk cId="3486858067" sldId="2147483736"/>
-        </pc:sldMasterMkLst>
-        <pc:sldLayoutChg chg="add del mod replId">
-          <pc:chgData name="Oskar Świerczek" userId="S::oswiercz@student.agh.edu.pl::617318f4-811a-474e-9827-c5bfb0bd343d" providerId="AD" clId="Web-{5F26FCDD-5F59-8B80-9DB1-F1B175DC4718}" dt="2020-05-12T15:06:53.849" v="189"/>
-          <pc:sldLayoutMkLst>
-            <pc:docMk/>
-            <pc:sldMasterMk cId="3486858067" sldId="2147483736"/>
-            <pc:sldLayoutMk cId="3285815400" sldId="2147483737"/>
-          </pc:sldLayoutMkLst>
-        </pc:sldLayoutChg>
-        <pc:sldLayoutChg chg="add del mod replId">
-          <pc:chgData name="Oskar Świerczek" userId="S::oswiercz@student.agh.edu.pl::617318f4-811a-474e-9827-c5bfb0bd343d" providerId="AD" clId="Web-{5F26FCDD-5F59-8B80-9DB1-F1B175DC4718}" dt="2020-05-12T15:06:53.849" v="189"/>
-          <pc:sldLayoutMkLst>
-            <pc:docMk/>
-            <pc:sldMasterMk cId="3486858067" sldId="2147483736"/>
-            <pc:sldLayoutMk cId="3649706300" sldId="2147483738"/>
-          </pc:sldLayoutMkLst>
-        </pc:sldLayoutChg>
-        <pc:sldLayoutChg chg="add del mod replId">
-          <pc:chgData name="Oskar Świerczek" userId="S::oswiercz@student.agh.edu.pl::617318f4-811a-474e-9827-c5bfb0bd343d" providerId="AD" clId="Web-{5F26FCDD-5F59-8B80-9DB1-F1B175DC4718}" dt="2020-05-12T15:06:53.849" v="189"/>
-          <pc:sldLayoutMkLst>
-            <pc:docMk/>
-            <pc:sldMasterMk cId="3486858067" sldId="2147483736"/>
-            <pc:sldLayoutMk cId="3509607188" sldId="2147483739"/>
-          </pc:sldLayoutMkLst>
-        </pc:sldLayoutChg>
-        <pc:sldLayoutChg chg="add del mod replId">
-          <pc:chgData name="Oskar Świerczek" userId="S::oswiercz@student.agh.edu.pl::617318f4-811a-474e-9827-c5bfb0bd343d" providerId="AD" clId="Web-{5F26FCDD-5F59-8B80-9DB1-F1B175DC4718}" dt="2020-05-12T15:06:53.849" v="189"/>
-          <pc:sldLayoutMkLst>
-            <pc:docMk/>
-            <pc:sldMasterMk cId="3486858067" sldId="2147483736"/>
-            <pc:sldLayoutMk cId="1832235330" sldId="2147483740"/>
-          </pc:sldLayoutMkLst>
-        </pc:sldLayoutChg>
-        <pc:sldLayoutChg chg="add del mod replId">
-          <pc:chgData name="Oskar Świerczek" userId="S::oswiercz@student.agh.edu.pl::617318f4-811a-474e-9827-c5bfb0bd343d" providerId="AD" clId="Web-{5F26FCDD-5F59-8B80-9DB1-F1B175DC4718}" dt="2020-05-12T15:06:53.849" v="189"/>
-          <pc:sldLayoutMkLst>
-            <pc:docMk/>
-            <pc:sldMasterMk cId="3486858067" sldId="2147483736"/>
-            <pc:sldLayoutMk cId="3781894154" sldId="2147483741"/>
-          </pc:sldLayoutMkLst>
-        </pc:sldLayoutChg>
-        <pc:sldLayoutChg chg="add del mod replId">
-          <pc:chgData name="Oskar Świerczek" userId="S::oswiercz@student.agh.edu.pl::617318f4-811a-474e-9827-c5bfb0bd343d" providerId="AD" clId="Web-{5F26FCDD-5F59-8B80-9DB1-F1B175DC4718}" dt="2020-05-12T15:06:53.849" v="189"/>
-          <pc:sldLayoutMkLst>
-            <pc:docMk/>
-            <pc:sldMasterMk cId="3486858067" sldId="2147483736"/>
-            <pc:sldLayoutMk cId="330717603" sldId="2147483742"/>
-          </pc:sldLayoutMkLst>
-        </pc:sldLayoutChg>
-        <pc:sldLayoutChg chg="add del mod replId">
-          <pc:chgData name="Oskar Świerczek" userId="S::oswiercz@student.agh.edu.pl::617318f4-811a-474e-9827-c5bfb0bd343d" providerId="AD" clId="Web-{5F26FCDD-5F59-8B80-9DB1-F1B175DC4718}" dt="2020-05-12T15:06:53.849" v="189"/>
-          <pc:sldLayoutMkLst>
-            <pc:docMk/>
-            <pc:sldMasterMk cId="3486858067" sldId="2147483736"/>
-            <pc:sldLayoutMk cId="4001165236" sldId="2147483743"/>
-          </pc:sldLayoutMkLst>
-        </pc:sldLayoutChg>
-        <pc:sldLayoutChg chg="add del mod replId">
-          <pc:chgData name="Oskar Świerczek" userId="S::oswiercz@student.agh.edu.pl::617318f4-811a-474e-9827-c5bfb0bd343d" providerId="AD" clId="Web-{5F26FCDD-5F59-8B80-9DB1-F1B175DC4718}" dt="2020-05-12T15:06:53.849" v="189"/>
-          <pc:sldLayoutMkLst>
-            <pc:docMk/>
-            <pc:sldMasterMk cId="3486858067" sldId="2147483736"/>
-            <pc:sldLayoutMk cId="3823697175" sldId="2147483744"/>
-          </pc:sldLayoutMkLst>
-        </pc:sldLayoutChg>
-        <pc:sldLayoutChg chg="add del mod replId">
-          <pc:chgData name="Oskar Świerczek" userId="S::oswiercz@student.agh.edu.pl::617318f4-811a-474e-9827-c5bfb0bd343d" providerId="AD" clId="Web-{5F26FCDD-5F59-8B80-9DB1-F1B175DC4718}" dt="2020-05-12T15:06:53.849" v="189"/>
-          <pc:sldLayoutMkLst>
-            <pc:docMk/>
-            <pc:sldMasterMk cId="3486858067" sldId="2147483736"/>
-            <pc:sldLayoutMk cId="194724314" sldId="2147483745"/>
-          </pc:sldLayoutMkLst>
-        </pc:sldLayoutChg>
-        <pc:sldLayoutChg chg="add del mod replId">
-          <pc:chgData name="Oskar Świerczek" userId="S::oswiercz@student.agh.edu.pl::617318f4-811a-474e-9827-c5bfb0bd343d" providerId="AD" clId="Web-{5F26FCDD-5F59-8B80-9DB1-F1B175DC4718}" dt="2020-05-12T15:06:53.849" v="189"/>
-          <pc:sldLayoutMkLst>
-            <pc:docMk/>
-            <pc:sldMasterMk cId="3486858067" sldId="2147483736"/>
-            <pc:sldLayoutMk cId="3222738581" sldId="2147483746"/>
-          </pc:sldLayoutMkLst>
-        </pc:sldLayoutChg>
-        <pc:sldLayoutChg chg="add del mod replId">
-          <pc:chgData name="Oskar Świerczek" userId="S::oswiercz@student.agh.edu.pl::617318f4-811a-474e-9827-c5bfb0bd343d" providerId="AD" clId="Web-{5F26FCDD-5F59-8B80-9DB1-F1B175DC4718}" dt="2020-05-12T15:06:53.849" v="189"/>
-          <pc:sldLayoutMkLst>
-            <pc:docMk/>
-            <pc:sldMasterMk cId="3486858067" sldId="2147483736"/>
-            <pc:sldLayoutMk cId="2404425752" sldId="2147483747"/>
-          </pc:sldLayoutMkLst>
-        </pc:sldLayoutChg>
-        <pc:sldLayoutChg chg="add del mod replId">
-          <pc:chgData name="Oskar Świerczek" userId="S::oswiercz@student.agh.edu.pl::617318f4-811a-474e-9827-c5bfb0bd343d" providerId="AD" clId="Web-{5F26FCDD-5F59-8B80-9DB1-F1B175DC4718}" dt="2020-05-12T15:06:53.849" v="189"/>
-          <pc:sldLayoutMkLst>
-            <pc:docMk/>
-            <pc:sldMasterMk cId="3486858067" sldId="2147483736"/>
-            <pc:sldLayoutMk cId="98831714" sldId="2147483748"/>
-          </pc:sldLayoutMkLst>
-        </pc:sldLayoutChg>
-        <pc:sldLayoutChg chg="add del mod replId">
-          <pc:chgData name="Oskar Świerczek" userId="S::oswiercz@student.agh.edu.pl::617318f4-811a-474e-9827-c5bfb0bd343d" providerId="AD" clId="Web-{5F26FCDD-5F59-8B80-9DB1-F1B175DC4718}" dt="2020-05-12T15:06:53.849" v="189"/>
-          <pc:sldLayoutMkLst>
-            <pc:docMk/>
-            <pc:sldMasterMk cId="3486858067" sldId="2147483736"/>
-            <pc:sldLayoutMk cId="1449133278" sldId="2147483749"/>
-          </pc:sldLayoutMkLst>
-        </pc:sldLayoutChg>
-        <pc:sldLayoutChg chg="add del mod replId">
-          <pc:chgData name="Oskar Świerczek" userId="S::oswiercz@student.agh.edu.pl::617318f4-811a-474e-9827-c5bfb0bd343d" providerId="AD" clId="Web-{5F26FCDD-5F59-8B80-9DB1-F1B175DC4718}" dt="2020-05-12T15:06:53.849" v="189"/>
-          <pc:sldLayoutMkLst>
-            <pc:docMk/>
-            <pc:sldMasterMk cId="3486858067" sldId="2147483736"/>
-            <pc:sldLayoutMk cId="1625874512" sldId="2147483750"/>
-          </pc:sldLayoutMkLst>
-        </pc:sldLayoutChg>
-      </pc:sldMasterChg>
-      <pc:sldMasterChg chg="add del addSldLayout delSldLayout modSldLayout">
-        <pc:chgData name="Oskar Świerczek" userId="S::oswiercz@student.agh.edu.pl::617318f4-811a-474e-9827-c5bfb0bd343d" providerId="AD" clId="Web-{5F26FCDD-5F59-8B80-9DB1-F1B175DC4718}" dt="2020-05-12T15:07:06.600" v="190"/>
-        <pc:sldMasterMkLst>
-          <pc:docMk/>
-          <pc:sldMasterMk cId="3012552750" sldId="2147483751"/>
-        </pc:sldMasterMkLst>
-        <pc:sldLayoutChg chg="add del mod replId">
-          <pc:chgData name="Oskar Świerczek" userId="S::oswiercz@student.agh.edu.pl::617318f4-811a-474e-9827-c5bfb0bd343d" providerId="AD" clId="Web-{5F26FCDD-5F59-8B80-9DB1-F1B175DC4718}" dt="2020-05-12T15:07:06.600" v="190"/>
-          <pc:sldLayoutMkLst>
-            <pc:docMk/>
-            <pc:sldMasterMk cId="3012552750" sldId="2147483751"/>
-            <pc:sldLayoutMk cId="1819852557" sldId="2147483752"/>
-          </pc:sldLayoutMkLst>
-        </pc:sldLayoutChg>
-        <pc:sldLayoutChg chg="add del mod replId">
-          <pc:chgData name="Oskar Świerczek" userId="S::oswiercz@student.agh.edu.pl::617318f4-811a-474e-9827-c5bfb0bd343d" providerId="AD" clId="Web-{5F26FCDD-5F59-8B80-9DB1-F1B175DC4718}" dt="2020-05-12T15:07:06.600" v="190"/>
-          <pc:sldLayoutMkLst>
-            <pc:docMk/>
-            <pc:sldMasterMk cId="3012552750" sldId="2147483751"/>
-            <pc:sldLayoutMk cId="4285177513" sldId="2147483753"/>
-          </pc:sldLayoutMkLst>
-        </pc:sldLayoutChg>
-        <pc:sldLayoutChg chg="add del mod replId">
-          <pc:chgData name="Oskar Świerczek" userId="S::oswiercz@student.agh.edu.pl::617318f4-811a-474e-9827-c5bfb0bd343d" providerId="AD" clId="Web-{5F26FCDD-5F59-8B80-9DB1-F1B175DC4718}" dt="2020-05-12T15:07:06.600" v="190"/>
-          <pc:sldLayoutMkLst>
-            <pc:docMk/>
-            <pc:sldMasterMk cId="3012552750" sldId="2147483751"/>
-            <pc:sldLayoutMk cId="44160696" sldId="2147483754"/>
-          </pc:sldLayoutMkLst>
-        </pc:sldLayoutChg>
-        <pc:sldLayoutChg chg="add del mod replId">
-          <pc:chgData name="Oskar Świerczek" userId="S::oswiercz@student.agh.edu.pl::617318f4-811a-474e-9827-c5bfb0bd343d" providerId="AD" clId="Web-{5F26FCDD-5F59-8B80-9DB1-F1B175DC4718}" dt="2020-05-12T15:07:06.600" v="190"/>
-          <pc:sldLayoutMkLst>
-            <pc:docMk/>
-            <pc:sldMasterMk cId="3012552750" sldId="2147483751"/>
-            <pc:sldLayoutMk cId="2283563387" sldId="2147483755"/>
-          </pc:sldLayoutMkLst>
-        </pc:sldLayoutChg>
-        <pc:sldLayoutChg chg="add del mod replId">
-          <pc:chgData name="Oskar Świerczek" userId="S::oswiercz@student.agh.edu.pl::617318f4-811a-474e-9827-c5bfb0bd343d" providerId="AD" clId="Web-{5F26FCDD-5F59-8B80-9DB1-F1B175DC4718}" dt="2020-05-12T15:07:06.600" v="190"/>
-          <pc:sldLayoutMkLst>
-            <pc:docMk/>
-            <pc:sldMasterMk cId="3012552750" sldId="2147483751"/>
-            <pc:sldLayoutMk cId="138911686" sldId="2147483756"/>
-          </pc:sldLayoutMkLst>
-        </pc:sldLayoutChg>
-        <pc:sldLayoutChg chg="add del mod replId">
-          <pc:chgData name="Oskar Świerczek" userId="S::oswiercz@student.agh.edu.pl::617318f4-811a-474e-9827-c5bfb0bd343d" providerId="AD" clId="Web-{5F26FCDD-5F59-8B80-9DB1-F1B175DC4718}" dt="2020-05-12T15:07:06.600" v="190"/>
-          <pc:sldLayoutMkLst>
-            <pc:docMk/>
-            <pc:sldMasterMk cId="3012552750" sldId="2147483751"/>
-            <pc:sldLayoutMk cId="1953920110" sldId="2147483757"/>
-          </pc:sldLayoutMkLst>
-        </pc:sldLayoutChg>
-        <pc:sldLayoutChg chg="add del mod replId">
-          <pc:chgData name="Oskar Świerczek" userId="S::oswiercz@student.agh.edu.pl::617318f4-811a-474e-9827-c5bfb0bd343d" providerId="AD" clId="Web-{5F26FCDD-5F59-8B80-9DB1-F1B175DC4718}" dt="2020-05-12T15:07:06.600" v="190"/>
-          <pc:sldLayoutMkLst>
-            <pc:docMk/>
-            <pc:sldMasterMk cId="3012552750" sldId="2147483751"/>
-            <pc:sldLayoutMk cId="1285444359" sldId="2147483758"/>
-          </pc:sldLayoutMkLst>
-        </pc:sldLayoutChg>
-        <pc:sldLayoutChg chg="add del mod replId">
-          <pc:chgData name="Oskar Świerczek" userId="S::oswiercz@student.agh.edu.pl::617318f4-811a-474e-9827-c5bfb0bd343d" providerId="AD" clId="Web-{5F26FCDD-5F59-8B80-9DB1-F1B175DC4718}" dt="2020-05-12T15:07:06.600" v="190"/>
-          <pc:sldLayoutMkLst>
-            <pc:docMk/>
-            <pc:sldMasterMk cId="3012552750" sldId="2147483751"/>
-            <pc:sldLayoutMk cId="4234003068" sldId="2147483759"/>
-          </pc:sldLayoutMkLst>
-        </pc:sldLayoutChg>
-        <pc:sldLayoutChg chg="add del mod replId">
-          <pc:chgData name="Oskar Świerczek" userId="S::oswiercz@student.agh.edu.pl::617318f4-811a-474e-9827-c5bfb0bd343d" providerId="AD" clId="Web-{5F26FCDD-5F59-8B80-9DB1-F1B175DC4718}" dt="2020-05-12T15:07:06.600" v="190"/>
-          <pc:sldLayoutMkLst>
-            <pc:docMk/>
-            <pc:sldMasterMk cId="3012552750" sldId="2147483751"/>
-            <pc:sldLayoutMk cId="1571631089" sldId="2147483760"/>
-          </pc:sldLayoutMkLst>
-        </pc:sldLayoutChg>
-        <pc:sldLayoutChg chg="add del mod replId">
-          <pc:chgData name="Oskar Świerczek" userId="S::oswiercz@student.agh.edu.pl::617318f4-811a-474e-9827-c5bfb0bd343d" providerId="AD" clId="Web-{5F26FCDD-5F59-8B80-9DB1-F1B175DC4718}" dt="2020-05-12T15:07:06.600" v="190"/>
-          <pc:sldLayoutMkLst>
-            <pc:docMk/>
-            <pc:sldMasterMk cId="3012552750" sldId="2147483751"/>
-            <pc:sldLayoutMk cId="4175483216" sldId="2147483761"/>
-          </pc:sldLayoutMkLst>
-        </pc:sldLayoutChg>
-        <pc:sldLayoutChg chg="add del mod replId">
-          <pc:chgData name="Oskar Świerczek" userId="S::oswiercz@student.agh.edu.pl::617318f4-811a-474e-9827-c5bfb0bd343d" providerId="AD" clId="Web-{5F26FCDD-5F59-8B80-9DB1-F1B175DC4718}" dt="2020-05-12T15:07:06.600" v="190"/>
-          <pc:sldLayoutMkLst>
-            <pc:docMk/>
-            <pc:sldMasterMk cId="3012552750" sldId="2147483751"/>
-            <pc:sldLayoutMk cId="3003045786" sldId="2147483762"/>
-          </pc:sldLayoutMkLst>
-        </pc:sldLayoutChg>
-      </pc:sldMasterChg>
-      <pc:sldMasterChg chg="add del addSldLayout delSldLayout modSldLayout">
-        <pc:chgData name="Oskar Świerczek" userId="S::oswiercz@student.agh.edu.pl::617318f4-811a-474e-9827-c5bfb0bd343d" providerId="AD" clId="Web-{5F26FCDD-5F59-8B80-9DB1-F1B175DC4718}" dt="2020-05-12T15:07:12.381" v="191"/>
-        <pc:sldMasterMkLst>
-          <pc:docMk/>
-          <pc:sldMasterMk cId="2332154797" sldId="2147483763"/>
-        </pc:sldMasterMkLst>
-        <pc:sldLayoutChg chg="add del mod replId">
-          <pc:chgData name="Oskar Świerczek" userId="S::oswiercz@student.agh.edu.pl::617318f4-811a-474e-9827-c5bfb0bd343d" providerId="AD" clId="Web-{5F26FCDD-5F59-8B80-9DB1-F1B175DC4718}" dt="2020-05-12T15:07:12.381" v="191"/>
-          <pc:sldLayoutMkLst>
-            <pc:docMk/>
-            <pc:sldMasterMk cId="2332154797" sldId="2147483763"/>
-            <pc:sldLayoutMk cId="1012414449" sldId="2147483764"/>
-          </pc:sldLayoutMkLst>
-        </pc:sldLayoutChg>
-        <pc:sldLayoutChg chg="add del mod replId">
-          <pc:chgData name="Oskar Świerczek" userId="S::oswiercz@student.agh.edu.pl::617318f4-811a-474e-9827-c5bfb0bd343d" providerId="AD" clId="Web-{5F26FCDD-5F59-8B80-9DB1-F1B175DC4718}" dt="2020-05-12T15:07:12.381" v="191"/>
-          <pc:sldLayoutMkLst>
-            <pc:docMk/>
-            <pc:sldMasterMk cId="2332154797" sldId="2147483763"/>
-            <pc:sldLayoutMk cId="1786016133" sldId="2147483765"/>
-          </pc:sldLayoutMkLst>
-        </pc:sldLayoutChg>
-        <pc:sldLayoutChg chg="add del mod replId">
-          <pc:chgData name="Oskar Świerczek" userId="S::oswiercz@student.agh.edu.pl::617318f4-811a-474e-9827-c5bfb0bd343d" providerId="AD" clId="Web-{5F26FCDD-5F59-8B80-9DB1-F1B175DC4718}" dt="2020-05-12T15:07:12.381" v="191"/>
-          <pc:sldLayoutMkLst>
-            <pc:docMk/>
-            <pc:sldMasterMk cId="2332154797" sldId="2147483763"/>
-            <pc:sldLayoutMk cId="3967177880" sldId="2147483766"/>
-          </pc:sldLayoutMkLst>
-        </pc:sldLayoutChg>
-        <pc:sldLayoutChg chg="add del mod replId">
-          <pc:chgData name="Oskar Świerczek" userId="S::oswiercz@student.agh.edu.pl::617318f4-811a-474e-9827-c5bfb0bd343d" providerId="AD" clId="Web-{5F26FCDD-5F59-8B80-9DB1-F1B175DC4718}" dt="2020-05-12T15:07:12.381" v="191"/>
-          <pc:sldLayoutMkLst>
-            <pc:docMk/>
-            <pc:sldMasterMk cId="2332154797" sldId="2147483763"/>
-            <pc:sldLayoutMk cId="2548186813" sldId="2147483767"/>
-          </pc:sldLayoutMkLst>
-        </pc:sldLayoutChg>
-        <pc:sldLayoutChg chg="add del mod replId">
-          <pc:chgData name="Oskar Świerczek" userId="S::oswiercz@student.agh.edu.pl::617318f4-811a-474e-9827-c5bfb0bd343d" providerId="AD" clId="Web-{5F26FCDD-5F59-8B80-9DB1-F1B175DC4718}" dt="2020-05-12T15:07:12.381" v="191"/>
-          <pc:sldLayoutMkLst>
-            <pc:docMk/>
-            <pc:sldMasterMk cId="2332154797" sldId="2147483763"/>
-            <pc:sldLayoutMk cId="699234064" sldId="2147483768"/>
-          </pc:sldLayoutMkLst>
-        </pc:sldLayoutChg>
-        <pc:sldLayoutChg chg="add del mod replId">
-          <pc:chgData name="Oskar Świerczek" userId="S::oswiercz@student.agh.edu.pl::617318f4-811a-474e-9827-c5bfb0bd343d" providerId="AD" clId="Web-{5F26FCDD-5F59-8B80-9DB1-F1B175DC4718}" dt="2020-05-12T15:07:12.381" v="191"/>
-          <pc:sldLayoutMkLst>
-            <pc:docMk/>
-            <pc:sldMasterMk cId="2332154797" sldId="2147483763"/>
-            <pc:sldLayoutMk cId="225232620" sldId="2147483769"/>
-          </pc:sldLayoutMkLst>
-        </pc:sldLayoutChg>
-        <pc:sldLayoutChg chg="add del mod replId">
-          <pc:chgData name="Oskar Świerczek" userId="S::oswiercz@student.agh.edu.pl::617318f4-811a-474e-9827-c5bfb0bd343d" providerId="AD" clId="Web-{5F26FCDD-5F59-8B80-9DB1-F1B175DC4718}" dt="2020-05-12T15:07:12.381" v="191"/>
-          <pc:sldLayoutMkLst>
-            <pc:docMk/>
-            <pc:sldMasterMk cId="2332154797" sldId="2147483763"/>
-            <pc:sldLayoutMk cId="456831406" sldId="2147483770"/>
-          </pc:sldLayoutMkLst>
-        </pc:sldLayoutChg>
-        <pc:sldLayoutChg chg="add del mod replId">
-          <pc:chgData name="Oskar Świerczek" userId="S::oswiercz@student.agh.edu.pl::617318f4-811a-474e-9827-c5bfb0bd343d" providerId="AD" clId="Web-{5F26FCDD-5F59-8B80-9DB1-F1B175DC4718}" dt="2020-05-12T15:07:12.381" v="191"/>
-          <pc:sldLayoutMkLst>
-            <pc:docMk/>
-            <pc:sldMasterMk cId="2332154797" sldId="2147483763"/>
-            <pc:sldLayoutMk cId="1500358690" sldId="2147483771"/>
-          </pc:sldLayoutMkLst>
-        </pc:sldLayoutChg>
-        <pc:sldLayoutChg chg="add del mod replId">
-          <pc:chgData name="Oskar Świerczek" userId="S::oswiercz@student.agh.edu.pl::617318f4-811a-474e-9827-c5bfb0bd343d" providerId="AD" clId="Web-{5F26FCDD-5F59-8B80-9DB1-F1B175DC4718}" dt="2020-05-12T15:07:12.381" v="191"/>
-          <pc:sldLayoutMkLst>
-            <pc:docMk/>
-            <pc:sldMasterMk cId="2332154797" sldId="2147483763"/>
-            <pc:sldLayoutMk cId="2706803503" sldId="2147483772"/>
-          </pc:sldLayoutMkLst>
-        </pc:sldLayoutChg>
-        <pc:sldLayoutChg chg="add del mod replId">
-          <pc:chgData name="Oskar Świerczek" userId="S::oswiercz@student.agh.edu.pl::617318f4-811a-474e-9827-c5bfb0bd343d" providerId="AD" clId="Web-{5F26FCDD-5F59-8B80-9DB1-F1B175DC4718}" dt="2020-05-12T15:07:12.381" v="191"/>
-          <pc:sldLayoutMkLst>
-            <pc:docMk/>
-            <pc:sldMasterMk cId="2332154797" sldId="2147483763"/>
-            <pc:sldLayoutMk cId="927088306" sldId="2147483773"/>
-          </pc:sldLayoutMkLst>
-        </pc:sldLayoutChg>
-        <pc:sldLayoutChg chg="add del mod replId">
-          <pc:chgData name="Oskar Świerczek" userId="S::oswiercz@student.agh.edu.pl::617318f4-811a-474e-9827-c5bfb0bd343d" providerId="AD" clId="Web-{5F26FCDD-5F59-8B80-9DB1-F1B175DC4718}" dt="2020-05-12T15:07:12.381" v="191"/>
-          <pc:sldLayoutMkLst>
-            <pc:docMk/>
-            <pc:sldMasterMk cId="2332154797" sldId="2147483763"/>
-            <pc:sldLayoutMk cId="644044316" sldId="2147483774"/>
-          </pc:sldLayoutMkLst>
-        </pc:sldLayoutChg>
-      </pc:sldMasterChg>
-      <pc:sldMasterChg chg="add addSldLayout modSldLayout">
-        <pc:chgData name="Oskar Świerczek" userId="S::oswiercz@student.agh.edu.pl::617318f4-811a-474e-9827-c5bfb0bd343d" providerId="AD" clId="Web-{5F26FCDD-5F59-8B80-9DB1-F1B175DC4718}" dt="2020-05-12T15:07:12.381" v="191"/>
-        <pc:sldMasterMkLst>
-          <pc:docMk/>
-          <pc:sldMasterMk cId="1098964256" sldId="2147483775"/>
-        </pc:sldMasterMkLst>
-        <pc:sldLayoutChg chg="add mod replId">
-          <pc:chgData name="Oskar Świerczek" userId="S::oswiercz@student.agh.edu.pl::617318f4-811a-474e-9827-c5bfb0bd343d" providerId="AD" clId="Web-{5F26FCDD-5F59-8B80-9DB1-F1B175DC4718}" dt="2020-05-12T15:07:12.381" v="191"/>
-          <pc:sldLayoutMkLst>
-            <pc:docMk/>
-            <pc:sldMasterMk cId="1098964256" sldId="2147483775"/>
-            <pc:sldLayoutMk cId="1258183543" sldId="2147483776"/>
-          </pc:sldLayoutMkLst>
-        </pc:sldLayoutChg>
-        <pc:sldLayoutChg chg="add mod replId">
-          <pc:chgData name="Oskar Świerczek" userId="S::oswiercz@student.agh.edu.pl::617318f4-811a-474e-9827-c5bfb0bd343d" providerId="AD" clId="Web-{5F26FCDD-5F59-8B80-9DB1-F1B175DC4718}" dt="2020-05-12T15:07:12.381" v="191"/>
-          <pc:sldLayoutMkLst>
-            <pc:docMk/>
-            <pc:sldMasterMk cId="1098964256" sldId="2147483775"/>
-            <pc:sldLayoutMk cId="1918106470" sldId="2147483777"/>
-          </pc:sldLayoutMkLst>
-        </pc:sldLayoutChg>
-        <pc:sldLayoutChg chg="add mod replId">
-          <pc:chgData name="Oskar Świerczek" userId="S::oswiercz@student.agh.edu.pl::617318f4-811a-474e-9827-c5bfb0bd343d" providerId="AD" clId="Web-{5F26FCDD-5F59-8B80-9DB1-F1B175DC4718}" dt="2020-05-12T15:07:12.381" v="191"/>
-          <pc:sldLayoutMkLst>
-            <pc:docMk/>
-            <pc:sldMasterMk cId="1098964256" sldId="2147483775"/>
-            <pc:sldLayoutMk cId="2507066006" sldId="2147483778"/>
-          </pc:sldLayoutMkLst>
-        </pc:sldLayoutChg>
-        <pc:sldLayoutChg chg="add mod replId">
-          <pc:chgData name="Oskar Świerczek" userId="S::oswiercz@student.agh.edu.pl::617318f4-811a-474e-9827-c5bfb0bd343d" providerId="AD" clId="Web-{5F26FCDD-5F59-8B80-9DB1-F1B175DC4718}" dt="2020-05-12T15:07:12.381" v="191"/>
-          <pc:sldLayoutMkLst>
-            <pc:docMk/>
-            <pc:sldMasterMk cId="1098964256" sldId="2147483775"/>
-            <pc:sldLayoutMk cId="2083933106" sldId="2147483779"/>
-          </pc:sldLayoutMkLst>
-        </pc:sldLayoutChg>
-        <pc:sldLayoutChg chg="add mod replId">
-          <pc:chgData name="Oskar Świerczek" userId="S::oswiercz@student.agh.edu.pl::617318f4-811a-474e-9827-c5bfb0bd343d" providerId="AD" clId="Web-{5F26FCDD-5F59-8B80-9DB1-F1B175DC4718}" dt="2020-05-12T15:07:12.381" v="191"/>
-          <pc:sldLayoutMkLst>
-            <pc:docMk/>
-            <pc:sldMasterMk cId="1098964256" sldId="2147483775"/>
-            <pc:sldLayoutMk cId="2699625347" sldId="2147483780"/>
-          </pc:sldLayoutMkLst>
-        </pc:sldLayoutChg>
-        <pc:sldLayoutChg chg="add mod replId">
-          <pc:chgData name="Oskar Świerczek" userId="S::oswiercz@student.agh.edu.pl::617318f4-811a-474e-9827-c5bfb0bd343d" providerId="AD" clId="Web-{5F26FCDD-5F59-8B80-9DB1-F1B175DC4718}" dt="2020-05-12T15:07:12.381" v="191"/>
-          <pc:sldLayoutMkLst>
-            <pc:docMk/>
-            <pc:sldMasterMk cId="1098964256" sldId="2147483775"/>
-            <pc:sldLayoutMk cId="4038007848" sldId="2147483781"/>
-          </pc:sldLayoutMkLst>
-        </pc:sldLayoutChg>
-        <pc:sldLayoutChg chg="add mod replId">
-          <pc:chgData name="Oskar Świerczek" userId="S::oswiercz@student.agh.edu.pl::617318f4-811a-474e-9827-c5bfb0bd343d" providerId="AD" clId="Web-{5F26FCDD-5F59-8B80-9DB1-F1B175DC4718}" dt="2020-05-12T15:07:12.381" v="191"/>
-          <pc:sldLayoutMkLst>
-            <pc:docMk/>
-            <pc:sldMasterMk cId="1098964256" sldId="2147483775"/>
-            <pc:sldLayoutMk cId="674739991" sldId="2147483782"/>
-          </pc:sldLayoutMkLst>
-        </pc:sldLayoutChg>
-        <pc:sldLayoutChg chg="add mod replId">
-          <pc:chgData name="Oskar Świerczek" userId="S::oswiercz@student.agh.edu.pl::617318f4-811a-474e-9827-c5bfb0bd343d" providerId="AD" clId="Web-{5F26FCDD-5F59-8B80-9DB1-F1B175DC4718}" dt="2020-05-12T15:07:12.381" v="191"/>
-          <pc:sldLayoutMkLst>
-            <pc:docMk/>
-            <pc:sldMasterMk cId="1098964256" sldId="2147483775"/>
-            <pc:sldLayoutMk cId="2068133250" sldId="2147483783"/>
-          </pc:sldLayoutMkLst>
-        </pc:sldLayoutChg>
-        <pc:sldLayoutChg chg="add mod replId">
-          <pc:chgData name="Oskar Świerczek" userId="S::oswiercz@student.agh.edu.pl::617318f4-811a-474e-9827-c5bfb0bd343d" providerId="AD" clId="Web-{5F26FCDD-5F59-8B80-9DB1-F1B175DC4718}" dt="2020-05-12T15:07:12.381" v="191"/>
-          <pc:sldLayoutMkLst>
-            <pc:docMk/>
-            <pc:sldMasterMk cId="1098964256" sldId="2147483775"/>
-            <pc:sldLayoutMk cId="175792652" sldId="2147483784"/>
-          </pc:sldLayoutMkLst>
-        </pc:sldLayoutChg>
-        <pc:sldLayoutChg chg="add mod replId">
-          <pc:chgData name="Oskar Świerczek" userId="S::oswiercz@student.agh.edu.pl::617318f4-811a-474e-9827-c5bfb0bd343d" providerId="AD" clId="Web-{5F26FCDD-5F59-8B80-9DB1-F1B175DC4718}" dt="2020-05-12T15:07:12.381" v="191"/>
-          <pc:sldLayoutMkLst>
-            <pc:docMk/>
-            <pc:sldMasterMk cId="1098964256" sldId="2147483775"/>
-            <pc:sldLayoutMk cId="1938391954" sldId="2147483785"/>
-          </pc:sldLayoutMkLst>
-        </pc:sldLayoutChg>
-        <pc:sldLayoutChg chg="add mod replId">
-          <pc:chgData name="Oskar Świerczek" userId="S::oswiercz@student.agh.edu.pl::617318f4-811a-474e-9827-c5bfb0bd343d" providerId="AD" clId="Web-{5F26FCDD-5F59-8B80-9DB1-F1B175DC4718}" dt="2020-05-12T15:07:12.381" v="191"/>
-          <pc:sldLayoutMkLst>
-            <pc:docMk/>
-            <pc:sldMasterMk cId="1098964256" sldId="2147483775"/>
-            <pc:sldLayoutMk cId="1801134524" sldId="2147483786"/>
-          </pc:sldLayoutMkLst>
-        </pc:sldLayoutChg>
-      </pc:sldMasterChg>
-    </pc:docChg>
-  </pc:docChgLst>
-  <pc:docChgLst>
-    <pc:chgData name="Oskar Świerczek" userId="S::oswiercz@student.agh.edu.pl::617318f4-811a-474e-9827-c5bfb0bd343d" providerId="AD" clId="Web-{1D7B0367-9499-8CC9-B5CE-A8E3CFB1A3F3}"/>
-    <pc:docChg chg="addSld delSld modSld">
-      <pc:chgData name="Oskar Świerczek" userId="S::oswiercz@student.agh.edu.pl::617318f4-811a-474e-9827-c5bfb0bd343d" providerId="AD" clId="Web-{1D7B0367-9499-8CC9-B5CE-A8E3CFB1A3F3}" dt="2020-05-12T15:39:08.109" v="100"/>
-      <pc:docMkLst>
-        <pc:docMk/>
-      </pc:docMkLst>
-      <pc:sldChg chg="del">
-        <pc:chgData name="Oskar Świerczek" userId="S::oswiercz@student.agh.edu.pl::617318f4-811a-474e-9827-c5bfb0bd343d" providerId="AD" clId="Web-{1D7B0367-9499-8CC9-B5CE-A8E3CFB1A3F3}" dt="2020-05-12T15:32:22.432" v="34"/>
-        <pc:sldMkLst>
-          <pc:docMk/>
-          <pc:sldMk cId="3900518830" sldId="272"/>
-        </pc:sldMkLst>
-      </pc:sldChg>
-      <pc:sldChg chg="modSp">
-        <pc:chgData name="Oskar Świerczek" userId="S::oswiercz@student.agh.edu.pl::617318f4-811a-474e-9827-c5bfb0bd343d" providerId="AD" clId="Web-{1D7B0367-9499-8CC9-B5CE-A8E3CFB1A3F3}" dt="2020-05-12T15:38:24.968" v="49" actId="20577"/>
-        <pc:sldMkLst>
-          <pc:docMk/>
-          <pc:sldMk cId="658009284" sldId="277"/>
-        </pc:sldMkLst>
-        <pc:spChg chg="mod">
-          <ac:chgData name="Oskar Świerczek" userId="S::oswiercz@student.agh.edu.pl::617318f4-811a-474e-9827-c5bfb0bd343d" providerId="AD" clId="Web-{1D7B0367-9499-8CC9-B5CE-A8E3CFB1A3F3}" dt="2020-05-12T15:32:17.932" v="32" actId="20577"/>
-          <ac:spMkLst>
-            <pc:docMk/>
-            <pc:sldMk cId="658009284" sldId="277"/>
-            <ac:spMk id="2" creationId="{F6BD61AA-5A70-459E-86C8-1FB83CBF18C1}"/>
-          </ac:spMkLst>
-        </pc:spChg>
-        <pc:spChg chg="mod">
-          <ac:chgData name="Oskar Świerczek" userId="S::oswiercz@student.agh.edu.pl::617318f4-811a-474e-9827-c5bfb0bd343d" providerId="AD" clId="Web-{1D7B0367-9499-8CC9-B5CE-A8E3CFB1A3F3}" dt="2020-05-12T15:38:24.968" v="49" actId="20577"/>
-          <ac:spMkLst>
-            <pc:docMk/>
-            <pc:sldMk cId="658009284" sldId="277"/>
-            <ac:spMk id="3" creationId="{BCEA4130-6168-4922-B07E-8E3B4287866B}"/>
-          </ac:spMkLst>
-        </pc:spChg>
-      </pc:sldChg>
-      <pc:sldChg chg="modSp new">
-        <pc:chgData name="Oskar Świerczek" userId="S::oswiercz@student.agh.edu.pl::617318f4-811a-474e-9827-c5bfb0bd343d" providerId="AD" clId="Web-{1D7B0367-9499-8CC9-B5CE-A8E3CFB1A3F3}" dt="2020-05-12T15:39:07.890" v="98" actId="20577"/>
-        <pc:sldMkLst>
-          <pc:docMk/>
-          <pc:sldMk cId="2898822826" sldId="279"/>
-        </pc:sldMkLst>
-        <pc:spChg chg="mod">
-          <ac:chgData name="Oskar Świerczek" userId="S::oswiercz@student.agh.edu.pl::617318f4-811a-474e-9827-c5bfb0bd343d" providerId="AD" clId="Web-{1D7B0367-9499-8CC9-B5CE-A8E3CFB1A3F3}" dt="2020-05-12T15:39:07.890" v="98" actId="20577"/>
-          <ac:spMkLst>
-            <pc:docMk/>
-            <pc:sldMk cId="2898822826" sldId="279"/>
-            <ac:spMk id="2" creationId="{9E130CAE-69FB-48B3-8E38-FF7EE005E837}"/>
-          </ac:spMkLst>
-        </pc:spChg>
-      </pc:sldChg>
-      <pc:sldChg chg="new">
-        <pc:chgData name="Oskar Świerczek" userId="S::oswiercz@student.agh.edu.pl::617318f4-811a-474e-9827-c5bfb0bd343d" providerId="AD" clId="Web-{1D7B0367-9499-8CC9-B5CE-A8E3CFB1A3F3}" dt="2020-05-12T15:39:08.109" v="100"/>
-        <pc:sldMkLst>
-          <pc:docMk/>
-          <pc:sldMk cId="2155267256" sldId="280"/>
-        </pc:sldMkLst>
-      </pc:sldChg>
-    </pc:docChg>
-  </pc:docChgLst>
-  <pc:docChgLst>
-    <pc:chgData name="Oskar Świerczek" userId="S::oswiercz@student.agh.edu.pl::617318f4-811a-474e-9827-c5bfb0bd343d" providerId="AD" clId="Web-{43B9AFD7-307E-9E84-DD69-624AF2659A4B}"/>
-    <pc:docChg chg="addSld delSld modSld">
-      <pc:chgData name="Oskar Świerczek" userId="S::oswiercz@student.agh.edu.pl::617318f4-811a-474e-9827-c5bfb0bd343d" providerId="AD" clId="Web-{43B9AFD7-307E-9E84-DD69-624AF2659A4B}" dt="2020-05-12T15:57:41.099" v="119" actId="20577"/>
-      <pc:docMkLst>
-        <pc:docMk/>
-      </pc:docMkLst>
-      <pc:sldChg chg="modSp">
-        <pc:chgData name="Oskar Świerczek" userId="S::oswiercz@student.agh.edu.pl::617318f4-811a-474e-9827-c5bfb0bd343d" providerId="AD" clId="Web-{43B9AFD7-307E-9E84-DD69-624AF2659A4B}" dt="2020-05-12T15:57:38.724" v="117" actId="20577"/>
-        <pc:sldMkLst>
-          <pc:docMk/>
-          <pc:sldMk cId="460468888" sldId="261"/>
-        </pc:sldMkLst>
-        <pc:spChg chg="mod">
-          <ac:chgData name="Oskar Świerczek" userId="S::oswiercz@student.agh.edu.pl::617318f4-811a-474e-9827-c5bfb0bd343d" providerId="AD" clId="Web-{43B9AFD7-307E-9E84-DD69-624AF2659A4B}" dt="2020-05-12T15:57:38.724" v="117" actId="20577"/>
-          <ac:spMkLst>
-            <pc:docMk/>
-            <pc:sldMk cId="460468888" sldId="261"/>
-            <ac:spMk id="2" creationId="{C3A2BB1C-20FA-4892-BBDD-230CA6E60B4D}"/>
-          </ac:spMkLst>
-        </pc:spChg>
-      </pc:sldChg>
-      <pc:sldChg chg="modSp del">
-        <pc:chgData name="Oskar Świerczek" userId="S::oswiercz@student.agh.edu.pl::617318f4-811a-474e-9827-c5bfb0bd343d" providerId="AD" clId="Web-{43B9AFD7-307E-9E84-DD69-624AF2659A4B}" dt="2020-05-12T15:52:57.922" v="30"/>
-        <pc:sldMkLst>
-          <pc:docMk/>
-          <pc:sldMk cId="658009284" sldId="277"/>
-        </pc:sldMkLst>
-        <pc:spChg chg="mod">
-          <ac:chgData name="Oskar Świerczek" userId="S::oswiercz@student.agh.edu.pl::617318f4-811a-474e-9827-c5bfb0bd343d" providerId="AD" clId="Web-{43B9AFD7-307E-9E84-DD69-624AF2659A4B}" dt="2020-05-12T15:52:49.328" v="27" actId="20577"/>
-          <ac:spMkLst>
-            <pc:docMk/>
-            <pc:sldMk cId="658009284" sldId="277"/>
-            <ac:spMk id="3" creationId="{BCEA4130-6168-4922-B07E-8E3B4287866B}"/>
-          </ac:spMkLst>
-        </pc:spChg>
-      </pc:sldChg>
-      <pc:sldChg chg="del">
-        <pc:chgData name="Oskar Świerczek" userId="S::oswiercz@student.agh.edu.pl::617318f4-811a-474e-9827-c5bfb0bd343d" providerId="AD" clId="Web-{43B9AFD7-307E-9E84-DD69-624AF2659A4B}" dt="2020-05-12T15:53:05.844" v="31"/>
-        <pc:sldMkLst>
-          <pc:docMk/>
-          <pc:sldMk cId="4186607302" sldId="278"/>
-        </pc:sldMkLst>
-      </pc:sldChg>
-      <pc:sldChg chg="addSp modSp">
-        <pc:chgData name="Oskar Świerczek" userId="S::oswiercz@student.agh.edu.pl::617318f4-811a-474e-9827-c5bfb0bd343d" providerId="AD" clId="Web-{43B9AFD7-307E-9E84-DD69-624AF2659A4B}" dt="2020-05-12T15:52:19.641" v="26" actId="1076"/>
-        <pc:sldMkLst>
-          <pc:docMk/>
-          <pc:sldMk cId="2155267256" sldId="280"/>
-        </pc:sldMkLst>
-        <pc:spChg chg="add mod">
-          <ac:chgData name="Oskar Świerczek" userId="S::oswiercz@student.agh.edu.pl::617318f4-811a-474e-9827-c5bfb0bd343d" providerId="AD" clId="Web-{43B9AFD7-307E-9E84-DD69-624AF2659A4B}" dt="2020-05-12T15:52:19.641" v="26" actId="1076"/>
-          <ac:spMkLst>
-            <pc:docMk/>
-            <pc:sldMk cId="2155267256" sldId="280"/>
-            <ac:spMk id="2" creationId="{09E50F80-AE51-4F56-B432-D1B7BE0B5784}"/>
-          </ac:spMkLst>
-        </pc:spChg>
-      </pc:sldChg>
-      <pc:sldChg chg="addSp modSp new">
-        <pc:chgData name="Oskar Świerczek" userId="S::oswiercz@student.agh.edu.pl::617318f4-811a-474e-9827-c5bfb0bd343d" providerId="AD" clId="Web-{43B9AFD7-307E-9E84-DD69-624AF2659A4B}" dt="2020-05-12T15:53:25.329" v="48" actId="14100"/>
-        <pc:sldMkLst>
-          <pc:docMk/>
-          <pc:sldMk cId="2774382103" sldId="281"/>
-        </pc:sldMkLst>
-        <pc:spChg chg="add mod">
-          <ac:chgData name="Oskar Świerczek" userId="S::oswiercz@student.agh.edu.pl::617318f4-811a-474e-9827-c5bfb0bd343d" providerId="AD" clId="Web-{43B9AFD7-307E-9E84-DD69-624AF2659A4B}" dt="2020-05-12T15:53:25.329" v="48" actId="14100"/>
-          <ac:spMkLst>
-            <pc:docMk/>
-            <pc:sldMk cId="2774382103" sldId="281"/>
-            <ac:spMk id="3" creationId="{9FA75BAD-C05F-422B-8E3D-6137C6DFB1D3}"/>
-          </ac:spMkLst>
-        </pc:spChg>
-      </pc:sldChg>
-      <pc:sldChg chg="modSp new">
-        <pc:chgData name="Oskar Świerczek" userId="S::oswiercz@student.agh.edu.pl::617318f4-811a-474e-9827-c5bfb0bd343d" providerId="AD" clId="Web-{43B9AFD7-307E-9E84-DD69-624AF2659A4B}" dt="2020-05-12T15:57:00.707" v="63" actId="20577"/>
-        <pc:sldMkLst>
-          <pc:docMk/>
-          <pc:sldMk cId="3488430936" sldId="282"/>
-        </pc:sldMkLst>
-        <pc:spChg chg="mod">
-          <ac:chgData name="Oskar Świerczek" userId="S::oswiercz@student.agh.edu.pl::617318f4-811a-474e-9827-c5bfb0bd343d" providerId="AD" clId="Web-{43B9AFD7-307E-9E84-DD69-624AF2659A4B}" dt="2020-05-12T15:57:00.707" v="63" actId="20577"/>
-          <ac:spMkLst>
-            <pc:docMk/>
-            <pc:sldMk cId="3488430936" sldId="282"/>
-            <ac:spMk id="2" creationId="{E8F9A9AB-9351-4A1D-B662-A4892DF7203A}"/>
-          </ac:spMkLst>
-        </pc:spChg>
-      </pc:sldChg>
-      <pc:sldChg chg="modSp new">
-        <pc:chgData name="Oskar Świerczek" userId="S::oswiercz@student.agh.edu.pl::617318f4-811a-474e-9827-c5bfb0bd343d" providerId="AD" clId="Web-{43B9AFD7-307E-9E84-DD69-624AF2659A4B}" dt="2020-05-12T15:57:13.801" v="78" actId="20577"/>
-        <pc:sldMkLst>
-          <pc:docMk/>
-          <pc:sldMk cId="1716424228" sldId="283"/>
-        </pc:sldMkLst>
-        <pc:spChg chg="mod">
-          <ac:chgData name="Oskar Świerczek" userId="S::oswiercz@student.agh.edu.pl::617318f4-811a-474e-9827-c5bfb0bd343d" providerId="AD" clId="Web-{43B9AFD7-307E-9E84-DD69-624AF2659A4B}" dt="2020-05-12T15:57:13.801" v="78" actId="20577"/>
-          <ac:spMkLst>
-            <pc:docMk/>
-            <pc:sldMk cId="1716424228" sldId="283"/>
-            <ac:spMk id="2" creationId="{C3D8D49C-F778-4FF6-9D92-8CFBDB4AD05E}"/>
-          </ac:spMkLst>
-        </pc:spChg>
-      </pc:sldChg>
-    </pc:docChg>
-  </pc:docChgLst>
-  <pc:docChgLst>
-    <pc:chgData name="Oskar Świerczek" userId="S::oswiercz@student.agh.edu.pl::617318f4-811a-474e-9827-c5bfb0bd343d" providerId="AD" clId="Web-{10BA39EF-5B2E-AAF1-28E2-AE55E5D420EF}"/>
-    <pc:docChg chg="addSld delSld modSld sldOrd">
-      <pc:chgData name="Oskar Świerczek" userId="S::oswiercz@student.agh.edu.pl::617318f4-811a-474e-9827-c5bfb0bd343d" providerId="AD" clId="Web-{10BA39EF-5B2E-AAF1-28E2-AE55E5D420EF}" dt="2020-05-12T15:23:33.841" v="181"/>
-      <pc:docMkLst>
-        <pc:docMk/>
-      </pc:docMkLst>
-      <pc:sldChg chg="addSp delSp modSp mod setBg delAnim">
-        <pc:chgData name="Oskar Świerczek" userId="S::oswiercz@student.agh.edu.pl::617318f4-811a-474e-9827-c5bfb0bd343d" providerId="AD" clId="Web-{10BA39EF-5B2E-AAF1-28E2-AE55E5D420EF}" dt="2020-05-12T15:22:15.279" v="139"/>
-        <pc:sldMkLst>
-          <pc:docMk/>
-          <pc:sldMk cId="109857222" sldId="256"/>
-        </pc:sldMkLst>
-        <pc:spChg chg="mod">
-          <ac:chgData name="Oskar Świerczek" userId="S::oswiercz@student.agh.edu.pl::617318f4-811a-474e-9827-c5bfb0bd343d" providerId="AD" clId="Web-{10BA39EF-5B2E-AAF1-28E2-AE55E5D420EF}" dt="2020-05-12T15:22:15.279" v="139"/>
-          <ac:spMkLst>
-            <pc:docMk/>
-            <pc:sldMk cId="109857222" sldId="256"/>
-            <ac:spMk id="2" creationId="{00000000-0000-0000-0000-000000000000}"/>
-          </ac:spMkLst>
-        </pc:spChg>
-        <pc:spChg chg="mod">
-          <ac:chgData name="Oskar Świerczek" userId="S::oswiercz@student.agh.edu.pl::617318f4-811a-474e-9827-c5bfb0bd343d" providerId="AD" clId="Web-{10BA39EF-5B2E-AAF1-28E2-AE55E5D420EF}" dt="2020-05-12T15:22:15.279" v="139"/>
-          <ac:spMkLst>
-            <pc:docMk/>
-            <pc:sldMk cId="109857222" sldId="256"/>
-            <ac:spMk id="3" creationId="{00000000-0000-0000-0000-000000000000}"/>
-          </ac:spMkLst>
-        </pc:spChg>
-        <pc:spChg chg="add del">
-          <ac:chgData name="Oskar Świerczek" userId="S::oswiercz@student.agh.edu.pl::617318f4-811a-474e-9827-c5bfb0bd343d" providerId="AD" clId="Web-{10BA39EF-5B2E-AAF1-28E2-AE55E5D420EF}" dt="2020-05-12T15:22:15.279" v="139"/>
-          <ac:spMkLst>
-            <pc:docMk/>
-            <pc:sldMk cId="109857222" sldId="256"/>
-            <ac:spMk id="9" creationId="{007891EC-4501-44ED-A8C8-B11B6DB767AB}"/>
-          </ac:spMkLst>
-        </pc:spChg>
-        <pc:picChg chg="add del">
-          <ac:chgData name="Oskar Świerczek" userId="S::oswiercz@student.agh.edu.pl::617318f4-811a-474e-9827-c5bfb0bd343d" providerId="AD" clId="Web-{10BA39EF-5B2E-AAF1-28E2-AE55E5D420EF}" dt="2020-05-12T15:22:15.279" v="139"/>
-          <ac:picMkLst>
-            <pc:docMk/>
-            <pc:sldMk cId="109857222" sldId="256"/>
-            <ac:picMk id="5" creationId="{CB14F837-7601-413E-AE6A-1C05D7D169BE}"/>
-          </ac:picMkLst>
-        </pc:picChg>
-      </pc:sldChg>
-      <pc:sldChg chg="ord">
-        <pc:chgData name="Oskar Świerczek" userId="S::oswiercz@student.agh.edu.pl::617318f4-811a-474e-9827-c5bfb0bd343d" providerId="AD" clId="Web-{10BA39EF-5B2E-AAF1-28E2-AE55E5D420EF}" dt="2020-05-12T15:10:10.002" v="28"/>
-        <pc:sldMkLst>
-          <pc:docMk/>
-          <pc:sldMk cId="3183330867" sldId="262"/>
-        </pc:sldMkLst>
-      </pc:sldChg>
-      <pc:sldChg chg="addSp delSp modSp">
-        <pc:chgData name="Oskar Świerczek" userId="S::oswiercz@student.agh.edu.pl::617318f4-811a-474e-9827-c5bfb0bd343d" providerId="AD" clId="Web-{10BA39EF-5B2E-AAF1-28E2-AE55E5D420EF}" dt="2020-05-12T15:23:33.841" v="181"/>
-        <pc:sldMkLst>
-          <pc:docMk/>
-          <pc:sldMk cId="418852218" sldId="263"/>
-        </pc:sldMkLst>
-        <pc:spChg chg="add del mod">
-          <ac:chgData name="Oskar Świerczek" userId="S::oswiercz@student.agh.edu.pl::617318f4-811a-474e-9827-c5bfb0bd343d" providerId="AD" clId="Web-{10BA39EF-5B2E-AAF1-28E2-AE55E5D420EF}" dt="2020-05-12T15:23:33.841" v="181"/>
-          <ac:spMkLst>
-            <pc:docMk/>
-            <pc:sldMk cId="418852218" sldId="263"/>
-            <ac:spMk id="2" creationId="{6AF9D31E-E08A-4265-B433-4F379405813C}"/>
-          </ac:spMkLst>
-        </pc:spChg>
-      </pc:sldChg>
-      <pc:sldChg chg="addSp delSp modSp new">
-        <pc:chgData name="Oskar Świerczek" userId="S::oswiercz@student.agh.edu.pl::617318f4-811a-474e-9827-c5bfb0bd343d" providerId="AD" clId="Web-{10BA39EF-5B2E-AAF1-28E2-AE55E5D420EF}" dt="2020-05-12T15:10:05.706" v="25" actId="20577"/>
-        <pc:sldMkLst>
-          <pc:docMk/>
-          <pc:sldMk cId="2571319735" sldId="264"/>
-        </pc:sldMkLst>
-        <pc:spChg chg="mod">
-          <ac:chgData name="Oskar Świerczek" userId="S::oswiercz@student.agh.edu.pl::617318f4-811a-474e-9827-c5bfb0bd343d" providerId="AD" clId="Web-{10BA39EF-5B2E-AAF1-28E2-AE55E5D420EF}" dt="2020-05-12T15:10:05.706" v="25" actId="20577"/>
-          <ac:spMkLst>
-            <pc:docMk/>
-            <pc:sldMk cId="2571319735" sldId="264"/>
-            <ac:spMk id="2" creationId="{CF7EC853-A679-41C3-B093-5F8F0947C0BF}"/>
-          </ac:spMkLst>
-        </pc:spChg>
-        <pc:spChg chg="del">
-          <ac:chgData name="Oskar Świerczek" userId="S::oswiercz@student.agh.edu.pl::617318f4-811a-474e-9827-c5bfb0bd343d" providerId="AD" clId="Web-{10BA39EF-5B2E-AAF1-28E2-AE55E5D420EF}" dt="2020-05-12T15:09:37.675" v="16"/>
-          <ac:spMkLst>
-            <pc:docMk/>
-            <pc:sldMk cId="2571319735" sldId="264"/>
-            <ac:spMk id="3" creationId="{ECCF1A08-786F-435F-94FA-7AFE14F60914}"/>
-          </ac:spMkLst>
-        </pc:spChg>
-        <pc:picChg chg="add mod ord">
-          <ac:chgData name="Oskar Świerczek" userId="S::oswiercz@student.agh.edu.pl::617318f4-811a-474e-9827-c5bfb0bd343d" providerId="AD" clId="Web-{10BA39EF-5B2E-AAF1-28E2-AE55E5D420EF}" dt="2020-05-12T15:09:37.675" v="16"/>
-          <ac:picMkLst>
-            <pc:docMk/>
-            <pc:sldMk cId="2571319735" sldId="264"/>
-            <ac:picMk id="4" creationId="{92119BED-5E9C-43D9-88A8-82EB979224ED}"/>
-          </ac:picMkLst>
-        </pc:picChg>
-      </pc:sldChg>
-      <pc:sldChg chg="addSp delSp modSp new mod setBg">
-        <pc:chgData name="Oskar Świerczek" userId="S::oswiercz@student.agh.edu.pl::617318f4-811a-474e-9827-c5bfb0bd343d" providerId="AD" clId="Web-{10BA39EF-5B2E-AAF1-28E2-AE55E5D420EF}" dt="2020-05-12T15:13:15.454" v="53" actId="20577"/>
-        <pc:sldMkLst>
-          <pc:docMk/>
-          <pc:sldMk cId="3498862597" sldId="265"/>
-        </pc:sldMkLst>
-        <pc:spChg chg="add del mod">
-          <ac:chgData name="Oskar Świerczek" userId="S::oswiercz@student.agh.edu.pl::617318f4-811a-474e-9827-c5bfb0bd343d" providerId="AD" clId="Web-{10BA39EF-5B2E-AAF1-28E2-AE55E5D420EF}" dt="2020-05-12T15:13:15.454" v="53" actId="20577"/>
-          <ac:spMkLst>
-            <pc:docMk/>
-            <pc:sldMk cId="3498862597" sldId="265"/>
-            <ac:spMk id="2" creationId="{63CE622D-A130-4A17-A779-EB647DD2FA41}"/>
-          </ac:spMkLst>
-        </pc:spChg>
-        <pc:spChg chg="del">
-          <ac:chgData name="Oskar Świerczek" userId="S::oswiercz@student.agh.edu.pl::617318f4-811a-474e-9827-c5bfb0bd343d" providerId="AD" clId="Web-{10BA39EF-5B2E-AAF1-28E2-AE55E5D420EF}" dt="2020-05-12T15:11:54.533" v="30"/>
-          <ac:spMkLst>
-            <pc:docMk/>
-            <pc:sldMk cId="3498862597" sldId="265"/>
-            <ac:spMk id="3" creationId="{A8D4F49A-42F3-43A4-AABA-58014A2B2076}"/>
-          </ac:spMkLst>
-        </pc:spChg>
-        <pc:spChg chg="add del">
-          <ac:chgData name="Oskar Świerczek" userId="S::oswiercz@student.agh.edu.pl::617318f4-811a-474e-9827-c5bfb0bd343d" providerId="AD" clId="Web-{10BA39EF-5B2E-AAF1-28E2-AE55E5D420EF}" dt="2020-05-12T15:12:47.095" v="35"/>
-          <ac:spMkLst>
-            <pc:docMk/>
-            <pc:sldMk cId="3498862597" sldId="265"/>
-            <ac:spMk id="9" creationId="{46D6306C-ED4F-4AAE-B4A5-EEA6AFAD726E}"/>
-          </ac:spMkLst>
-        </pc:spChg>
-        <pc:spChg chg="add del">
-          <ac:chgData name="Oskar Świerczek" userId="S::oswiercz@student.agh.edu.pl::617318f4-811a-474e-9827-c5bfb0bd343d" providerId="AD" clId="Web-{10BA39EF-5B2E-AAF1-28E2-AE55E5D420EF}" dt="2020-05-12T15:12:47.095" v="35"/>
-          <ac:spMkLst>
-            <pc:docMk/>
-            <pc:sldMk cId="3498862597" sldId="265"/>
-            <ac:spMk id="11" creationId="{0EC5361D-F897-4856-B945-0455A365EB24}"/>
-          </ac:spMkLst>
-        </pc:spChg>
-        <pc:spChg chg="add del">
-          <ac:chgData name="Oskar Świerczek" userId="S::oswiercz@student.agh.edu.pl::617318f4-811a-474e-9827-c5bfb0bd343d" providerId="AD" clId="Web-{10BA39EF-5B2E-AAF1-28E2-AE55E5D420EF}" dt="2020-05-12T15:12:47.095" v="35"/>
-          <ac:spMkLst>
-            <pc:docMk/>
-            <pc:sldMk cId="3498862597" sldId="265"/>
-            <ac:spMk id="13" creationId="{4508C0C5-2268-42B5-B3C8-4D0899E05F8C}"/>
-          </ac:spMkLst>
-        </pc:spChg>
-        <pc:spChg chg="add del">
-          <ac:chgData name="Oskar Świerczek" userId="S::oswiercz@student.agh.edu.pl::617318f4-811a-474e-9827-c5bfb0bd343d" providerId="AD" clId="Web-{10BA39EF-5B2E-AAF1-28E2-AE55E5D420EF}" dt="2020-05-12T15:12:47.095" v="35"/>
-          <ac:spMkLst>
-            <pc:docMk/>
-            <pc:sldMk cId="3498862597" sldId="265"/>
-            <ac:spMk id="15" creationId="{141ACBDB-38F8-4B34-8183-BD95B4E55A62}"/>
-          </ac:spMkLst>
-        </pc:spChg>
-        <pc:spChg chg="add del">
-          <ac:chgData name="Oskar Świerczek" userId="S::oswiercz@student.agh.edu.pl::617318f4-811a-474e-9827-c5bfb0bd343d" providerId="AD" clId="Web-{10BA39EF-5B2E-AAF1-28E2-AE55E5D420EF}" dt="2020-05-12T15:12:47.095" v="35"/>
-          <ac:spMkLst>
-            <pc:docMk/>
-            <pc:sldMk cId="3498862597" sldId="265"/>
-            <ac:spMk id="17" creationId="{DE00DB52-3455-4E2F-867B-A6D0516E175B}"/>
-          </ac:spMkLst>
-        </pc:spChg>
-        <pc:spChg chg="add del">
-          <ac:chgData name="Oskar Świerczek" userId="S::oswiercz@student.agh.edu.pl::617318f4-811a-474e-9827-c5bfb0bd343d" providerId="AD" clId="Web-{10BA39EF-5B2E-AAF1-28E2-AE55E5D420EF}" dt="2020-05-12T15:12:47.095" v="35"/>
-          <ac:spMkLst>
-            <pc:docMk/>
-            <pc:sldMk cId="3498862597" sldId="265"/>
-            <ac:spMk id="19" creationId="{9E914C83-E0D8-4953-92D5-169D28CB43AE}"/>
-          </ac:spMkLst>
-        </pc:spChg>
-        <pc:spChg chg="add del">
-          <ac:chgData name="Oskar Świerczek" userId="S::oswiercz@student.agh.edu.pl::617318f4-811a-474e-9827-c5bfb0bd343d" providerId="AD" clId="Web-{10BA39EF-5B2E-AAF1-28E2-AE55E5D420EF}" dt="2020-05-12T15:12:47.095" v="35"/>
-          <ac:spMkLst>
-            <pc:docMk/>
-            <pc:sldMk cId="3498862597" sldId="265"/>
-            <ac:spMk id="21" creationId="{3512E083-F550-46AF-8490-767ECFD00CB7}"/>
-          </ac:spMkLst>
-        </pc:spChg>
-        <pc:picChg chg="add mod ord">
-          <ac:chgData name="Oskar Świerczek" userId="S::oswiercz@student.agh.edu.pl::617318f4-811a-474e-9827-c5bfb0bd343d" providerId="AD" clId="Web-{10BA39EF-5B2E-AAF1-28E2-AE55E5D420EF}" dt="2020-05-12T15:13:03.892" v="42"/>
-          <ac:picMkLst>
-            <pc:docMk/>
-            <pc:sldMk cId="3498862597" sldId="265"/>
-            <ac:picMk id="4" creationId="{D3E1944C-45E4-4BEC-A376-A48C957AD5F8}"/>
-          </ac:picMkLst>
-        </pc:picChg>
-      </pc:sldChg>
-      <pc:sldChg chg="addSp delSp modSp new">
-        <pc:chgData name="Oskar Świerczek" userId="S::oswiercz@student.agh.edu.pl::617318f4-811a-474e-9827-c5bfb0bd343d" providerId="AD" clId="Web-{10BA39EF-5B2E-AAF1-28E2-AE55E5D420EF}" dt="2020-05-12T15:13:42.782" v="56"/>
-        <pc:sldMkLst>
-          <pc:docMk/>
-          <pc:sldMk cId="2140262728" sldId="266"/>
-        </pc:sldMkLst>
-        <pc:spChg chg="del">
-          <ac:chgData name="Oskar Świerczek" userId="S::oswiercz@student.agh.edu.pl::617318f4-811a-474e-9827-c5bfb0bd343d" providerId="AD" clId="Web-{10BA39EF-5B2E-AAF1-28E2-AE55E5D420EF}" dt="2020-05-12T15:13:42.782" v="56"/>
-          <ac:spMkLst>
-            <pc:docMk/>
-            <pc:sldMk cId="2140262728" sldId="266"/>
-            <ac:spMk id="3" creationId="{1E87EF0F-75B4-402C-AE87-F1063AFAD3EC}"/>
-          </ac:spMkLst>
-        </pc:spChg>
-        <pc:picChg chg="add mod ord">
-          <ac:chgData name="Oskar Świerczek" userId="S::oswiercz@student.agh.edu.pl::617318f4-811a-474e-9827-c5bfb0bd343d" providerId="AD" clId="Web-{10BA39EF-5B2E-AAF1-28E2-AE55E5D420EF}" dt="2020-05-12T15:13:42.782" v="56"/>
-          <ac:picMkLst>
-            <pc:docMk/>
-            <pc:sldMk cId="2140262728" sldId="266"/>
-            <ac:picMk id="4" creationId="{EAE13CD0-C17A-498A-B11C-F68C423E2EA2}"/>
-          </ac:picMkLst>
-        </pc:picChg>
-      </pc:sldChg>
-      <pc:sldChg chg="addSp delSp modSp new">
-        <pc:chgData name="Oskar Świerczek" userId="S::oswiercz@student.agh.edu.pl::617318f4-811a-474e-9827-c5bfb0bd343d" providerId="AD" clId="Web-{10BA39EF-5B2E-AAF1-28E2-AE55E5D420EF}" dt="2020-05-12T15:13:55.657" v="59"/>
-        <pc:sldMkLst>
-          <pc:docMk/>
-          <pc:sldMk cId="18755863" sldId="267"/>
-        </pc:sldMkLst>
-        <pc:spChg chg="del">
-          <ac:chgData name="Oskar Świerczek" userId="S::oswiercz@student.agh.edu.pl::617318f4-811a-474e-9827-c5bfb0bd343d" providerId="AD" clId="Web-{10BA39EF-5B2E-AAF1-28E2-AE55E5D420EF}" dt="2020-05-12T15:13:55.657" v="59"/>
-          <ac:spMkLst>
-            <pc:docMk/>
-            <pc:sldMk cId="18755863" sldId="267"/>
-            <ac:spMk id="3" creationId="{15AED6E9-0EE1-443E-9797-E47C288C5047}"/>
-          </ac:spMkLst>
-        </pc:spChg>
-        <pc:picChg chg="add mod ord">
-          <ac:chgData name="Oskar Świerczek" userId="S::oswiercz@student.agh.edu.pl::617318f4-811a-474e-9827-c5bfb0bd343d" providerId="AD" clId="Web-{10BA39EF-5B2E-AAF1-28E2-AE55E5D420EF}" dt="2020-05-12T15:13:55.657" v="59"/>
-          <ac:picMkLst>
-            <pc:docMk/>
-            <pc:sldMk cId="18755863" sldId="267"/>
-            <ac:picMk id="4" creationId="{F21FFA3B-7956-4BF9-B8FE-7A68F8F810C0}"/>
-          </ac:picMkLst>
-        </pc:picChg>
-      </pc:sldChg>
-      <pc:sldChg chg="addSp delSp modSp new">
-        <pc:chgData name="Oskar Świerczek" userId="S::oswiercz@student.agh.edu.pl::617318f4-811a-474e-9827-c5bfb0bd343d" providerId="AD" clId="Web-{10BA39EF-5B2E-AAF1-28E2-AE55E5D420EF}" dt="2020-05-12T15:14:15.235" v="60"/>
-        <pc:sldMkLst>
-          <pc:docMk/>
-          <pc:sldMk cId="1087025113" sldId="268"/>
-        </pc:sldMkLst>
-        <pc:spChg chg="del">
-          <ac:chgData name="Oskar Świerczek" userId="S::oswiercz@student.agh.edu.pl::617318f4-811a-474e-9827-c5bfb0bd343d" providerId="AD" clId="Web-{10BA39EF-5B2E-AAF1-28E2-AE55E5D420EF}" dt="2020-05-12T15:14:15.235" v="60"/>
-          <ac:spMkLst>
-            <pc:docMk/>
-            <pc:sldMk cId="1087025113" sldId="268"/>
-            <ac:spMk id="3" creationId="{F951EC55-586C-4E13-95E4-E2004554E0F7}"/>
-          </ac:spMkLst>
-        </pc:spChg>
-        <pc:picChg chg="add mod ord">
-          <ac:chgData name="Oskar Świerczek" userId="S::oswiercz@student.agh.edu.pl::617318f4-811a-474e-9827-c5bfb0bd343d" providerId="AD" clId="Web-{10BA39EF-5B2E-AAF1-28E2-AE55E5D420EF}" dt="2020-05-12T15:14:15.235" v="60"/>
-          <ac:picMkLst>
-            <pc:docMk/>
-            <pc:sldMk cId="1087025113" sldId="268"/>
-            <ac:picMk id="4" creationId="{79CEB4A4-7E10-4BB6-BBEA-7D8D5E78A19A}"/>
-          </ac:picMkLst>
-        </pc:picChg>
-      </pc:sldChg>
-      <pc:sldChg chg="new del">
-        <pc:chgData name="Oskar Świerczek" userId="S::oswiercz@student.agh.edu.pl::617318f4-811a-474e-9827-c5bfb0bd343d" providerId="AD" clId="Web-{10BA39EF-5B2E-AAF1-28E2-AE55E5D420EF}" dt="2020-05-12T15:15:06.673" v="62"/>
-        <pc:sldMkLst>
-          <pc:docMk/>
-          <pc:sldMk cId="97392126" sldId="269"/>
-        </pc:sldMkLst>
-      </pc:sldChg>
-      <pc:sldChg chg="addSp delSp modSp new">
-        <pc:chgData name="Oskar Świerczek" userId="S::oswiercz@student.agh.edu.pl::617318f4-811a-474e-9827-c5bfb0bd343d" providerId="AD" clId="Web-{10BA39EF-5B2E-AAF1-28E2-AE55E5D420EF}" dt="2020-05-12T15:15:40.391" v="69" actId="1076"/>
-        <pc:sldMkLst>
-          <pc:docMk/>
-          <pc:sldMk cId="2145103631" sldId="269"/>
-        </pc:sldMkLst>
-        <pc:spChg chg="del">
-          <ac:chgData name="Oskar Świerczek" userId="S::oswiercz@student.agh.edu.pl::617318f4-811a-474e-9827-c5bfb0bd343d" providerId="AD" clId="Web-{10BA39EF-5B2E-AAF1-28E2-AE55E5D420EF}" dt="2020-05-12T15:15:20.422" v="64"/>
-          <ac:spMkLst>
-            <pc:docMk/>
-            <pc:sldMk cId="2145103631" sldId="269"/>
-            <ac:spMk id="3" creationId="{51F1B312-A64E-4B5A-9EC8-21DFB3C3A115}"/>
-          </ac:spMkLst>
-        </pc:spChg>
-        <pc:spChg chg="del">
-          <ac:chgData name="Oskar Świerczek" userId="S::oswiercz@student.agh.edu.pl::617318f4-811a-474e-9827-c5bfb0bd343d" providerId="AD" clId="Web-{10BA39EF-5B2E-AAF1-28E2-AE55E5D420EF}" dt="2020-05-12T15:15:25.751" v="65"/>
-          <ac:spMkLst>
-            <pc:docMk/>
-            <pc:sldMk cId="2145103631" sldId="269"/>
-            <ac:spMk id="4" creationId="{99763058-7BEE-493A-813C-A0BC6BD7DB88}"/>
-          </ac:spMkLst>
-        </pc:spChg>
-        <pc:picChg chg="add mod ord">
-          <ac:chgData name="Oskar Świerczek" userId="S::oswiercz@student.agh.edu.pl::617318f4-811a-474e-9827-c5bfb0bd343d" providerId="AD" clId="Web-{10BA39EF-5B2E-AAF1-28E2-AE55E5D420EF}" dt="2020-05-12T15:15:40.391" v="69" actId="1076"/>
-          <ac:picMkLst>
-            <pc:docMk/>
-            <pc:sldMk cId="2145103631" sldId="269"/>
-            <ac:picMk id="5" creationId="{FBDC1E50-9251-4E0F-BAB0-414339863854}"/>
-          </ac:picMkLst>
-        </pc:picChg>
-        <pc:picChg chg="add mod ord">
-          <ac:chgData name="Oskar Świerczek" userId="S::oswiercz@student.agh.edu.pl::617318f4-811a-474e-9827-c5bfb0bd343d" providerId="AD" clId="Web-{10BA39EF-5B2E-AAF1-28E2-AE55E5D420EF}" dt="2020-05-12T15:15:37.110" v="68" actId="1076"/>
-          <ac:picMkLst>
-            <pc:docMk/>
-            <pc:sldMk cId="2145103631" sldId="269"/>
-            <ac:picMk id="7" creationId="{E2267D62-B0DE-4C12-A7CC-2B74DD26F95D}"/>
-          </ac:picMkLst>
-        </pc:picChg>
-      </pc:sldChg>
-      <pc:sldChg chg="addSp delSp modSp new">
-        <pc:chgData name="Oskar Świerczek" userId="S::oswiercz@student.agh.edu.pl::617318f4-811a-474e-9827-c5bfb0bd343d" providerId="AD" clId="Web-{10BA39EF-5B2E-AAF1-28E2-AE55E5D420EF}" dt="2020-05-12T15:16:46.719" v="77" actId="1076"/>
-        <pc:sldMkLst>
-          <pc:docMk/>
-          <pc:sldMk cId="272518165" sldId="270"/>
-        </pc:sldMkLst>
-        <pc:spChg chg="del">
-          <ac:chgData name="Oskar Świerczek" userId="S::oswiercz@student.agh.edu.pl::617318f4-811a-474e-9827-c5bfb0bd343d" providerId="AD" clId="Web-{10BA39EF-5B2E-AAF1-28E2-AE55E5D420EF}" dt="2020-05-12T15:16:21.016" v="71"/>
-          <ac:spMkLst>
-            <pc:docMk/>
-            <pc:sldMk cId="272518165" sldId="270"/>
-            <ac:spMk id="3" creationId="{76E0EBBB-08E2-4535-A7BE-F3171BC7F313}"/>
-          </ac:spMkLst>
-        </pc:spChg>
-        <pc:spChg chg="del">
-          <ac:chgData name="Oskar Świerczek" userId="S::oswiercz@student.agh.edu.pl::617318f4-811a-474e-9827-c5bfb0bd343d" providerId="AD" clId="Web-{10BA39EF-5B2E-AAF1-28E2-AE55E5D420EF}" dt="2020-05-12T15:16:24.547" v="72"/>
-          <ac:spMkLst>
-            <pc:docMk/>
-            <pc:sldMk cId="272518165" sldId="270"/>
-            <ac:spMk id="4" creationId="{4479D067-ED49-4316-9609-63F71FD19C89}"/>
-          </ac:spMkLst>
-        </pc:spChg>
-        <pc:picChg chg="add mod ord">
-          <ac:chgData name="Oskar Świerczek" userId="S::oswiercz@student.agh.edu.pl::617318f4-811a-474e-9827-c5bfb0bd343d" providerId="AD" clId="Web-{10BA39EF-5B2E-AAF1-28E2-AE55E5D420EF}" dt="2020-05-12T15:16:35.438" v="76" actId="1076"/>
-          <ac:picMkLst>
-            <pc:docMk/>
-            <pc:sldMk cId="272518165" sldId="270"/>
-            <ac:picMk id="5" creationId="{4C13D9CA-EA98-46C2-8FB4-D54A54F11A41}"/>
-          </ac:picMkLst>
-        </pc:picChg>
-        <pc:picChg chg="add mod ord">
-          <ac:chgData name="Oskar Świerczek" userId="S::oswiercz@student.agh.edu.pl::617318f4-811a-474e-9827-c5bfb0bd343d" providerId="AD" clId="Web-{10BA39EF-5B2E-AAF1-28E2-AE55E5D420EF}" dt="2020-05-12T15:16:46.719" v="77" actId="1076"/>
-          <ac:picMkLst>
-            <pc:docMk/>
-            <pc:sldMk cId="272518165" sldId="270"/>
-            <ac:picMk id="7" creationId="{813C1EAA-A7D3-4658-8526-17DAF2812F0A}"/>
-          </ac:picMkLst>
-        </pc:picChg>
-      </pc:sldChg>
-      <pc:sldChg chg="addSp delSp modSp new">
-        <pc:chgData name="Oskar Świerczek" userId="S::oswiercz@student.agh.edu.pl::617318f4-811a-474e-9827-c5bfb0bd343d" providerId="AD" clId="Web-{10BA39EF-5B2E-AAF1-28E2-AE55E5D420EF}" dt="2020-05-12T15:17:13.594" v="79"/>
-        <pc:sldMkLst>
-          <pc:docMk/>
-          <pc:sldMk cId="1711980860" sldId="271"/>
-        </pc:sldMkLst>
-        <pc:spChg chg="del">
-          <ac:chgData name="Oskar Świerczek" userId="S::oswiercz@student.agh.edu.pl::617318f4-811a-474e-9827-c5bfb0bd343d" providerId="AD" clId="Web-{10BA39EF-5B2E-AAF1-28E2-AE55E5D420EF}" dt="2020-05-12T15:17:13.594" v="79"/>
-          <ac:spMkLst>
-            <pc:docMk/>
-            <pc:sldMk cId="1711980860" sldId="271"/>
-            <ac:spMk id="3" creationId="{B6A21EAA-3E59-40E2-96A3-60EC35735390}"/>
-          </ac:spMkLst>
-        </pc:spChg>
-        <pc:picChg chg="add mod ord">
-          <ac:chgData name="Oskar Świerczek" userId="S::oswiercz@student.agh.edu.pl::617318f4-811a-474e-9827-c5bfb0bd343d" providerId="AD" clId="Web-{10BA39EF-5B2E-AAF1-28E2-AE55E5D420EF}" dt="2020-05-12T15:17:13.594" v="79"/>
-          <ac:picMkLst>
-            <pc:docMk/>
-            <pc:sldMk cId="1711980860" sldId="271"/>
-            <ac:picMk id="4" creationId="{C5CC9276-3AD1-49FA-ADFC-C1AF0AF004BE}"/>
-          </ac:picMkLst>
-        </pc:picChg>
-      </pc:sldChg>
-      <pc:sldChg chg="delSp new">
-        <pc:chgData name="Oskar Świerczek" userId="S::oswiercz@student.agh.edu.pl::617318f4-811a-474e-9827-c5bfb0bd343d" providerId="AD" clId="Web-{10BA39EF-5B2E-AAF1-28E2-AE55E5D420EF}" dt="2020-05-12T15:17:33.765" v="81"/>
-        <pc:sldMkLst>
-          <pc:docMk/>
-          <pc:sldMk cId="3900518830" sldId="272"/>
-        </pc:sldMkLst>
-        <pc:spChg chg="del">
-          <ac:chgData name="Oskar Świerczek" userId="S::oswiercz@student.agh.edu.pl::617318f4-811a-474e-9827-c5bfb0bd343d" providerId="AD" clId="Web-{10BA39EF-5B2E-AAF1-28E2-AE55E5D420EF}" dt="2020-05-12T15:17:33.765" v="81"/>
-          <ac:spMkLst>
-            <pc:docMk/>
-            <pc:sldMk cId="3900518830" sldId="272"/>
-            <ac:spMk id="3" creationId="{3D9D2E37-67A7-4313-BF5E-255690BAF330}"/>
-          </ac:spMkLst>
-        </pc:spChg>
-      </pc:sldChg>
-      <pc:sldChg chg="addSp delSp modSp new">
-        <pc:chgData name="Oskar Świerczek" userId="S::oswiercz@student.agh.edu.pl::617318f4-811a-474e-9827-c5bfb0bd343d" providerId="AD" clId="Web-{10BA39EF-5B2E-AAF1-28E2-AE55E5D420EF}" dt="2020-05-12T15:18:16.718" v="90" actId="1076"/>
-        <pc:sldMkLst>
-          <pc:docMk/>
-          <pc:sldMk cId="3875699496" sldId="273"/>
-        </pc:sldMkLst>
-        <pc:spChg chg="del">
-          <ac:chgData name="Oskar Świerczek" userId="S::oswiercz@student.agh.edu.pl::617318f4-811a-474e-9827-c5bfb0bd343d" providerId="AD" clId="Web-{10BA39EF-5B2E-AAF1-28E2-AE55E5D420EF}" dt="2020-05-12T15:17:48.359" v="84"/>
-          <ac:spMkLst>
-            <pc:docMk/>
-            <pc:sldMk cId="3875699496" sldId="273"/>
-            <ac:spMk id="3" creationId="{2B2957B0-32CF-4EB6-8C67-A822D762D719}"/>
-          </ac:spMkLst>
-        </pc:spChg>
-        <pc:spChg chg="del">
-          <ac:chgData name="Oskar Świerczek" userId="S::oswiercz@student.agh.edu.pl::617318f4-811a-474e-9827-c5bfb0bd343d" providerId="AD" clId="Web-{10BA39EF-5B2E-AAF1-28E2-AE55E5D420EF}" dt="2020-05-12T15:18:05.656" v="87"/>
-          <ac:spMkLst>
-            <pc:docMk/>
-            <pc:sldMk cId="3875699496" sldId="273"/>
-            <ac:spMk id="4" creationId="{ABD10CEE-BA1C-4E48-BE2A-1B444118C5AC}"/>
-          </ac:spMkLst>
-        </pc:spChg>
-        <pc:picChg chg="add mod ord">
-          <ac:chgData name="Oskar Świerczek" userId="S::oswiercz@student.agh.edu.pl::617318f4-811a-474e-9827-c5bfb0bd343d" providerId="AD" clId="Web-{10BA39EF-5B2E-AAF1-28E2-AE55E5D420EF}" dt="2020-05-12T15:18:12.921" v="89" actId="1076"/>
-          <ac:picMkLst>
-            <pc:docMk/>
-            <pc:sldMk cId="3875699496" sldId="273"/>
-            <ac:picMk id="5" creationId="{74D31A52-9E4D-4AC5-8856-3E48EF03B88E}"/>
-          </ac:picMkLst>
-        </pc:picChg>
-        <pc:picChg chg="add mod ord">
-          <ac:chgData name="Oskar Świerczek" userId="S::oswiercz@student.agh.edu.pl::617318f4-811a-474e-9827-c5bfb0bd343d" providerId="AD" clId="Web-{10BA39EF-5B2E-AAF1-28E2-AE55E5D420EF}" dt="2020-05-12T15:18:16.718" v="90" actId="1076"/>
-          <ac:picMkLst>
-            <pc:docMk/>
-            <pc:sldMk cId="3875699496" sldId="273"/>
-            <ac:picMk id="7" creationId="{756B27BA-9C91-4645-95D9-B39868B41B83}"/>
-          </ac:picMkLst>
-        </pc:picChg>
-      </pc:sldChg>
-      <pc:sldChg chg="addSp delSp modSp new">
-        <pc:chgData name="Oskar Świerczek" userId="S::oswiercz@student.agh.edu.pl::617318f4-811a-474e-9827-c5bfb0bd343d" providerId="AD" clId="Web-{10BA39EF-5B2E-AAF1-28E2-AE55E5D420EF}" dt="2020-05-12T15:18:58.874" v="96" actId="1076"/>
-        <pc:sldMkLst>
-          <pc:docMk/>
-          <pc:sldMk cId="1059566888" sldId="274"/>
-        </pc:sldMkLst>
-        <pc:spChg chg="del">
-          <ac:chgData name="Oskar Świerczek" userId="S::oswiercz@student.agh.edu.pl::617318f4-811a-474e-9827-c5bfb0bd343d" providerId="AD" clId="Web-{10BA39EF-5B2E-AAF1-28E2-AE55E5D420EF}" dt="2020-05-12T15:18:36.718" v="91"/>
-          <ac:spMkLst>
-            <pc:docMk/>
-            <pc:sldMk cId="1059566888" sldId="274"/>
-            <ac:spMk id="3" creationId="{685616EA-6407-40F9-99B3-189782BB0978}"/>
-          </ac:spMkLst>
-        </pc:spChg>
-        <pc:spChg chg="del">
-          <ac:chgData name="Oskar Świerczek" userId="S::oswiercz@student.agh.edu.pl::617318f4-811a-474e-9827-c5bfb0bd343d" providerId="AD" clId="Web-{10BA39EF-5B2E-AAF1-28E2-AE55E5D420EF}" dt="2020-05-12T15:18:44.234" v="93"/>
-          <ac:spMkLst>
-            <pc:docMk/>
-            <pc:sldMk cId="1059566888" sldId="274"/>
-            <ac:spMk id="4" creationId="{9A126124-FB3E-45B4-8023-EC2EF1E63D38}"/>
-          </ac:spMkLst>
-        </pc:spChg>
-        <pc:picChg chg="add mod ord">
-          <ac:chgData name="Oskar Świerczek" userId="S::oswiercz@student.agh.edu.pl::617318f4-811a-474e-9827-c5bfb0bd343d" providerId="AD" clId="Web-{10BA39EF-5B2E-AAF1-28E2-AE55E5D420EF}" dt="2020-05-12T15:18:40.234" v="92" actId="1076"/>
-          <ac:picMkLst>
-            <pc:docMk/>
-            <pc:sldMk cId="1059566888" sldId="274"/>
-            <ac:picMk id="5" creationId="{D3BDCF26-E90F-4299-BDAB-C71360484D4E}"/>
-          </ac:picMkLst>
-        </pc:picChg>
-        <pc:picChg chg="add mod ord">
-          <ac:chgData name="Oskar Świerczek" userId="S::oswiercz@student.agh.edu.pl::617318f4-811a-474e-9827-c5bfb0bd343d" providerId="AD" clId="Web-{10BA39EF-5B2E-AAF1-28E2-AE55E5D420EF}" dt="2020-05-12T15:18:46.984" v="94" actId="1076"/>
-          <ac:picMkLst>
-            <pc:docMk/>
-            <pc:sldMk cId="1059566888" sldId="274"/>
-            <ac:picMk id="7" creationId="{37ED3855-A803-48BD-ADB5-660B8910C9CD}"/>
-          </ac:picMkLst>
-        </pc:picChg>
-        <pc:picChg chg="add mod">
-          <ac:chgData name="Oskar Świerczek" userId="S::oswiercz@student.agh.edu.pl::617318f4-811a-474e-9827-c5bfb0bd343d" providerId="AD" clId="Web-{10BA39EF-5B2E-AAF1-28E2-AE55E5D420EF}" dt="2020-05-12T15:18:58.874" v="96" actId="1076"/>
-          <ac:picMkLst>
-            <pc:docMk/>
-            <pc:sldMk cId="1059566888" sldId="274"/>
-            <ac:picMk id="9" creationId="{B69E35C4-949C-400B-97E8-FEEFD8A9446C}"/>
-          </ac:picMkLst>
-        </pc:picChg>
-      </pc:sldChg>
-      <pc:sldChg chg="modSp new">
-        <pc:chgData name="Oskar Świerczek" userId="S::oswiercz@student.agh.edu.pl::617318f4-811a-474e-9827-c5bfb0bd343d" providerId="AD" clId="Web-{10BA39EF-5B2E-AAF1-28E2-AE55E5D420EF}" dt="2020-05-12T15:19:51.312" v="104" actId="20577"/>
-        <pc:sldMkLst>
-          <pc:docMk/>
-          <pc:sldMk cId="1153152084" sldId="275"/>
-        </pc:sldMkLst>
-        <pc:spChg chg="mod">
-          <ac:chgData name="Oskar Świerczek" userId="S::oswiercz@student.agh.edu.pl::617318f4-811a-474e-9827-c5bfb0bd343d" providerId="AD" clId="Web-{10BA39EF-5B2E-AAF1-28E2-AE55E5D420EF}" dt="2020-05-12T15:19:51.312" v="104" actId="20577"/>
-          <ac:spMkLst>
-            <pc:docMk/>
-            <pc:sldMk cId="1153152084" sldId="275"/>
-            <ac:spMk id="2" creationId="{4B2E7B6D-CF3E-4FBB-9B83-A3388C8DFF51}"/>
-          </ac:spMkLst>
-        </pc:spChg>
-      </pc:sldChg>
-      <pc:sldChg chg="addSp delSp modSp new">
-        <pc:chgData name="Oskar Świerczek" userId="S::oswiercz@student.agh.edu.pl::617318f4-811a-474e-9827-c5bfb0bd343d" providerId="AD" clId="Web-{10BA39EF-5B2E-AAF1-28E2-AE55E5D420EF}" dt="2020-05-12T15:20:40.280" v="110" actId="1076"/>
-        <pc:sldMkLst>
-          <pc:docMk/>
-          <pc:sldMk cId="1934392077" sldId="276"/>
-        </pc:sldMkLst>
-        <pc:spChg chg="del">
-          <ac:chgData name="Oskar Świerczek" userId="S::oswiercz@student.agh.edu.pl::617318f4-811a-474e-9827-c5bfb0bd343d" providerId="AD" clId="Web-{10BA39EF-5B2E-AAF1-28E2-AE55E5D420EF}" dt="2020-05-12T15:20:31.530" v="107"/>
-          <ac:spMkLst>
-            <pc:docMk/>
-            <pc:sldMk cId="1934392077" sldId="276"/>
-            <ac:spMk id="3" creationId="{9182C621-27B0-4367-8F5B-D3F7D5AD344B}"/>
-          </ac:spMkLst>
-        </pc:spChg>
-        <pc:spChg chg="del">
-          <ac:chgData name="Oskar Świerczek" userId="S::oswiercz@student.agh.edu.pl::617318f4-811a-474e-9827-c5bfb0bd343d" providerId="AD" clId="Web-{10BA39EF-5B2E-AAF1-28E2-AE55E5D420EF}" dt="2020-05-12T15:20:35.812" v="108"/>
-          <ac:spMkLst>
-            <pc:docMk/>
-            <pc:sldMk cId="1934392077" sldId="276"/>
-            <ac:spMk id="4" creationId="{E3B11BF1-034A-4B1A-9238-404F24D4DE17}"/>
-          </ac:spMkLst>
-        </pc:spChg>
-        <pc:picChg chg="add mod ord">
-          <ac:chgData name="Oskar Świerczek" userId="S::oswiercz@student.agh.edu.pl::617318f4-811a-474e-9827-c5bfb0bd343d" providerId="AD" clId="Web-{10BA39EF-5B2E-AAF1-28E2-AE55E5D420EF}" dt="2020-05-12T15:20:38.046" v="109" actId="1076"/>
-          <ac:picMkLst>
-            <pc:docMk/>
-            <pc:sldMk cId="1934392077" sldId="276"/>
-            <ac:picMk id="5" creationId="{87D6AB22-E6F1-4895-A29F-B370B6BCC534}"/>
-          </ac:picMkLst>
-        </pc:picChg>
-        <pc:picChg chg="add mod ord">
-          <ac:chgData name="Oskar Świerczek" userId="S::oswiercz@student.agh.edu.pl::617318f4-811a-474e-9827-c5bfb0bd343d" providerId="AD" clId="Web-{10BA39EF-5B2E-AAF1-28E2-AE55E5D420EF}" dt="2020-05-12T15:20:40.280" v="110" actId="1076"/>
-          <ac:picMkLst>
-            <pc:docMk/>
-            <pc:sldMk cId="1934392077" sldId="276"/>
-            <ac:picMk id="7" creationId="{16E13432-F736-4D58-9FDC-512C7C86971D}"/>
-          </ac:picMkLst>
-        </pc:picChg>
-      </pc:sldChg>
-      <pc:sldChg chg="modSp new">
-        <pc:chgData name="Oskar Świerczek" userId="S::oswiercz@student.agh.edu.pl::617318f4-811a-474e-9827-c5bfb0bd343d" providerId="AD" clId="Web-{10BA39EF-5B2E-AAF1-28E2-AE55E5D420EF}" dt="2020-05-12T15:23:21.279" v="173" actId="20577"/>
-        <pc:sldMkLst>
-          <pc:docMk/>
-          <pc:sldMk cId="658009284" sldId="277"/>
-        </pc:sldMkLst>
-        <pc:spChg chg="mod">
-          <ac:chgData name="Oskar Świerczek" userId="S::oswiercz@student.agh.edu.pl::617318f4-811a-474e-9827-c5bfb0bd343d" providerId="AD" clId="Web-{10BA39EF-5B2E-AAF1-28E2-AE55E5D420EF}" dt="2020-05-12T15:23:21.279" v="173" actId="20577"/>
-          <ac:spMkLst>
-            <pc:docMk/>
-            <pc:sldMk cId="658009284" sldId="277"/>
-            <ac:spMk id="2" creationId="{F6BD61AA-5A70-459E-86C8-1FB83CBF18C1}"/>
-          </ac:spMkLst>
-        </pc:spChg>
-      </pc:sldChg>
-      <pc:sldChg chg="new">
-        <pc:chgData name="Oskar Świerczek" userId="S::oswiercz@student.agh.edu.pl::617318f4-811a-474e-9827-c5bfb0bd343d" providerId="AD" clId="Web-{10BA39EF-5B2E-AAF1-28E2-AE55E5D420EF}" dt="2020-05-12T15:23:25.357" v="175"/>
-        <pc:sldMkLst>
-          <pc:docMk/>
-          <pc:sldMk cId="4186607302" sldId="278"/>
-        </pc:sldMkLst>
-      </pc:sldChg>
-    </pc:docChg>
-  </pc:docChgLst>
-  <pc:docChgLst>
-    <pc:chgData name="Oskar Świerczek" userId="S::oswiercz@student.agh.edu.pl::617318f4-811a-474e-9827-c5bfb0bd343d" providerId="AD" clId="Web-{606725E8-308C-102D-0207-51E62C62696E}"/>
-    <pc:docChg chg="addSld delSld modSld">
-      <pc:chgData name="Oskar Świerczek" userId="S::oswiercz@student.agh.edu.pl::617318f4-811a-474e-9827-c5bfb0bd343d" providerId="AD" clId="Web-{606725E8-308C-102D-0207-51E62C62696E}" dt="2020-05-12T20:14:27.324" v="52" actId="20577"/>
-      <pc:docMkLst>
-        <pc:docMk/>
-      </pc:docMkLst>
-      <pc:sldChg chg="modSp">
-        <pc:chgData name="Oskar Świerczek" userId="S::oswiercz@student.agh.edu.pl::617318f4-811a-474e-9827-c5bfb0bd343d" providerId="AD" clId="Web-{606725E8-308C-102D-0207-51E62C62696E}" dt="2020-05-12T20:13:38.871" v="0" actId="20577"/>
-        <pc:sldMkLst>
-          <pc:docMk/>
-          <pc:sldMk cId="2774382103" sldId="281"/>
-        </pc:sldMkLst>
-        <pc:spChg chg="mod">
-          <ac:chgData name="Oskar Świerczek" userId="S::oswiercz@student.agh.edu.pl::617318f4-811a-474e-9827-c5bfb0bd343d" providerId="AD" clId="Web-{606725E8-308C-102D-0207-51E62C62696E}" dt="2020-05-12T20:13:38.871" v="0" actId="20577"/>
-          <ac:spMkLst>
-            <pc:docMk/>
-            <pc:sldMk cId="2774382103" sldId="281"/>
-            <ac:spMk id="3" creationId="{9FA75BAD-C05F-422B-8E3D-6137C6DFB1D3}"/>
-          </ac:spMkLst>
-        </pc:spChg>
-      </pc:sldChg>
-      <pc:sldChg chg="modSp new">
-        <pc:chgData name="Oskar Świerczek" userId="S::oswiercz@student.agh.edu.pl::617318f4-811a-474e-9827-c5bfb0bd343d" providerId="AD" clId="Web-{606725E8-308C-102D-0207-51E62C62696E}" dt="2020-05-12T20:14:27.324" v="51" actId="20577"/>
-        <pc:sldMkLst>
-          <pc:docMk/>
-          <pc:sldMk cId="13409665" sldId="284"/>
-        </pc:sldMkLst>
-        <pc:spChg chg="mod">
-          <ac:chgData name="Oskar Świerczek" userId="S::oswiercz@student.agh.edu.pl::617318f4-811a-474e-9827-c5bfb0bd343d" providerId="AD" clId="Web-{606725E8-308C-102D-0207-51E62C62696E}" dt="2020-05-12T20:14:27.324" v="51" actId="20577"/>
-          <ac:spMkLst>
-            <pc:docMk/>
-            <pc:sldMk cId="13409665" sldId="284"/>
-            <ac:spMk id="2" creationId="{C45DC824-B189-46A0-BB75-48FB5FA8E7BA}"/>
-          </ac:spMkLst>
-        </pc:spChg>
-      </pc:sldChg>
-      <pc:sldChg chg="new del">
-        <pc:chgData name="Oskar Świerczek" userId="S::oswiercz@student.agh.edu.pl::617318f4-811a-474e-9827-c5bfb0bd343d" providerId="AD" clId="Web-{606725E8-308C-102D-0207-51E62C62696E}" dt="2020-05-12T20:13:56.449" v="4"/>
-        <pc:sldMkLst>
-          <pc:docMk/>
-          <pc:sldMk cId="1039063728" sldId="284"/>
-        </pc:sldMkLst>
-      </pc:sldChg>
-    </pc:docChg>
-  </pc:docChgLst>
-</pc:chgInfo>
 </file>
 
 <file path=ppt/slideLayouts/slideLayout1.xml><?xml version="1.0" encoding="utf-8"?>
@@ -2229,7 +273,7 @@
           <a:p>
             <a:fld id="{C764DE79-268F-4C1A-8933-263129D2AF90}" type="datetimeFigureOut">
               <a:rPr lang="en-US" dirty="0"/>
-              <a:t>5/12/2020</a:t>
+              <a:t>5/16/2020</a:t>
             </a:fld>
             <a:endParaRPr lang="en-US" dirty="0"/>
           </a:p>
@@ -2397,7 +441,7 @@
           <a:p>
             <a:fld id="{C764DE79-268F-4C1A-8933-263129D2AF90}" type="datetimeFigureOut">
               <a:rPr lang="en-US" dirty="0"/>
-              <a:t>5/12/2020</a:t>
+              <a:t>5/16/2020</a:t>
             </a:fld>
             <a:endParaRPr lang="en-US" dirty="0"/>
           </a:p>
@@ -2575,7 +619,7 @@
           <a:p>
             <a:fld id="{C764DE79-268F-4C1A-8933-263129D2AF90}" type="datetimeFigureOut">
               <a:rPr lang="en-US" dirty="0"/>
-              <a:t>5/12/2020</a:t>
+              <a:t>5/16/2020</a:t>
             </a:fld>
             <a:endParaRPr lang="en-US" dirty="0"/>
           </a:p>
@@ -2743,7 +787,7 @@
           <a:p>
             <a:fld id="{C764DE79-268F-4C1A-8933-263129D2AF90}" type="datetimeFigureOut">
               <a:rPr lang="en-US" dirty="0"/>
-              <a:t>5/12/2020</a:t>
+              <a:t>5/16/2020</a:t>
             </a:fld>
             <a:endParaRPr lang="en-US" dirty="0"/>
           </a:p>
@@ -2988,7 +1032,7 @@
           <a:p>
             <a:fld id="{C764DE79-268F-4C1A-8933-263129D2AF90}" type="datetimeFigureOut">
               <a:rPr lang="en-US" dirty="0"/>
-              <a:t>5/12/2020</a:t>
+              <a:t>5/16/2020</a:t>
             </a:fld>
             <a:endParaRPr lang="en-US" dirty="0"/>
           </a:p>
@@ -3217,7 +1261,7 @@
           <a:p>
             <a:fld id="{C764DE79-268F-4C1A-8933-263129D2AF90}" type="datetimeFigureOut">
               <a:rPr lang="en-US" dirty="0"/>
-              <a:t>5/12/2020</a:t>
+              <a:t>5/16/2020</a:t>
             </a:fld>
             <a:endParaRPr lang="en-US" dirty="0"/>
           </a:p>
@@ -3581,7 +1625,7 @@
           <a:p>
             <a:fld id="{C764DE79-268F-4C1A-8933-263129D2AF90}" type="datetimeFigureOut">
               <a:rPr lang="en-US" dirty="0"/>
-              <a:t>5/12/2020</a:t>
+              <a:t>5/16/2020</a:t>
             </a:fld>
             <a:endParaRPr lang="en-US" dirty="0"/>
           </a:p>
@@ -3698,7 +1742,7 @@
           <a:p>
             <a:fld id="{C764DE79-268F-4C1A-8933-263129D2AF90}" type="datetimeFigureOut">
               <a:rPr lang="en-US" dirty="0"/>
-              <a:t>5/12/2020</a:t>
+              <a:t>5/16/2020</a:t>
             </a:fld>
             <a:endParaRPr lang="en-US" dirty="0"/>
           </a:p>
@@ -3793,7 +1837,7 @@
           <a:p>
             <a:fld id="{C764DE79-268F-4C1A-8933-263129D2AF90}" type="datetimeFigureOut">
               <a:rPr lang="en-US" dirty="0"/>
-              <a:t>5/12/2020</a:t>
+              <a:t>5/16/2020</a:t>
             </a:fld>
             <a:endParaRPr lang="en-US" dirty="0"/>
           </a:p>
@@ -4068,7 +2112,7 @@
           <a:p>
             <a:fld id="{C764DE79-268F-4C1A-8933-263129D2AF90}" type="datetimeFigureOut">
               <a:rPr lang="en-US" dirty="0"/>
-              <a:t>5/12/2020</a:t>
+              <a:t>5/16/2020</a:t>
             </a:fld>
             <a:endParaRPr lang="en-US" dirty="0"/>
           </a:p>
@@ -4320,7 +2364,7 @@
           <a:p>
             <a:fld id="{C764DE79-268F-4C1A-8933-263129D2AF90}" type="datetimeFigureOut">
               <a:rPr lang="en-US" dirty="0"/>
-              <a:t>5/12/2020</a:t>
+              <a:t>5/16/2020</a:t>
             </a:fld>
             <a:endParaRPr lang="en-US" dirty="0"/>
           </a:p>
@@ -4531,7 +2575,7 @@
           <a:p>
             <a:fld id="{C764DE79-268F-4C1A-8933-263129D2AF90}" type="datetimeFigureOut">
               <a:rPr lang="en-US" dirty="0"/>
-              <a:t>5/12/2020</a:t>
+              <a:t>5/16/2020</a:t>
             </a:fld>
             <a:endParaRPr lang="en-US" dirty="0"/>
           </a:p>
@@ -5010,10 +3054,70 @@
           <a:chExt cx="0" cy="0"/>
         </a:xfrm>
       </p:grpSpPr>
+      <p:sp>
+        <p:nvSpPr>
+          <p:cNvPr id="2" name="Title 1">
+            <a:extLst>
+              <a:ext uri="{FF2B5EF4-FFF2-40B4-BE49-F238E27FC236}">
+                <a16:creationId xmlns:a16="http://schemas.microsoft.com/office/drawing/2014/main" id="{63CE622D-A130-4A17-A779-EB647DD2FA41}"/>
+              </a:ext>
+            </a:extLst>
+          </p:cNvPr>
+          <p:cNvSpPr>
+            <a:spLocks noGrp="1"/>
+          </p:cNvSpPr>
+          <p:nvPr>
+            <p:ph type="title"/>
+          </p:nvPr>
+        </p:nvSpPr>
+        <p:spPr/>
+        <p:txBody>
+          <a:bodyPr/>
+          <a:lstStyle/>
+          <a:p>
+            <a:pPr algn="ctr"/>
+            <a:r>
+              <a:rPr lang="en-US">
+                <a:cs typeface="Calibri Light"/>
+              </a:rPr>
+              <a:t>Nawiązanie połączenia z serwerem</a:t>
+            </a:r>
+          </a:p>
+        </p:txBody>
+      </p:sp>
+      <p:pic>
+        <p:nvPicPr>
+          <p:cNvPr id="4" name="Picture 4" descr="A screenshot of a cell phone&#10;&#10;Description generated with very high confidence">
+            <a:extLst>
+              <a:ext uri="{FF2B5EF4-FFF2-40B4-BE49-F238E27FC236}">
+                <a16:creationId xmlns:a16="http://schemas.microsoft.com/office/drawing/2014/main" id="{D3E1944C-45E4-4BEC-A376-A48C957AD5F8}"/>
+              </a:ext>
+            </a:extLst>
+          </p:cNvPr>
+          <p:cNvPicPr>
+            <a:picLocks noGrp="1" noChangeAspect="1"/>
+          </p:cNvPicPr>
+          <p:nvPr>
+            <p:ph idx="1"/>
+          </p:nvPr>
+        </p:nvPicPr>
+        <p:blipFill>
+          <a:blip r:embed="rId2"/>
+          <a:stretch>
+            <a:fillRect/>
+          </a:stretch>
+        </p:blipFill>
+        <p:spPr>
+          <a:xfrm>
+            <a:off x="1804987" y="1685358"/>
+            <a:ext cx="8582025" cy="3924300"/>
+          </a:xfrm>
+        </p:spPr>
+      </p:pic>
     </p:spTree>
     <p:extLst>
       <p:ext uri="{BB962C8B-B14F-4D97-AF65-F5344CB8AC3E}">
-        <p14:creationId xmlns:p14="http://schemas.microsoft.com/office/powerpoint/2010/main" val="418852218"/>
+        <p14:creationId xmlns:p14="http://schemas.microsoft.com/office/powerpoint/2010/main" val="3498862597"/>
       </p:ext>
     </p:extLst>
   </p:cSld>
@@ -5045,7 +3149,7 @@
           <p:cNvPr id="2" name="Title 1">
             <a:extLst>
               <a:ext uri="{FF2B5EF4-FFF2-40B4-BE49-F238E27FC236}">
-                <a16:creationId xmlns:a16="http://schemas.microsoft.com/office/drawing/2014/main" id="{897A6E50-6069-4E7C-B97A-6DEA81049F95}"/>
+                <a16:creationId xmlns:a16="http://schemas.microsoft.com/office/drawing/2014/main" id="{EDD7ACAD-92EE-4498-9C32-B5DF54AEA57E}"/>
               </a:ext>
             </a:extLst>
           </p:cNvPr>
@@ -5061,45 +3165,49 @@
           <a:bodyPr/>
           <a:lstStyle/>
           <a:p>
-            <a:r>
-              <a:rPr lang="en-US" dirty="0" err="1">
+            <a:pPr algn="ctr"/>
+            <a:r>
+              <a:rPr lang="en-US">
                 <a:cs typeface="Calibri Light"/>
               </a:rPr>
-              <a:t>JSONSocket</a:t>
-            </a:r>
-            <a:endParaRPr lang="en-US" dirty="0" err="1"/>
-          </a:p>
-        </p:txBody>
-      </p:sp>
-      <p:sp>
-        <p:nvSpPr>
-          <p:cNvPr id="3" name="Text Placeholder 2">
+              <a:t>Wysyłanie danych</a:t>
+            </a:r>
+          </a:p>
+        </p:txBody>
+      </p:sp>
+      <p:pic>
+        <p:nvPicPr>
+          <p:cNvPr id="4" name="Picture 4" descr="A screenshot of a cell phone&#10;&#10;Description generated with very high confidence">
             <a:extLst>
               <a:ext uri="{FF2B5EF4-FFF2-40B4-BE49-F238E27FC236}">
-                <a16:creationId xmlns:a16="http://schemas.microsoft.com/office/drawing/2014/main" id="{30204A08-6D50-4631-AAED-53C953690283}"/>
+                <a16:creationId xmlns:a16="http://schemas.microsoft.com/office/drawing/2014/main" id="{EAE13CD0-C17A-498A-B11C-F68C423E2EA2}"/>
               </a:ext>
             </a:extLst>
           </p:cNvPr>
-          <p:cNvSpPr>
-            <a:spLocks noGrp="1"/>
-          </p:cNvSpPr>
-          <p:nvPr>
-            <p:ph type="body" idx="1"/>
-          </p:nvPr>
-        </p:nvSpPr>
-        <p:spPr/>
-        <p:txBody>
-          <a:bodyPr/>
-          <a:lstStyle/>
-          <a:p>
-            <a:endParaRPr lang="en-US"/>
-          </a:p>
-        </p:txBody>
-      </p:sp>
+          <p:cNvPicPr>
+            <a:picLocks noGrp="1" noChangeAspect="1"/>
+          </p:cNvPicPr>
+          <p:nvPr>
+            <p:ph idx="1"/>
+          </p:nvPr>
+        </p:nvPicPr>
+        <p:blipFill>
+          <a:blip r:embed="rId2"/>
+          <a:stretch>
+            <a:fillRect/>
+          </a:stretch>
+        </p:blipFill>
+        <p:spPr>
+          <a:xfrm>
+            <a:off x="2205037" y="1693479"/>
+            <a:ext cx="7781925" cy="3829050"/>
+          </a:xfrm>
+        </p:spPr>
+      </p:pic>
     </p:spTree>
     <p:extLst>
       <p:ext uri="{BB962C8B-B14F-4D97-AF65-F5344CB8AC3E}">
-        <p14:creationId xmlns:p14="http://schemas.microsoft.com/office/powerpoint/2010/main" val="105424987"/>
+        <p14:creationId xmlns:p14="http://schemas.microsoft.com/office/powerpoint/2010/main" val="2140262728"/>
       </p:ext>
     </p:extLst>
   </p:cSld>
@@ -5131,7 +3239,7 @@
           <p:cNvPr id="2" name="Title 1">
             <a:extLst>
               <a:ext uri="{FF2B5EF4-FFF2-40B4-BE49-F238E27FC236}">
-                <a16:creationId xmlns:a16="http://schemas.microsoft.com/office/drawing/2014/main" id="{63D470B5-4995-411E-9DBF-94E743BCBDE1}"/>
+                <a16:creationId xmlns:a16="http://schemas.microsoft.com/office/drawing/2014/main" id="{EA4392A7-E35A-4B51-BBF0-AAA785B4517B}"/>
               </a:ext>
             </a:extLst>
           </p:cNvPr>
@@ -5147,51 +3255,49 @@
           <a:bodyPr/>
           <a:lstStyle/>
           <a:p>
-            <a:r>
-              <a:rPr lang="en-US" dirty="0">
+            <a:pPr algn="ctr"/>
+            <a:r>
+              <a:rPr lang="en-US">
                 <a:cs typeface="Calibri Light"/>
               </a:rPr>
-              <a:t>UML </a:t>
-            </a:r>
-            <a:r>
-              <a:rPr lang="en-US" dirty="0" err="1">
-                <a:cs typeface="Calibri Light"/>
-              </a:rPr>
-              <a:t>programu</a:t>
-            </a:r>
-            <a:endParaRPr lang="en-US" dirty="0" err="1"/>
-          </a:p>
-        </p:txBody>
-      </p:sp>
-      <p:sp>
-        <p:nvSpPr>
-          <p:cNvPr id="3" name="Content Placeholder 2">
+              <a:t>Odbieranie danych</a:t>
+            </a:r>
+          </a:p>
+        </p:txBody>
+      </p:sp>
+      <p:pic>
+        <p:nvPicPr>
+          <p:cNvPr id="4" name="Picture 4" descr="A screenshot of a cell phone&#10;&#10;Description generated with very high confidence">
             <a:extLst>
               <a:ext uri="{FF2B5EF4-FFF2-40B4-BE49-F238E27FC236}">
-                <a16:creationId xmlns:a16="http://schemas.microsoft.com/office/drawing/2014/main" id="{17807C96-CEB5-4B2D-8692-772BF539B1B3}"/>
+                <a16:creationId xmlns:a16="http://schemas.microsoft.com/office/drawing/2014/main" id="{F21FFA3B-7956-4BF9-B8FE-7A68F8F810C0}"/>
               </a:ext>
             </a:extLst>
           </p:cNvPr>
-          <p:cNvSpPr>
-            <a:spLocks noGrp="1"/>
-          </p:cNvSpPr>
+          <p:cNvPicPr>
+            <a:picLocks noGrp="1" noChangeAspect="1"/>
+          </p:cNvPicPr>
           <p:nvPr>
             <p:ph idx="1"/>
           </p:nvPr>
-        </p:nvSpPr>
-        <p:spPr/>
-        <p:txBody>
-          <a:bodyPr/>
-          <a:lstStyle/>
-          <a:p>
-            <a:endParaRPr lang="en-US"/>
-          </a:p>
-        </p:txBody>
-      </p:sp>
+        </p:nvPicPr>
+        <p:blipFill>
+          <a:blip r:embed="rId2"/>
+          <a:stretch>
+            <a:fillRect/>
+          </a:stretch>
+        </p:blipFill>
+        <p:spPr>
+          <a:xfrm>
+            <a:off x="3049481" y="1690431"/>
+            <a:ext cx="6093038" cy="4351338"/>
+          </a:xfrm>
+        </p:spPr>
+      </p:pic>
     </p:spTree>
     <p:extLst>
       <p:ext uri="{BB962C8B-B14F-4D97-AF65-F5344CB8AC3E}">
-        <p14:creationId xmlns:p14="http://schemas.microsoft.com/office/powerpoint/2010/main" val="3183330867"/>
+        <p14:creationId xmlns:p14="http://schemas.microsoft.com/office/powerpoint/2010/main" val="18755863"/>
       </p:ext>
     </p:extLst>
   </p:cSld>
@@ -5223,7 +3329,7 @@
           <p:cNvPr id="2" name="Title 1">
             <a:extLst>
               <a:ext uri="{FF2B5EF4-FFF2-40B4-BE49-F238E27FC236}">
-                <a16:creationId xmlns:a16="http://schemas.microsoft.com/office/drawing/2014/main" id="{CF7EC853-A679-41C3-B093-5F8F0947C0BF}"/>
+                <a16:creationId xmlns:a16="http://schemas.microsoft.com/office/drawing/2014/main" id="{384C5B59-F74E-4142-90AA-6E36B928F9A0}"/>
               </a:ext>
             </a:extLst>
           </p:cNvPr>
@@ -5243,45 +3349,41 @@
               <a:rPr lang="en-US" dirty="0" err="1">
                 <a:cs typeface="Calibri Light"/>
               </a:rPr>
-              <a:t>Konstruktor</a:t>
+              <a:t>APIClient</a:t>
             </a:r>
             <a:endParaRPr lang="en-US" dirty="0" err="1"/>
           </a:p>
         </p:txBody>
       </p:sp>
-      <p:pic>
-        <p:nvPicPr>
-          <p:cNvPr id="4" name="Picture 4" descr="A picture containing laptop&#10;&#10;Description generated with very high confidence">
+      <p:sp>
+        <p:nvSpPr>
+          <p:cNvPr id="3" name="Text Placeholder 2">
             <a:extLst>
               <a:ext uri="{FF2B5EF4-FFF2-40B4-BE49-F238E27FC236}">
-                <a16:creationId xmlns:a16="http://schemas.microsoft.com/office/drawing/2014/main" id="{92119BED-5E9C-43D9-88A8-82EB979224ED}"/>
+                <a16:creationId xmlns:a16="http://schemas.microsoft.com/office/drawing/2014/main" id="{69FFCFE3-4B24-4DB6-AF04-428008B4CA1C}"/>
               </a:ext>
             </a:extLst>
           </p:cNvPr>
-          <p:cNvPicPr>
-            <a:picLocks noGrp="1" noChangeAspect="1"/>
-          </p:cNvPicPr>
-          <p:nvPr>
-            <p:ph idx="1"/>
-          </p:nvPr>
-        </p:nvPicPr>
-        <p:blipFill>
-          <a:blip r:embed="rId2"/>
-          <a:stretch>
-            <a:fillRect/>
-          </a:stretch>
-        </p:blipFill>
-        <p:spPr>
-          <a:xfrm>
-            <a:off x="2593855" y="1825625"/>
-            <a:ext cx="7004291" cy="4351338"/>
-          </a:xfrm>
-        </p:spPr>
-      </p:pic>
+          <p:cNvSpPr>
+            <a:spLocks noGrp="1"/>
+          </p:cNvSpPr>
+          <p:nvPr>
+            <p:ph type="body" idx="1"/>
+          </p:nvPr>
+        </p:nvSpPr>
+        <p:spPr/>
+        <p:txBody>
+          <a:bodyPr/>
+          <a:lstStyle/>
+          <a:p>
+            <a:endParaRPr lang="en-US"/>
+          </a:p>
+        </p:txBody>
+      </p:sp>
     </p:spTree>
     <p:extLst>
       <p:ext uri="{BB962C8B-B14F-4D97-AF65-F5344CB8AC3E}">
-        <p14:creationId xmlns:p14="http://schemas.microsoft.com/office/powerpoint/2010/main" val="2571319735"/>
+        <p14:creationId xmlns:p14="http://schemas.microsoft.com/office/powerpoint/2010/main" val="3479801979"/>
       </p:ext>
     </p:extLst>
   </p:cSld>
@@ -5313,7 +3415,7 @@
           <p:cNvPr id="2" name="Title 1">
             <a:extLst>
               <a:ext uri="{FF2B5EF4-FFF2-40B4-BE49-F238E27FC236}">
-                <a16:creationId xmlns:a16="http://schemas.microsoft.com/office/drawing/2014/main" id="{63CE622D-A130-4A17-A779-EB647DD2FA41}"/>
+                <a16:creationId xmlns:a16="http://schemas.microsoft.com/office/drawing/2014/main" id="{4105F5DF-7D7D-414F-9D78-E6B669A3784A}"/>
               </a:ext>
             </a:extLst>
           </p:cNvPr>
@@ -5329,34 +3431,22 @@
           <a:bodyPr/>
           <a:lstStyle/>
           <a:p>
-            <a:r>
-              <a:rPr lang="en-US" dirty="0" err="1">
+            <a:pPr algn="ctr"/>
+            <a:r>
+              <a:rPr lang="en-US">
                 <a:cs typeface="Calibri Light"/>
               </a:rPr>
-              <a:t>Ustanawianie</a:t>
-            </a:r>
-            <a:r>
-              <a:rPr lang="en-US" dirty="0">
-                <a:cs typeface="Calibri Light"/>
-              </a:rPr>
-              <a:t> </a:t>
-            </a:r>
-            <a:r>
-              <a:rPr lang="en-US" dirty="0" err="1">
-                <a:cs typeface="Calibri Light"/>
-              </a:rPr>
-              <a:t>połączenia</a:t>
-            </a:r>
-            <a:endParaRPr lang="en-US" dirty="0" err="1"/>
+              <a:t>Konstruktor</a:t>
+            </a:r>
           </a:p>
         </p:txBody>
       </p:sp>
       <p:pic>
         <p:nvPicPr>
-          <p:cNvPr id="4" name="Picture 4" descr="A screenshot of a cell phone&#10;&#10;Description generated with very high confidence">
+          <p:cNvPr id="5" name="Picture 5" descr="A screen shot of a social media post&#10;&#10;Description generated with very high confidence">
             <a:extLst>
               <a:ext uri="{FF2B5EF4-FFF2-40B4-BE49-F238E27FC236}">
-                <a16:creationId xmlns:a16="http://schemas.microsoft.com/office/drawing/2014/main" id="{D3E1944C-45E4-4BEC-A376-A48C957AD5F8}"/>
+                <a16:creationId xmlns:a16="http://schemas.microsoft.com/office/drawing/2014/main" id="{FBDC1E50-9251-4E0F-BAB0-414339863854}"/>
               </a:ext>
             </a:extLst>
           </p:cNvPr>
@@ -5364,7 +3454,7 @@
             <a:picLocks noGrp="1" noChangeAspect="1"/>
           </p:cNvPicPr>
           <p:nvPr>
-            <p:ph idx="1"/>
+            <p:ph sz="half" idx="1"/>
           </p:nvPr>
         </p:nvPicPr>
         <p:blipFill>
@@ -5375,15 +3465,15 @@
         </p:blipFill>
         <p:spPr>
           <a:xfrm>
-            <a:off x="1804987" y="2039144"/>
-            <a:ext cx="8582025" cy="3924300"/>
+            <a:off x="2122118" y="2057819"/>
+            <a:ext cx="7947764" cy="1642705"/>
           </a:xfrm>
         </p:spPr>
       </p:pic>
     </p:spTree>
     <p:extLst>
       <p:ext uri="{BB962C8B-B14F-4D97-AF65-F5344CB8AC3E}">
-        <p14:creationId xmlns:p14="http://schemas.microsoft.com/office/powerpoint/2010/main" val="3498862597"/>
+        <p14:creationId xmlns:p14="http://schemas.microsoft.com/office/powerpoint/2010/main" val="2145103631"/>
       </p:ext>
     </p:extLst>
   </p:cSld>
@@ -5415,7 +3505,7 @@
           <p:cNvPr id="2" name="Title 1">
             <a:extLst>
               <a:ext uri="{FF2B5EF4-FFF2-40B4-BE49-F238E27FC236}">
-                <a16:creationId xmlns:a16="http://schemas.microsoft.com/office/drawing/2014/main" id="{EDD7ACAD-92EE-4498-9C32-B5DF54AEA57E}"/>
+                <a16:creationId xmlns:a16="http://schemas.microsoft.com/office/drawing/2014/main" id="{7328A3B5-D926-40CA-AC6C-1C6C1C00C78F}"/>
               </a:ext>
             </a:extLst>
           </p:cNvPr>
@@ -5431,16 +3521,25 @@
           <a:bodyPr/>
           <a:lstStyle/>
           <a:p>
-            <a:endParaRPr lang="en-US"/>
+            <a:pPr algn="ctr"/>
+            <a:r>
+              <a:rPr lang="en-US">
+                <a:cs typeface="Calibri Light"/>
+              </a:rPr>
+              <a:t>Cykl Request-Response</a:t>
+            </a:r>
+            <a:endParaRPr lang="en-US" dirty="0">
+              <a:cs typeface="Calibri Light"/>
+            </a:endParaRPr>
           </a:p>
         </p:txBody>
       </p:sp>
       <p:pic>
         <p:nvPicPr>
-          <p:cNvPr id="4" name="Picture 4" descr="A screenshot of a cell phone&#10;&#10;Description generated with very high confidence">
+          <p:cNvPr id="4" name="Picture 4" descr="A picture containing drawing&#10;&#10;Description generated with very high confidence">
             <a:extLst>
               <a:ext uri="{FF2B5EF4-FFF2-40B4-BE49-F238E27FC236}">
-                <a16:creationId xmlns:a16="http://schemas.microsoft.com/office/drawing/2014/main" id="{EAE13CD0-C17A-498A-B11C-F68C423E2EA2}"/>
+                <a16:creationId xmlns:a16="http://schemas.microsoft.com/office/drawing/2014/main" id="{A6BEFBFF-CF03-4F33-A628-719B907D8E97}"/>
               </a:ext>
             </a:extLst>
           </p:cNvPr>
@@ -5459,15 +3558,45 @@
         </p:blipFill>
         <p:spPr>
           <a:xfrm>
-            <a:off x="2205037" y="2086769"/>
-            <a:ext cx="7781925" cy="3829050"/>
+            <a:off x="3505200" y="2691913"/>
+            <a:ext cx="5181600" cy="1266825"/>
           </a:xfrm>
+        </p:spPr>
+      </p:pic>
+      <p:pic>
+        <p:nvPicPr>
+          <p:cNvPr id="3" name="Picture 4" descr="A picture containing drawing&#10;&#10;Description generated with very high confidence">
+            <a:extLst>
+              <a:ext uri="{FF2B5EF4-FFF2-40B4-BE49-F238E27FC236}">
+                <a16:creationId xmlns:a16="http://schemas.microsoft.com/office/drawing/2014/main" id="{ED08C321-91FF-43A2-90E9-9538C76EE5F1}"/>
+              </a:ext>
+            </a:extLst>
+          </p:cNvPr>
+          <p:cNvPicPr>
+            <a:picLocks noChangeAspect="1"/>
+          </p:cNvPicPr>
+          <p:nvPr/>
+        </p:nvPicPr>
+        <p:blipFill>
+          <a:blip r:embed="rId3"/>
+          <a:stretch>
+            <a:fillRect/>
+          </a:stretch>
+        </p:blipFill>
+        <p:spPr>
+          <a:xfrm>
+            <a:off x="2462981" y="5144536"/>
+            <a:ext cx="7253748" cy="1042603"/>
+          </a:xfrm>
+          <a:prstGeom prst="rect">
+            <a:avLst/>
+          </a:prstGeom>
         </p:spPr>
       </p:pic>
     </p:spTree>
     <p:extLst>
       <p:ext uri="{BB962C8B-B14F-4D97-AF65-F5344CB8AC3E}">
-        <p14:creationId xmlns:p14="http://schemas.microsoft.com/office/powerpoint/2010/main" val="2140262728"/>
+        <p14:creationId xmlns:p14="http://schemas.microsoft.com/office/powerpoint/2010/main" val="1230043451"/>
       </p:ext>
     </p:extLst>
   </p:cSld>
@@ -5499,608 +3628,6 @@
           <p:cNvPr id="2" name="Title 1">
             <a:extLst>
               <a:ext uri="{FF2B5EF4-FFF2-40B4-BE49-F238E27FC236}">
-                <a16:creationId xmlns:a16="http://schemas.microsoft.com/office/drawing/2014/main" id="{EA4392A7-E35A-4B51-BBF0-AAA785B4517B}"/>
-              </a:ext>
-            </a:extLst>
-          </p:cNvPr>
-          <p:cNvSpPr>
-            <a:spLocks noGrp="1"/>
-          </p:cNvSpPr>
-          <p:nvPr>
-            <p:ph type="title"/>
-          </p:nvPr>
-        </p:nvSpPr>
-        <p:spPr/>
-        <p:txBody>
-          <a:bodyPr/>
-          <a:lstStyle/>
-          <a:p>
-            <a:endParaRPr lang="en-US"/>
-          </a:p>
-        </p:txBody>
-      </p:sp>
-      <p:pic>
-        <p:nvPicPr>
-          <p:cNvPr id="4" name="Picture 4" descr="A screenshot of a cell phone&#10;&#10;Description generated with very high confidence">
-            <a:extLst>
-              <a:ext uri="{FF2B5EF4-FFF2-40B4-BE49-F238E27FC236}">
-                <a16:creationId xmlns:a16="http://schemas.microsoft.com/office/drawing/2014/main" id="{F21FFA3B-7956-4BF9-B8FE-7A68F8F810C0}"/>
-              </a:ext>
-            </a:extLst>
-          </p:cNvPr>
-          <p:cNvPicPr>
-            <a:picLocks noGrp="1" noChangeAspect="1"/>
-          </p:cNvPicPr>
-          <p:nvPr>
-            <p:ph idx="1"/>
-          </p:nvPr>
-        </p:nvPicPr>
-        <p:blipFill>
-          <a:blip r:embed="rId2"/>
-          <a:stretch>
-            <a:fillRect/>
-          </a:stretch>
-        </p:blipFill>
-        <p:spPr>
-          <a:xfrm>
-            <a:off x="3049481" y="1825625"/>
-            <a:ext cx="6093038" cy="4351338"/>
-          </a:xfrm>
-        </p:spPr>
-      </p:pic>
-    </p:spTree>
-    <p:extLst>
-      <p:ext uri="{BB962C8B-B14F-4D97-AF65-F5344CB8AC3E}">
-        <p14:creationId xmlns:p14="http://schemas.microsoft.com/office/powerpoint/2010/main" val="18755863"/>
-      </p:ext>
-    </p:extLst>
-  </p:cSld>
-  <p:clrMapOvr>
-    <a:masterClrMapping/>
-  </p:clrMapOvr>
-</p:sld>
-</file>
-
-<file path=ppt/slides/slide17.xml><?xml version="1.0" encoding="utf-8"?>
-<p:sld xmlns:a="http://schemas.openxmlformats.org/drawingml/2006/main" xmlns:r="http://schemas.openxmlformats.org/officeDocument/2006/relationships" xmlns:p="http://schemas.openxmlformats.org/presentationml/2006/main">
-  <p:cSld>
-    <p:spTree>
-      <p:nvGrpSpPr>
-        <p:cNvPr id="1" name=""/>
-        <p:cNvGrpSpPr/>
-        <p:nvPr/>
-      </p:nvGrpSpPr>
-      <p:grpSpPr>
-        <a:xfrm>
-          <a:off x="0" y="0"/>
-          <a:ext cx="0" cy="0"/>
-          <a:chOff x="0" y="0"/>
-          <a:chExt cx="0" cy="0"/>
-        </a:xfrm>
-      </p:grpSpPr>
-      <p:sp>
-        <p:nvSpPr>
-          <p:cNvPr id="2" name="Title 1">
-            <a:extLst>
-              <a:ext uri="{FF2B5EF4-FFF2-40B4-BE49-F238E27FC236}">
-                <a16:creationId xmlns:a16="http://schemas.microsoft.com/office/drawing/2014/main" id="{C70234C9-3A0E-4A6E-BC3D-48D993B43F3C}"/>
-              </a:ext>
-            </a:extLst>
-          </p:cNvPr>
-          <p:cNvSpPr>
-            <a:spLocks noGrp="1"/>
-          </p:cNvSpPr>
-          <p:nvPr>
-            <p:ph type="title"/>
-          </p:nvPr>
-        </p:nvSpPr>
-        <p:spPr/>
-        <p:txBody>
-          <a:bodyPr/>
-          <a:lstStyle/>
-          <a:p>
-            <a:endParaRPr lang="en-US"/>
-          </a:p>
-        </p:txBody>
-      </p:sp>
-      <p:pic>
-        <p:nvPicPr>
-          <p:cNvPr id="4" name="Picture 4" descr="A picture containing photo, holding, people, large&#10;&#10;Description generated with very high confidence">
-            <a:extLst>
-              <a:ext uri="{FF2B5EF4-FFF2-40B4-BE49-F238E27FC236}">
-                <a16:creationId xmlns:a16="http://schemas.microsoft.com/office/drawing/2014/main" id="{79CEB4A4-7E10-4BB6-BBEA-7D8D5E78A19A}"/>
-              </a:ext>
-            </a:extLst>
-          </p:cNvPr>
-          <p:cNvPicPr>
-            <a:picLocks noGrp="1" noChangeAspect="1"/>
-          </p:cNvPicPr>
-          <p:nvPr>
-            <p:ph idx="1"/>
-          </p:nvPr>
-        </p:nvPicPr>
-        <p:blipFill>
-          <a:blip r:embed="rId2"/>
-          <a:stretch>
-            <a:fillRect/>
-          </a:stretch>
-        </p:blipFill>
-        <p:spPr>
-          <a:xfrm>
-            <a:off x="3924300" y="3358356"/>
-            <a:ext cx="4343400" cy="1285875"/>
-          </a:xfrm>
-        </p:spPr>
-      </p:pic>
-    </p:spTree>
-    <p:extLst>
-      <p:ext uri="{BB962C8B-B14F-4D97-AF65-F5344CB8AC3E}">
-        <p14:creationId xmlns:p14="http://schemas.microsoft.com/office/powerpoint/2010/main" val="1087025113"/>
-      </p:ext>
-    </p:extLst>
-  </p:cSld>
-  <p:clrMapOvr>
-    <a:masterClrMapping/>
-  </p:clrMapOvr>
-</p:sld>
-</file>
-
-<file path=ppt/slides/slide18.xml><?xml version="1.0" encoding="utf-8"?>
-<p:sld xmlns:a="http://schemas.openxmlformats.org/drawingml/2006/main" xmlns:r="http://schemas.openxmlformats.org/officeDocument/2006/relationships" xmlns:p="http://schemas.openxmlformats.org/presentationml/2006/main">
-  <p:cSld>
-    <p:spTree>
-      <p:nvGrpSpPr>
-        <p:cNvPr id="1" name=""/>
-        <p:cNvGrpSpPr/>
-        <p:nvPr/>
-      </p:nvGrpSpPr>
-      <p:grpSpPr>
-        <a:xfrm>
-          <a:off x="0" y="0"/>
-          <a:ext cx="0" cy="0"/>
-          <a:chOff x="0" y="0"/>
-          <a:chExt cx="0" cy="0"/>
-        </a:xfrm>
-      </p:grpSpPr>
-      <p:sp>
-        <p:nvSpPr>
-          <p:cNvPr id="2" name="Title 1">
-            <a:extLst>
-              <a:ext uri="{FF2B5EF4-FFF2-40B4-BE49-F238E27FC236}">
-                <a16:creationId xmlns:a16="http://schemas.microsoft.com/office/drawing/2014/main" id="{384C5B59-F74E-4142-90AA-6E36B928F9A0}"/>
-              </a:ext>
-            </a:extLst>
-          </p:cNvPr>
-          <p:cNvSpPr>
-            <a:spLocks noGrp="1"/>
-          </p:cNvSpPr>
-          <p:nvPr>
-            <p:ph type="title"/>
-          </p:nvPr>
-        </p:nvSpPr>
-        <p:spPr/>
-        <p:txBody>
-          <a:bodyPr/>
-          <a:lstStyle/>
-          <a:p>
-            <a:r>
-              <a:rPr lang="en-US" dirty="0" err="1">
-                <a:cs typeface="Calibri Light"/>
-              </a:rPr>
-              <a:t>APIClient</a:t>
-            </a:r>
-            <a:endParaRPr lang="en-US" dirty="0" err="1"/>
-          </a:p>
-        </p:txBody>
-      </p:sp>
-      <p:sp>
-        <p:nvSpPr>
-          <p:cNvPr id="3" name="Text Placeholder 2">
-            <a:extLst>
-              <a:ext uri="{FF2B5EF4-FFF2-40B4-BE49-F238E27FC236}">
-                <a16:creationId xmlns:a16="http://schemas.microsoft.com/office/drawing/2014/main" id="{69FFCFE3-4B24-4DB6-AF04-428008B4CA1C}"/>
-              </a:ext>
-            </a:extLst>
-          </p:cNvPr>
-          <p:cNvSpPr>
-            <a:spLocks noGrp="1"/>
-          </p:cNvSpPr>
-          <p:nvPr>
-            <p:ph type="body" idx="1"/>
-          </p:nvPr>
-        </p:nvSpPr>
-        <p:spPr/>
-        <p:txBody>
-          <a:bodyPr/>
-          <a:lstStyle/>
-          <a:p>
-            <a:endParaRPr lang="en-US"/>
-          </a:p>
-        </p:txBody>
-      </p:sp>
-    </p:spTree>
-    <p:extLst>
-      <p:ext uri="{BB962C8B-B14F-4D97-AF65-F5344CB8AC3E}">
-        <p14:creationId xmlns:p14="http://schemas.microsoft.com/office/powerpoint/2010/main" val="3479801979"/>
-      </p:ext>
-    </p:extLst>
-  </p:cSld>
-  <p:clrMapOvr>
-    <a:masterClrMapping/>
-  </p:clrMapOvr>
-</p:sld>
-</file>
-
-<file path=ppt/slides/slide19.xml><?xml version="1.0" encoding="utf-8"?>
-<p:sld xmlns:a="http://schemas.openxmlformats.org/drawingml/2006/main" xmlns:r="http://schemas.openxmlformats.org/officeDocument/2006/relationships" xmlns:p="http://schemas.openxmlformats.org/presentationml/2006/main">
-  <p:cSld>
-    <p:spTree>
-      <p:nvGrpSpPr>
-        <p:cNvPr id="1" name=""/>
-        <p:cNvGrpSpPr/>
-        <p:nvPr/>
-      </p:nvGrpSpPr>
-      <p:grpSpPr>
-        <a:xfrm>
-          <a:off x="0" y="0"/>
-          <a:ext cx="0" cy="0"/>
-          <a:chOff x="0" y="0"/>
-          <a:chExt cx="0" cy="0"/>
-        </a:xfrm>
-      </p:grpSpPr>
-      <p:sp>
-        <p:nvSpPr>
-          <p:cNvPr id="2" name="Title 1">
-            <a:extLst>
-              <a:ext uri="{FF2B5EF4-FFF2-40B4-BE49-F238E27FC236}">
-                <a16:creationId xmlns:a16="http://schemas.microsoft.com/office/drawing/2014/main" id="{4105F5DF-7D7D-414F-9D78-E6B669A3784A}"/>
-              </a:ext>
-            </a:extLst>
-          </p:cNvPr>
-          <p:cNvSpPr>
-            <a:spLocks noGrp="1"/>
-          </p:cNvSpPr>
-          <p:nvPr>
-            <p:ph type="title"/>
-          </p:nvPr>
-        </p:nvSpPr>
-        <p:spPr/>
-        <p:txBody>
-          <a:bodyPr/>
-          <a:lstStyle/>
-          <a:p>
-            <a:endParaRPr lang="en-US"/>
-          </a:p>
-        </p:txBody>
-      </p:sp>
-      <p:pic>
-        <p:nvPicPr>
-          <p:cNvPr id="5" name="Picture 5" descr="A screen shot of a social media post&#10;&#10;Description generated with very high confidence">
-            <a:extLst>
-              <a:ext uri="{FF2B5EF4-FFF2-40B4-BE49-F238E27FC236}">
-                <a16:creationId xmlns:a16="http://schemas.microsoft.com/office/drawing/2014/main" id="{FBDC1E50-9251-4E0F-BAB0-414339863854}"/>
-              </a:ext>
-            </a:extLst>
-          </p:cNvPr>
-          <p:cNvPicPr>
-            <a:picLocks noGrp="1" noChangeAspect="1"/>
-          </p:cNvPicPr>
-          <p:nvPr>
-            <p:ph sz="half" idx="1"/>
-          </p:nvPr>
-        </p:nvPicPr>
-        <p:blipFill>
-          <a:blip r:embed="rId2"/>
-          <a:stretch>
-            <a:fillRect/>
-          </a:stretch>
-        </p:blipFill>
-        <p:spPr>
-          <a:xfrm>
-            <a:off x="2122118" y="2057819"/>
-            <a:ext cx="7947764" cy="1642705"/>
-          </a:xfrm>
-        </p:spPr>
-      </p:pic>
-      <p:pic>
-        <p:nvPicPr>
-          <p:cNvPr id="7" name="Picture 7" descr="A black sign with white text&#10;&#10;Description generated with high confidence">
-            <a:extLst>
-              <a:ext uri="{FF2B5EF4-FFF2-40B4-BE49-F238E27FC236}">
-                <a16:creationId xmlns:a16="http://schemas.microsoft.com/office/drawing/2014/main" id="{E2267D62-B0DE-4C12-A7CC-2B74DD26F95D}"/>
-              </a:ext>
-            </a:extLst>
-          </p:cNvPr>
-          <p:cNvPicPr>
-            <a:picLocks noGrp="1" noChangeAspect="1"/>
-          </p:cNvPicPr>
-          <p:nvPr>
-            <p:ph sz="half" idx="2"/>
-          </p:nvPr>
-        </p:nvPicPr>
-        <p:blipFill>
-          <a:blip r:embed="rId3"/>
-          <a:stretch>
-            <a:fillRect/>
-          </a:stretch>
-        </p:blipFill>
-        <p:spPr>
-          <a:xfrm>
-            <a:off x="3499981" y="4351357"/>
-            <a:ext cx="5181600" cy="1262285"/>
-          </a:xfrm>
-        </p:spPr>
-      </p:pic>
-    </p:spTree>
-    <p:extLst>
-      <p:ext uri="{BB962C8B-B14F-4D97-AF65-F5344CB8AC3E}">
-        <p14:creationId xmlns:p14="http://schemas.microsoft.com/office/powerpoint/2010/main" val="2145103631"/>
-      </p:ext>
-    </p:extLst>
-  </p:cSld>
-  <p:clrMapOvr>
-    <a:masterClrMapping/>
-  </p:clrMapOvr>
-</p:sld>
-</file>
-
-<file path=ppt/slides/slide2.xml><?xml version="1.0" encoding="utf-8"?>
-<p:sld xmlns:a="http://schemas.openxmlformats.org/drawingml/2006/main" xmlns:r="http://schemas.openxmlformats.org/officeDocument/2006/relationships" xmlns:p="http://schemas.openxmlformats.org/presentationml/2006/main">
-  <p:cSld>
-    <p:spTree>
-      <p:nvGrpSpPr>
-        <p:cNvPr id="1" name=""/>
-        <p:cNvGrpSpPr/>
-        <p:nvPr/>
-      </p:nvGrpSpPr>
-      <p:grpSpPr>
-        <a:xfrm>
-          <a:off x="0" y="0"/>
-          <a:ext cx="0" cy="0"/>
-          <a:chOff x="0" y="0"/>
-          <a:chExt cx="0" cy="0"/>
-        </a:xfrm>
-      </p:grpSpPr>
-      <p:sp>
-        <p:nvSpPr>
-          <p:cNvPr id="2" name="Title 1">
-            <a:extLst>
-              <a:ext uri="{FF2B5EF4-FFF2-40B4-BE49-F238E27FC236}">
-                <a16:creationId xmlns:a16="http://schemas.microsoft.com/office/drawing/2014/main" id="{9E130CAE-69FB-48B3-8E38-FF7EE005E837}"/>
-              </a:ext>
-            </a:extLst>
-          </p:cNvPr>
-          <p:cNvSpPr>
-            <a:spLocks noGrp="1"/>
-          </p:cNvSpPr>
-          <p:nvPr>
-            <p:ph type="title"/>
-          </p:nvPr>
-        </p:nvSpPr>
-        <p:spPr/>
-        <p:txBody>
-          <a:bodyPr/>
-          <a:lstStyle/>
-          <a:p>
-            <a:r>
-              <a:rPr lang="en-US" dirty="0" err="1">
-                <a:cs typeface="Calibri Light"/>
-              </a:rPr>
-              <a:t>Schemat</a:t>
-            </a:r>
-            <a:r>
-              <a:rPr lang="en-US" dirty="0">
-                <a:cs typeface="Calibri Light"/>
-              </a:rPr>
-              <a:t> </a:t>
-            </a:r>
-            <a:r>
-              <a:rPr lang="en-US" dirty="0" err="1">
-                <a:cs typeface="Calibri Light"/>
-              </a:rPr>
-              <a:t>przechowywania</a:t>
-            </a:r>
-            <a:r>
-              <a:rPr lang="en-US" dirty="0">
-                <a:cs typeface="Calibri Light"/>
-              </a:rPr>
-              <a:t> </a:t>
-            </a:r>
-            <a:r>
-              <a:rPr lang="en-US" dirty="0" err="1">
-                <a:cs typeface="Calibri Light"/>
-              </a:rPr>
-              <a:t>danych</a:t>
-            </a:r>
-            <a:r>
-              <a:rPr lang="en-US" dirty="0">
-                <a:cs typeface="Calibri Light"/>
-              </a:rPr>
-              <a:t> w </a:t>
-            </a:r>
-            <a:r>
-              <a:rPr lang="en-US" dirty="0" err="1">
-                <a:cs typeface="Calibri Light"/>
-              </a:rPr>
-              <a:t>programie</a:t>
-            </a:r>
-            <a:endParaRPr lang="en-US" dirty="0" err="1"/>
-          </a:p>
-        </p:txBody>
-      </p:sp>
-      <p:sp>
-        <p:nvSpPr>
-          <p:cNvPr id="3" name="Text Placeholder 2">
-            <a:extLst>
-              <a:ext uri="{FF2B5EF4-FFF2-40B4-BE49-F238E27FC236}">
-                <a16:creationId xmlns:a16="http://schemas.microsoft.com/office/drawing/2014/main" id="{5C0C9834-379E-4C35-92CD-61DC18E44288}"/>
-              </a:ext>
-            </a:extLst>
-          </p:cNvPr>
-          <p:cNvSpPr>
-            <a:spLocks noGrp="1"/>
-          </p:cNvSpPr>
-          <p:nvPr>
-            <p:ph type="body" idx="1"/>
-          </p:nvPr>
-        </p:nvSpPr>
-        <p:spPr/>
-        <p:txBody>
-          <a:bodyPr/>
-          <a:lstStyle/>
-          <a:p>
-            <a:endParaRPr lang="en-US"/>
-          </a:p>
-        </p:txBody>
-      </p:sp>
-    </p:spTree>
-    <p:extLst>
-      <p:ext uri="{BB962C8B-B14F-4D97-AF65-F5344CB8AC3E}">
-        <p14:creationId xmlns:p14="http://schemas.microsoft.com/office/powerpoint/2010/main" val="2898822826"/>
-      </p:ext>
-    </p:extLst>
-  </p:cSld>
-  <p:clrMapOvr>
-    <a:masterClrMapping/>
-  </p:clrMapOvr>
-</p:sld>
-</file>
-
-<file path=ppt/slides/slide20.xml><?xml version="1.0" encoding="utf-8"?>
-<p:sld xmlns:a="http://schemas.openxmlformats.org/drawingml/2006/main" xmlns:r="http://schemas.openxmlformats.org/officeDocument/2006/relationships" xmlns:p="http://schemas.openxmlformats.org/presentationml/2006/main">
-  <p:cSld>
-    <p:spTree>
-      <p:nvGrpSpPr>
-        <p:cNvPr id="1" name=""/>
-        <p:cNvGrpSpPr/>
-        <p:nvPr/>
-      </p:nvGrpSpPr>
-      <p:grpSpPr>
-        <a:xfrm>
-          <a:off x="0" y="0"/>
-          <a:ext cx="0" cy="0"/>
-          <a:chOff x="0" y="0"/>
-          <a:chExt cx="0" cy="0"/>
-        </a:xfrm>
-      </p:grpSpPr>
-      <p:sp>
-        <p:nvSpPr>
-          <p:cNvPr id="2" name="Title 1">
-            <a:extLst>
-              <a:ext uri="{FF2B5EF4-FFF2-40B4-BE49-F238E27FC236}">
-                <a16:creationId xmlns:a16="http://schemas.microsoft.com/office/drawing/2014/main" id="{B8DF8B68-B540-4F01-B1A4-93D66BCE19AC}"/>
-              </a:ext>
-            </a:extLst>
-          </p:cNvPr>
-          <p:cNvSpPr>
-            <a:spLocks noGrp="1"/>
-          </p:cNvSpPr>
-          <p:nvPr>
-            <p:ph type="title"/>
-          </p:nvPr>
-        </p:nvSpPr>
-        <p:spPr/>
-        <p:txBody>
-          <a:bodyPr/>
-          <a:lstStyle/>
-          <a:p>
-            <a:endParaRPr lang="en-US"/>
-          </a:p>
-        </p:txBody>
-      </p:sp>
-      <p:pic>
-        <p:nvPicPr>
-          <p:cNvPr id="5" name="Picture 5" descr="A close up of a sign&#10;&#10;Description generated with high confidence">
-            <a:extLst>
-              <a:ext uri="{FF2B5EF4-FFF2-40B4-BE49-F238E27FC236}">
-                <a16:creationId xmlns:a16="http://schemas.microsoft.com/office/drawing/2014/main" id="{4C13D9CA-EA98-46C2-8FB4-D54A54F11A41}"/>
-              </a:ext>
-            </a:extLst>
-          </p:cNvPr>
-          <p:cNvPicPr>
-            <a:picLocks noGrp="1" noChangeAspect="1"/>
-          </p:cNvPicPr>
-          <p:nvPr>
-            <p:ph sz="half" idx="1"/>
-          </p:nvPr>
-        </p:nvPicPr>
-        <p:blipFill>
-          <a:blip r:embed="rId2"/>
-          <a:stretch>
-            <a:fillRect/>
-          </a:stretch>
-        </p:blipFill>
-        <p:spPr>
-          <a:xfrm>
-            <a:off x="2080365" y="2619650"/>
-            <a:ext cx="8020832" cy="1176659"/>
-          </a:xfrm>
-        </p:spPr>
-      </p:pic>
-      <p:pic>
-        <p:nvPicPr>
-          <p:cNvPr id="7" name="Picture 7" descr="A close up of a sign&#10;&#10;Description generated with high confidence">
-            <a:extLst>
-              <a:ext uri="{FF2B5EF4-FFF2-40B4-BE49-F238E27FC236}">
-                <a16:creationId xmlns:a16="http://schemas.microsoft.com/office/drawing/2014/main" id="{813C1EAA-A7D3-4658-8526-17DAF2812F0A}"/>
-              </a:ext>
-            </a:extLst>
-          </p:cNvPr>
-          <p:cNvPicPr>
-            <a:picLocks noGrp="1" noChangeAspect="1"/>
-          </p:cNvPicPr>
-          <p:nvPr>
-            <p:ph sz="half" idx="2"/>
-          </p:nvPr>
-        </p:nvPicPr>
-        <p:blipFill>
-          <a:blip r:embed="rId3"/>
-          <a:stretch>
-            <a:fillRect/>
-          </a:stretch>
-        </p:blipFill>
-        <p:spPr>
-          <a:xfrm>
-            <a:off x="4505781" y="4408651"/>
-            <a:ext cx="3190875" cy="876300"/>
-          </a:xfrm>
-        </p:spPr>
-      </p:pic>
-    </p:spTree>
-    <p:extLst>
-      <p:ext uri="{BB962C8B-B14F-4D97-AF65-F5344CB8AC3E}">
-        <p14:creationId xmlns:p14="http://schemas.microsoft.com/office/powerpoint/2010/main" val="272518165"/>
-      </p:ext>
-    </p:extLst>
-  </p:cSld>
-  <p:clrMapOvr>
-    <a:masterClrMapping/>
-  </p:clrMapOvr>
-</p:sld>
-</file>
-
-<file path=ppt/slides/slide21.xml><?xml version="1.0" encoding="utf-8"?>
-<p:sld xmlns:a="http://schemas.openxmlformats.org/drawingml/2006/main" xmlns:r="http://schemas.openxmlformats.org/officeDocument/2006/relationships" xmlns:p="http://schemas.openxmlformats.org/presentationml/2006/main">
-  <p:cSld>
-    <p:spTree>
-      <p:nvGrpSpPr>
-        <p:cNvPr id="1" name=""/>
-        <p:cNvGrpSpPr/>
-        <p:nvPr/>
-      </p:nvGrpSpPr>
-      <p:grpSpPr>
-        <a:xfrm>
-          <a:off x="0" y="0"/>
-          <a:ext cx="0" cy="0"/>
-          <a:chOff x="0" y="0"/>
-          <a:chExt cx="0" cy="0"/>
-        </a:xfrm>
-      </p:grpSpPr>
-      <p:sp>
-        <p:nvSpPr>
-          <p:cNvPr id="2" name="Title 1">
-            <a:extLst>
-              <a:ext uri="{FF2B5EF4-FFF2-40B4-BE49-F238E27FC236}">
                 <a16:creationId xmlns:a16="http://schemas.microsoft.com/office/drawing/2014/main" id="{04F849B3-5F0E-4519-81AE-7BE7CDFAF381}"/>
               </a:ext>
             </a:extLst>
@@ -6165,7 +3692,7 @@
 </p:sld>
 </file>
 
-<file path=ppt/slides/slide22.xml><?xml version="1.0" encoding="utf-8"?>
+<file path=ppt/slides/slide17.xml><?xml version="1.0" encoding="utf-8"?>
 <p:sld xmlns:a="http://schemas.openxmlformats.org/drawingml/2006/main" xmlns:r="http://schemas.openxmlformats.org/officeDocument/2006/relationships" xmlns:p="http://schemas.openxmlformats.org/presentationml/2006/main">
   <p:cSld>
     <p:spTree>
@@ -6249,7 +3776,7 @@
 </p:sld>
 </file>
 
-<file path=ppt/slides/slide23.xml><?xml version="1.0" encoding="utf-8"?>
+<file path=ppt/slides/slide18.xml><?xml version="1.0" encoding="utf-8"?>
 <p:sld xmlns:a="http://schemas.openxmlformats.org/drawingml/2006/main" xmlns:r="http://schemas.openxmlformats.org/officeDocument/2006/relationships" xmlns:p="http://schemas.openxmlformats.org/presentationml/2006/main">
   <p:cSld>
     <p:spTree>
@@ -6287,6 +3814,12 @@
           <a:bodyPr/>
           <a:lstStyle/>
           <a:p>
+            <a:r>
+              <a:rPr lang="en-US">
+                <a:cs typeface="Calibri Light"/>
+              </a:rPr>
+              <a:t>Wątek do obioru danych</a:t>
+            </a:r>
             <a:endParaRPr lang="en-US"/>
           </a:p>
         </p:txBody>
@@ -6322,19 +3855,17 @@
       </p:pic>
       <p:pic>
         <p:nvPicPr>
-          <p:cNvPr id="7" name="Picture 7" descr="A picture containing photo, holding, people, woman&#10;&#10;Description generated with very high confidence">
+          <p:cNvPr id="3" name="Picture 3" descr="A picture containing drawing&#10;&#10;Description generated with very high confidence">
             <a:extLst>
               <a:ext uri="{FF2B5EF4-FFF2-40B4-BE49-F238E27FC236}">
-                <a16:creationId xmlns:a16="http://schemas.microsoft.com/office/drawing/2014/main" id="{756B27BA-9C91-4645-95D9-B39868B41B83}"/>
+                <a16:creationId xmlns:a16="http://schemas.microsoft.com/office/drawing/2014/main" id="{1BE1CB8C-1AC6-42A4-BCCC-58EC0A1029DC}"/>
               </a:ext>
             </a:extLst>
           </p:cNvPr>
           <p:cNvPicPr>
-            <a:picLocks noGrp="1" noChangeAspect="1"/>
+            <a:picLocks noChangeAspect="1"/>
           </p:cNvPicPr>
-          <p:nvPr>
-            <p:ph sz="half" idx="2"/>
-          </p:nvPr>
+          <p:nvPr/>
         </p:nvPicPr>
         <p:blipFill>
           <a:blip r:embed="rId3"/>
@@ -6344,9 +3875,12 @@
         </p:blipFill>
         <p:spPr>
           <a:xfrm>
-            <a:off x="3758069" y="4493201"/>
-            <a:ext cx="4686300" cy="1333500"/>
+            <a:off x="4798142" y="4561269"/>
+            <a:ext cx="2743200" cy="1201332"/>
           </a:xfrm>
+          <a:prstGeom prst="rect">
+            <a:avLst/>
+          </a:prstGeom>
         </p:spPr>
       </p:pic>
     </p:spTree>
@@ -6362,7 +3896,7 @@
 </p:sld>
 </file>
 
-<file path=ppt/slides/slide24.xml><?xml version="1.0" encoding="utf-8"?>
+<file path=ppt/slides/slide19.xml><?xml version="1.0" encoding="utf-8"?>
 <p:sld xmlns:a="http://schemas.openxmlformats.org/drawingml/2006/main" xmlns:r="http://schemas.openxmlformats.org/officeDocument/2006/relationships" xmlns:p="http://schemas.openxmlformats.org/presentationml/2006/main">
   <p:cSld>
     <p:spTree>
@@ -6464,10 +3998,10 @@
       </p:pic>
       <p:pic>
         <p:nvPicPr>
-          <p:cNvPr id="9" name="Picture 9" descr="A picture containing white&#10;&#10;Description generated with very high confidence">
+          <p:cNvPr id="3" name="Picture 3" descr="A picture containing drawing&#10;&#10;Description generated with very high confidence">
             <a:extLst>
               <a:ext uri="{FF2B5EF4-FFF2-40B4-BE49-F238E27FC236}">
-                <a16:creationId xmlns:a16="http://schemas.microsoft.com/office/drawing/2014/main" id="{B69E35C4-949C-400B-97E8-FEEFD8A9446C}"/>
+                <a16:creationId xmlns:a16="http://schemas.microsoft.com/office/drawing/2014/main" id="{90E7AD04-A29C-4381-A0D6-EE1D7B18E8CE}"/>
               </a:ext>
             </a:extLst>
           </p:cNvPr>
@@ -6484,8 +4018,8 @@
         </p:blipFill>
         <p:spPr>
           <a:xfrm>
-            <a:off x="4724400" y="5123023"/>
-            <a:ext cx="2743200" cy="1204830"/>
+            <a:off x="4712110" y="5238675"/>
+            <a:ext cx="2743200" cy="780585"/>
           </a:xfrm>
           <a:prstGeom prst="rect">
             <a:avLst/>
@@ -6505,7 +4039,7 @@
 </p:sld>
 </file>
 
-<file path=ppt/slides/slide25.xml><?xml version="1.0" encoding="utf-8"?>
+<file path=ppt/slides/slide2.xml><?xml version="1.0" encoding="utf-8"?>
 <p:sld xmlns:a="http://schemas.openxmlformats.org/drawingml/2006/main" xmlns:r="http://schemas.openxmlformats.org/officeDocument/2006/relationships" xmlns:p="http://schemas.openxmlformats.org/presentationml/2006/main">
   <p:cSld>
     <p:spTree>
@@ -6527,7 +4061,7 @@
           <p:cNvPr id="2" name="Title 1">
             <a:extLst>
               <a:ext uri="{FF2B5EF4-FFF2-40B4-BE49-F238E27FC236}">
-                <a16:creationId xmlns:a16="http://schemas.microsoft.com/office/drawing/2014/main" id="{4B2E7B6D-CF3E-4FBB-9B83-A3388C8DFF51}"/>
+                <a16:creationId xmlns:a16="http://schemas.microsoft.com/office/drawing/2014/main" id="{C0FDDD89-4F44-4DEE-B3D0-C16B18DF2F7F}"/>
               </a:ext>
             </a:extLst>
           </p:cNvPr>
@@ -6544,24 +4078,25 @@
           <a:lstStyle/>
           <a:p>
             <a:r>
-              <a:rPr lang="en-US" dirty="0" err="1">
+              <a:rPr lang="en-US">
                 <a:cs typeface="Calibri Light"/>
               </a:rPr>
-              <a:t>Generowanie</a:t>
-            </a:r>
-            <a:r>
-              <a:rPr lang="en-US" dirty="0">
-                <a:cs typeface="Calibri Light"/>
+              <a:t>TLS (</a:t>
+            </a:r>
+            <a:r>
+              <a:rPr lang="en"/>
+              <a:t>Transport Layer Security</a:t>
+            </a:r>
+            <a:r>
+              <a:rPr lang="en-US">
+                <a:ea typeface="+mj-lt"/>
+                <a:cs typeface="+mj-lt"/>
               </a:rPr>
-              <a:t> </a:t>
-            </a:r>
-            <a:r>
-              <a:rPr lang="en-US" dirty="0" err="1">
-                <a:cs typeface="Calibri Light"/>
-              </a:rPr>
-              <a:t>komend</a:t>
-            </a:r>
-            <a:endParaRPr lang="en-US" dirty="0" err="1"/>
+              <a:t>)</a:t>
+            </a:r>
+            <a:endParaRPr lang="en-US">
+              <a:cs typeface="Calibri Light"/>
+            </a:endParaRPr>
           </a:p>
         </p:txBody>
       </p:sp>
@@ -6570,7 +4105,7 @@
           <p:cNvPr id="3" name="Text Placeholder 2">
             <a:extLst>
               <a:ext uri="{FF2B5EF4-FFF2-40B4-BE49-F238E27FC236}">
-                <a16:creationId xmlns:a16="http://schemas.microsoft.com/office/drawing/2014/main" id="{298BD881-EA2F-4EA3-AAC6-0C7B3FE4403A}"/>
+                <a16:creationId xmlns:a16="http://schemas.microsoft.com/office/drawing/2014/main" id="{E38EB11C-E9A4-47B4-81B5-5DF12ED60185}"/>
               </a:ext>
             </a:extLst>
           </p:cNvPr>
@@ -6593,7 +4128,7 @@
     </p:spTree>
     <p:extLst>
       <p:ext uri="{BB962C8B-B14F-4D97-AF65-F5344CB8AC3E}">
-        <p14:creationId xmlns:p14="http://schemas.microsoft.com/office/powerpoint/2010/main" val="1153152084"/>
+        <p14:creationId xmlns:p14="http://schemas.microsoft.com/office/powerpoint/2010/main" val="1868812331"/>
       </p:ext>
     </p:extLst>
   </p:cSld>
@@ -6603,7 +4138,7 @@
 </p:sld>
 </file>
 
-<file path=ppt/slides/slide26.xml><?xml version="1.0" encoding="utf-8"?>
+<file path=ppt/slides/slide20.xml><?xml version="1.0" encoding="utf-8"?>
 <p:sld xmlns:a="http://schemas.openxmlformats.org/drawingml/2006/main" xmlns:r="http://schemas.openxmlformats.org/officeDocument/2006/relationships" xmlns:p="http://schemas.openxmlformats.org/presentationml/2006/main">
   <p:cSld>
     <p:spTree>
@@ -6625,7 +4160,7 @@
           <p:cNvPr id="2" name="Title 1">
             <a:extLst>
               <a:ext uri="{FF2B5EF4-FFF2-40B4-BE49-F238E27FC236}">
-                <a16:creationId xmlns:a16="http://schemas.microsoft.com/office/drawing/2014/main" id="{576D9242-CD96-4CC9-B087-24B1649F6A3B}"/>
+                <a16:creationId xmlns:a16="http://schemas.microsoft.com/office/drawing/2014/main" id="{0B7552AD-03F0-49C2-8583-49C821744B7C}"/>
               </a:ext>
             </a:extLst>
           </p:cNvPr>
@@ -6641,72 +4176,87 @@
           <a:bodyPr/>
           <a:lstStyle/>
           <a:p>
+            <a:r>
+              <a:rPr lang="en-US">
+                <a:cs typeface="Calibri Light"/>
+              </a:rPr>
+              <a:t>Bibliografia</a:t>
+            </a:r>
             <a:endParaRPr lang="en-US"/>
           </a:p>
         </p:txBody>
       </p:sp>
-      <p:pic>
-        <p:nvPicPr>
-          <p:cNvPr id="5" name="Picture 5" descr="A picture containing photo, holding, man, table&#10;&#10;Description generated with very high confidence">
+      <p:sp>
+        <p:nvSpPr>
+          <p:cNvPr id="3" name="Content Placeholder 2">
             <a:extLst>
               <a:ext uri="{FF2B5EF4-FFF2-40B4-BE49-F238E27FC236}">
-                <a16:creationId xmlns:a16="http://schemas.microsoft.com/office/drawing/2014/main" id="{87D6AB22-E6F1-4895-A29F-B370B6BCC534}"/>
+                <a16:creationId xmlns:a16="http://schemas.microsoft.com/office/drawing/2014/main" id="{29E4BD92-5C84-477D-86BA-42228F85BA83}"/>
               </a:ext>
             </a:extLst>
           </p:cNvPr>
-          <p:cNvPicPr>
-            <a:picLocks noGrp="1" noChangeAspect="1"/>
-          </p:cNvPicPr>
-          <p:nvPr>
-            <p:ph sz="half" idx="1"/>
-          </p:nvPr>
-        </p:nvPicPr>
-        <p:blipFill>
-          <a:blip r:embed="rId2"/>
-          <a:stretch>
-            <a:fillRect/>
-          </a:stretch>
-        </p:blipFill>
-        <p:spPr>
-          <a:xfrm>
-            <a:off x="3499981" y="2302101"/>
-            <a:ext cx="5181600" cy="1039318"/>
-          </a:xfrm>
-        </p:spPr>
-      </p:pic>
-      <p:pic>
-        <p:nvPicPr>
-          <p:cNvPr id="7" name="Picture 7" descr="A close up of a sign&#10;&#10;Description generated with high confidence">
-            <a:extLst>
-              <a:ext uri="{FF2B5EF4-FFF2-40B4-BE49-F238E27FC236}">
-                <a16:creationId xmlns:a16="http://schemas.microsoft.com/office/drawing/2014/main" id="{16E13432-F736-4D58-9FDC-512C7C86971D}"/>
-              </a:ext>
-            </a:extLst>
-          </p:cNvPr>
-          <p:cNvPicPr>
-            <a:picLocks noGrp="1" noChangeAspect="1"/>
-          </p:cNvPicPr>
-          <p:nvPr>
-            <p:ph sz="half" idx="2"/>
-          </p:nvPr>
-        </p:nvPicPr>
-        <p:blipFill>
-          <a:blip r:embed="rId3"/>
-          <a:stretch>
-            <a:fillRect/>
-          </a:stretch>
-        </p:blipFill>
-        <p:spPr>
-          <a:xfrm>
-            <a:off x="3499981" y="4509998"/>
-            <a:ext cx="5181600" cy="527468"/>
-          </a:xfrm>
-        </p:spPr>
-      </p:pic>
+          <p:cNvSpPr>
+            <a:spLocks noGrp="1"/>
+          </p:cNvSpPr>
+          <p:nvPr>
+            <p:ph idx="1"/>
+          </p:nvPr>
+        </p:nvSpPr>
+        <p:spPr/>
+        <p:txBody>
+          <a:bodyPr vert="horz" lIns="91440" tIns="45720" rIns="91440" bIns="45720" rtlCol="0" anchor="t">
+            <a:normAutofit/>
+          </a:bodyPr>
+          <a:lstStyle/>
+          <a:p>
+            <a:r>
+              <a:rPr lang="en-US" dirty="0">
+                <a:ea typeface="+mn-lt"/>
+                <a:cs typeface="+mn-lt"/>
+                <a:hlinkClick r:id="rId2"/>
+              </a:rPr>
+              <a:t>http://developers.xstore.pro/documentation/</a:t>
+            </a:r>
+          </a:p>
+          <a:p>
+            <a:r>
+              <a:rPr lang="en-US" dirty="0">
+                <a:ea typeface="+mn-lt"/>
+                <a:cs typeface="+mn-lt"/>
+                <a:hlinkClick r:id="rId3"/>
+              </a:rPr>
+              <a:t>https://www.datacamp.com/community/tutorials/finance-python-trading</a:t>
+            </a:r>
+          </a:p>
+          <a:p>
+            <a:r>
+              <a:rPr lang="en-US" dirty="0">
+                <a:ea typeface="+mn-lt"/>
+                <a:cs typeface="+mn-lt"/>
+                <a:hlinkClick r:id="rId4"/>
+              </a:rPr>
+              <a:t>https://pandas.pydata.org/docs/reference/index.html</a:t>
+            </a:r>
+          </a:p>
+          <a:p>
+            <a:r>
+              <a:rPr lang="en-US" dirty="0">
+                <a:ea typeface="+mn-lt"/>
+                <a:cs typeface="+mn-lt"/>
+                <a:hlinkClick r:id="rId5"/>
+              </a:rPr>
+              <a:t>https://matplotlib.org/3.2.1/contents.html</a:t>
+            </a:r>
+            <a:endParaRPr lang="en-US" dirty="0">
+              <a:cs typeface="Calibri"/>
+            </a:endParaRPr>
+          </a:p>
+        </p:txBody>
+      </p:sp>
     </p:spTree>
     <p:extLst>
       <p:ext uri="{BB962C8B-B14F-4D97-AF65-F5344CB8AC3E}">
-        <p14:creationId xmlns:p14="http://schemas.microsoft.com/office/powerpoint/2010/main" val="1934392077"/>
+        <p14:creationId xmlns:p14="http://schemas.microsoft.com/office/powerpoint/2010/main" val="4007018041"/>
       </p:ext>
     </p:extLst>
   </p:cSld>
@@ -6738,7 +4288,7 @@
           <p:cNvPr id="2" name="Title 1">
             <a:extLst>
               <a:ext uri="{FF2B5EF4-FFF2-40B4-BE49-F238E27FC236}">
-                <a16:creationId xmlns:a16="http://schemas.microsoft.com/office/drawing/2014/main" id="{C45DC824-B189-46A0-BB75-48FB5FA8E7BA}"/>
+                <a16:creationId xmlns:a16="http://schemas.microsoft.com/office/drawing/2014/main" id="{6951353A-C0F6-4642-87E4-A751297F6386}"/>
               </a:ext>
             </a:extLst>
           </p:cNvPr>
@@ -6755,60 +4305,12 @@
           <a:lstStyle/>
           <a:p>
             <a:r>
-              <a:rPr lang="en-US" dirty="0" err="1">
+              <a:rPr lang="en-US">
                 <a:cs typeface="Calibri Light"/>
               </a:rPr>
-              <a:t>Słownik</a:t>
-            </a:r>
-            <a:r>
-              <a:rPr lang="en-US" dirty="0">
-                <a:cs typeface="Calibri Light"/>
-              </a:rPr>
-              <a:t> </a:t>
-            </a:r>
-            <a:r>
-              <a:rPr lang="en-US" dirty="0" err="1">
-                <a:cs typeface="Calibri Light"/>
-              </a:rPr>
-              <a:t>obiektów</a:t>
-            </a:r>
-            <a:r>
-              <a:rPr lang="en-US" dirty="0">
-                <a:cs typeface="Calibri Light"/>
-              </a:rPr>
-              <a:t> </a:t>
-            </a:r>
-            <a:r>
-              <a:rPr lang="en-US" dirty="0" err="1">
-                <a:cs typeface="Calibri Light"/>
-              </a:rPr>
-              <a:t>reprezentujących</a:t>
-            </a:r>
-            <a:r>
-              <a:rPr lang="en-US" dirty="0">
-                <a:cs typeface="Calibri Light"/>
-              </a:rPr>
-              <a:t> </a:t>
-            </a:r>
-            <a:r>
-              <a:rPr lang="en-US" dirty="0" err="1">
-                <a:cs typeface="Calibri Light"/>
-              </a:rPr>
-              <a:t>symbole</a:t>
-            </a:r>
-            <a:r>
-              <a:rPr lang="en-US" dirty="0">
-                <a:cs typeface="Calibri Light"/>
-              </a:rPr>
-              <a:t> </a:t>
-            </a:r>
-            <a:r>
-              <a:rPr lang="en-US" dirty="0" err="1">
-                <a:cs typeface="Calibri Light"/>
-              </a:rPr>
-              <a:t>giełdowe</a:t>
-            </a:r>
-            <a:endParaRPr lang="en-US" dirty="0" err="1"/>
+              <a:t>TLS/SSL</a:t>
+            </a:r>
+            <a:endParaRPr lang="en-US"/>
           </a:p>
         </p:txBody>
       </p:sp>
@@ -6817,7 +4319,7 @@
           <p:cNvPr id="3" name="Content Placeholder 2">
             <a:extLst>
               <a:ext uri="{FF2B5EF4-FFF2-40B4-BE49-F238E27FC236}">
-                <a16:creationId xmlns:a16="http://schemas.microsoft.com/office/drawing/2014/main" id="{254E3567-14F7-4246-A45F-B17F4BF417D6}"/>
+                <a16:creationId xmlns:a16="http://schemas.microsoft.com/office/drawing/2014/main" id="{31F7ACF8-5BD6-4E3C-A076-AFB17295BAAA}"/>
               </a:ext>
             </a:extLst>
           </p:cNvPr>
@@ -6830,17 +4332,96 @@
         </p:nvSpPr>
         <p:spPr/>
         <p:txBody>
-          <a:bodyPr/>
-          <a:lstStyle/>
-          <a:p>
-            <a:endParaRPr lang="en-US"/>
+          <a:bodyPr vert="horz" lIns="91440" tIns="45720" rIns="91440" bIns="45720" rtlCol="0" anchor="t">
+            <a:normAutofit/>
+          </a:bodyPr>
+          <a:lstStyle/>
+          <a:p>
+            <a:r>
+              <a:rPr lang="en-US" dirty="0">
+                <a:ea typeface="+mn-lt"/>
+                <a:cs typeface="+mn-lt"/>
+                <a:hlinkClick r:id="rId2"/>
+              </a:rPr>
+              <a:t>communications security</a:t>
+            </a:r>
+            <a:r>
+              <a:rPr lang="en-US" dirty="0">
+                <a:ea typeface="+mn-lt"/>
+                <a:cs typeface="+mn-lt"/>
+              </a:rPr>
+              <a:t> </a:t>
+            </a:r>
+            <a:r>
+              <a:rPr lang="en-US">
+                <a:ea typeface="+mn-lt"/>
+                <a:cs typeface="+mn-lt"/>
+              </a:rPr>
+              <a:t>over a </a:t>
+            </a:r>
+            <a:r>
+              <a:rPr lang="en-US" u="sng" dirty="0">
+                <a:ea typeface="+mn-lt"/>
+                <a:cs typeface="+mn-lt"/>
+                <a:hlinkClick r:id="rId3"/>
+              </a:rPr>
+              <a:t>computer network</a:t>
+            </a:r>
+            <a:endParaRPr lang="en-US" dirty="0">
+              <a:cs typeface="Calibri"/>
+            </a:endParaRPr>
+          </a:p>
+          <a:p>
+            <a:r>
+              <a:rPr lang="en-US" dirty="0">
+                <a:ea typeface="+mn-lt"/>
+                <a:cs typeface="+mn-lt"/>
+                <a:hlinkClick r:id="rId4"/>
+              </a:rPr>
+              <a:t>privacy</a:t>
+            </a:r>
+            <a:r>
+              <a:rPr lang="en-US">
+                <a:ea typeface="+mn-lt"/>
+                <a:cs typeface="+mn-lt"/>
+              </a:rPr>
+              <a:t> and </a:t>
+            </a:r>
+            <a:r>
+              <a:rPr lang="en-US" dirty="0">
+                <a:ea typeface="+mn-lt"/>
+                <a:cs typeface="+mn-lt"/>
+                <a:hlinkClick r:id="rId5"/>
+              </a:rPr>
+              <a:t>data integrity</a:t>
+            </a:r>
+            <a:r>
+              <a:rPr lang="en-US" dirty="0">
+                <a:ea typeface="+mn-lt"/>
+                <a:cs typeface="+mn-lt"/>
+              </a:rPr>
+              <a:t> </a:t>
+            </a:r>
+            <a:endParaRPr lang="en-US" dirty="0">
+              <a:cs typeface="Calibri"/>
+            </a:endParaRPr>
+          </a:p>
+          <a:p>
+            <a:endParaRPr lang="en-US" dirty="0">
+              <a:cs typeface="Calibri"/>
+            </a:endParaRPr>
+          </a:p>
+          <a:p>
+            <a:endParaRPr lang="en-US" dirty="0">
+              <a:cs typeface="Calibri"/>
+            </a:endParaRPr>
           </a:p>
         </p:txBody>
       </p:sp>
     </p:spTree>
     <p:extLst>
       <p:ext uri="{BB962C8B-B14F-4D97-AF65-F5344CB8AC3E}">
-        <p14:creationId xmlns:p14="http://schemas.microsoft.com/office/powerpoint/2010/main" val="13409665"/>
+        <p14:creationId xmlns:p14="http://schemas.microsoft.com/office/powerpoint/2010/main" val="2594719488"/>
       </p:ext>
     </p:extLst>
   </p:cSld>
@@ -6869,54 +4450,62 @@
       </p:grpSpPr>
       <p:sp>
         <p:nvSpPr>
-          <p:cNvPr id="2" name="TextBox 1">
+          <p:cNvPr id="2" name="Title 1">
             <a:extLst>
               <a:ext uri="{FF2B5EF4-FFF2-40B4-BE49-F238E27FC236}">
-                <a16:creationId xmlns:a16="http://schemas.microsoft.com/office/drawing/2014/main" id="{09E50F80-AE51-4F56-B432-D1B7BE0B5784}"/>
+                <a16:creationId xmlns:a16="http://schemas.microsoft.com/office/drawing/2014/main" id="{C87CEB19-D096-4721-9950-01A76785B1B2}"/>
               </a:ext>
             </a:extLst>
           </p:cNvPr>
-          <p:cNvSpPr txBox="1"/>
-          <p:nvPr/>
-        </p:nvSpPr>
+          <p:cNvSpPr>
+            <a:spLocks noGrp="1"/>
+          </p:cNvSpPr>
+          <p:nvPr>
+            <p:ph type="title"/>
+          </p:nvPr>
+        </p:nvSpPr>
+        <p:spPr/>
+        <p:txBody>
+          <a:bodyPr/>
+          <a:lstStyle/>
+          <a:p>
+            <a:endParaRPr lang="en-US"/>
+          </a:p>
+        </p:txBody>
+      </p:sp>
+      <p:pic>
+        <p:nvPicPr>
+          <p:cNvPr id="4" name="Picture 4" descr="A screenshot of a cell phone&#10;&#10;Description generated with very high confidence">
+            <a:extLst>
+              <a:ext uri="{FF2B5EF4-FFF2-40B4-BE49-F238E27FC236}">
+                <a16:creationId xmlns:a16="http://schemas.microsoft.com/office/drawing/2014/main" id="{C0C1BEC3-B759-47FE-9625-8872E289F481}"/>
+              </a:ext>
+            </a:extLst>
+          </p:cNvPr>
+          <p:cNvPicPr>
+            <a:picLocks noGrp="1" noChangeAspect="1"/>
+          </p:cNvPicPr>
+          <p:nvPr>
+            <p:ph idx="1"/>
+          </p:nvPr>
+        </p:nvPicPr>
+        <p:blipFill>
+          <a:blip r:embed="rId2"/>
+          <a:stretch>
+            <a:fillRect/>
+          </a:stretch>
+        </p:blipFill>
         <p:spPr>
           <a:xfrm>
-            <a:off x="3992479" y="2528638"/>
-            <a:ext cx="4658226" cy="1200329"/>
+            <a:off x="838200" y="2574902"/>
+            <a:ext cx="10515600" cy="2852783"/>
           </a:xfrm>
-          <a:prstGeom prst="rect">
-            <a:avLst/>
-          </a:prstGeom>
-          <a:noFill/>
         </p:spPr>
-        <p:txBody>
-          <a:bodyPr rot="0" spcFirstLastPara="0" vertOverflow="overflow" horzOverflow="overflow" vert="horz" wrap="square" lIns="91440" tIns="45720" rIns="91440" bIns="45720" numCol="1" spcCol="0" rtlCol="0" fromWordArt="0" anchor="t" anchorCtr="0" forceAA="0" compatLnSpc="1">
-            <a:prstTxWarp prst="textNoShape">
-              <a:avLst/>
-            </a:prstTxWarp>
-            <a:spAutoFit/>
-          </a:bodyPr>
-          <a:lstStyle/>
-          <a:p>
-            <a:r>
-              <a:rPr lang="en-US" sz="7200" dirty="0" err="1">
-                <a:cs typeface="Calibri"/>
-              </a:rPr>
-              <a:t>Klasa</a:t>
-            </a:r>
-            <a:r>
-              <a:rPr lang="en-US" sz="7200" dirty="0">
-                <a:cs typeface="Calibri"/>
-              </a:rPr>
-              <a:t> Macs</a:t>
-            </a:r>
-          </a:p>
-        </p:txBody>
-      </p:sp>
+      </p:pic>
     </p:spTree>
     <p:extLst>
       <p:ext uri="{BB962C8B-B14F-4D97-AF65-F5344CB8AC3E}">
-        <p14:creationId xmlns:p14="http://schemas.microsoft.com/office/powerpoint/2010/main" val="2155267256"/>
+        <p14:creationId xmlns:p14="http://schemas.microsoft.com/office/powerpoint/2010/main" val="532465346"/>
       </p:ext>
     </p:extLst>
   </p:cSld>
@@ -6945,45 +4534,91 @@
       </p:grpSpPr>
       <p:sp>
         <p:nvSpPr>
-          <p:cNvPr id="3" name="TextBox 2">
+          <p:cNvPr id="2" name="Title 1">
             <a:extLst>
               <a:ext uri="{FF2B5EF4-FFF2-40B4-BE49-F238E27FC236}">
-                <a16:creationId xmlns:a16="http://schemas.microsoft.com/office/drawing/2014/main" id="{9FA75BAD-C05F-422B-8E3D-6137C6DFB1D3}"/>
+                <a16:creationId xmlns:a16="http://schemas.microsoft.com/office/drawing/2014/main" id="{E09B311D-DF64-4CEC-B7C6-5FFDBB5D9FE9}"/>
               </a:ext>
             </a:extLst>
           </p:cNvPr>
-          <p:cNvSpPr txBox="1"/>
-          <p:nvPr/>
-        </p:nvSpPr>
+          <p:cNvSpPr>
+            <a:spLocks noGrp="1"/>
+          </p:cNvSpPr>
+          <p:nvPr>
+            <p:ph type="title"/>
+          </p:nvPr>
+        </p:nvSpPr>
+        <p:spPr/>
+        <p:txBody>
+          <a:bodyPr/>
+          <a:lstStyle/>
+          <a:p>
+            <a:endParaRPr lang="en-US"/>
+          </a:p>
+        </p:txBody>
+      </p:sp>
+      <p:pic>
+        <p:nvPicPr>
+          <p:cNvPr id="5" name="Picture 5" descr="A screenshot of a cell phone&#10;&#10;Description generated with very high confidence">
+            <a:extLst>
+              <a:ext uri="{FF2B5EF4-FFF2-40B4-BE49-F238E27FC236}">
+                <a16:creationId xmlns:a16="http://schemas.microsoft.com/office/drawing/2014/main" id="{DCBB296F-02BD-4E9E-AA80-5B77867C7E1E}"/>
+              </a:ext>
+            </a:extLst>
+          </p:cNvPr>
+          <p:cNvPicPr>
+            <a:picLocks noGrp="1" noChangeAspect="1"/>
+          </p:cNvPicPr>
+          <p:nvPr>
+            <p:ph sz="half" idx="1"/>
+          </p:nvPr>
+        </p:nvPicPr>
+        <p:blipFill>
+          <a:blip r:embed="rId2"/>
+          <a:stretch>
+            <a:fillRect/>
+          </a:stretch>
+        </p:blipFill>
         <p:spPr>
           <a:xfrm>
-            <a:off x="3992479" y="2528638"/>
-            <a:ext cx="5680910" cy="1200329"/>
+            <a:off x="838200" y="3398092"/>
+            <a:ext cx="5181600" cy="1206403"/>
           </a:xfrm>
-          <a:prstGeom prst="rect">
-            <a:avLst/>
-          </a:prstGeom>
-          <a:noFill/>
         </p:spPr>
-        <p:txBody>
-          <a:bodyPr rot="0" spcFirstLastPara="0" vertOverflow="overflow" horzOverflow="overflow" vert="horz" wrap="square" lIns="91440" tIns="45720" rIns="91440" bIns="45720" numCol="1" spcCol="0" rtlCol="0" fromWordArt="0" anchor="t" anchorCtr="0" forceAA="0" compatLnSpc="1">
-            <a:prstTxWarp prst="textNoShape">
-              <a:avLst/>
-            </a:prstTxWarp>
-            <a:spAutoFit/>
-          </a:bodyPr>
-          <a:lstStyle/>
-          <a:p>
-            <a:endParaRPr lang="en-US" sz="7200" dirty="0">
-              <a:cs typeface="Calibri"/>
-            </a:endParaRPr>
-          </a:p>
-        </p:txBody>
-      </p:sp>
+      </p:pic>
+      <p:pic>
+        <p:nvPicPr>
+          <p:cNvPr id="6" name="Picture 6" descr="A close up of a blue wall&#10;&#10;Description generated with high confidence">
+            <a:extLst>
+              <a:ext uri="{FF2B5EF4-FFF2-40B4-BE49-F238E27FC236}">
+                <a16:creationId xmlns:a16="http://schemas.microsoft.com/office/drawing/2014/main" id="{5BCA951D-4C44-4E20-B80B-9EE66F327D89}"/>
+              </a:ext>
+            </a:extLst>
+          </p:cNvPr>
+          <p:cNvPicPr>
+            <a:picLocks noGrp="1" noChangeAspect="1"/>
+          </p:cNvPicPr>
+          <p:nvPr>
+            <p:ph sz="half" idx="2"/>
+          </p:nvPr>
+        </p:nvPicPr>
+        <p:blipFill>
+          <a:blip r:embed="rId3"/>
+          <a:stretch>
+            <a:fillRect/>
+          </a:stretch>
+        </p:blipFill>
+        <p:spPr>
+          <a:xfrm>
+            <a:off x="6172200" y="2938304"/>
+            <a:ext cx="5181600" cy="2125980"/>
+          </a:xfrm>
+        </p:spPr>
+      </p:pic>
     </p:spTree>
     <p:extLst>
       <p:ext uri="{BB962C8B-B14F-4D97-AF65-F5344CB8AC3E}">
-        <p14:creationId xmlns:p14="http://schemas.microsoft.com/office/powerpoint/2010/main" val="2774382103"/>
+        <p14:creationId xmlns:p14="http://schemas.microsoft.com/office/powerpoint/2010/main" val="4149247238"/>
       </p:ext>
     </p:extLst>
   </p:cSld>
@@ -7015,7 +4650,7 @@
           <p:cNvPr id="2" name="Title 1">
             <a:extLst>
               <a:ext uri="{FF2B5EF4-FFF2-40B4-BE49-F238E27FC236}">
-                <a16:creationId xmlns:a16="http://schemas.microsoft.com/office/drawing/2014/main" id="{C3A2BB1C-20FA-4892-BBDD-230CA6E60B4D}"/>
+                <a16:creationId xmlns:a16="http://schemas.microsoft.com/office/drawing/2014/main" id="{63D470B5-4995-411E-9DBF-94E743BCBDE1}"/>
               </a:ext>
             </a:extLst>
           </p:cNvPr>
@@ -7031,80 +4666,58 @@
           <a:bodyPr/>
           <a:lstStyle/>
           <a:p>
-            <a:r>
-              <a:rPr lang="en-US" dirty="0" err="1">
+            <a:pPr algn="ctr"/>
+            <a:r>
+              <a:rPr lang="en-US">
                 <a:cs typeface="Calibri Light"/>
               </a:rPr>
-              <a:t>Schemat</a:t>
-            </a:r>
-            <a:r>
-              <a:rPr lang="en-US" dirty="0">
-                <a:cs typeface="Calibri Light"/>
-              </a:rPr>
-              <a:t> </a:t>
-            </a:r>
-            <a:r>
-              <a:rPr lang="en-US" dirty="0" err="1">
-                <a:cs typeface="Calibri Light"/>
-              </a:rPr>
-              <a:t>działania</a:t>
-            </a:r>
-            <a:r>
-              <a:rPr lang="en-US" dirty="0">
-                <a:cs typeface="Calibri Light"/>
-              </a:rPr>
-              <a:t> </a:t>
-            </a:r>
-            <a:r>
-              <a:rPr lang="en-US" dirty="0" err="1">
-                <a:cs typeface="Calibri Light"/>
-              </a:rPr>
-              <a:t>naszego</a:t>
-            </a:r>
-            <a:r>
-              <a:rPr lang="en-US" dirty="0">
-                <a:cs typeface="Calibri Light"/>
-              </a:rPr>
-              <a:t> </a:t>
-            </a:r>
-            <a:r>
-              <a:rPr lang="en-US" dirty="0" err="1">
-                <a:cs typeface="Calibri Light"/>
-              </a:rPr>
-              <a:t>programu</a:t>
-            </a:r>
-          </a:p>
-        </p:txBody>
-      </p:sp>
-      <p:sp>
-        <p:nvSpPr>
-          <p:cNvPr id="3" name="Content Placeholder 2">
+              <a:t>xAPI</a:t>
+            </a:r>
+            <a:endParaRPr lang="en-US" dirty="0">
+              <a:cs typeface="Calibri Light"/>
+            </a:endParaRPr>
+          </a:p>
+        </p:txBody>
+      </p:sp>
+      <p:pic>
+        <p:nvPicPr>
+          <p:cNvPr id="4" name="Graphic 4">
             <a:extLst>
               <a:ext uri="{FF2B5EF4-FFF2-40B4-BE49-F238E27FC236}">
-                <a16:creationId xmlns:a16="http://schemas.microsoft.com/office/drawing/2014/main" id="{95569AAD-22F5-4728-BCF0-B472FD13A30A}"/>
+                <a16:creationId xmlns:a16="http://schemas.microsoft.com/office/drawing/2014/main" id="{F0374346-CED1-4043-803E-06417502FC4B}"/>
               </a:ext>
             </a:extLst>
           </p:cNvPr>
-          <p:cNvSpPr>
-            <a:spLocks noGrp="1"/>
-          </p:cNvSpPr>
+          <p:cNvPicPr>
+            <a:picLocks noGrp="1" noChangeAspect="1"/>
+          </p:cNvPicPr>
           <p:nvPr>
             <p:ph idx="1"/>
           </p:nvPr>
-        </p:nvSpPr>
-        <p:spPr/>
-        <p:txBody>
-          <a:bodyPr/>
-          <a:lstStyle/>
-          <a:p>
-            <a:endParaRPr lang="en-US"/>
-          </a:p>
-        </p:txBody>
-      </p:sp>
+        </p:nvPicPr>
+        <p:blipFill>
+          <a:blip r:embed="rId2">
+            <a:extLst>
+              <a:ext uri="{96DAC541-7B7A-43D3-8B79-37D633B846F1}">
+                <asvg:svgBlip xmlns:asvg="http://schemas.microsoft.com/office/drawing/2016/SVG/main" r:embed="rId3"/>
+              </a:ext>
+            </a:extLst>
+          </a:blip>
+          <a:stretch>
+            <a:fillRect/>
+          </a:stretch>
+        </p:blipFill>
+        <p:spPr>
+          <a:xfrm>
+            <a:off x="4242005" y="1697781"/>
+            <a:ext cx="3695700" cy="4385801"/>
+          </a:xfrm>
+        </p:spPr>
+      </p:pic>
     </p:spTree>
     <p:extLst>
       <p:ext uri="{BB962C8B-B14F-4D97-AF65-F5344CB8AC3E}">
-        <p14:creationId xmlns:p14="http://schemas.microsoft.com/office/powerpoint/2010/main" val="460468888"/>
+        <p14:creationId xmlns:p14="http://schemas.microsoft.com/office/powerpoint/2010/main" val="3183330867"/>
       </p:ext>
     </p:extLst>
   </p:cSld>
@@ -7136,7 +4749,7 @@
           <p:cNvPr id="2" name="Title 1">
             <a:extLst>
               <a:ext uri="{FF2B5EF4-FFF2-40B4-BE49-F238E27FC236}">
-                <a16:creationId xmlns:a16="http://schemas.microsoft.com/office/drawing/2014/main" id="{E8F9A9AB-9351-4A1D-B662-A4892DF7203A}"/>
+                <a16:creationId xmlns:a16="http://schemas.microsoft.com/office/drawing/2014/main" id="{576D9242-CD96-4CC9-B087-24B1649F6A3B}"/>
               </a:ext>
             </a:extLst>
           </p:cNvPr>
@@ -7152,63 +4765,49 @@
           <a:bodyPr/>
           <a:lstStyle/>
           <a:p>
-            <a:r>
-              <a:rPr lang="en-US" dirty="0">
+            <a:pPr algn="ctr"/>
+            <a:r>
+              <a:rPr lang="en-US">
                 <a:cs typeface="Calibri Light"/>
               </a:rPr>
-              <a:t>Dane </a:t>
-            </a:r>
-            <a:r>
-              <a:rPr lang="en-US" dirty="0" err="1">
-                <a:cs typeface="Calibri Light"/>
-              </a:rPr>
-              <a:t>wysyłane</a:t>
-            </a:r>
-            <a:r>
-              <a:rPr lang="en-US" dirty="0">
-                <a:cs typeface="Calibri Light"/>
-              </a:rPr>
-              <a:t> do </a:t>
-            </a:r>
-            <a:r>
-              <a:rPr lang="en-US" dirty="0" err="1">
-                <a:cs typeface="Calibri Light"/>
-              </a:rPr>
-              <a:t>serwera</a:t>
-            </a:r>
-            <a:endParaRPr lang="en-US" dirty="0" err="1"/>
-          </a:p>
-        </p:txBody>
-      </p:sp>
-      <p:sp>
-        <p:nvSpPr>
-          <p:cNvPr id="3" name="Content Placeholder 2">
+              <a:t>Podstawowa struktura wymiany danych</a:t>
+            </a:r>
+          </a:p>
+        </p:txBody>
+      </p:sp>
+      <p:pic>
+        <p:nvPicPr>
+          <p:cNvPr id="5" name="Picture 5" descr="A picture containing photo, holding, man, table&#10;&#10;Description generated with very high confidence">
             <a:extLst>
               <a:ext uri="{FF2B5EF4-FFF2-40B4-BE49-F238E27FC236}">
-                <a16:creationId xmlns:a16="http://schemas.microsoft.com/office/drawing/2014/main" id="{4FB59EFD-5D40-4C37-8708-D86F65D72F15}"/>
+                <a16:creationId xmlns:a16="http://schemas.microsoft.com/office/drawing/2014/main" id="{87D6AB22-E6F1-4895-A29F-B370B6BCC534}"/>
               </a:ext>
             </a:extLst>
           </p:cNvPr>
-          <p:cNvSpPr>
-            <a:spLocks noGrp="1"/>
-          </p:cNvSpPr>
-          <p:nvPr>
-            <p:ph idx="1"/>
-          </p:nvPr>
-        </p:nvSpPr>
-        <p:spPr/>
-        <p:txBody>
-          <a:bodyPr/>
-          <a:lstStyle/>
-          <a:p>
-            <a:endParaRPr lang="en-US"/>
-          </a:p>
-        </p:txBody>
-      </p:sp>
+          <p:cNvPicPr>
+            <a:picLocks noGrp="1" noChangeAspect="1"/>
+          </p:cNvPicPr>
+          <p:nvPr>
+            <p:ph sz="half" idx="1"/>
+          </p:nvPr>
+        </p:nvPicPr>
+        <p:blipFill>
+          <a:blip r:embed="rId2"/>
+          <a:stretch>
+            <a:fillRect/>
+          </a:stretch>
+        </p:blipFill>
+        <p:spPr>
+          <a:xfrm>
+            <a:off x="3499981" y="2302101"/>
+            <a:ext cx="5181600" cy="1039318"/>
+          </a:xfrm>
+        </p:spPr>
+      </p:pic>
     </p:spTree>
     <p:extLst>
       <p:ext uri="{BB962C8B-B14F-4D97-AF65-F5344CB8AC3E}">
-        <p14:creationId xmlns:p14="http://schemas.microsoft.com/office/powerpoint/2010/main" val="3488430936"/>
+        <p14:creationId xmlns:p14="http://schemas.microsoft.com/office/powerpoint/2010/main" val="1934392077"/>
       </p:ext>
     </p:extLst>
   </p:cSld>
@@ -7240,7 +4839,7 @@
           <p:cNvPr id="2" name="Title 1">
             <a:extLst>
               <a:ext uri="{FF2B5EF4-FFF2-40B4-BE49-F238E27FC236}">
-                <a16:creationId xmlns:a16="http://schemas.microsoft.com/office/drawing/2014/main" id="{C3D8D49C-F778-4FF6-9D92-8CFBDB4AD05E}"/>
+                <a16:creationId xmlns:a16="http://schemas.microsoft.com/office/drawing/2014/main" id="{897A6E50-6069-4E7C-B97A-6DEA81049F95}"/>
               </a:ext>
             </a:extLst>
           </p:cNvPr>
@@ -7257,28 +4856,10 @@
           <a:lstStyle/>
           <a:p>
             <a:r>
-              <a:rPr lang="en-US" dirty="0">
-                <a:cs typeface="Calibri Light"/>
-              </a:rPr>
-              <a:t>Dane </a:t>
-            </a:r>
-            <a:r>
               <a:rPr lang="en-US" dirty="0" err="1">
                 <a:cs typeface="Calibri Light"/>
               </a:rPr>
-              <a:t>odbierane</a:t>
-            </a:r>
-            <a:r>
-              <a:rPr lang="en-US" dirty="0">
-                <a:cs typeface="Calibri Light"/>
-              </a:rPr>
-              <a:t> od </a:t>
-            </a:r>
-            <a:r>
-              <a:rPr lang="en-US" dirty="0" err="1">
-                <a:cs typeface="Calibri Light"/>
-              </a:rPr>
-              <a:t>serwera</a:t>
+              <a:t>JSONSocket</a:t>
             </a:r>
             <a:endParaRPr lang="en-US" dirty="0" err="1"/>
           </a:p>
@@ -7286,10 +4867,10 @@
       </p:sp>
       <p:sp>
         <p:nvSpPr>
-          <p:cNvPr id="3" name="Content Placeholder 2">
+          <p:cNvPr id="3" name="Text Placeholder 2">
             <a:extLst>
               <a:ext uri="{FF2B5EF4-FFF2-40B4-BE49-F238E27FC236}">
-                <a16:creationId xmlns:a16="http://schemas.microsoft.com/office/drawing/2014/main" id="{6B2AE677-2220-440E-835B-43E651A22AE5}"/>
+                <a16:creationId xmlns:a16="http://schemas.microsoft.com/office/drawing/2014/main" id="{30204A08-6D50-4631-AAED-53C953690283}"/>
               </a:ext>
             </a:extLst>
           </p:cNvPr>
@@ -7297,7 +4878,7 @@
             <a:spLocks noGrp="1"/>
           </p:cNvSpPr>
           <p:nvPr>
-            <p:ph idx="1"/>
+            <p:ph type="body" idx="1"/>
           </p:nvPr>
         </p:nvSpPr>
         <p:spPr/>
@@ -7312,7 +4893,7 @@
     </p:spTree>
     <p:extLst>
       <p:ext uri="{BB962C8B-B14F-4D97-AF65-F5344CB8AC3E}">
-        <p14:creationId xmlns:p14="http://schemas.microsoft.com/office/powerpoint/2010/main" val="1716424228"/>
+        <p14:creationId xmlns:p14="http://schemas.microsoft.com/office/powerpoint/2010/main" val="105424987"/>
       </p:ext>
     </p:extLst>
   </p:cSld>
@@ -7344,7 +4925,7 @@
           <p:cNvPr id="2" name="Title 1">
             <a:extLst>
               <a:ext uri="{FF2B5EF4-FFF2-40B4-BE49-F238E27FC236}">
-                <a16:creationId xmlns:a16="http://schemas.microsoft.com/office/drawing/2014/main" id="{C0FDDD89-4F44-4DEE-B3D0-C16B18DF2F7F}"/>
+                <a16:creationId xmlns:a16="http://schemas.microsoft.com/office/drawing/2014/main" id="{CF7EC853-A679-41C3-B093-5F8F0947C0BF}"/>
               </a:ext>
             </a:extLst>
           </p:cNvPr>
@@ -7360,52 +4941,52 @@
           <a:bodyPr/>
           <a:lstStyle/>
           <a:p>
-            <a:r>
-              <a:rPr lang="en-US" dirty="0">
+            <a:pPr algn="ctr"/>
+            <a:r>
+              <a:rPr lang="en-US">
                 <a:cs typeface="Calibri Light"/>
               </a:rPr>
-              <a:t>SSL (</a:t>
-            </a:r>
-            <a:r>
-              <a:rPr lang="en-US" dirty="0">
-                <a:ea typeface="+mj-lt"/>
-                <a:cs typeface="+mj-lt"/>
-              </a:rPr>
-              <a:t>Secure Socket Layer)</a:t>
-            </a:r>
-            <a:endParaRPr lang="en-US" dirty="0"/>
-          </a:p>
-        </p:txBody>
-      </p:sp>
-      <p:sp>
-        <p:nvSpPr>
-          <p:cNvPr id="3" name="Text Placeholder 2">
+              <a:t>Konstruktor klasy bazowej</a:t>
+            </a:r>
+            <a:endParaRPr lang="en-US" dirty="0" err="1">
+              <a:cs typeface="Calibri Light" panose="020F0302020204030204"/>
+            </a:endParaRPr>
+          </a:p>
+        </p:txBody>
+      </p:sp>
+      <p:pic>
+        <p:nvPicPr>
+          <p:cNvPr id="5" name="Picture 5" descr="A screenshot of a cell phone&#10;&#10;Description generated with very high confidence">
             <a:extLst>
               <a:ext uri="{FF2B5EF4-FFF2-40B4-BE49-F238E27FC236}">
-                <a16:creationId xmlns:a16="http://schemas.microsoft.com/office/drawing/2014/main" id="{E38EB11C-E9A4-47B4-81B5-5DF12ED60185}"/>
+                <a16:creationId xmlns:a16="http://schemas.microsoft.com/office/drawing/2014/main" id="{3CB95621-4E8C-4AB7-AA85-F499EAEBE07E}"/>
               </a:ext>
             </a:extLst>
           </p:cNvPr>
-          <p:cNvSpPr>
-            <a:spLocks noGrp="1"/>
-          </p:cNvSpPr>
-          <p:nvPr>
-            <p:ph type="body" idx="1"/>
-          </p:nvPr>
-        </p:nvSpPr>
-        <p:spPr/>
-        <p:txBody>
-          <a:bodyPr/>
-          <a:lstStyle/>
-          <a:p>
-            <a:endParaRPr lang="en-US"/>
-          </a:p>
-        </p:txBody>
-      </p:sp>
+          <p:cNvPicPr>
+            <a:picLocks noGrp="1" noChangeAspect="1"/>
+          </p:cNvPicPr>
+          <p:nvPr>
+            <p:ph idx="1"/>
+          </p:nvPr>
+        </p:nvPicPr>
+        <p:blipFill>
+          <a:blip r:embed="rId2"/>
+          <a:stretch>
+            <a:fillRect/>
+          </a:stretch>
+        </p:blipFill>
+        <p:spPr>
+          <a:xfrm>
+            <a:off x="964639" y="1825625"/>
+            <a:ext cx="10262722" cy="4351338"/>
+          </a:xfrm>
+        </p:spPr>
+      </p:pic>
     </p:spTree>
     <p:extLst>
       <p:ext uri="{BB962C8B-B14F-4D97-AF65-F5344CB8AC3E}">
-        <p14:creationId xmlns:p14="http://schemas.microsoft.com/office/powerpoint/2010/main" val="1868812331"/>
+        <p14:creationId xmlns:p14="http://schemas.microsoft.com/office/powerpoint/2010/main" val="2571319735"/>
       </p:ext>
     </p:extLst>
   </p:cSld>

--- a/presentation/JPWP.pptx
+++ b/presentation/JPWP.pptx
@@ -10,8 +10,8 @@
     <p:sldId id="289" r:id="rId4"/>
     <p:sldId id="287" r:id="rId5"/>
     <p:sldId id="288" r:id="rId6"/>
-    <p:sldId id="262" r:id="rId7"/>
-    <p:sldId id="276" r:id="rId8"/>
+    <p:sldId id="290" r:id="rId7"/>
+    <p:sldId id="262" r:id="rId8"/>
     <p:sldId id="257" r:id="rId9"/>
     <p:sldId id="264" r:id="rId10"/>
     <p:sldId id="265" r:id="rId11"/>
@@ -19,12 +19,13 @@
     <p:sldId id="267" r:id="rId13"/>
     <p:sldId id="259" r:id="rId14"/>
     <p:sldId id="269" r:id="rId15"/>
-    <p:sldId id="285" r:id="rId16"/>
-    <p:sldId id="260" r:id="rId17"/>
-    <p:sldId id="271" r:id="rId18"/>
-    <p:sldId id="273" r:id="rId19"/>
-    <p:sldId id="274" r:id="rId20"/>
-    <p:sldId id="286" r:id="rId21"/>
+    <p:sldId id="276" r:id="rId16"/>
+    <p:sldId id="285" r:id="rId17"/>
+    <p:sldId id="260" r:id="rId18"/>
+    <p:sldId id="271" r:id="rId19"/>
+    <p:sldId id="273" r:id="rId20"/>
+    <p:sldId id="274" r:id="rId21"/>
+    <p:sldId id="286" r:id="rId22"/>
   </p:sldIdLst>
   <p:sldSz cx="12192000" cy="6858000"/>
   <p:notesSz cx="6858000" cy="9144000"/>
@@ -134,14 +135,2877 @@
 <file path=ppt/revisionInfo.xml><?xml version="1.0" encoding="utf-8"?>
 <p1510:revInfo xmlns:a="http://schemas.openxmlformats.org/drawingml/2006/main" xmlns:r="http://schemas.openxmlformats.org/officeDocument/2006/relationships" xmlns:p1510="http://schemas.microsoft.com/office/powerpoint/2015/10/main">
   <p1510:revLst>
+    <p1510:client id="{06793639-F4C4-1B6D-B408-4B3E377526FC}" v="90" dt="2020-05-16T17:11:16.625"/>
+    <p1510:client id="{0916CC54-752B-82F8-B9D6-C9AA23FF680F}" v="18" dt="2020-05-18T18:44:07.806"/>
+    <p1510:client id="{0C24659B-E13A-2E96-0F9B-BE7D05FE7D10}" v="214" dt="2020-05-16T16:17:07.736"/>
     <p1510:client id="{10BA39EF-5B2E-AAF1-28E2-AE55E5D420EF}" v="195" dt="2020-05-12T15:23:33.841"/>
     <p1510:client id="{1D7B0367-9499-8CC9-B5CE-A8E3CFB1A3F3}" v="101" dt="2020-05-12T15:39:08.109"/>
     <p1510:client id="{43B9AFD7-307E-9E84-DD69-624AF2659A4B}" v="125" dt="2020-05-12T15:57:41.864"/>
+    <p1510:client id="{458D55B8-50D7-F58D-EB37-AD0F1D78FC13}" v="6" dt="2020-05-16T16:26:02.151"/>
     <p1510:client id="{5F26FCDD-5F59-8B80-9DB1-F1B175DC4718}" v="197" dt="2020-05-12T15:07:12.381"/>
     <p1510:client id="{606725E8-308C-102D-0207-51E62C62696E}" v="54" dt="2020-05-12T20:14:29.871"/>
+    <p1510:client id="{75295FE1-87DF-6D60-FA78-11B7456B2A5A}" v="100" dt="2020-05-18T19:03:19.326"/>
+    <p1510:client id="{87A93B33-200C-6143-1AA8-28ABBDBC9DCA}" v="29" dt="2020-05-16T16:07:42.973"/>
+    <p1510:client id="{9B69F59A-4BC8-593B-9226-58CBFEC41A84}" v="143" dt="2020-05-16T16:24:28.660"/>
     <p1510:client id="{B253DDD6-BD15-45B6-F176-47D0B71A5FC0}" v="519" dt="2020-05-16T14:29:52.262"/>
+    <p1510:client id="{BD00CC84-44DF-D9B3-6D60-DA0893199535}" v="26" dt="2020-05-16T16:30:06.012"/>
+    <p1510:client id="{C29B3418-8CDE-B1D8-5F9B-15F6C573D042}" v="390" dt="2020-05-16T17:03:44.414"/>
   </p1510:revLst>
 </p1510:revInfo>
+</file>
+
+<file path=ppt/diagrams/colors1.xml><?xml version="1.0" encoding="utf-8"?>
+<dgm:colorsDef xmlns:dgm="http://schemas.openxmlformats.org/drawingml/2006/diagram" xmlns:a="http://schemas.openxmlformats.org/drawingml/2006/main" uniqueId="urn:microsoft.com/office/officeart/2018/5/colors/Iconchunking_neutralicontext_colorful5">
+  <dgm:title val=""/>
+  <dgm:desc val=""/>
+  <dgm:catLst>
+    <dgm:cat type="colorful" pri="10500"/>
+  </dgm:catLst>
+  <dgm:styleLbl name="node0">
+    <dgm:fillClrLst meth="repeat">
+      <a:schemeClr val="accent4"/>
+    </dgm:fillClrLst>
+    <dgm:linClrLst meth="repeat">
+      <a:schemeClr val="lt1"/>
+    </dgm:linClrLst>
+    <dgm:effectClrLst/>
+    <dgm:txLinClrLst/>
+    <dgm:txFillClrLst/>
+    <dgm:txEffectClrLst/>
+  </dgm:styleLbl>
+  <dgm:styleLbl name="node1">
+    <dgm:fillClrLst meth="repeat">
+      <a:schemeClr val="bg1"/>
+    </dgm:fillClrLst>
+    <dgm:linClrLst meth="repeat">
+      <a:schemeClr val="lt1">
+        <a:alpha val="0"/>
+      </a:schemeClr>
+    </dgm:linClrLst>
+    <dgm:effectClrLst/>
+    <dgm:txLinClrLst/>
+    <dgm:txFillClrLst meth="repeat">
+      <a:schemeClr val="dk1"/>
+    </dgm:txFillClrLst>
+    <dgm:txEffectClrLst/>
+  </dgm:styleLbl>
+  <dgm:styleLbl name="alignNode1">
+    <dgm:fillClrLst>
+      <a:schemeClr val="accent5"/>
+      <a:schemeClr val="accent6"/>
+    </dgm:fillClrLst>
+    <dgm:linClrLst>
+      <a:schemeClr val="accent5"/>
+      <a:schemeClr val="accent6"/>
+    </dgm:linClrLst>
+    <dgm:effectClrLst/>
+    <dgm:txLinClrLst/>
+    <dgm:txFillClrLst/>
+    <dgm:txEffectClrLst/>
+  </dgm:styleLbl>
+  <dgm:styleLbl name="lnNode1">
+    <dgm:fillClrLst>
+      <a:schemeClr val="accent5"/>
+      <a:schemeClr val="accent6"/>
+    </dgm:fillClrLst>
+    <dgm:linClrLst meth="repeat">
+      <a:schemeClr val="lt1"/>
+    </dgm:linClrLst>
+    <dgm:effectClrLst/>
+    <dgm:txLinClrLst/>
+    <dgm:txFillClrLst/>
+    <dgm:txEffectClrLst/>
+  </dgm:styleLbl>
+  <dgm:styleLbl name="vennNode1">
+    <dgm:fillClrLst>
+      <a:schemeClr val="accent5">
+        <a:alpha val="50000"/>
+      </a:schemeClr>
+      <a:schemeClr val="accent6">
+        <a:alpha val="50000"/>
+      </a:schemeClr>
+    </dgm:fillClrLst>
+    <dgm:linClrLst meth="repeat">
+      <a:schemeClr val="lt1"/>
+    </dgm:linClrLst>
+    <dgm:effectClrLst/>
+    <dgm:txLinClrLst/>
+    <dgm:txFillClrLst/>
+    <dgm:txEffectClrLst/>
+  </dgm:styleLbl>
+  <dgm:styleLbl name="node2">
+    <dgm:fillClrLst>
+      <a:schemeClr val="accent6"/>
+    </dgm:fillClrLst>
+    <dgm:linClrLst meth="repeat">
+      <a:schemeClr val="lt1"/>
+    </dgm:linClrLst>
+    <dgm:effectClrLst/>
+    <dgm:txLinClrLst/>
+    <dgm:txFillClrLst/>
+    <dgm:txEffectClrLst/>
+  </dgm:styleLbl>
+  <dgm:styleLbl name="node3">
+    <dgm:fillClrLst>
+      <a:schemeClr val="accent1"/>
+    </dgm:fillClrLst>
+    <dgm:linClrLst meth="repeat">
+      <a:schemeClr val="lt1"/>
+    </dgm:linClrLst>
+    <dgm:effectClrLst/>
+    <dgm:txLinClrLst/>
+    <dgm:txFillClrLst/>
+    <dgm:txEffectClrLst/>
+  </dgm:styleLbl>
+  <dgm:styleLbl name="node4">
+    <dgm:fillClrLst>
+      <a:schemeClr val="accent2"/>
+    </dgm:fillClrLst>
+    <dgm:linClrLst meth="repeat">
+      <a:schemeClr val="lt1"/>
+    </dgm:linClrLst>
+    <dgm:effectClrLst/>
+    <dgm:txLinClrLst/>
+    <dgm:txFillClrLst/>
+    <dgm:txEffectClrLst/>
+  </dgm:styleLbl>
+  <dgm:styleLbl name="fgImgPlace1">
+    <dgm:fillClrLst>
+      <a:schemeClr val="accent5">
+        <a:tint val="50000"/>
+      </a:schemeClr>
+      <a:schemeClr val="accent6">
+        <a:tint val="50000"/>
+      </a:schemeClr>
+    </dgm:fillClrLst>
+    <dgm:linClrLst meth="repeat">
+      <a:schemeClr val="lt1"/>
+    </dgm:linClrLst>
+    <dgm:effectClrLst/>
+    <dgm:txLinClrLst/>
+    <dgm:txFillClrLst meth="repeat">
+      <a:schemeClr val="lt1"/>
+    </dgm:txFillClrLst>
+    <dgm:txEffectClrLst/>
+  </dgm:styleLbl>
+  <dgm:styleLbl name="alignImgPlace1">
+    <dgm:fillClrLst>
+      <a:schemeClr val="accent5">
+        <a:tint val="50000"/>
+      </a:schemeClr>
+      <a:schemeClr val="accent6">
+        <a:tint val="20000"/>
+      </a:schemeClr>
+    </dgm:fillClrLst>
+    <dgm:linClrLst meth="repeat">
+      <a:schemeClr val="lt1"/>
+    </dgm:linClrLst>
+    <dgm:effectClrLst/>
+    <dgm:txLinClrLst/>
+    <dgm:txFillClrLst meth="repeat">
+      <a:schemeClr val="lt1"/>
+    </dgm:txFillClrLst>
+    <dgm:txEffectClrLst/>
+  </dgm:styleLbl>
+  <dgm:styleLbl name="bgImgPlace1">
+    <dgm:fillClrLst>
+      <a:schemeClr val="accent5">
+        <a:tint val="50000"/>
+      </a:schemeClr>
+      <a:schemeClr val="accent6">
+        <a:tint val="20000"/>
+      </a:schemeClr>
+    </dgm:fillClrLst>
+    <dgm:linClrLst meth="repeat">
+      <a:schemeClr val="lt1"/>
+    </dgm:linClrLst>
+    <dgm:effectClrLst/>
+    <dgm:txLinClrLst/>
+    <dgm:txFillClrLst meth="repeat">
+      <a:schemeClr val="lt1"/>
+    </dgm:txFillClrLst>
+    <dgm:txEffectClrLst/>
+  </dgm:styleLbl>
+  <dgm:styleLbl name="sibTrans2D1">
+    <dgm:fillClrLst>
+      <a:schemeClr val="accent5"/>
+      <a:schemeClr val="accent6"/>
+    </dgm:fillClrLst>
+    <dgm:linClrLst meth="repeat">
+      <a:schemeClr val="lt1"/>
+    </dgm:linClrLst>
+    <dgm:effectClrLst/>
+    <dgm:txLinClrLst/>
+    <dgm:txFillClrLst/>
+    <dgm:txEffectClrLst/>
+  </dgm:styleLbl>
+  <dgm:styleLbl name="fgSibTrans2D1">
+    <dgm:fillClrLst>
+      <a:schemeClr val="accent5"/>
+      <a:schemeClr val="accent6"/>
+    </dgm:fillClrLst>
+    <dgm:linClrLst meth="repeat">
+      <a:schemeClr val="lt1"/>
+    </dgm:linClrLst>
+    <dgm:effectClrLst/>
+    <dgm:txLinClrLst/>
+    <dgm:txFillClrLst meth="repeat">
+      <a:schemeClr val="lt1"/>
+    </dgm:txFillClrLst>
+    <dgm:txEffectClrLst/>
+  </dgm:styleLbl>
+  <dgm:styleLbl name="bgSibTrans2D1">
+    <dgm:fillClrLst>
+      <a:schemeClr val="accent5"/>
+      <a:schemeClr val="accent6"/>
+    </dgm:fillClrLst>
+    <dgm:linClrLst meth="repeat">
+      <a:schemeClr val="lt1"/>
+    </dgm:linClrLst>
+    <dgm:effectClrLst/>
+    <dgm:txLinClrLst/>
+    <dgm:txFillClrLst meth="repeat">
+      <a:schemeClr val="lt1"/>
+    </dgm:txFillClrLst>
+    <dgm:txEffectClrLst/>
+  </dgm:styleLbl>
+  <dgm:styleLbl name="sibTrans1D1">
+    <dgm:fillClrLst/>
+    <dgm:linClrLst>
+      <a:schemeClr val="accent5"/>
+      <a:schemeClr val="accent6"/>
+    </dgm:linClrLst>
+    <dgm:effectClrLst/>
+    <dgm:txLinClrLst/>
+    <dgm:txFillClrLst meth="repeat">
+      <a:schemeClr val="tx1"/>
+    </dgm:txFillClrLst>
+    <dgm:txEffectClrLst/>
+  </dgm:styleLbl>
+  <dgm:styleLbl name="callout">
+    <dgm:fillClrLst meth="repeat">
+      <a:schemeClr val="accent5"/>
+    </dgm:fillClrLst>
+    <dgm:linClrLst meth="repeat">
+      <a:schemeClr val="accent5">
+        <a:tint val="50000"/>
+      </a:schemeClr>
+    </dgm:linClrLst>
+    <dgm:effectClrLst/>
+    <dgm:txLinClrLst/>
+    <dgm:txFillClrLst meth="repeat">
+      <a:schemeClr val="tx1"/>
+    </dgm:txFillClrLst>
+    <dgm:txEffectClrLst/>
+  </dgm:styleLbl>
+  <dgm:styleLbl name="asst0">
+    <dgm:fillClrLst meth="repeat">
+      <a:schemeClr val="accent5"/>
+    </dgm:fillClrLst>
+    <dgm:linClrLst meth="repeat">
+      <a:schemeClr val="lt1">
+        <a:shade val="80000"/>
+      </a:schemeClr>
+    </dgm:linClrLst>
+    <dgm:effectClrLst/>
+    <dgm:txLinClrLst/>
+    <dgm:txFillClrLst/>
+    <dgm:txEffectClrLst/>
+  </dgm:styleLbl>
+  <dgm:styleLbl name="asst1">
+    <dgm:fillClrLst meth="repeat">
+      <a:schemeClr val="accent6"/>
+    </dgm:fillClrLst>
+    <dgm:linClrLst meth="repeat">
+      <a:schemeClr val="lt1">
+        <a:shade val="80000"/>
+      </a:schemeClr>
+    </dgm:linClrLst>
+    <dgm:effectClrLst/>
+    <dgm:txLinClrLst/>
+    <dgm:txFillClrLst/>
+    <dgm:txEffectClrLst/>
+  </dgm:styleLbl>
+  <dgm:styleLbl name="asst2">
+    <dgm:fillClrLst>
+      <a:schemeClr val="accent1"/>
+    </dgm:fillClrLst>
+    <dgm:linClrLst meth="repeat">
+      <a:schemeClr val="lt1"/>
+    </dgm:linClrLst>
+    <dgm:effectClrLst/>
+    <dgm:txLinClrLst/>
+    <dgm:txFillClrLst/>
+    <dgm:txEffectClrLst/>
+  </dgm:styleLbl>
+  <dgm:styleLbl name="asst3">
+    <dgm:fillClrLst>
+      <a:schemeClr val="accent2"/>
+    </dgm:fillClrLst>
+    <dgm:linClrLst meth="repeat">
+      <a:schemeClr val="lt1"/>
+    </dgm:linClrLst>
+    <dgm:effectClrLst/>
+    <dgm:txLinClrLst/>
+    <dgm:txFillClrLst/>
+    <dgm:txEffectClrLst/>
+  </dgm:styleLbl>
+  <dgm:styleLbl name="asst4">
+    <dgm:fillClrLst>
+      <a:schemeClr val="accent3"/>
+    </dgm:fillClrLst>
+    <dgm:linClrLst meth="repeat">
+      <a:schemeClr val="lt1"/>
+    </dgm:linClrLst>
+    <dgm:effectClrLst/>
+    <dgm:txLinClrLst/>
+    <dgm:txFillClrLst/>
+    <dgm:txEffectClrLst/>
+  </dgm:styleLbl>
+  <dgm:styleLbl name="parChTrans2D1">
+    <dgm:fillClrLst meth="repeat">
+      <a:schemeClr val="accent5"/>
+    </dgm:fillClrLst>
+    <dgm:linClrLst meth="repeat">
+      <a:schemeClr val="lt1"/>
+    </dgm:linClrLst>
+    <dgm:effectClrLst/>
+    <dgm:txLinClrLst/>
+    <dgm:txFillClrLst meth="repeat">
+      <a:schemeClr val="lt1"/>
+    </dgm:txFillClrLst>
+    <dgm:txEffectClrLst/>
+  </dgm:styleLbl>
+  <dgm:styleLbl name="parChTrans2D2">
+    <dgm:fillClrLst meth="repeat">
+      <a:schemeClr val="accent6"/>
+    </dgm:fillClrLst>
+    <dgm:linClrLst meth="repeat">
+      <a:schemeClr val="lt1"/>
+    </dgm:linClrLst>
+    <dgm:effectClrLst/>
+    <dgm:txLinClrLst/>
+    <dgm:txFillClrLst/>
+    <dgm:txEffectClrLst/>
+  </dgm:styleLbl>
+  <dgm:styleLbl name="parChTrans2D3">
+    <dgm:fillClrLst meth="repeat">
+      <a:schemeClr val="accent6"/>
+    </dgm:fillClrLst>
+    <dgm:linClrLst meth="repeat">
+      <a:schemeClr val="lt1"/>
+    </dgm:linClrLst>
+    <dgm:effectClrLst/>
+    <dgm:txLinClrLst/>
+    <dgm:txFillClrLst/>
+    <dgm:txEffectClrLst/>
+  </dgm:styleLbl>
+  <dgm:styleLbl name="parChTrans2D4">
+    <dgm:fillClrLst meth="repeat">
+      <a:schemeClr val="accent1"/>
+    </dgm:fillClrLst>
+    <dgm:linClrLst meth="repeat">
+      <a:schemeClr val="lt1"/>
+    </dgm:linClrLst>
+    <dgm:effectClrLst/>
+    <dgm:txLinClrLst/>
+    <dgm:txFillClrLst meth="repeat">
+      <a:schemeClr val="lt1"/>
+    </dgm:txFillClrLst>
+    <dgm:txEffectClrLst/>
+  </dgm:styleLbl>
+  <dgm:styleLbl name="parChTrans1D1">
+    <dgm:fillClrLst meth="repeat">
+      <a:schemeClr val="accent5"/>
+    </dgm:fillClrLst>
+    <dgm:linClrLst meth="repeat">
+      <a:schemeClr val="accent5"/>
+    </dgm:linClrLst>
+    <dgm:effectClrLst/>
+    <dgm:txLinClrLst/>
+    <dgm:txFillClrLst meth="repeat">
+      <a:schemeClr val="tx1"/>
+    </dgm:txFillClrLst>
+    <dgm:txEffectClrLst/>
+  </dgm:styleLbl>
+  <dgm:styleLbl name="parChTrans1D2">
+    <dgm:fillClrLst meth="repeat">
+      <a:schemeClr val="accent6">
+        <a:tint val="90000"/>
+      </a:schemeClr>
+    </dgm:fillClrLst>
+    <dgm:linClrLst meth="repeat">
+      <a:schemeClr val="accent6"/>
+    </dgm:linClrLst>
+    <dgm:effectClrLst/>
+    <dgm:txLinClrLst/>
+    <dgm:txFillClrLst meth="repeat">
+      <a:schemeClr val="tx1"/>
+    </dgm:txFillClrLst>
+    <dgm:txEffectClrLst/>
+  </dgm:styleLbl>
+  <dgm:styleLbl name="parChTrans1D3">
+    <dgm:fillClrLst meth="repeat">
+      <a:schemeClr val="accent6">
+        <a:tint val="70000"/>
+      </a:schemeClr>
+    </dgm:fillClrLst>
+    <dgm:linClrLst meth="repeat">
+      <a:schemeClr val="accent1"/>
+    </dgm:linClrLst>
+    <dgm:effectClrLst/>
+    <dgm:txLinClrLst/>
+    <dgm:txFillClrLst meth="repeat">
+      <a:schemeClr val="tx1"/>
+    </dgm:txFillClrLst>
+    <dgm:txEffectClrLst/>
+  </dgm:styleLbl>
+  <dgm:styleLbl name="parChTrans1D4">
+    <dgm:fillClrLst meth="repeat">
+      <a:schemeClr val="accent6">
+        <a:tint val="50000"/>
+      </a:schemeClr>
+    </dgm:fillClrLst>
+    <dgm:linClrLst meth="repeat">
+      <a:schemeClr val="accent2"/>
+    </dgm:linClrLst>
+    <dgm:effectClrLst/>
+    <dgm:txLinClrLst/>
+    <dgm:txFillClrLst meth="repeat">
+      <a:schemeClr val="tx1"/>
+    </dgm:txFillClrLst>
+    <dgm:txEffectClrLst/>
+  </dgm:styleLbl>
+  <dgm:styleLbl name="fgAcc1">
+    <dgm:fillClrLst meth="repeat">
+      <a:schemeClr val="lt1">
+        <a:alpha val="90000"/>
+      </a:schemeClr>
+    </dgm:fillClrLst>
+    <dgm:linClrLst>
+      <a:schemeClr val="accent5"/>
+      <a:schemeClr val="accent6"/>
+    </dgm:linClrLst>
+    <dgm:effectClrLst/>
+    <dgm:txLinClrLst/>
+    <dgm:txFillClrLst meth="repeat">
+      <a:schemeClr val="dk1"/>
+    </dgm:txFillClrLst>
+    <dgm:txEffectClrLst/>
+  </dgm:styleLbl>
+  <dgm:styleLbl name="conFgAcc1">
+    <dgm:fillClrLst meth="repeat">
+      <a:schemeClr val="lt1">
+        <a:alpha val="90000"/>
+      </a:schemeClr>
+    </dgm:fillClrLst>
+    <dgm:linClrLst>
+      <a:schemeClr val="accent5"/>
+      <a:schemeClr val="accent6"/>
+    </dgm:linClrLst>
+    <dgm:effectClrLst/>
+    <dgm:txLinClrLst/>
+    <dgm:txFillClrLst meth="repeat">
+      <a:schemeClr val="dk1"/>
+    </dgm:txFillClrLst>
+    <dgm:txEffectClrLst/>
+  </dgm:styleLbl>
+  <dgm:styleLbl name="alignAcc1">
+    <dgm:fillClrLst meth="repeat">
+      <a:schemeClr val="lt1">
+        <a:alpha val="90000"/>
+      </a:schemeClr>
+    </dgm:fillClrLst>
+    <dgm:linClrLst>
+      <a:schemeClr val="accent5"/>
+      <a:schemeClr val="accent6"/>
+    </dgm:linClrLst>
+    <dgm:effectClrLst/>
+    <dgm:txLinClrLst/>
+    <dgm:txFillClrLst meth="repeat">
+      <a:schemeClr val="dk1"/>
+    </dgm:txFillClrLst>
+    <dgm:txEffectClrLst/>
+  </dgm:styleLbl>
+  <dgm:styleLbl name="trAlignAcc1">
+    <dgm:fillClrLst meth="repeat">
+      <a:schemeClr val="lt1">
+        <a:alpha val="40000"/>
+      </a:schemeClr>
+    </dgm:fillClrLst>
+    <dgm:linClrLst meth="repeat">
+      <a:schemeClr val="accent5"/>
+    </dgm:linClrLst>
+    <dgm:effectClrLst/>
+    <dgm:txLinClrLst/>
+    <dgm:txFillClrLst meth="repeat">
+      <a:schemeClr val="dk1"/>
+    </dgm:txFillClrLst>
+    <dgm:txEffectClrLst/>
+  </dgm:styleLbl>
+  <dgm:styleLbl name="bgAcc1">
+    <dgm:fillClrLst meth="repeat">
+      <a:schemeClr val="lt1">
+        <a:alpha val="90000"/>
+      </a:schemeClr>
+    </dgm:fillClrLst>
+    <dgm:linClrLst>
+      <a:schemeClr val="accent5"/>
+      <a:schemeClr val="accent6"/>
+    </dgm:linClrLst>
+    <dgm:effectClrLst/>
+    <dgm:txLinClrLst/>
+    <dgm:txFillClrLst meth="repeat">
+      <a:schemeClr val="dk1"/>
+    </dgm:txFillClrLst>
+    <dgm:txEffectClrLst/>
+  </dgm:styleLbl>
+  <dgm:styleLbl name="solidFgAcc1">
+    <dgm:fillClrLst meth="repeat">
+      <a:schemeClr val="lt1"/>
+    </dgm:fillClrLst>
+    <dgm:linClrLst>
+      <a:schemeClr val="accent5"/>
+      <a:schemeClr val="accent6"/>
+    </dgm:linClrLst>
+    <dgm:effectClrLst/>
+    <dgm:txLinClrLst/>
+    <dgm:txFillClrLst meth="repeat">
+      <a:schemeClr val="dk1"/>
+    </dgm:txFillClrLst>
+    <dgm:txEffectClrLst/>
+  </dgm:styleLbl>
+  <dgm:styleLbl name="solidAlignAcc1">
+    <dgm:fillClrLst meth="repeat">
+      <a:schemeClr val="lt1"/>
+    </dgm:fillClrLst>
+    <dgm:linClrLst>
+      <a:schemeClr val="accent5"/>
+      <a:schemeClr val="accent6"/>
+    </dgm:linClrLst>
+    <dgm:effectClrLst/>
+    <dgm:txLinClrLst/>
+    <dgm:txFillClrLst meth="repeat">
+      <a:schemeClr val="dk1"/>
+    </dgm:txFillClrLst>
+    <dgm:txEffectClrLst/>
+  </dgm:styleLbl>
+  <dgm:styleLbl name="solidBgAcc1">
+    <dgm:fillClrLst meth="repeat">
+      <a:schemeClr val="lt1"/>
+    </dgm:fillClrLst>
+    <dgm:linClrLst>
+      <a:schemeClr val="accent5"/>
+      <a:schemeClr val="accent6"/>
+    </dgm:linClrLst>
+    <dgm:effectClrLst/>
+    <dgm:txLinClrLst/>
+    <dgm:txFillClrLst meth="repeat">
+      <a:schemeClr val="dk1"/>
+    </dgm:txFillClrLst>
+    <dgm:txEffectClrLst/>
+  </dgm:styleLbl>
+  <dgm:styleLbl name="fgAccFollowNode1">
+    <dgm:fillClrLst>
+      <a:schemeClr val="accent5">
+        <a:tint val="40000"/>
+        <a:alpha val="90000"/>
+      </a:schemeClr>
+      <a:schemeClr val="accent6">
+        <a:tint val="40000"/>
+        <a:alpha val="90000"/>
+      </a:schemeClr>
+    </dgm:fillClrLst>
+    <dgm:linClrLst>
+      <a:schemeClr val="accent5">
+        <a:tint val="40000"/>
+        <a:alpha val="90000"/>
+      </a:schemeClr>
+      <a:schemeClr val="accent5">
+        <a:tint val="40000"/>
+        <a:alpha val="90000"/>
+      </a:schemeClr>
+    </dgm:linClrLst>
+    <dgm:effectClrLst/>
+    <dgm:txLinClrLst/>
+    <dgm:txFillClrLst meth="repeat">
+      <a:schemeClr val="dk1"/>
+    </dgm:txFillClrLst>
+    <dgm:txEffectClrLst/>
+  </dgm:styleLbl>
+  <dgm:styleLbl name="alignAccFollowNode1">
+    <dgm:fillClrLst>
+      <a:schemeClr val="accent5">
+        <a:tint val="40000"/>
+        <a:alpha val="90000"/>
+      </a:schemeClr>
+      <a:schemeClr val="accent6">
+        <a:tint val="40000"/>
+        <a:alpha val="90000"/>
+      </a:schemeClr>
+    </dgm:fillClrLst>
+    <dgm:linClrLst>
+      <a:schemeClr val="accent5">
+        <a:tint val="40000"/>
+        <a:alpha val="90000"/>
+      </a:schemeClr>
+      <a:schemeClr val="accent6">
+        <a:tint val="40000"/>
+        <a:alpha val="90000"/>
+      </a:schemeClr>
+    </dgm:linClrLst>
+    <dgm:effectClrLst/>
+    <dgm:txLinClrLst/>
+    <dgm:txFillClrLst meth="repeat">
+      <a:schemeClr val="dk1"/>
+    </dgm:txFillClrLst>
+    <dgm:txEffectClrLst/>
+  </dgm:styleLbl>
+  <dgm:styleLbl name="bgAccFollowNode1">
+    <dgm:fillClrLst>
+      <a:schemeClr val="accent5">
+        <a:tint val="40000"/>
+        <a:alpha val="90000"/>
+      </a:schemeClr>
+      <a:schemeClr val="accent6">
+        <a:tint val="40000"/>
+        <a:alpha val="90000"/>
+      </a:schemeClr>
+    </dgm:fillClrLst>
+    <dgm:linClrLst>
+      <a:schemeClr val="accent5">
+        <a:tint val="40000"/>
+        <a:alpha val="90000"/>
+      </a:schemeClr>
+      <a:schemeClr val="accent6">
+        <a:tint val="40000"/>
+        <a:alpha val="90000"/>
+      </a:schemeClr>
+    </dgm:linClrLst>
+    <dgm:effectClrLst/>
+    <dgm:txLinClrLst/>
+    <dgm:txFillClrLst meth="repeat">
+      <a:schemeClr val="dk1"/>
+    </dgm:txFillClrLst>
+    <dgm:txEffectClrLst/>
+  </dgm:styleLbl>
+  <dgm:styleLbl name="fgAcc0">
+    <dgm:fillClrLst meth="repeat">
+      <a:schemeClr val="lt1">
+        <a:alpha val="90000"/>
+      </a:schemeClr>
+    </dgm:fillClrLst>
+    <dgm:linClrLst>
+      <a:schemeClr val="accent4"/>
+    </dgm:linClrLst>
+    <dgm:effectClrLst/>
+    <dgm:txLinClrLst/>
+    <dgm:txFillClrLst meth="repeat">
+      <a:schemeClr val="dk1"/>
+    </dgm:txFillClrLst>
+    <dgm:txEffectClrLst/>
+  </dgm:styleLbl>
+  <dgm:styleLbl name="fgAcc2">
+    <dgm:fillClrLst meth="repeat">
+      <a:schemeClr val="lt1">
+        <a:alpha val="90000"/>
+      </a:schemeClr>
+    </dgm:fillClrLst>
+    <dgm:linClrLst>
+      <a:schemeClr val="accent6"/>
+    </dgm:linClrLst>
+    <dgm:effectClrLst/>
+    <dgm:txLinClrLst/>
+    <dgm:txFillClrLst meth="repeat">
+      <a:schemeClr val="dk1"/>
+    </dgm:txFillClrLst>
+    <dgm:txEffectClrLst/>
+  </dgm:styleLbl>
+  <dgm:styleLbl name="fgAcc3">
+    <dgm:fillClrLst meth="repeat">
+      <a:schemeClr val="lt1">
+        <a:alpha val="90000"/>
+      </a:schemeClr>
+    </dgm:fillClrLst>
+    <dgm:linClrLst>
+      <a:schemeClr val="accent1"/>
+    </dgm:linClrLst>
+    <dgm:effectClrLst/>
+    <dgm:txLinClrLst/>
+    <dgm:txFillClrLst meth="repeat">
+      <a:schemeClr val="dk1"/>
+    </dgm:txFillClrLst>
+    <dgm:txEffectClrLst/>
+  </dgm:styleLbl>
+  <dgm:styleLbl name="fgAcc4">
+    <dgm:fillClrLst meth="repeat">
+      <a:schemeClr val="lt1">
+        <a:alpha val="90000"/>
+      </a:schemeClr>
+    </dgm:fillClrLst>
+    <dgm:linClrLst>
+      <a:schemeClr val="accent2"/>
+    </dgm:linClrLst>
+    <dgm:effectClrLst/>
+    <dgm:txLinClrLst/>
+    <dgm:txFillClrLst meth="repeat">
+      <a:schemeClr val="dk1"/>
+    </dgm:txFillClrLst>
+    <dgm:txEffectClrLst/>
+  </dgm:styleLbl>
+  <dgm:styleLbl name="bgShp">
+    <dgm:fillClrLst>
+      <a:schemeClr val="accent5"/>
+      <a:schemeClr val="accent6"/>
+    </dgm:fillClrLst>
+    <dgm:linClrLst meth="repeat">
+      <a:schemeClr val="lt1">
+        <a:alpha val="0"/>
+      </a:schemeClr>
+    </dgm:linClrLst>
+    <dgm:effectClrLst/>
+    <dgm:txLinClrLst/>
+    <dgm:txFillClrLst/>
+    <dgm:txEffectClrLst/>
+  </dgm:styleLbl>
+  <dgm:styleLbl name="dkBgShp">
+    <dgm:fillClrLst meth="repeat">
+      <a:schemeClr val="accent5">
+        <a:shade val="90000"/>
+      </a:schemeClr>
+    </dgm:fillClrLst>
+    <dgm:linClrLst meth="repeat">
+      <a:schemeClr val="dk1"/>
+    </dgm:linClrLst>
+    <dgm:effectClrLst/>
+    <dgm:txLinClrLst/>
+    <dgm:txFillClrLst meth="repeat">
+      <a:schemeClr val="lt1"/>
+    </dgm:txFillClrLst>
+    <dgm:txEffectClrLst/>
+  </dgm:styleLbl>
+  <dgm:styleLbl name="trBgShp">
+    <dgm:fillClrLst meth="repeat">
+      <a:schemeClr val="accent5">
+        <a:tint val="50000"/>
+        <a:alpha val="40000"/>
+      </a:schemeClr>
+    </dgm:fillClrLst>
+    <dgm:linClrLst meth="repeat">
+      <a:schemeClr val="accent5"/>
+    </dgm:linClrLst>
+    <dgm:effectClrLst/>
+    <dgm:txLinClrLst/>
+    <dgm:txFillClrLst meth="repeat">
+      <a:schemeClr val="lt1"/>
+    </dgm:txFillClrLst>
+    <dgm:txEffectClrLst/>
+  </dgm:styleLbl>
+  <dgm:styleLbl name="fgShp">
+    <dgm:fillClrLst meth="repeat">
+      <a:schemeClr val="accent5">
+        <a:tint val="40000"/>
+      </a:schemeClr>
+    </dgm:fillClrLst>
+    <dgm:linClrLst meth="repeat">
+      <a:schemeClr val="lt1"/>
+    </dgm:linClrLst>
+    <dgm:effectClrLst/>
+    <dgm:txLinClrLst/>
+    <dgm:txFillClrLst meth="repeat">
+      <a:schemeClr val="dk1"/>
+    </dgm:txFillClrLst>
+    <dgm:txEffectClrLst/>
+  </dgm:styleLbl>
+  <dgm:styleLbl name="revTx">
+    <dgm:fillClrLst meth="repeat">
+      <a:schemeClr val="lt1">
+        <a:alpha val="0"/>
+      </a:schemeClr>
+    </dgm:fillClrLst>
+    <dgm:linClrLst meth="repeat">
+      <a:schemeClr val="dk1">
+        <a:alpha val="0"/>
+      </a:schemeClr>
+    </dgm:linClrLst>
+    <dgm:effectClrLst/>
+    <dgm:txLinClrLst/>
+    <dgm:txFillClrLst meth="repeat">
+      <a:schemeClr val="bg1"/>
+    </dgm:txFillClrLst>
+    <dgm:txEffectClrLst/>
+  </dgm:styleLbl>
+</dgm:colorsDef>
+</file>
+
+<file path=ppt/diagrams/data1.xml><?xml version="1.0" encoding="utf-8"?>
+<dgm:dataModel xmlns:dgm="http://schemas.openxmlformats.org/drawingml/2006/diagram" xmlns:a="http://schemas.openxmlformats.org/drawingml/2006/main">
+  <dgm:ptLst>
+    <dgm:pt modelId="{04BF8A01-8A5D-40BB-9564-9D1FDC57C2DA}" type="doc">
+      <dgm:prSet loTypeId="urn:microsoft.com/office/officeart/2018/2/layout/IconVerticalSolidList" loCatId="icon" qsTypeId="urn:microsoft.com/office/officeart/2005/8/quickstyle/simple1" qsCatId="simple" csTypeId="urn:microsoft.com/office/officeart/2018/5/colors/Iconchunking_neutralicontext_colorful5" csCatId="colorful" phldr="1"/>
+      <dgm:spPr/>
+      <dgm:t>
+        <a:bodyPr/>
+        <a:lstStyle/>
+        <a:p>
+          <a:endParaRPr lang="en-US"/>
+        </a:p>
+      </dgm:t>
+    </dgm:pt>
+    <dgm:pt modelId="{B257592D-E355-49E7-BBEE-3B9E104F8C75}">
+      <dgm:prSet phldr="0"/>
+      <dgm:spPr/>
+      <dgm:t>
+        <a:bodyPr/>
+        <a:lstStyle/>
+        <a:p>
+          <a:r>
+            <a:rPr lang="en-US" u="none" err="1">
+              <a:latin typeface="Calibri Light"/>
+              <a:cs typeface="Calibri Light"/>
+            </a:rPr>
+            <a:t>Bezpieczna</a:t>
+          </a:r>
+          <a:r>
+            <a:rPr lang="en-US" u="none">
+              <a:latin typeface="Calibri Light"/>
+              <a:cs typeface="Calibri Light"/>
+            </a:rPr>
+            <a:t> </a:t>
+          </a:r>
+          <a:r>
+            <a:rPr lang="en-US" u="none" err="1">
+              <a:latin typeface="Calibri Light"/>
+              <a:cs typeface="Calibri Light"/>
+            </a:rPr>
+            <a:t>komunikacja</a:t>
+          </a:r>
+          <a:r>
+            <a:rPr lang="en-US" u="none">
+              <a:latin typeface="Calibri Light"/>
+              <a:cs typeface="Calibri Light"/>
+            </a:rPr>
+            <a:t> w</a:t>
+          </a:r>
+          <a:r>
+            <a:rPr lang="en-US" b="0" i="0" u="none" strike="noStrike" cap="none" baseline="0" noProof="0">
+              <a:latin typeface="Calibri Light"/>
+              <a:cs typeface="Calibri Light"/>
+            </a:rPr>
+            <a:t> </a:t>
+          </a:r>
+          <a:r>
+            <a:rPr lang="en-US" b="0" i="0" u="none" strike="noStrike" cap="none" baseline="0" noProof="0" err="1">
+              <a:latin typeface="Calibri Light"/>
+              <a:cs typeface="Calibri Light"/>
+            </a:rPr>
+            <a:t>sieciach</a:t>
+          </a:r>
+          <a:r>
+            <a:rPr lang="en-US" b="0" i="0" u="none" strike="noStrike" cap="none" baseline="0" noProof="0">
+              <a:latin typeface="Calibri Light"/>
+              <a:cs typeface="Calibri Light"/>
+            </a:rPr>
+            <a:t> </a:t>
+          </a:r>
+          <a:r>
+            <a:rPr lang="en-US" b="0" i="0" u="none" strike="noStrike" cap="none" baseline="0" noProof="0" err="1">
+              <a:latin typeface="Calibri Light"/>
+              <a:cs typeface="Calibri Light"/>
+            </a:rPr>
+            <a:t>komputerowych</a:t>
+          </a:r>
+        </a:p>
+      </dgm:t>
+    </dgm:pt>
+    <dgm:pt modelId="{CFF2D68B-BAE3-4261-B590-651306BCF546}" type="parTrans" cxnId="{9D291AAD-82B0-4ACF-8B93-7DE316ECC3E1}">
+      <dgm:prSet/>
+      <dgm:spPr/>
+      <dgm:t>
+        <a:bodyPr/>
+        <a:lstStyle/>
+        <a:p>
+          <a:endParaRPr lang="en-US"/>
+        </a:p>
+      </dgm:t>
+    </dgm:pt>
+    <dgm:pt modelId="{031FE72C-ADC5-4694-8090-5D1A55919730}" type="sibTrans" cxnId="{9D291AAD-82B0-4ACF-8B93-7DE316ECC3E1}">
+      <dgm:prSet/>
+      <dgm:spPr/>
+      <dgm:t>
+        <a:bodyPr/>
+        <a:lstStyle/>
+        <a:p>
+          <a:endParaRPr lang="en-US"/>
+        </a:p>
+      </dgm:t>
+    </dgm:pt>
+    <dgm:pt modelId="{A6F2AB0F-6C04-4180-9C60-178DAC7AB742}">
+      <dgm:prSet phldr="0"/>
+      <dgm:spPr/>
+      <dgm:t>
+        <a:bodyPr/>
+        <a:lstStyle/>
+        <a:p>
+          <a:r>
+            <a:rPr lang="en-US" err="1">
+              <a:latin typeface="Calibri Light"/>
+              <a:cs typeface="Calibri Light"/>
+            </a:rPr>
+            <a:t>Prywatność</a:t>
+          </a:r>
+          <a:r>
+            <a:rPr lang="en-US">
+              <a:latin typeface="Calibri Light"/>
+              <a:cs typeface="Calibri Light"/>
+            </a:rPr>
+            <a:t> </a:t>
+          </a:r>
+          <a:r>
+            <a:rPr lang="en-US" err="1">
+              <a:latin typeface="Calibri Light"/>
+              <a:cs typeface="Calibri Light"/>
+            </a:rPr>
+            <a:t>i</a:t>
+          </a:r>
+          <a:r>
+            <a:rPr lang="en-US">
+              <a:latin typeface="Calibri Light"/>
+              <a:cs typeface="Calibri Light"/>
+            </a:rPr>
+            <a:t> </a:t>
+          </a:r>
+          <a:r>
+            <a:rPr lang="en-US" err="1">
+              <a:latin typeface="Calibri Light"/>
+              <a:cs typeface="Calibri Light"/>
+            </a:rPr>
+            <a:t>integralność</a:t>
+          </a:r>
+          <a:r>
+            <a:rPr lang="en-US">
+              <a:latin typeface="Calibri Light"/>
+              <a:cs typeface="Calibri Light"/>
+            </a:rPr>
+            <a:t> </a:t>
+          </a:r>
+          <a:r>
+            <a:rPr lang="en-US" err="1">
+              <a:latin typeface="Calibri Light"/>
+              <a:cs typeface="Calibri Light"/>
+            </a:rPr>
+            <a:t>danych</a:t>
+          </a:r>
+          <a:endParaRPr lang="en-US">
+            <a:latin typeface="Calibri Light"/>
+            <a:cs typeface="Calibri Light"/>
+          </a:endParaRPr>
+        </a:p>
+      </dgm:t>
+    </dgm:pt>
+    <dgm:pt modelId="{2709D82D-9BC7-4A3D-AD18-45644C534E37}" type="parTrans" cxnId="{817E18C5-4310-4433-A730-226F448C9734}">
+      <dgm:prSet/>
+      <dgm:spPr/>
+      <dgm:t>
+        <a:bodyPr/>
+        <a:lstStyle/>
+        <a:p>
+          <a:endParaRPr lang="en-US"/>
+        </a:p>
+      </dgm:t>
+    </dgm:pt>
+    <dgm:pt modelId="{58AD9CFB-E24D-4738-A9DE-B0CE01BAC8C6}" type="sibTrans" cxnId="{817E18C5-4310-4433-A730-226F448C9734}">
+      <dgm:prSet/>
+      <dgm:spPr/>
+      <dgm:t>
+        <a:bodyPr/>
+        <a:lstStyle/>
+        <a:p>
+          <a:endParaRPr lang="en-US"/>
+        </a:p>
+      </dgm:t>
+    </dgm:pt>
+    <dgm:pt modelId="{C31EB8C2-8B97-417F-B84F-14057AA702AC}" type="pres">
+      <dgm:prSet presAssocID="{04BF8A01-8A5D-40BB-9564-9D1FDC57C2DA}" presName="root" presStyleCnt="0">
+        <dgm:presLayoutVars>
+          <dgm:dir/>
+          <dgm:resizeHandles val="exact"/>
+        </dgm:presLayoutVars>
+      </dgm:prSet>
+      <dgm:spPr/>
+    </dgm:pt>
+    <dgm:pt modelId="{60C340E8-91A6-4380-A5A4-0E74F5C32F5F}" type="pres">
+      <dgm:prSet presAssocID="{B257592D-E355-49E7-BBEE-3B9E104F8C75}" presName="compNode" presStyleCnt="0"/>
+      <dgm:spPr/>
+    </dgm:pt>
+    <dgm:pt modelId="{7E8235A2-EAED-40E9-BF24-401C8500DA01}" type="pres">
+      <dgm:prSet presAssocID="{B257592D-E355-49E7-BBEE-3B9E104F8C75}" presName="bgRect" presStyleLbl="bgShp" presStyleIdx="0" presStyleCnt="2"/>
+      <dgm:spPr/>
+    </dgm:pt>
+    <dgm:pt modelId="{62B60A2B-DC0B-4DE1-9874-7D3ACFC725E1}" type="pres">
+      <dgm:prSet presAssocID="{B257592D-E355-49E7-BBEE-3B9E104F8C75}" presName="iconRect" presStyleLbl="node1" presStyleIdx="0" presStyleCnt="2"/>
+      <dgm:spPr>
+        <a:blipFill>
+          <a:blip xmlns:r="http://schemas.openxmlformats.org/officeDocument/2006/relationships" r:embed="rId1">
+            <a:extLst>
+              <a:ext uri="{28A0092B-C50C-407E-A947-70E740481C1C}">
+                <a14:useLocalDpi xmlns:a14="http://schemas.microsoft.com/office/drawing/2010/main" val="0"/>
+              </a:ext>
+              <a:ext uri="{96DAC541-7B7A-43D3-8B79-37D633B846F1}">
+                <asvg:svgBlip xmlns:asvg="http://schemas.microsoft.com/office/drawing/2016/SVG/main" r:embed="rId2"/>
+              </a:ext>
+            </a:extLst>
+          </a:blip>
+          <a:stretch>
+            <a:fillRect/>
+          </a:stretch>
+        </a:blipFill>
+        <a:ln>
+          <a:noFill/>
+        </a:ln>
+      </dgm:spPr>
+      <dgm:extLst>
+        <a:ext uri="{E40237B7-FDA0-4F09-8148-C483321AD2D9}">
+          <dgm14:cNvPr xmlns:dgm14="http://schemas.microsoft.com/office/drawing/2010/diagram" id="0" name="" descr="Computer"/>
+        </a:ext>
+      </dgm:extLst>
+    </dgm:pt>
+    <dgm:pt modelId="{7A335A57-481C-40B0-AFBE-A52567EF7CB3}" type="pres">
+      <dgm:prSet presAssocID="{B257592D-E355-49E7-BBEE-3B9E104F8C75}" presName="spaceRect" presStyleCnt="0"/>
+      <dgm:spPr/>
+    </dgm:pt>
+    <dgm:pt modelId="{71AC0CE8-36D0-4C5F-8ECF-3D1E543BE91E}" type="pres">
+      <dgm:prSet presAssocID="{B257592D-E355-49E7-BBEE-3B9E104F8C75}" presName="parTx" presStyleLbl="revTx" presStyleIdx="0" presStyleCnt="2">
+        <dgm:presLayoutVars>
+          <dgm:chMax val="0"/>
+          <dgm:chPref val="0"/>
+        </dgm:presLayoutVars>
+      </dgm:prSet>
+      <dgm:spPr/>
+    </dgm:pt>
+    <dgm:pt modelId="{1D7AEA8C-44AD-463C-9251-E7142C76C9CC}" type="pres">
+      <dgm:prSet presAssocID="{031FE72C-ADC5-4694-8090-5D1A55919730}" presName="sibTrans" presStyleCnt="0"/>
+      <dgm:spPr/>
+    </dgm:pt>
+    <dgm:pt modelId="{15EAF695-D529-4DA2-996D-CE4E375B4F42}" type="pres">
+      <dgm:prSet presAssocID="{A6F2AB0F-6C04-4180-9C60-178DAC7AB742}" presName="compNode" presStyleCnt="0"/>
+      <dgm:spPr/>
+    </dgm:pt>
+    <dgm:pt modelId="{E9738833-ED26-4044-8DA9-67E40FF2986C}" type="pres">
+      <dgm:prSet presAssocID="{A6F2AB0F-6C04-4180-9C60-178DAC7AB742}" presName="bgRect" presStyleLbl="bgShp" presStyleIdx="1" presStyleCnt="2"/>
+      <dgm:spPr/>
+    </dgm:pt>
+    <dgm:pt modelId="{AC8468A9-FFC4-4FF0-92CB-E46D9B7F49D9}" type="pres">
+      <dgm:prSet presAssocID="{A6F2AB0F-6C04-4180-9C60-178DAC7AB742}" presName="iconRect" presStyleLbl="node1" presStyleIdx="1" presStyleCnt="2"/>
+      <dgm:spPr>
+        <a:blipFill>
+          <a:blip xmlns:r="http://schemas.openxmlformats.org/officeDocument/2006/relationships" r:embed="rId3">
+            <a:extLst>
+              <a:ext uri="{28A0092B-C50C-407E-A947-70E740481C1C}">
+                <a14:useLocalDpi xmlns:a14="http://schemas.microsoft.com/office/drawing/2010/main" val="0"/>
+              </a:ext>
+              <a:ext uri="{96DAC541-7B7A-43D3-8B79-37D633B846F1}">
+                <asvg:svgBlip xmlns:asvg="http://schemas.microsoft.com/office/drawing/2016/SVG/main" r:embed="rId4"/>
+              </a:ext>
+            </a:extLst>
+          </a:blip>
+          <a:stretch>
+            <a:fillRect/>
+          </a:stretch>
+        </a:blipFill>
+        <a:ln>
+          <a:noFill/>
+        </a:ln>
+      </dgm:spPr>
+      <dgm:extLst>
+        <a:ext uri="{E40237B7-FDA0-4F09-8148-C483321AD2D9}">
+          <dgm14:cNvPr xmlns:dgm14="http://schemas.microsoft.com/office/drawing/2010/diagram" id="0" name="" descr="Lock"/>
+        </a:ext>
+      </dgm:extLst>
+    </dgm:pt>
+    <dgm:pt modelId="{754E02CC-5E93-4AFB-9024-88EC88E8AF2C}" type="pres">
+      <dgm:prSet presAssocID="{A6F2AB0F-6C04-4180-9C60-178DAC7AB742}" presName="spaceRect" presStyleCnt="0"/>
+      <dgm:spPr/>
+    </dgm:pt>
+    <dgm:pt modelId="{B956FFD3-5978-4152-8B4B-185C65050616}" type="pres">
+      <dgm:prSet presAssocID="{A6F2AB0F-6C04-4180-9C60-178DAC7AB742}" presName="parTx" presStyleLbl="revTx" presStyleIdx="1" presStyleCnt="2">
+        <dgm:presLayoutVars>
+          <dgm:chMax val="0"/>
+          <dgm:chPref val="0"/>
+        </dgm:presLayoutVars>
+      </dgm:prSet>
+      <dgm:spPr/>
+    </dgm:pt>
+  </dgm:ptLst>
+  <dgm:cxnLst>
+    <dgm:cxn modelId="{B2B78E05-9487-490A-A7F4-E794867783C5}" type="presOf" srcId="{B257592D-E355-49E7-BBEE-3B9E104F8C75}" destId="{71AC0CE8-36D0-4C5F-8ECF-3D1E543BE91E}" srcOrd="0" destOrd="0" presId="urn:microsoft.com/office/officeart/2018/2/layout/IconVerticalSolidList"/>
+    <dgm:cxn modelId="{D14FC94D-2763-4104-B2D1-6AF772749035}" type="presOf" srcId="{04BF8A01-8A5D-40BB-9564-9D1FDC57C2DA}" destId="{C31EB8C2-8B97-417F-B84F-14057AA702AC}" srcOrd="0" destOrd="0" presId="urn:microsoft.com/office/officeart/2018/2/layout/IconVerticalSolidList"/>
+    <dgm:cxn modelId="{9D291AAD-82B0-4ACF-8B93-7DE316ECC3E1}" srcId="{04BF8A01-8A5D-40BB-9564-9D1FDC57C2DA}" destId="{B257592D-E355-49E7-BBEE-3B9E104F8C75}" srcOrd="0" destOrd="0" parTransId="{CFF2D68B-BAE3-4261-B590-651306BCF546}" sibTransId="{031FE72C-ADC5-4694-8090-5D1A55919730}"/>
+    <dgm:cxn modelId="{817E18C5-4310-4433-A730-226F448C9734}" srcId="{04BF8A01-8A5D-40BB-9564-9D1FDC57C2DA}" destId="{A6F2AB0F-6C04-4180-9C60-178DAC7AB742}" srcOrd="1" destOrd="0" parTransId="{2709D82D-9BC7-4A3D-AD18-45644C534E37}" sibTransId="{58AD9CFB-E24D-4738-A9DE-B0CE01BAC8C6}"/>
+    <dgm:cxn modelId="{8CF64CF3-A8E7-45B0-A626-428C32895E6B}" type="presOf" srcId="{A6F2AB0F-6C04-4180-9C60-178DAC7AB742}" destId="{B956FFD3-5978-4152-8B4B-185C65050616}" srcOrd="0" destOrd="0" presId="urn:microsoft.com/office/officeart/2018/2/layout/IconVerticalSolidList"/>
+    <dgm:cxn modelId="{E79C1397-A187-4005-8DD0-354AC1EA72A3}" type="presParOf" srcId="{C31EB8C2-8B97-417F-B84F-14057AA702AC}" destId="{60C340E8-91A6-4380-A5A4-0E74F5C32F5F}" srcOrd="0" destOrd="0" presId="urn:microsoft.com/office/officeart/2018/2/layout/IconVerticalSolidList"/>
+    <dgm:cxn modelId="{94848707-AE58-40DC-A98C-8A7977BA6B1D}" type="presParOf" srcId="{60C340E8-91A6-4380-A5A4-0E74F5C32F5F}" destId="{7E8235A2-EAED-40E9-BF24-401C8500DA01}" srcOrd="0" destOrd="0" presId="urn:microsoft.com/office/officeart/2018/2/layout/IconVerticalSolidList"/>
+    <dgm:cxn modelId="{8DB8D8F4-8FEA-47B5-8670-B578A8EF64DB}" type="presParOf" srcId="{60C340E8-91A6-4380-A5A4-0E74F5C32F5F}" destId="{62B60A2B-DC0B-4DE1-9874-7D3ACFC725E1}" srcOrd="1" destOrd="0" presId="urn:microsoft.com/office/officeart/2018/2/layout/IconVerticalSolidList"/>
+    <dgm:cxn modelId="{79EB1AC5-4357-4AD3-A7B3-FF5C780257D1}" type="presParOf" srcId="{60C340E8-91A6-4380-A5A4-0E74F5C32F5F}" destId="{7A335A57-481C-40B0-AFBE-A52567EF7CB3}" srcOrd="2" destOrd="0" presId="urn:microsoft.com/office/officeart/2018/2/layout/IconVerticalSolidList"/>
+    <dgm:cxn modelId="{8DB89CE7-A7A7-43C6-BD0B-0F77F2BB38C2}" type="presParOf" srcId="{60C340E8-91A6-4380-A5A4-0E74F5C32F5F}" destId="{71AC0CE8-36D0-4C5F-8ECF-3D1E543BE91E}" srcOrd="3" destOrd="0" presId="urn:microsoft.com/office/officeart/2018/2/layout/IconVerticalSolidList"/>
+    <dgm:cxn modelId="{F602A0DA-E801-4009-BD29-B1A5011A8E1D}" type="presParOf" srcId="{C31EB8C2-8B97-417F-B84F-14057AA702AC}" destId="{1D7AEA8C-44AD-463C-9251-E7142C76C9CC}" srcOrd="1" destOrd="0" presId="urn:microsoft.com/office/officeart/2018/2/layout/IconVerticalSolidList"/>
+    <dgm:cxn modelId="{F060F353-2A5C-4104-B6BB-A40D1F3C3017}" type="presParOf" srcId="{C31EB8C2-8B97-417F-B84F-14057AA702AC}" destId="{15EAF695-D529-4DA2-996D-CE4E375B4F42}" srcOrd="2" destOrd="0" presId="urn:microsoft.com/office/officeart/2018/2/layout/IconVerticalSolidList"/>
+    <dgm:cxn modelId="{87E6B61F-C676-4E88-9269-FA22E8FB7385}" type="presParOf" srcId="{15EAF695-D529-4DA2-996D-CE4E375B4F42}" destId="{E9738833-ED26-4044-8DA9-67E40FF2986C}" srcOrd="0" destOrd="0" presId="urn:microsoft.com/office/officeart/2018/2/layout/IconVerticalSolidList"/>
+    <dgm:cxn modelId="{3B51FBD1-4792-4F67-B84C-2DE6A43B41CB}" type="presParOf" srcId="{15EAF695-D529-4DA2-996D-CE4E375B4F42}" destId="{AC8468A9-FFC4-4FF0-92CB-E46D9B7F49D9}" srcOrd="1" destOrd="0" presId="urn:microsoft.com/office/officeart/2018/2/layout/IconVerticalSolidList"/>
+    <dgm:cxn modelId="{348A50BA-CA73-42BE-B4C6-3F8E6864C043}" type="presParOf" srcId="{15EAF695-D529-4DA2-996D-CE4E375B4F42}" destId="{754E02CC-5E93-4AFB-9024-88EC88E8AF2C}" srcOrd="2" destOrd="0" presId="urn:microsoft.com/office/officeart/2018/2/layout/IconVerticalSolidList"/>
+    <dgm:cxn modelId="{86A84329-75ED-4222-947A-B9CD894A52B4}" type="presParOf" srcId="{15EAF695-D529-4DA2-996D-CE4E375B4F42}" destId="{B956FFD3-5978-4152-8B4B-185C65050616}" srcOrd="3" destOrd="0" presId="urn:microsoft.com/office/officeart/2018/2/layout/IconVerticalSolidList"/>
+  </dgm:cxnLst>
+  <dgm:bg/>
+  <dgm:whole/>
+  <dgm:extLst>
+    <a:ext uri="http://schemas.microsoft.com/office/drawing/2008/diagram">
+      <dsp:dataModelExt xmlns:dsp="http://schemas.microsoft.com/office/drawing/2008/diagram" relId="rId6" minVer="http://schemas.openxmlformats.org/drawingml/2006/diagram"/>
+    </a:ext>
+  </dgm:extLst>
+</dgm:dataModel>
+</file>
+
+<file path=ppt/diagrams/drawing1.xml><?xml version="1.0" encoding="utf-8"?>
+<dsp:drawing xmlns:dgm="http://schemas.openxmlformats.org/drawingml/2006/diagram" xmlns:dsp="http://schemas.microsoft.com/office/drawing/2008/diagram" xmlns:a="http://schemas.openxmlformats.org/drawingml/2006/main">
+  <dsp:spTree>
+    <dsp:nvGrpSpPr>
+      <dsp:cNvPr id="0" name=""/>
+      <dsp:cNvGrpSpPr/>
+    </dsp:nvGrpSpPr>
+    <dsp:grpSpPr/>
+    <dsp:sp modelId="{7E8235A2-EAED-40E9-BF24-401C8500DA01}">
+      <dsp:nvSpPr>
+        <dsp:cNvPr id="0" name=""/>
+        <dsp:cNvSpPr/>
+      </dsp:nvSpPr>
+      <dsp:spPr>
+        <a:xfrm>
+          <a:off x="0" y="707288"/>
+          <a:ext cx="10515600" cy="1305763"/>
+        </a:xfrm>
+        <a:prstGeom prst="roundRect">
+          <a:avLst>
+            <a:gd name="adj" fmla="val 10000"/>
+          </a:avLst>
+        </a:prstGeom>
+        <a:solidFill>
+          <a:schemeClr val="accent5">
+            <a:hueOff val="0"/>
+            <a:satOff val="0"/>
+            <a:lumOff val="0"/>
+            <a:alphaOff val="0"/>
+          </a:schemeClr>
+        </a:solidFill>
+        <a:ln>
+          <a:noFill/>
+        </a:ln>
+        <a:effectLst/>
+      </dsp:spPr>
+      <dsp:style>
+        <a:lnRef idx="0">
+          <a:scrgbClr r="0" g="0" b="0"/>
+        </a:lnRef>
+        <a:fillRef idx="1">
+          <a:scrgbClr r="0" g="0" b="0"/>
+        </a:fillRef>
+        <a:effectRef idx="0">
+          <a:scrgbClr r="0" g="0" b="0"/>
+        </a:effectRef>
+        <a:fontRef idx="minor"/>
+      </dsp:style>
+    </dsp:sp>
+    <dsp:sp modelId="{62B60A2B-DC0B-4DE1-9874-7D3ACFC725E1}">
+      <dsp:nvSpPr>
+        <dsp:cNvPr id="0" name=""/>
+        <dsp:cNvSpPr/>
+      </dsp:nvSpPr>
+      <dsp:spPr>
+        <a:xfrm>
+          <a:off x="394993" y="1001085"/>
+          <a:ext cx="718169" cy="718169"/>
+        </a:xfrm>
+        <a:prstGeom prst="rect">
+          <a:avLst/>
+        </a:prstGeom>
+        <a:blipFill>
+          <a:blip xmlns:r="http://schemas.openxmlformats.org/officeDocument/2006/relationships" r:embed="rId1">
+            <a:extLst>
+              <a:ext uri="{28A0092B-C50C-407E-A947-70E740481C1C}">
+                <a14:useLocalDpi xmlns:a14="http://schemas.microsoft.com/office/drawing/2010/main" val="0"/>
+              </a:ext>
+              <a:ext uri="{96DAC541-7B7A-43D3-8B79-37D633B846F1}">
+                <asvg:svgBlip xmlns:asvg="http://schemas.microsoft.com/office/drawing/2016/SVG/main" r:embed="rId2"/>
+              </a:ext>
+            </a:extLst>
+          </a:blip>
+          <a:stretch>
+            <a:fillRect/>
+          </a:stretch>
+        </a:blipFill>
+        <a:ln w="12700" cap="flat" cmpd="sng" algn="ctr">
+          <a:noFill/>
+          <a:prstDash val="solid"/>
+          <a:miter lim="800000"/>
+        </a:ln>
+        <a:effectLst/>
+      </dsp:spPr>
+      <dsp:style>
+        <a:lnRef idx="2">
+          <a:scrgbClr r="0" g="0" b="0"/>
+        </a:lnRef>
+        <a:fillRef idx="1">
+          <a:scrgbClr r="0" g="0" b="0"/>
+        </a:fillRef>
+        <a:effectRef idx="0">
+          <a:scrgbClr r="0" g="0" b="0"/>
+        </a:effectRef>
+        <a:fontRef idx="minor">
+          <a:schemeClr val="lt1"/>
+        </a:fontRef>
+      </dsp:style>
+    </dsp:sp>
+    <dsp:sp modelId="{71AC0CE8-36D0-4C5F-8ECF-3D1E543BE91E}">
+      <dsp:nvSpPr>
+        <dsp:cNvPr id="0" name=""/>
+        <dsp:cNvSpPr/>
+      </dsp:nvSpPr>
+      <dsp:spPr>
+        <a:xfrm>
+          <a:off x="1508156" y="707288"/>
+          <a:ext cx="9007443" cy="1305763"/>
+        </a:xfrm>
+        <a:prstGeom prst="rect">
+          <a:avLst/>
+        </a:prstGeom>
+        <a:noFill/>
+        <a:ln>
+          <a:noFill/>
+        </a:ln>
+        <a:effectLst/>
+      </dsp:spPr>
+      <dsp:style>
+        <a:lnRef idx="0">
+          <a:scrgbClr r="0" g="0" b="0"/>
+        </a:lnRef>
+        <a:fillRef idx="0">
+          <a:scrgbClr r="0" g="0" b="0"/>
+        </a:fillRef>
+        <a:effectRef idx="0">
+          <a:scrgbClr r="0" g="0" b="0"/>
+        </a:effectRef>
+        <a:fontRef idx="minor"/>
+      </dsp:style>
+      <dsp:txBody>
+        <a:bodyPr spcFirstLastPara="0" vert="horz" wrap="square" lIns="138193" tIns="138193" rIns="138193" bIns="138193" numCol="1" spcCol="1270" anchor="ctr" anchorCtr="0">
+          <a:noAutofit/>
+        </a:bodyPr>
+        <a:lstStyle/>
+        <a:p>
+          <a:pPr marL="0" lvl="0" indent="0" algn="l" defTabSz="1111250">
+            <a:lnSpc>
+              <a:spcPct val="90000"/>
+            </a:lnSpc>
+            <a:spcBef>
+              <a:spcPct val="0"/>
+            </a:spcBef>
+            <a:spcAft>
+              <a:spcPct val="35000"/>
+            </a:spcAft>
+            <a:buNone/>
+          </a:pPr>
+          <a:r>
+            <a:rPr lang="en-US" sz="2500" u="none" kern="1200" err="1">
+              <a:latin typeface="Calibri Light"/>
+              <a:cs typeface="Calibri Light"/>
+            </a:rPr>
+            <a:t>Bezpieczna</a:t>
+          </a:r>
+          <a:r>
+            <a:rPr lang="en-US" sz="2500" u="none" kern="1200">
+              <a:latin typeface="Calibri Light"/>
+              <a:cs typeface="Calibri Light"/>
+            </a:rPr>
+            <a:t> </a:t>
+          </a:r>
+          <a:r>
+            <a:rPr lang="en-US" sz="2500" u="none" kern="1200" err="1">
+              <a:latin typeface="Calibri Light"/>
+              <a:cs typeface="Calibri Light"/>
+            </a:rPr>
+            <a:t>komunikacja</a:t>
+          </a:r>
+          <a:r>
+            <a:rPr lang="en-US" sz="2500" u="none" kern="1200">
+              <a:latin typeface="Calibri Light"/>
+              <a:cs typeface="Calibri Light"/>
+            </a:rPr>
+            <a:t> w</a:t>
+          </a:r>
+          <a:r>
+            <a:rPr lang="en-US" sz="2500" b="0" i="0" u="none" strike="noStrike" kern="1200" cap="none" baseline="0" noProof="0">
+              <a:latin typeface="Calibri Light"/>
+              <a:cs typeface="Calibri Light"/>
+            </a:rPr>
+            <a:t> </a:t>
+          </a:r>
+          <a:r>
+            <a:rPr lang="en-US" sz="2500" b="0" i="0" u="none" strike="noStrike" kern="1200" cap="none" baseline="0" noProof="0" err="1">
+              <a:latin typeface="Calibri Light"/>
+              <a:cs typeface="Calibri Light"/>
+            </a:rPr>
+            <a:t>sieciach</a:t>
+          </a:r>
+          <a:r>
+            <a:rPr lang="en-US" sz="2500" b="0" i="0" u="none" strike="noStrike" kern="1200" cap="none" baseline="0" noProof="0">
+              <a:latin typeface="Calibri Light"/>
+              <a:cs typeface="Calibri Light"/>
+            </a:rPr>
+            <a:t> </a:t>
+          </a:r>
+          <a:r>
+            <a:rPr lang="en-US" sz="2500" b="0" i="0" u="none" strike="noStrike" kern="1200" cap="none" baseline="0" noProof="0" err="1">
+              <a:latin typeface="Calibri Light"/>
+              <a:cs typeface="Calibri Light"/>
+            </a:rPr>
+            <a:t>komputerowych</a:t>
+          </a:r>
+        </a:p>
+      </dsp:txBody>
+      <dsp:txXfrm>
+        <a:off x="1508156" y="707288"/>
+        <a:ext cx="9007443" cy="1305763"/>
+      </dsp:txXfrm>
+    </dsp:sp>
+    <dsp:sp modelId="{E9738833-ED26-4044-8DA9-67E40FF2986C}">
+      <dsp:nvSpPr>
+        <dsp:cNvPr id="0" name=""/>
+        <dsp:cNvSpPr/>
+      </dsp:nvSpPr>
+      <dsp:spPr>
+        <a:xfrm>
+          <a:off x="0" y="2339492"/>
+          <a:ext cx="10515600" cy="1305763"/>
+        </a:xfrm>
+        <a:prstGeom prst="roundRect">
+          <a:avLst>
+            <a:gd name="adj" fmla="val 10000"/>
+          </a:avLst>
+        </a:prstGeom>
+        <a:solidFill>
+          <a:schemeClr val="accent5">
+            <a:hueOff val="-6758543"/>
+            <a:satOff val="-17419"/>
+            <a:lumOff val="-11765"/>
+            <a:alphaOff val="0"/>
+          </a:schemeClr>
+        </a:solidFill>
+        <a:ln>
+          <a:noFill/>
+        </a:ln>
+        <a:effectLst/>
+      </dsp:spPr>
+      <dsp:style>
+        <a:lnRef idx="0">
+          <a:scrgbClr r="0" g="0" b="0"/>
+        </a:lnRef>
+        <a:fillRef idx="1">
+          <a:scrgbClr r="0" g="0" b="0"/>
+        </a:fillRef>
+        <a:effectRef idx="0">
+          <a:scrgbClr r="0" g="0" b="0"/>
+        </a:effectRef>
+        <a:fontRef idx="minor"/>
+      </dsp:style>
+    </dsp:sp>
+    <dsp:sp modelId="{AC8468A9-FFC4-4FF0-92CB-E46D9B7F49D9}">
+      <dsp:nvSpPr>
+        <dsp:cNvPr id="0" name=""/>
+        <dsp:cNvSpPr/>
+      </dsp:nvSpPr>
+      <dsp:spPr>
+        <a:xfrm>
+          <a:off x="394993" y="2633289"/>
+          <a:ext cx="718169" cy="718169"/>
+        </a:xfrm>
+        <a:prstGeom prst="rect">
+          <a:avLst/>
+        </a:prstGeom>
+        <a:blipFill>
+          <a:blip xmlns:r="http://schemas.openxmlformats.org/officeDocument/2006/relationships" r:embed="rId3">
+            <a:extLst>
+              <a:ext uri="{28A0092B-C50C-407E-A947-70E740481C1C}">
+                <a14:useLocalDpi xmlns:a14="http://schemas.microsoft.com/office/drawing/2010/main" val="0"/>
+              </a:ext>
+              <a:ext uri="{96DAC541-7B7A-43D3-8B79-37D633B846F1}">
+                <asvg:svgBlip xmlns:asvg="http://schemas.microsoft.com/office/drawing/2016/SVG/main" r:embed="rId4"/>
+              </a:ext>
+            </a:extLst>
+          </a:blip>
+          <a:stretch>
+            <a:fillRect/>
+          </a:stretch>
+        </a:blipFill>
+        <a:ln w="12700" cap="flat" cmpd="sng" algn="ctr">
+          <a:noFill/>
+          <a:prstDash val="solid"/>
+          <a:miter lim="800000"/>
+        </a:ln>
+        <a:effectLst/>
+      </dsp:spPr>
+      <dsp:style>
+        <a:lnRef idx="2">
+          <a:scrgbClr r="0" g="0" b="0"/>
+        </a:lnRef>
+        <a:fillRef idx="1">
+          <a:scrgbClr r="0" g="0" b="0"/>
+        </a:fillRef>
+        <a:effectRef idx="0">
+          <a:scrgbClr r="0" g="0" b="0"/>
+        </a:effectRef>
+        <a:fontRef idx="minor">
+          <a:schemeClr val="lt1"/>
+        </a:fontRef>
+      </dsp:style>
+    </dsp:sp>
+    <dsp:sp modelId="{B956FFD3-5978-4152-8B4B-185C65050616}">
+      <dsp:nvSpPr>
+        <dsp:cNvPr id="0" name=""/>
+        <dsp:cNvSpPr/>
+      </dsp:nvSpPr>
+      <dsp:spPr>
+        <a:xfrm>
+          <a:off x="1508156" y="2339492"/>
+          <a:ext cx="9007443" cy="1305763"/>
+        </a:xfrm>
+        <a:prstGeom prst="rect">
+          <a:avLst/>
+        </a:prstGeom>
+        <a:noFill/>
+        <a:ln>
+          <a:noFill/>
+        </a:ln>
+        <a:effectLst/>
+      </dsp:spPr>
+      <dsp:style>
+        <a:lnRef idx="0">
+          <a:scrgbClr r="0" g="0" b="0"/>
+        </a:lnRef>
+        <a:fillRef idx="0">
+          <a:scrgbClr r="0" g="0" b="0"/>
+        </a:fillRef>
+        <a:effectRef idx="0">
+          <a:scrgbClr r="0" g="0" b="0"/>
+        </a:effectRef>
+        <a:fontRef idx="minor"/>
+      </dsp:style>
+      <dsp:txBody>
+        <a:bodyPr spcFirstLastPara="0" vert="horz" wrap="square" lIns="138193" tIns="138193" rIns="138193" bIns="138193" numCol="1" spcCol="1270" anchor="ctr" anchorCtr="0">
+          <a:noAutofit/>
+        </a:bodyPr>
+        <a:lstStyle/>
+        <a:p>
+          <a:pPr marL="0" lvl="0" indent="0" algn="l" defTabSz="1111250">
+            <a:lnSpc>
+              <a:spcPct val="90000"/>
+            </a:lnSpc>
+            <a:spcBef>
+              <a:spcPct val="0"/>
+            </a:spcBef>
+            <a:spcAft>
+              <a:spcPct val="35000"/>
+            </a:spcAft>
+            <a:buNone/>
+          </a:pPr>
+          <a:r>
+            <a:rPr lang="en-US" sz="2500" kern="1200" err="1">
+              <a:latin typeface="Calibri Light"/>
+              <a:cs typeface="Calibri Light"/>
+            </a:rPr>
+            <a:t>Prywatność</a:t>
+          </a:r>
+          <a:r>
+            <a:rPr lang="en-US" sz="2500" kern="1200">
+              <a:latin typeface="Calibri Light"/>
+              <a:cs typeface="Calibri Light"/>
+            </a:rPr>
+            <a:t> </a:t>
+          </a:r>
+          <a:r>
+            <a:rPr lang="en-US" sz="2500" kern="1200" err="1">
+              <a:latin typeface="Calibri Light"/>
+              <a:cs typeface="Calibri Light"/>
+            </a:rPr>
+            <a:t>i</a:t>
+          </a:r>
+          <a:r>
+            <a:rPr lang="en-US" sz="2500" kern="1200">
+              <a:latin typeface="Calibri Light"/>
+              <a:cs typeface="Calibri Light"/>
+            </a:rPr>
+            <a:t> </a:t>
+          </a:r>
+          <a:r>
+            <a:rPr lang="en-US" sz="2500" kern="1200" err="1">
+              <a:latin typeface="Calibri Light"/>
+              <a:cs typeface="Calibri Light"/>
+            </a:rPr>
+            <a:t>integralność</a:t>
+          </a:r>
+          <a:r>
+            <a:rPr lang="en-US" sz="2500" kern="1200">
+              <a:latin typeface="Calibri Light"/>
+              <a:cs typeface="Calibri Light"/>
+            </a:rPr>
+            <a:t> </a:t>
+          </a:r>
+          <a:r>
+            <a:rPr lang="en-US" sz="2500" kern="1200" err="1">
+              <a:latin typeface="Calibri Light"/>
+              <a:cs typeface="Calibri Light"/>
+            </a:rPr>
+            <a:t>danych</a:t>
+          </a:r>
+          <a:endParaRPr lang="en-US" sz="2500" kern="1200">
+            <a:latin typeface="Calibri Light"/>
+            <a:cs typeface="Calibri Light"/>
+          </a:endParaRPr>
+        </a:p>
+      </dsp:txBody>
+      <dsp:txXfrm>
+        <a:off x="1508156" y="2339492"/>
+        <a:ext cx="9007443" cy="1305763"/>
+      </dsp:txXfrm>
+    </dsp:sp>
+  </dsp:spTree>
+</dsp:drawing>
+</file>
+
+<file path=ppt/diagrams/layout1.xml><?xml version="1.0" encoding="utf-8"?>
+<dgm:layoutDef xmlns:dgm="http://schemas.openxmlformats.org/drawingml/2006/diagram" xmlns:a="http://schemas.openxmlformats.org/drawingml/2006/main" uniqueId="urn:microsoft.com/office/officeart/2018/2/layout/IconVerticalSolidList">
+  <dgm:title val="Icon Vertical Solid List"/>
+  <dgm:desc val="Use to show a series of visuals from top to bottom with Level 1 or Level 1 and Level 2 text grouped in a shape. Works best with icons or small pictures with lengthier descriptions."/>
+  <dgm:catLst>
+    <dgm:cat type="icon" pri="500"/>
+  </dgm:catLst>
+  <dgm:sampData useDef="1">
+    <dgm:dataModel>
+      <dgm:ptLst/>
+      <dgm:bg/>
+      <dgm:whole/>
+    </dgm:dataModel>
+  </dgm:sampData>
+  <dgm:styleData useDef="1">
+    <dgm:dataModel>
+      <dgm:ptLst/>
+      <dgm:bg/>
+      <dgm:whole/>
+    </dgm:dataModel>
+  </dgm:styleData>
+  <dgm:clrData useDef="1">
+    <dgm:dataModel>
+      <dgm:ptLst/>
+      <dgm:bg/>
+      <dgm:whole/>
+    </dgm:dataModel>
+  </dgm:clrData>
+  <dgm:layoutNode name="root">
+    <dgm:varLst>
+      <dgm:dir/>
+      <dgm:resizeHandles val="exact"/>
+    </dgm:varLst>
+    <dgm:choose name="Name0">
+      <dgm:if name="Name1" axis="self" func="var" arg="dir" op="equ" val="norm">
+        <dgm:alg type="lin">
+          <dgm:param type="linDir" val="fromT"/>
+          <dgm:param type="nodeHorzAlign" val="l"/>
+        </dgm:alg>
+      </dgm:if>
+      <dgm:else name="Name2">
+        <dgm:alg type="lin">
+          <dgm:param type="linDir" val="fromT"/>
+          <dgm:param type="nodeHorzAlign" val="r"/>
+        </dgm:alg>
+      </dgm:else>
+    </dgm:choose>
+    <dgm:shape xmlns:r="http://schemas.openxmlformats.org/officeDocument/2006/relationships" r:blip="">
+      <dgm:adjLst/>
+    </dgm:shape>
+    <dgm:presOf/>
+    <dgm:choose name="Name3">
+      <dgm:if name="Name4" axis="ch" ptType="node" func="cnt" op="lte" val="3">
+        <dgm:constrLst>
+          <dgm:constr type="h" for="ch" forName="compNode" refType="h" fact="0.3"/>
+          <dgm:constr type="w" for="ch" forName="compNode" refType="w"/>
+          <dgm:constr type="h" for="ch" forName="sibTrans" refType="h" refFor="ch" refForName="compNode" fact="0.25"/>
+          <dgm:constr type="primFontSz" for="des" forName="parTx" val="25"/>
+          <dgm:constr type="primFontSz" for="des" forName="desTx" refType="primFontSz" refFor="des" refForName="parTx" op="lte" fact="0.75"/>
+          <dgm:constr type="h" for="des" forName="compNode" op="equ"/>
+          <dgm:constr type="h" for="des" forName="bgRect" op="equ"/>
+          <dgm:constr type="h" for="des" forName="iconRect" op="equ"/>
+          <dgm:constr type="w" for="des" forName="iconRect" op="equ"/>
+          <dgm:constr type="h" for="des" forName="spaceRect" op="equ"/>
+          <dgm:constr type="h" for="des" forName="parTx" op="equ"/>
+          <dgm:constr type="h" for="des" forName="desTx" op="equ"/>
+        </dgm:constrLst>
+      </dgm:if>
+      <dgm:if name="Name5" axis="ch" ptType="node" func="cnt" op="lte" val="4">
+        <dgm:constrLst>
+          <dgm:constr type="h" for="ch" forName="compNode" refType="h" fact="0.3"/>
+          <dgm:constr type="w" for="ch" forName="compNode" refType="w"/>
+          <dgm:constr type="h" for="ch" forName="sibTrans" refType="h" refFor="ch" refForName="compNode" fact="0.25"/>
+          <dgm:constr type="primFontSz" for="des" forName="parTx" val="22"/>
+          <dgm:constr type="primFontSz" for="des" forName="desTx" refType="primFontSz" refFor="des" refForName="parTx" op="lte" fact="0.75"/>
+          <dgm:constr type="h" for="des" forName="compNode" op="equ"/>
+          <dgm:constr type="h" for="des" forName="bgRect" op="equ"/>
+          <dgm:constr type="h" for="des" forName="iconRect" op="equ"/>
+          <dgm:constr type="w" for="des" forName="iconRect" op="equ"/>
+          <dgm:constr type="h" for="des" forName="spaceRect" op="equ"/>
+          <dgm:constr type="h" for="des" forName="parTx" op="equ"/>
+          <dgm:constr type="h" for="des" forName="desTx" op="equ"/>
+        </dgm:constrLst>
+      </dgm:if>
+      <dgm:if name="Name6" axis="ch" ptType="node" func="cnt" op="lte" val="6">
+        <dgm:constrLst>
+          <dgm:constr type="h" for="ch" forName="compNode" refType="h" fact="0.3"/>
+          <dgm:constr type="w" for="ch" forName="compNode" refType="w"/>
+          <dgm:constr type="h" for="ch" forName="sibTrans" refType="h" refFor="ch" refForName="compNode" fact="0.25"/>
+          <dgm:constr type="primFontSz" for="des" forName="parTx" val="19"/>
+          <dgm:constr type="primFontSz" for="des" forName="desTx" refType="primFontSz" refFor="des" refForName="parTx" op="lte" fact="0.75"/>
+          <dgm:constr type="h" for="des" forName="compNode" op="equ"/>
+          <dgm:constr type="h" for="des" forName="bgRect" op="equ"/>
+          <dgm:constr type="h" for="des" forName="iconRect" op="equ"/>
+          <dgm:constr type="w" for="des" forName="iconRect" op="equ"/>
+          <dgm:constr type="h" for="des" forName="spaceRect" op="equ"/>
+          <dgm:constr type="h" for="des" forName="parTx" op="equ"/>
+          <dgm:constr type="h" for="des" forName="desTx" op="equ"/>
+        </dgm:constrLst>
+      </dgm:if>
+      <dgm:else name="Name7">
+        <dgm:constrLst>
+          <dgm:constr type="h" for="ch" forName="compNode" refType="h" fact="0.3"/>
+          <dgm:constr type="w" for="ch" forName="compNode" refType="w"/>
+          <dgm:constr type="h" for="ch" forName="sibTrans" refType="h" refFor="ch" refForName="compNode" fact="0.25"/>
+          <dgm:constr type="primFontSz" for="des" forName="parTx" val="16"/>
+          <dgm:constr type="primFontSz" for="des" forName="desTx" refType="primFontSz" refFor="des" refForName="parTx" op="lte" fact="0.75"/>
+          <dgm:constr type="h" for="des" forName="compNode" op="equ"/>
+          <dgm:constr type="h" for="des" forName="bgRect" op="equ"/>
+          <dgm:constr type="h" for="des" forName="iconRect" op="equ"/>
+          <dgm:constr type="w" for="des" forName="iconRect" op="equ"/>
+          <dgm:constr type="h" for="des" forName="spaceRect" op="equ"/>
+          <dgm:constr type="h" for="des" forName="parTx" op="equ"/>
+          <dgm:constr type="h" for="des" forName="desTx" op="equ"/>
+        </dgm:constrLst>
+      </dgm:else>
+    </dgm:choose>
+    <dgm:ruleLst>
+      <dgm:rule type="h" for="ch" forName="compNode" val="0" fact="NaN" max="NaN"/>
+    </dgm:ruleLst>
+    <dgm:forEach name="Name8" axis="ch" ptType="node">
+      <dgm:layoutNode name="compNode">
+        <dgm:alg type="composite"/>
+        <dgm:shape xmlns:r="http://schemas.openxmlformats.org/officeDocument/2006/relationships" r:blip="">
+          <dgm:adjLst/>
+        </dgm:shape>
+        <dgm:presOf axis="self"/>
+        <dgm:choose name="Name9">
+          <dgm:if name="Name10" axis="ch" ptType="node" func="cnt" op="gte" val="1">
+            <dgm:constrLst>
+              <dgm:constr type="w" for="ch" forName="bgRect" refType="w"/>
+              <dgm:constr type="h" for="ch" forName="bgRect" refType="h"/>
+              <dgm:constr type="l" for="ch" forName="bgRect"/>
+              <dgm:constr type="t" for="ch" forName="bgRect"/>
+              <dgm:constr type="h" for="ch" forName="iconRect" refType="h" fact="0.55"/>
+              <dgm:constr type="w" for="ch" forName="iconRect" refType="h" refFor="ch" refForName="iconRect"/>
+              <dgm:constr type="l" for="ch" forName="iconRect" refType="h" refFor="ch" refForName="iconRect" fact="0.55"/>
+              <dgm:constr type="ctrY" for="ch" forName="iconRect" refType="ctrY" refFor="ch" refForName="bgRect"/>
+              <dgm:constr type="w" for="ch" forName="spaceRect" refType="l" refFor="ch" refForName="iconRect"/>
+              <dgm:constr type="h" for="ch" forName="spaceRect" refType="h"/>
+              <dgm:constr type="l" for="ch" forName="spaceRect" refType="r" refFor="ch" refForName="iconRect"/>
+              <dgm:constr type="t" for="ch" forName="spaceRect"/>
+              <dgm:constr type="w" for="ch" forName="parTx" refType="w" fact="0.45"/>
+              <dgm:constr type="h" for="ch" forName="parTx" refType="h"/>
+              <dgm:constr type="l" for="ch" forName="parTx" refType="r" refFor="ch" refForName="spaceRect"/>
+              <dgm:constr type="t" for="ch" forName="parTx"/>
+              <dgm:constr type="h" for="ch" forName="desTx" refType="h"/>
+              <dgm:constr type="l" for="ch" forName="desTx" refType="r" refFor="ch" refForName="parTx"/>
+              <dgm:constr type="t" for="ch" forName="desTx"/>
+            </dgm:constrLst>
+          </dgm:if>
+          <dgm:else name="Name11">
+            <dgm:constrLst>
+              <dgm:constr type="w" for="ch" forName="bgRect" refType="w"/>
+              <dgm:constr type="h" for="ch" forName="bgRect" refType="h"/>
+              <dgm:constr type="l" for="ch" forName="bgRect"/>
+              <dgm:constr type="t" for="ch" forName="bgRect"/>
+              <dgm:constr type="h" for="ch" forName="iconRect" refType="h" fact="0.55"/>
+              <dgm:constr type="w" for="ch" forName="iconRect" refType="h" refFor="ch" refForName="iconRect"/>
+              <dgm:constr type="l" for="ch" forName="iconRect" refType="h" refFor="ch" refForName="iconRect" fact="0.55"/>
+              <dgm:constr type="ctrY" for="ch" forName="iconRect" refType="ctrY" refFor="ch" refForName="bgRect"/>
+              <dgm:constr type="w" for="ch" forName="spaceRect" refType="l" refFor="ch" refForName="iconRect"/>
+              <dgm:constr type="h" for="ch" forName="spaceRect" refType="h"/>
+              <dgm:constr type="l" for="ch" forName="spaceRect" refType="r" refFor="ch" refForName="iconRect"/>
+              <dgm:constr type="t" for="ch" forName="spaceRect"/>
+              <dgm:constr type="h" for="ch" forName="parTx" refType="h"/>
+              <dgm:constr type="l" for="ch" forName="parTx" refType="r" refFor="ch" refForName="spaceRect"/>
+              <dgm:constr type="t" for="ch" forName="parTx"/>
+            </dgm:constrLst>
+          </dgm:else>
+        </dgm:choose>
+        <dgm:ruleLst>
+          <dgm:rule type="h" val="INF" fact="NaN" max="NaN"/>
+        </dgm:ruleLst>
+        <dgm:layoutNode name="bgRect" styleLbl="bgShp">
+          <dgm:alg type="sp"/>
+          <dgm:shape xmlns:r="http://schemas.openxmlformats.org/officeDocument/2006/relationships" type="roundRect" r:blip="">
+            <dgm:adjLst>
+              <dgm:adj idx="1" val="0.1"/>
+            </dgm:adjLst>
+          </dgm:shape>
+          <dgm:presOf/>
+          <dgm:constrLst/>
+          <dgm:ruleLst/>
+        </dgm:layoutNode>
+        <dgm:layoutNode name="iconRect" styleLbl="node1">
+          <dgm:alg type="sp"/>
+          <dgm:shape xmlns:r="http://schemas.openxmlformats.org/officeDocument/2006/relationships" type="rect" r:blip="" blipPhldr="1">
+            <dgm:adjLst/>
+          </dgm:shape>
+          <dgm:presOf/>
+          <dgm:constrLst/>
+          <dgm:ruleLst/>
+        </dgm:layoutNode>
+        <dgm:layoutNode name="spaceRect">
+          <dgm:alg type="sp"/>
+          <dgm:shape xmlns:r="http://schemas.openxmlformats.org/officeDocument/2006/relationships" r:blip="">
+            <dgm:adjLst/>
+          </dgm:shape>
+          <dgm:presOf/>
+          <dgm:constrLst/>
+          <dgm:ruleLst/>
+        </dgm:layoutNode>
+        <dgm:layoutNode name="parTx" styleLbl="revTx">
+          <dgm:varLst>
+            <dgm:chMax val="0"/>
+            <dgm:chPref val="0"/>
+          </dgm:varLst>
+          <dgm:alg type="tx">
+            <dgm:param type="txAnchorVert" val="mid"/>
+            <dgm:param type="parTxLTRAlign" val="l"/>
+            <dgm:param type="shpTxLTRAlignCh" val="l"/>
+            <dgm:param type="parTxRTLAlign" val="r"/>
+            <dgm:param type="shpTxRTLAlignCh" val="r"/>
+          </dgm:alg>
+          <dgm:shape xmlns:r="http://schemas.openxmlformats.org/officeDocument/2006/relationships" type="rect" r:blip="">
+            <dgm:adjLst/>
+          </dgm:shape>
+          <dgm:presOf axis="self" ptType="node"/>
+          <dgm:constrLst>
+            <dgm:constr type="lMarg" refType="h" fact="0.3"/>
+            <dgm:constr type="rMarg" refType="h" fact="0.3"/>
+            <dgm:constr type="tMarg" refType="h" fact="0.3"/>
+            <dgm:constr type="bMarg" refType="h" fact="0.3"/>
+          </dgm:constrLst>
+          <dgm:ruleLst>
+            <dgm:rule type="primFontSz" val="14" fact="NaN" max="NaN"/>
+            <dgm:rule type="h" val="INF" fact="NaN" max="NaN"/>
+          </dgm:ruleLst>
+        </dgm:layoutNode>
+        <dgm:choose name="Name12">
+          <dgm:if name="Name13" axis="ch" ptType="node" func="cnt" op="gte" val="1">
+            <dgm:layoutNode name="desTx" styleLbl="revTx">
+              <dgm:varLst/>
+              <dgm:alg type="tx">
+                <dgm:param type="txAnchorVertCh" val="mid"/>
+                <dgm:param type="parTxLTRAlign" val="l"/>
+                <dgm:param type="shpTxLTRAlignCh" val="l"/>
+                <dgm:param type="parTxRTLAlign" val="r"/>
+                <dgm:param type="shpTxRTLAlignCh" val="r"/>
+                <dgm:param type="stBulletLvl" val="0"/>
+              </dgm:alg>
+              <dgm:shape xmlns:r="http://schemas.openxmlformats.org/officeDocument/2006/relationships" type="rect" r:blip="">
+                <dgm:adjLst/>
+              </dgm:shape>
+              <dgm:presOf axis="des" ptType="node"/>
+              <dgm:constrLst>
+                <dgm:constr type="primFontSz" val="18"/>
+                <dgm:constr type="secFontSz" refType="primFontSz"/>
+                <dgm:constr type="lMarg" refType="h" fact="0.3"/>
+                <dgm:constr type="rMarg" refType="h" fact="0.3"/>
+                <dgm:constr type="tMarg" refType="h" fact="0.3"/>
+                <dgm:constr type="bMarg" refType="h" fact="0.3"/>
+              </dgm:constrLst>
+              <dgm:ruleLst>
+                <dgm:rule type="primFontSz" val="11" fact="NaN" max="NaN"/>
+              </dgm:ruleLst>
+            </dgm:layoutNode>
+          </dgm:if>
+          <dgm:else name="Name14"/>
+        </dgm:choose>
+      </dgm:layoutNode>
+      <dgm:forEach name="Name15" axis="followSib" ptType="sibTrans" cnt="1">
+        <dgm:layoutNode name="sibTrans">
+          <dgm:alg type="sp"/>
+          <dgm:shape xmlns:r="http://schemas.openxmlformats.org/officeDocument/2006/relationships" r:blip="">
+            <dgm:adjLst/>
+          </dgm:shape>
+          <dgm:presOf axis="self"/>
+          <dgm:constrLst/>
+          <dgm:ruleLst/>
+        </dgm:layoutNode>
+      </dgm:forEach>
+    </dgm:forEach>
+  </dgm:layoutNode>
+  <dgm:extLst>
+    <a:ext uri="{68A01E43-0DF5-4B5B-8FA6-DAF915123BFB}">
+      <dgm1612:lstStyle xmlns:dgm1612="http://schemas.microsoft.com/office/drawing/2016/12/diagram">
+        <a:lvl1pPr>
+          <a:lnSpc>
+            <a:spcPct val="100000"/>
+          </a:lnSpc>
+        </a:lvl1pPr>
+        <a:lvl2pPr>
+          <a:lnSpc>
+            <a:spcPct val="100000"/>
+          </a:lnSpc>
+        </a:lvl2pPr>
+      </dgm1612:lstStyle>
+    </a:ext>
+  </dgm:extLst>
+</dgm:layoutDef>
+</file>
+
+<file path=ppt/diagrams/quickStyle1.xml><?xml version="1.0" encoding="utf-8"?>
+<dgm:styleDef xmlns:dgm="http://schemas.openxmlformats.org/drawingml/2006/diagram" xmlns:a="http://schemas.openxmlformats.org/drawingml/2006/main" uniqueId="urn:microsoft.com/office/officeart/2005/8/quickstyle/simple1">
+  <dgm:title val=""/>
+  <dgm:desc val=""/>
+  <dgm:catLst>
+    <dgm:cat type="simple" pri="10100"/>
+  </dgm:catLst>
+  <dgm:scene3d>
+    <a:camera prst="orthographicFront"/>
+    <a:lightRig rig="threePt" dir="t"/>
+  </dgm:scene3d>
+  <dgm:styleLbl name="node0">
+    <dgm:scene3d>
+      <a:camera prst="orthographicFront"/>
+      <a:lightRig rig="threePt" dir="t"/>
+    </dgm:scene3d>
+    <dgm:sp3d/>
+    <dgm:txPr/>
+    <dgm:style>
+      <a:lnRef idx="2">
+        <a:scrgbClr r="0" g="0" b="0"/>
+      </a:lnRef>
+      <a:fillRef idx="1">
+        <a:scrgbClr r="0" g="0" b="0"/>
+      </a:fillRef>
+      <a:effectRef idx="0">
+        <a:scrgbClr r="0" g="0" b="0"/>
+      </a:effectRef>
+      <a:fontRef idx="minor">
+        <a:schemeClr val="lt1"/>
+      </a:fontRef>
+    </dgm:style>
+  </dgm:styleLbl>
+  <dgm:styleLbl name="lnNode1">
+    <dgm:scene3d>
+      <a:camera prst="orthographicFront"/>
+      <a:lightRig rig="threePt" dir="t"/>
+    </dgm:scene3d>
+    <dgm:sp3d/>
+    <dgm:txPr/>
+    <dgm:style>
+      <a:lnRef idx="2">
+        <a:scrgbClr r="0" g="0" b="0"/>
+      </a:lnRef>
+      <a:fillRef idx="1">
+        <a:scrgbClr r="0" g="0" b="0"/>
+      </a:fillRef>
+      <a:effectRef idx="0">
+        <a:scrgbClr r="0" g="0" b="0"/>
+      </a:effectRef>
+      <a:fontRef idx="minor">
+        <a:schemeClr val="lt1"/>
+      </a:fontRef>
+    </dgm:style>
+  </dgm:styleLbl>
+  <dgm:styleLbl name="vennNode1">
+    <dgm:scene3d>
+      <a:camera prst="orthographicFront"/>
+      <a:lightRig rig="threePt" dir="t"/>
+    </dgm:scene3d>
+    <dgm:sp3d/>
+    <dgm:txPr/>
+    <dgm:style>
+      <a:lnRef idx="2">
+        <a:scrgbClr r="0" g="0" b="0"/>
+      </a:lnRef>
+      <a:fillRef idx="1">
+        <a:scrgbClr r="0" g="0" b="0"/>
+      </a:fillRef>
+      <a:effectRef idx="0">
+        <a:scrgbClr r="0" g="0" b="0"/>
+      </a:effectRef>
+      <a:fontRef idx="minor">
+        <a:schemeClr val="tx1"/>
+      </a:fontRef>
+    </dgm:style>
+  </dgm:styleLbl>
+  <dgm:styleLbl name="alignNode1">
+    <dgm:scene3d>
+      <a:camera prst="orthographicFront"/>
+      <a:lightRig rig="threePt" dir="t"/>
+    </dgm:scene3d>
+    <dgm:sp3d/>
+    <dgm:txPr/>
+    <dgm:style>
+      <a:lnRef idx="2">
+        <a:scrgbClr r="0" g="0" b="0"/>
+      </a:lnRef>
+      <a:fillRef idx="1">
+        <a:scrgbClr r="0" g="0" b="0"/>
+      </a:fillRef>
+      <a:effectRef idx="0">
+        <a:scrgbClr r="0" g="0" b="0"/>
+      </a:effectRef>
+      <a:fontRef idx="minor">
+        <a:schemeClr val="lt1"/>
+      </a:fontRef>
+    </dgm:style>
+  </dgm:styleLbl>
+  <dgm:styleLbl name="node1">
+    <dgm:scene3d>
+      <a:camera prst="orthographicFront"/>
+      <a:lightRig rig="threePt" dir="t"/>
+    </dgm:scene3d>
+    <dgm:sp3d/>
+    <dgm:txPr/>
+    <dgm:style>
+      <a:lnRef idx="2">
+        <a:scrgbClr r="0" g="0" b="0"/>
+      </a:lnRef>
+      <a:fillRef idx="1">
+        <a:scrgbClr r="0" g="0" b="0"/>
+      </a:fillRef>
+      <a:effectRef idx="0">
+        <a:scrgbClr r="0" g="0" b="0"/>
+      </a:effectRef>
+      <a:fontRef idx="minor">
+        <a:schemeClr val="lt1"/>
+      </a:fontRef>
+    </dgm:style>
+  </dgm:styleLbl>
+  <dgm:styleLbl name="node2">
+    <dgm:scene3d>
+      <a:camera prst="orthographicFront"/>
+      <a:lightRig rig="threePt" dir="t"/>
+    </dgm:scene3d>
+    <dgm:sp3d/>
+    <dgm:txPr/>
+    <dgm:style>
+      <a:lnRef idx="2">
+        <a:scrgbClr r="0" g="0" b="0"/>
+      </a:lnRef>
+      <a:fillRef idx="1">
+        <a:scrgbClr r="0" g="0" b="0"/>
+      </a:fillRef>
+      <a:effectRef idx="0">
+        <a:scrgbClr r="0" g="0" b="0"/>
+      </a:effectRef>
+      <a:fontRef idx="minor">
+        <a:schemeClr val="lt1"/>
+      </a:fontRef>
+    </dgm:style>
+  </dgm:styleLbl>
+  <dgm:styleLbl name="node3">
+    <dgm:scene3d>
+      <a:camera prst="orthographicFront"/>
+      <a:lightRig rig="threePt" dir="t"/>
+    </dgm:scene3d>
+    <dgm:sp3d/>
+    <dgm:txPr/>
+    <dgm:style>
+      <a:lnRef idx="2">
+        <a:scrgbClr r="0" g="0" b="0"/>
+      </a:lnRef>
+      <a:fillRef idx="1">
+        <a:scrgbClr r="0" g="0" b="0"/>
+      </a:fillRef>
+      <a:effectRef idx="0">
+        <a:scrgbClr r="0" g="0" b="0"/>
+      </a:effectRef>
+      <a:fontRef idx="minor">
+        <a:schemeClr val="lt1"/>
+      </a:fontRef>
+    </dgm:style>
+  </dgm:styleLbl>
+  <dgm:styleLbl name="node4">
+    <dgm:scene3d>
+      <a:camera prst="orthographicFront"/>
+      <a:lightRig rig="threePt" dir="t"/>
+    </dgm:scene3d>
+    <dgm:sp3d/>
+    <dgm:txPr/>
+    <dgm:style>
+      <a:lnRef idx="2">
+        <a:scrgbClr r="0" g="0" b="0"/>
+      </a:lnRef>
+      <a:fillRef idx="1">
+        <a:scrgbClr r="0" g="0" b="0"/>
+      </a:fillRef>
+      <a:effectRef idx="0">
+        <a:scrgbClr r="0" g="0" b="0"/>
+      </a:effectRef>
+      <a:fontRef idx="minor">
+        <a:schemeClr val="lt1"/>
+      </a:fontRef>
+    </dgm:style>
+  </dgm:styleLbl>
+  <dgm:styleLbl name="fgImgPlace1">
+    <dgm:scene3d>
+      <a:camera prst="orthographicFront"/>
+      <a:lightRig rig="threePt" dir="t"/>
+    </dgm:scene3d>
+    <dgm:sp3d/>
+    <dgm:txPr/>
+    <dgm:style>
+      <a:lnRef idx="2">
+        <a:scrgbClr r="0" g="0" b="0"/>
+      </a:lnRef>
+      <a:fillRef idx="1">
+        <a:scrgbClr r="0" g="0" b="0"/>
+      </a:fillRef>
+      <a:effectRef idx="0">
+        <a:scrgbClr r="0" g="0" b="0"/>
+      </a:effectRef>
+      <a:fontRef idx="minor"/>
+    </dgm:style>
+  </dgm:styleLbl>
+  <dgm:styleLbl name="alignImgPlace1">
+    <dgm:scene3d>
+      <a:camera prst="orthographicFront"/>
+      <a:lightRig rig="threePt" dir="t"/>
+    </dgm:scene3d>
+    <dgm:sp3d/>
+    <dgm:txPr/>
+    <dgm:style>
+      <a:lnRef idx="2">
+        <a:scrgbClr r="0" g="0" b="0"/>
+      </a:lnRef>
+      <a:fillRef idx="1">
+        <a:scrgbClr r="0" g="0" b="0"/>
+      </a:fillRef>
+      <a:effectRef idx="0">
+        <a:scrgbClr r="0" g="0" b="0"/>
+      </a:effectRef>
+      <a:fontRef idx="minor"/>
+    </dgm:style>
+  </dgm:styleLbl>
+  <dgm:styleLbl name="bgImgPlace1">
+    <dgm:scene3d>
+      <a:camera prst="orthographicFront"/>
+      <a:lightRig rig="threePt" dir="t"/>
+    </dgm:scene3d>
+    <dgm:sp3d/>
+    <dgm:txPr/>
+    <dgm:style>
+      <a:lnRef idx="2">
+        <a:scrgbClr r="0" g="0" b="0"/>
+      </a:lnRef>
+      <a:fillRef idx="1">
+        <a:scrgbClr r="0" g="0" b="0"/>
+      </a:fillRef>
+      <a:effectRef idx="0">
+        <a:scrgbClr r="0" g="0" b="0"/>
+      </a:effectRef>
+      <a:fontRef idx="minor"/>
+    </dgm:style>
+  </dgm:styleLbl>
+  <dgm:styleLbl name="sibTrans2D1">
+    <dgm:scene3d>
+      <a:camera prst="orthographicFront"/>
+      <a:lightRig rig="threePt" dir="t"/>
+    </dgm:scene3d>
+    <dgm:sp3d/>
+    <dgm:txPr/>
+    <dgm:style>
+      <a:lnRef idx="0">
+        <a:scrgbClr r="0" g="0" b="0"/>
+      </a:lnRef>
+      <a:fillRef idx="1">
+        <a:scrgbClr r="0" g="0" b="0"/>
+      </a:fillRef>
+      <a:effectRef idx="0">
+        <a:scrgbClr r="0" g="0" b="0"/>
+      </a:effectRef>
+      <a:fontRef idx="minor">
+        <a:schemeClr val="lt1"/>
+      </a:fontRef>
+    </dgm:style>
+  </dgm:styleLbl>
+  <dgm:styleLbl name="fgSibTrans2D1">
+    <dgm:scene3d>
+      <a:camera prst="orthographicFront"/>
+      <a:lightRig rig="threePt" dir="t"/>
+    </dgm:scene3d>
+    <dgm:sp3d/>
+    <dgm:txPr/>
+    <dgm:style>
+      <a:lnRef idx="0">
+        <a:scrgbClr r="0" g="0" b="0"/>
+      </a:lnRef>
+      <a:fillRef idx="1">
+        <a:scrgbClr r="0" g="0" b="0"/>
+      </a:fillRef>
+      <a:effectRef idx="0">
+        <a:scrgbClr r="0" g="0" b="0"/>
+      </a:effectRef>
+      <a:fontRef idx="minor">
+        <a:schemeClr val="lt1"/>
+      </a:fontRef>
+    </dgm:style>
+  </dgm:styleLbl>
+  <dgm:styleLbl name="bgSibTrans2D1">
+    <dgm:scene3d>
+      <a:camera prst="orthographicFront"/>
+      <a:lightRig rig="threePt" dir="t"/>
+    </dgm:scene3d>
+    <dgm:sp3d/>
+    <dgm:txPr/>
+    <dgm:style>
+      <a:lnRef idx="0">
+        <a:scrgbClr r="0" g="0" b="0"/>
+      </a:lnRef>
+      <a:fillRef idx="1">
+        <a:scrgbClr r="0" g="0" b="0"/>
+      </a:fillRef>
+      <a:effectRef idx="0">
+        <a:scrgbClr r="0" g="0" b="0"/>
+      </a:effectRef>
+      <a:fontRef idx="minor">
+        <a:schemeClr val="lt1"/>
+      </a:fontRef>
+    </dgm:style>
+  </dgm:styleLbl>
+  <dgm:styleLbl name="sibTrans1D1">
+    <dgm:scene3d>
+      <a:camera prst="orthographicFront"/>
+      <a:lightRig rig="threePt" dir="t"/>
+    </dgm:scene3d>
+    <dgm:sp3d/>
+    <dgm:txPr/>
+    <dgm:style>
+      <a:lnRef idx="1">
+        <a:scrgbClr r="0" g="0" b="0"/>
+      </a:lnRef>
+      <a:fillRef idx="0">
+        <a:scrgbClr r="0" g="0" b="0"/>
+      </a:fillRef>
+      <a:effectRef idx="0">
+        <a:scrgbClr r="0" g="0" b="0"/>
+      </a:effectRef>
+      <a:fontRef idx="minor"/>
+    </dgm:style>
+  </dgm:styleLbl>
+  <dgm:styleLbl name="callout">
+    <dgm:scene3d>
+      <a:camera prst="orthographicFront"/>
+      <a:lightRig rig="threePt" dir="t"/>
+    </dgm:scene3d>
+    <dgm:sp3d/>
+    <dgm:txPr/>
+    <dgm:style>
+      <a:lnRef idx="2">
+        <a:scrgbClr r="0" g="0" b="0"/>
+      </a:lnRef>
+      <a:fillRef idx="1">
+        <a:scrgbClr r="0" g="0" b="0"/>
+      </a:fillRef>
+      <a:effectRef idx="0">
+        <a:scrgbClr r="0" g="0" b="0"/>
+      </a:effectRef>
+      <a:fontRef idx="minor"/>
+    </dgm:style>
+  </dgm:styleLbl>
+  <dgm:styleLbl name="asst0">
+    <dgm:scene3d>
+      <a:camera prst="orthographicFront"/>
+      <a:lightRig rig="threePt" dir="t"/>
+    </dgm:scene3d>
+    <dgm:sp3d/>
+    <dgm:txPr/>
+    <dgm:style>
+      <a:lnRef idx="2">
+        <a:scrgbClr r="0" g="0" b="0"/>
+      </a:lnRef>
+      <a:fillRef idx="1">
+        <a:scrgbClr r="0" g="0" b="0"/>
+      </a:fillRef>
+      <a:effectRef idx="0">
+        <a:scrgbClr r="0" g="0" b="0"/>
+      </a:effectRef>
+      <a:fontRef idx="minor">
+        <a:schemeClr val="lt1"/>
+      </a:fontRef>
+    </dgm:style>
+  </dgm:styleLbl>
+  <dgm:styleLbl name="asst1">
+    <dgm:scene3d>
+      <a:camera prst="orthographicFront"/>
+      <a:lightRig rig="threePt" dir="t"/>
+    </dgm:scene3d>
+    <dgm:sp3d/>
+    <dgm:txPr/>
+    <dgm:style>
+      <a:lnRef idx="2">
+        <a:scrgbClr r="0" g="0" b="0"/>
+      </a:lnRef>
+      <a:fillRef idx="1">
+        <a:scrgbClr r="0" g="0" b="0"/>
+      </a:fillRef>
+      <a:effectRef idx="0">
+        <a:scrgbClr r="0" g="0" b="0"/>
+      </a:effectRef>
+      <a:fontRef idx="minor">
+        <a:schemeClr val="lt1"/>
+      </a:fontRef>
+    </dgm:style>
+  </dgm:styleLbl>
+  <dgm:styleLbl name="asst2">
+    <dgm:scene3d>
+      <a:camera prst="orthographicFront"/>
+      <a:lightRig rig="threePt" dir="t"/>
+    </dgm:scene3d>
+    <dgm:sp3d/>
+    <dgm:txPr/>
+    <dgm:style>
+      <a:lnRef idx="2">
+        <a:scrgbClr r="0" g="0" b="0"/>
+      </a:lnRef>
+      <a:fillRef idx="1">
+        <a:scrgbClr r="0" g="0" b="0"/>
+      </a:fillRef>
+      <a:effectRef idx="0">
+        <a:scrgbClr r="0" g="0" b="0"/>
+      </a:effectRef>
+      <a:fontRef idx="minor">
+        <a:schemeClr val="lt1"/>
+      </a:fontRef>
+    </dgm:style>
+  </dgm:styleLbl>
+  <dgm:styleLbl name="asst3">
+    <dgm:scene3d>
+      <a:camera prst="orthographicFront"/>
+      <a:lightRig rig="threePt" dir="t"/>
+    </dgm:scene3d>
+    <dgm:sp3d/>
+    <dgm:txPr/>
+    <dgm:style>
+      <a:lnRef idx="2">
+        <a:scrgbClr r="0" g="0" b="0"/>
+      </a:lnRef>
+      <a:fillRef idx="1">
+        <a:scrgbClr r="0" g="0" b="0"/>
+      </a:fillRef>
+      <a:effectRef idx="0">
+        <a:scrgbClr r="0" g="0" b="0"/>
+      </a:effectRef>
+      <a:fontRef idx="minor">
+        <a:schemeClr val="lt1"/>
+      </a:fontRef>
+    </dgm:style>
+  </dgm:styleLbl>
+  <dgm:styleLbl name="asst4">
+    <dgm:scene3d>
+      <a:camera prst="orthographicFront"/>
+      <a:lightRig rig="threePt" dir="t"/>
+    </dgm:scene3d>
+    <dgm:sp3d/>
+    <dgm:txPr/>
+    <dgm:style>
+      <a:lnRef idx="2">
+        <a:scrgbClr r="0" g="0" b="0"/>
+      </a:lnRef>
+      <a:fillRef idx="1">
+        <a:scrgbClr r="0" g="0" b="0"/>
+      </a:fillRef>
+      <a:effectRef idx="0">
+        <a:scrgbClr r="0" g="0" b="0"/>
+      </a:effectRef>
+      <a:fontRef idx="minor">
+        <a:schemeClr val="lt1"/>
+      </a:fontRef>
+    </dgm:style>
+  </dgm:styleLbl>
+  <dgm:styleLbl name="parChTrans2D1">
+    <dgm:scene3d>
+      <a:camera prst="orthographicFront"/>
+      <a:lightRig rig="threePt" dir="t"/>
+    </dgm:scene3d>
+    <dgm:sp3d/>
+    <dgm:txPr/>
+    <dgm:style>
+      <a:lnRef idx="2">
+        <a:scrgbClr r="0" g="0" b="0"/>
+      </a:lnRef>
+      <a:fillRef idx="1">
+        <a:scrgbClr r="0" g="0" b="0"/>
+      </a:fillRef>
+      <a:effectRef idx="0">
+        <a:scrgbClr r="0" g="0" b="0"/>
+      </a:effectRef>
+      <a:fontRef idx="minor">
+        <a:schemeClr val="lt1"/>
+      </a:fontRef>
+    </dgm:style>
+  </dgm:styleLbl>
+  <dgm:styleLbl name="parChTrans2D2">
+    <dgm:scene3d>
+      <a:camera prst="orthographicFront"/>
+      <a:lightRig rig="threePt" dir="t"/>
+    </dgm:scene3d>
+    <dgm:sp3d/>
+    <dgm:txPr/>
+    <dgm:style>
+      <a:lnRef idx="2">
+        <a:scrgbClr r="0" g="0" b="0"/>
+      </a:lnRef>
+      <a:fillRef idx="1">
+        <a:scrgbClr r="0" g="0" b="0"/>
+      </a:fillRef>
+      <a:effectRef idx="0">
+        <a:scrgbClr r="0" g="0" b="0"/>
+      </a:effectRef>
+      <a:fontRef idx="minor">
+        <a:schemeClr val="lt1"/>
+      </a:fontRef>
+    </dgm:style>
+  </dgm:styleLbl>
+  <dgm:styleLbl name="parChTrans2D3">
+    <dgm:scene3d>
+      <a:camera prst="orthographicFront"/>
+      <a:lightRig rig="threePt" dir="t"/>
+    </dgm:scene3d>
+    <dgm:sp3d/>
+    <dgm:txPr/>
+    <dgm:style>
+      <a:lnRef idx="2">
+        <a:scrgbClr r="0" g="0" b="0"/>
+      </a:lnRef>
+      <a:fillRef idx="1">
+        <a:scrgbClr r="0" g="0" b="0"/>
+      </a:fillRef>
+      <a:effectRef idx="0">
+        <a:scrgbClr r="0" g="0" b="0"/>
+      </a:effectRef>
+      <a:fontRef idx="minor">
+        <a:schemeClr val="lt1"/>
+      </a:fontRef>
+    </dgm:style>
+  </dgm:styleLbl>
+  <dgm:styleLbl name="parChTrans2D4">
+    <dgm:scene3d>
+      <a:camera prst="orthographicFront"/>
+      <a:lightRig rig="threePt" dir="t"/>
+    </dgm:scene3d>
+    <dgm:sp3d/>
+    <dgm:txPr/>
+    <dgm:style>
+      <a:lnRef idx="2">
+        <a:scrgbClr r="0" g="0" b="0"/>
+      </a:lnRef>
+      <a:fillRef idx="1">
+        <a:scrgbClr r="0" g="0" b="0"/>
+      </a:fillRef>
+      <a:effectRef idx="0">
+        <a:scrgbClr r="0" g="0" b="0"/>
+      </a:effectRef>
+      <a:fontRef idx="minor">
+        <a:schemeClr val="lt1"/>
+      </a:fontRef>
+    </dgm:style>
+  </dgm:styleLbl>
+  <dgm:styleLbl name="parChTrans1D1">
+    <dgm:scene3d>
+      <a:camera prst="orthographicFront"/>
+      <a:lightRig rig="threePt" dir="t"/>
+    </dgm:scene3d>
+    <dgm:sp3d/>
+    <dgm:txPr/>
+    <dgm:style>
+      <a:lnRef idx="2">
+        <a:scrgbClr r="0" g="0" b="0"/>
+      </a:lnRef>
+      <a:fillRef idx="0">
+        <a:scrgbClr r="0" g="0" b="0"/>
+      </a:fillRef>
+      <a:effectRef idx="0">
+        <a:scrgbClr r="0" g="0" b="0"/>
+      </a:effectRef>
+      <a:fontRef idx="minor"/>
+    </dgm:style>
+  </dgm:styleLbl>
+  <dgm:styleLbl name="parChTrans1D2">
+    <dgm:scene3d>
+      <a:camera prst="orthographicFront"/>
+      <a:lightRig rig="threePt" dir="t"/>
+    </dgm:scene3d>
+    <dgm:sp3d/>
+    <dgm:txPr/>
+    <dgm:style>
+      <a:lnRef idx="2">
+        <a:scrgbClr r="0" g="0" b="0"/>
+      </a:lnRef>
+      <a:fillRef idx="0">
+        <a:scrgbClr r="0" g="0" b="0"/>
+      </a:fillRef>
+      <a:effectRef idx="0">
+        <a:scrgbClr r="0" g="0" b="0"/>
+      </a:effectRef>
+      <a:fontRef idx="minor"/>
+    </dgm:style>
+  </dgm:styleLbl>
+  <dgm:styleLbl name="parChTrans1D3">
+    <dgm:scene3d>
+      <a:camera prst="orthographicFront"/>
+      <a:lightRig rig="threePt" dir="t"/>
+    </dgm:scene3d>
+    <dgm:sp3d/>
+    <dgm:txPr/>
+    <dgm:style>
+      <a:lnRef idx="2">
+        <a:scrgbClr r="0" g="0" b="0"/>
+      </a:lnRef>
+      <a:fillRef idx="0">
+        <a:scrgbClr r="0" g="0" b="0"/>
+      </a:fillRef>
+      <a:effectRef idx="0">
+        <a:scrgbClr r="0" g="0" b="0"/>
+      </a:effectRef>
+      <a:fontRef idx="minor"/>
+    </dgm:style>
+  </dgm:styleLbl>
+  <dgm:styleLbl name="parChTrans1D4">
+    <dgm:scene3d>
+      <a:camera prst="orthographicFront"/>
+      <a:lightRig rig="threePt" dir="t"/>
+    </dgm:scene3d>
+    <dgm:sp3d/>
+    <dgm:txPr/>
+    <dgm:style>
+      <a:lnRef idx="2">
+        <a:scrgbClr r="0" g="0" b="0"/>
+      </a:lnRef>
+      <a:fillRef idx="0">
+        <a:scrgbClr r="0" g="0" b="0"/>
+      </a:fillRef>
+      <a:effectRef idx="0">
+        <a:scrgbClr r="0" g="0" b="0"/>
+      </a:effectRef>
+      <a:fontRef idx="minor"/>
+    </dgm:style>
+  </dgm:styleLbl>
+  <dgm:styleLbl name="fgAcc1">
+    <dgm:scene3d>
+      <a:camera prst="orthographicFront"/>
+      <a:lightRig rig="threePt" dir="t"/>
+    </dgm:scene3d>
+    <dgm:sp3d/>
+    <dgm:txPr/>
+    <dgm:style>
+      <a:lnRef idx="2">
+        <a:scrgbClr r="0" g="0" b="0"/>
+      </a:lnRef>
+      <a:fillRef idx="1">
+        <a:scrgbClr r="0" g="0" b="0"/>
+      </a:fillRef>
+      <a:effectRef idx="0">
+        <a:scrgbClr r="0" g="0" b="0"/>
+      </a:effectRef>
+      <a:fontRef idx="minor"/>
+    </dgm:style>
+  </dgm:styleLbl>
+  <dgm:styleLbl name="conFgAcc1">
+    <dgm:scene3d>
+      <a:camera prst="orthographicFront"/>
+      <a:lightRig rig="threePt" dir="t"/>
+    </dgm:scene3d>
+    <dgm:sp3d/>
+    <dgm:txPr/>
+    <dgm:style>
+      <a:lnRef idx="2">
+        <a:scrgbClr r="0" g="0" b="0"/>
+      </a:lnRef>
+      <a:fillRef idx="1">
+        <a:scrgbClr r="0" g="0" b="0"/>
+      </a:fillRef>
+      <a:effectRef idx="0">
+        <a:scrgbClr r="0" g="0" b="0"/>
+      </a:effectRef>
+      <a:fontRef idx="minor"/>
+    </dgm:style>
+  </dgm:styleLbl>
+  <dgm:styleLbl name="alignAcc1">
+    <dgm:scene3d>
+      <a:camera prst="orthographicFront"/>
+      <a:lightRig rig="threePt" dir="t"/>
+    </dgm:scene3d>
+    <dgm:sp3d/>
+    <dgm:txPr/>
+    <dgm:style>
+      <a:lnRef idx="2">
+        <a:scrgbClr r="0" g="0" b="0"/>
+      </a:lnRef>
+      <a:fillRef idx="1">
+        <a:scrgbClr r="0" g="0" b="0"/>
+      </a:fillRef>
+      <a:effectRef idx="0">
+        <a:scrgbClr r="0" g="0" b="0"/>
+      </a:effectRef>
+      <a:fontRef idx="minor"/>
+    </dgm:style>
+  </dgm:styleLbl>
+  <dgm:styleLbl name="trAlignAcc1">
+    <dgm:scene3d>
+      <a:camera prst="orthographicFront"/>
+      <a:lightRig rig="threePt" dir="t"/>
+    </dgm:scene3d>
+    <dgm:sp3d/>
+    <dgm:txPr/>
+    <dgm:style>
+      <a:lnRef idx="1">
+        <a:scrgbClr r="0" g="0" b="0"/>
+      </a:lnRef>
+      <a:fillRef idx="1">
+        <a:scrgbClr r="0" g="0" b="0"/>
+      </a:fillRef>
+      <a:effectRef idx="0">
+        <a:scrgbClr r="0" g="0" b="0"/>
+      </a:effectRef>
+      <a:fontRef idx="minor"/>
+    </dgm:style>
+  </dgm:styleLbl>
+  <dgm:styleLbl name="bgAcc1">
+    <dgm:scene3d>
+      <a:camera prst="orthographicFront"/>
+      <a:lightRig rig="threePt" dir="t"/>
+    </dgm:scene3d>
+    <dgm:sp3d/>
+    <dgm:txPr/>
+    <dgm:style>
+      <a:lnRef idx="2">
+        <a:scrgbClr r="0" g="0" b="0"/>
+      </a:lnRef>
+      <a:fillRef idx="1">
+        <a:scrgbClr r="0" g="0" b="0"/>
+      </a:fillRef>
+      <a:effectRef idx="0">
+        <a:scrgbClr r="0" g="0" b="0"/>
+      </a:effectRef>
+      <a:fontRef idx="minor"/>
+    </dgm:style>
+  </dgm:styleLbl>
+  <dgm:styleLbl name="solidFgAcc1">
+    <dgm:scene3d>
+      <a:camera prst="orthographicFront"/>
+      <a:lightRig rig="threePt" dir="t"/>
+    </dgm:scene3d>
+    <dgm:sp3d/>
+    <dgm:txPr/>
+    <dgm:style>
+      <a:lnRef idx="2">
+        <a:scrgbClr r="0" g="0" b="0"/>
+      </a:lnRef>
+      <a:fillRef idx="1">
+        <a:scrgbClr r="0" g="0" b="0"/>
+      </a:fillRef>
+      <a:effectRef idx="0">
+        <a:scrgbClr r="0" g="0" b="0"/>
+      </a:effectRef>
+      <a:fontRef idx="minor"/>
+    </dgm:style>
+  </dgm:styleLbl>
+  <dgm:styleLbl name="solidAlignAcc1">
+    <dgm:scene3d>
+      <a:camera prst="orthographicFront"/>
+      <a:lightRig rig="threePt" dir="t"/>
+    </dgm:scene3d>
+    <dgm:sp3d/>
+    <dgm:txPr/>
+    <dgm:style>
+      <a:lnRef idx="2">
+        <a:scrgbClr r="0" g="0" b="0"/>
+      </a:lnRef>
+      <a:fillRef idx="1">
+        <a:scrgbClr r="0" g="0" b="0"/>
+      </a:fillRef>
+      <a:effectRef idx="0">
+        <a:scrgbClr r="0" g="0" b="0"/>
+      </a:effectRef>
+      <a:fontRef idx="minor"/>
+    </dgm:style>
+  </dgm:styleLbl>
+  <dgm:styleLbl name="solidBgAcc1">
+    <dgm:scene3d>
+      <a:camera prst="orthographicFront"/>
+      <a:lightRig rig="threePt" dir="t"/>
+    </dgm:scene3d>
+    <dgm:sp3d/>
+    <dgm:txPr/>
+    <dgm:style>
+      <a:lnRef idx="2">
+        <a:scrgbClr r="0" g="0" b="0"/>
+      </a:lnRef>
+      <a:fillRef idx="1">
+        <a:scrgbClr r="0" g="0" b="0"/>
+      </a:fillRef>
+      <a:effectRef idx="0">
+        <a:scrgbClr r="0" g="0" b="0"/>
+      </a:effectRef>
+      <a:fontRef idx="minor"/>
+    </dgm:style>
+  </dgm:styleLbl>
+  <dgm:styleLbl name="fgAccFollowNode1">
+    <dgm:scene3d>
+      <a:camera prst="orthographicFront"/>
+      <a:lightRig rig="threePt" dir="t"/>
+    </dgm:scene3d>
+    <dgm:sp3d/>
+    <dgm:txPr/>
+    <dgm:style>
+      <a:lnRef idx="2">
+        <a:scrgbClr r="0" g="0" b="0"/>
+      </a:lnRef>
+      <a:fillRef idx="1">
+        <a:scrgbClr r="0" g="0" b="0"/>
+      </a:fillRef>
+      <a:effectRef idx="0">
+        <a:scrgbClr r="0" g="0" b="0"/>
+      </a:effectRef>
+      <a:fontRef idx="minor"/>
+    </dgm:style>
+  </dgm:styleLbl>
+  <dgm:styleLbl name="alignAccFollowNode1">
+    <dgm:scene3d>
+      <a:camera prst="orthographicFront"/>
+      <a:lightRig rig="threePt" dir="t"/>
+    </dgm:scene3d>
+    <dgm:sp3d/>
+    <dgm:txPr/>
+    <dgm:style>
+      <a:lnRef idx="2">
+        <a:scrgbClr r="0" g="0" b="0"/>
+      </a:lnRef>
+      <a:fillRef idx="1">
+        <a:scrgbClr r="0" g="0" b="0"/>
+      </a:fillRef>
+      <a:effectRef idx="0">
+        <a:scrgbClr r="0" g="0" b="0"/>
+      </a:effectRef>
+      <a:fontRef idx="minor"/>
+    </dgm:style>
+  </dgm:styleLbl>
+  <dgm:styleLbl name="bgAccFollowNode1">
+    <dgm:scene3d>
+      <a:camera prst="orthographicFront"/>
+      <a:lightRig rig="threePt" dir="t"/>
+    </dgm:scene3d>
+    <dgm:sp3d/>
+    <dgm:txPr/>
+    <dgm:style>
+      <a:lnRef idx="2">
+        <a:scrgbClr r="0" g="0" b="0"/>
+      </a:lnRef>
+      <a:fillRef idx="1">
+        <a:scrgbClr r="0" g="0" b="0"/>
+      </a:fillRef>
+      <a:effectRef idx="0">
+        <a:scrgbClr r="0" g="0" b="0"/>
+      </a:effectRef>
+      <a:fontRef idx="minor"/>
+    </dgm:style>
+  </dgm:styleLbl>
+  <dgm:styleLbl name="fgAcc0">
+    <dgm:scene3d>
+      <a:camera prst="orthographicFront"/>
+      <a:lightRig rig="threePt" dir="t"/>
+    </dgm:scene3d>
+    <dgm:sp3d/>
+    <dgm:txPr/>
+    <dgm:style>
+      <a:lnRef idx="2">
+        <a:scrgbClr r="0" g="0" b="0"/>
+      </a:lnRef>
+      <a:fillRef idx="1">
+        <a:scrgbClr r="0" g="0" b="0"/>
+      </a:fillRef>
+      <a:effectRef idx="0">
+        <a:scrgbClr r="0" g="0" b="0"/>
+      </a:effectRef>
+      <a:fontRef idx="minor"/>
+    </dgm:style>
+  </dgm:styleLbl>
+  <dgm:styleLbl name="fgAcc2">
+    <dgm:scene3d>
+      <a:camera prst="orthographicFront"/>
+      <a:lightRig rig="threePt" dir="t"/>
+    </dgm:scene3d>
+    <dgm:sp3d/>
+    <dgm:txPr/>
+    <dgm:style>
+      <a:lnRef idx="2">
+        <a:scrgbClr r="0" g="0" b="0"/>
+      </a:lnRef>
+      <a:fillRef idx="1">
+        <a:scrgbClr r="0" g="0" b="0"/>
+      </a:fillRef>
+      <a:effectRef idx="0">
+        <a:scrgbClr r="0" g="0" b="0"/>
+      </a:effectRef>
+      <a:fontRef idx="minor"/>
+    </dgm:style>
+  </dgm:styleLbl>
+  <dgm:styleLbl name="fgAcc3">
+    <dgm:scene3d>
+      <a:camera prst="orthographicFront"/>
+      <a:lightRig rig="threePt" dir="t"/>
+    </dgm:scene3d>
+    <dgm:sp3d/>
+    <dgm:txPr/>
+    <dgm:style>
+      <a:lnRef idx="2">
+        <a:scrgbClr r="0" g="0" b="0"/>
+      </a:lnRef>
+      <a:fillRef idx="1">
+        <a:scrgbClr r="0" g="0" b="0"/>
+      </a:fillRef>
+      <a:effectRef idx="0">
+        <a:scrgbClr r="0" g="0" b="0"/>
+      </a:effectRef>
+      <a:fontRef idx="minor"/>
+    </dgm:style>
+  </dgm:styleLbl>
+  <dgm:styleLbl name="fgAcc4">
+    <dgm:scene3d>
+      <a:camera prst="orthographicFront"/>
+      <a:lightRig rig="threePt" dir="t"/>
+    </dgm:scene3d>
+    <dgm:sp3d/>
+    <dgm:txPr/>
+    <dgm:style>
+      <a:lnRef idx="2">
+        <a:scrgbClr r="0" g="0" b="0"/>
+      </a:lnRef>
+      <a:fillRef idx="1">
+        <a:scrgbClr r="0" g="0" b="0"/>
+      </a:fillRef>
+      <a:effectRef idx="0">
+        <a:scrgbClr r="0" g="0" b="0"/>
+      </a:effectRef>
+      <a:fontRef idx="minor"/>
+    </dgm:style>
+  </dgm:styleLbl>
+  <dgm:styleLbl name="bgShp">
+    <dgm:scene3d>
+      <a:camera prst="orthographicFront"/>
+      <a:lightRig rig="threePt" dir="t"/>
+    </dgm:scene3d>
+    <dgm:sp3d/>
+    <dgm:txPr/>
+    <dgm:style>
+      <a:lnRef idx="0">
+        <a:scrgbClr r="0" g="0" b="0"/>
+      </a:lnRef>
+      <a:fillRef idx="1">
+        <a:scrgbClr r="0" g="0" b="0"/>
+      </a:fillRef>
+      <a:effectRef idx="0">
+        <a:scrgbClr r="0" g="0" b="0"/>
+      </a:effectRef>
+      <a:fontRef idx="minor"/>
+    </dgm:style>
+  </dgm:styleLbl>
+  <dgm:styleLbl name="dkBgShp">
+    <dgm:scene3d>
+      <a:camera prst="orthographicFront"/>
+      <a:lightRig rig="threePt" dir="t"/>
+    </dgm:scene3d>
+    <dgm:sp3d/>
+    <dgm:txPr/>
+    <dgm:style>
+      <a:lnRef idx="0">
+        <a:scrgbClr r="0" g="0" b="0"/>
+      </a:lnRef>
+      <a:fillRef idx="1">
+        <a:scrgbClr r="0" g="0" b="0"/>
+      </a:fillRef>
+      <a:effectRef idx="0">
+        <a:scrgbClr r="0" g="0" b="0"/>
+      </a:effectRef>
+      <a:fontRef idx="minor"/>
+    </dgm:style>
+  </dgm:styleLbl>
+  <dgm:styleLbl name="trBgShp">
+    <dgm:scene3d>
+      <a:camera prst="orthographicFront"/>
+      <a:lightRig rig="threePt" dir="t"/>
+    </dgm:scene3d>
+    <dgm:sp3d/>
+    <dgm:txPr/>
+    <dgm:style>
+      <a:lnRef idx="0">
+        <a:scrgbClr r="0" g="0" b="0"/>
+      </a:lnRef>
+      <a:fillRef idx="1">
+        <a:scrgbClr r="0" g="0" b="0"/>
+      </a:fillRef>
+      <a:effectRef idx="0">
+        <a:scrgbClr r="0" g="0" b="0"/>
+      </a:effectRef>
+      <a:fontRef idx="minor"/>
+    </dgm:style>
+  </dgm:styleLbl>
+  <dgm:styleLbl name="fgShp">
+    <dgm:scene3d>
+      <a:camera prst="orthographicFront"/>
+      <a:lightRig rig="threePt" dir="t"/>
+    </dgm:scene3d>
+    <dgm:sp3d/>
+    <dgm:txPr/>
+    <dgm:style>
+      <a:lnRef idx="2">
+        <a:scrgbClr r="0" g="0" b="0"/>
+      </a:lnRef>
+      <a:fillRef idx="1">
+        <a:scrgbClr r="0" g="0" b="0"/>
+      </a:fillRef>
+      <a:effectRef idx="0">
+        <a:scrgbClr r="0" g="0" b="0"/>
+      </a:effectRef>
+      <a:fontRef idx="minor"/>
+    </dgm:style>
+  </dgm:styleLbl>
+  <dgm:styleLbl name="revTx">
+    <dgm:scene3d>
+      <a:camera prst="orthographicFront"/>
+      <a:lightRig rig="threePt" dir="t"/>
+    </dgm:scene3d>
+    <dgm:sp3d/>
+    <dgm:txPr/>
+    <dgm:style>
+      <a:lnRef idx="0">
+        <a:scrgbClr r="0" g="0" b="0"/>
+      </a:lnRef>
+      <a:fillRef idx="0">
+        <a:scrgbClr r="0" g="0" b="0"/>
+      </a:fillRef>
+      <a:effectRef idx="0">
+        <a:scrgbClr r="0" g="0" b="0"/>
+      </a:effectRef>
+      <a:fontRef idx="minor"/>
+    </dgm:style>
+  </dgm:styleLbl>
+</dgm:styleDef>
 </file>
 
 <file path=ppt/slideLayouts/slideLayout1.xml><?xml version="1.0" encoding="utf-8"?>
@@ -186,7 +3050,7 @@
           </a:lstStyle>
           <a:p>
             <a:r>
-              <a:rPr lang="en-US" dirty="0"/>
+              <a:rPr lang="en-US"/>
               <a:t>Click to edit Master title style</a:t>
             </a:r>
           </a:p>
@@ -250,7 +3114,7 @@
           </a:lstStyle>
           <a:p>
             <a:r>
-              <a:rPr lang="en-US" dirty="0"/>
+              <a:rPr lang="en-US"/>
               <a:t>Click to edit Master subtitle style</a:t>
             </a:r>
           </a:p>
@@ -273,9 +3137,9 @@
           <a:p>
             <a:fld id="{C764DE79-268F-4C1A-8933-263129D2AF90}" type="datetimeFigureOut">
               <a:rPr lang="en-US" dirty="0"/>
-              <a:t>5/16/2020</a:t>
+              <a:t>5/18/2020</a:t>
             </a:fld>
-            <a:endParaRPr lang="en-US" dirty="0"/>
+            <a:endParaRPr lang="en-US"/>
           </a:p>
         </p:txBody>
       </p:sp>
@@ -294,7 +3158,7 @@
           <a:bodyPr/>
           <a:lstStyle/>
           <a:p>
-            <a:endParaRPr lang="en-US" dirty="0"/>
+            <a:endParaRPr lang="en-US"/>
           </a:p>
         </p:txBody>
       </p:sp>
@@ -317,7 +3181,7 @@
               <a:rPr lang="en-US" dirty="0"/>
               <a:t>‹#›</a:t>
             </a:fld>
-            <a:endParaRPr lang="en-US" dirty="0"/>
+            <a:endParaRPr lang="en-US"/>
           </a:p>
         </p:txBody>
       </p:sp>
@@ -367,7 +3231,7 @@
           <a:lstStyle/>
           <a:p>
             <a:r>
-              <a:rPr lang="en-US" dirty="0"/>
+              <a:rPr lang="en-US"/>
               <a:t>Click to edit Master title style</a:t>
             </a:r>
           </a:p>
@@ -390,35 +3254,35 @@
           <a:p>
             <a:pPr lvl="0"/>
             <a:r>
-              <a:rPr lang="en-US" dirty="0"/>
+              <a:rPr lang="en-US"/>
               <a:t>Click to edit Master text styles</a:t>
             </a:r>
           </a:p>
           <a:p>
             <a:pPr lvl="1"/>
             <a:r>
-              <a:rPr lang="en-US" dirty="0"/>
+              <a:rPr lang="en-US"/>
               <a:t>Second level</a:t>
             </a:r>
           </a:p>
           <a:p>
             <a:pPr lvl="2"/>
             <a:r>
-              <a:rPr lang="en-US" dirty="0"/>
+              <a:rPr lang="en-US"/>
               <a:t>Third level</a:t>
             </a:r>
           </a:p>
           <a:p>
             <a:pPr lvl="3"/>
             <a:r>
-              <a:rPr lang="en-US" dirty="0"/>
+              <a:rPr lang="en-US"/>
               <a:t>Fourth level</a:t>
             </a:r>
           </a:p>
           <a:p>
             <a:pPr lvl="4"/>
             <a:r>
-              <a:rPr lang="en-US" dirty="0"/>
+              <a:rPr lang="en-US"/>
               <a:t>Fifth level</a:t>
             </a:r>
           </a:p>
@@ -441,9 +3305,9 @@
           <a:p>
             <a:fld id="{C764DE79-268F-4C1A-8933-263129D2AF90}" type="datetimeFigureOut">
               <a:rPr lang="en-US" dirty="0"/>
-              <a:t>5/16/2020</a:t>
+              <a:t>5/18/2020</a:t>
             </a:fld>
-            <a:endParaRPr lang="en-US" dirty="0"/>
+            <a:endParaRPr lang="en-US"/>
           </a:p>
         </p:txBody>
       </p:sp>
@@ -462,7 +3326,7 @@
           <a:bodyPr/>
           <a:lstStyle/>
           <a:p>
-            <a:endParaRPr lang="en-US" dirty="0"/>
+            <a:endParaRPr lang="en-US"/>
           </a:p>
         </p:txBody>
       </p:sp>
@@ -485,7 +3349,7 @@
               <a:rPr lang="en-US" dirty="0"/>
               <a:t>‹#›</a:t>
             </a:fld>
-            <a:endParaRPr lang="en-US" dirty="0"/>
+            <a:endParaRPr lang="en-US"/>
           </a:p>
         </p:txBody>
       </p:sp>
@@ -540,7 +3404,7 @@
           <a:lstStyle/>
           <a:p>
             <a:r>
-              <a:rPr lang="en-US" dirty="0"/>
+              <a:rPr lang="en-US"/>
               <a:t>Click to edit Master title style</a:t>
             </a:r>
           </a:p>
@@ -568,35 +3432,35 @@
           <a:p>
             <a:pPr lvl="0"/>
             <a:r>
-              <a:rPr lang="en-US" dirty="0"/>
+              <a:rPr lang="en-US"/>
               <a:t>Click to edit Master text styles</a:t>
             </a:r>
           </a:p>
           <a:p>
             <a:pPr lvl="1"/>
             <a:r>
-              <a:rPr lang="en-US" dirty="0"/>
+              <a:rPr lang="en-US"/>
               <a:t>Second level</a:t>
             </a:r>
           </a:p>
           <a:p>
             <a:pPr lvl="2"/>
             <a:r>
-              <a:rPr lang="en-US" dirty="0"/>
+              <a:rPr lang="en-US"/>
               <a:t>Third level</a:t>
             </a:r>
           </a:p>
           <a:p>
             <a:pPr lvl="3"/>
             <a:r>
-              <a:rPr lang="en-US" dirty="0"/>
+              <a:rPr lang="en-US"/>
               <a:t>Fourth level</a:t>
             </a:r>
           </a:p>
           <a:p>
             <a:pPr lvl="4"/>
             <a:r>
-              <a:rPr lang="en-US" dirty="0"/>
+              <a:rPr lang="en-US"/>
               <a:t>Fifth level</a:t>
             </a:r>
           </a:p>
@@ -619,9 +3483,9 @@
           <a:p>
             <a:fld id="{C764DE79-268F-4C1A-8933-263129D2AF90}" type="datetimeFigureOut">
               <a:rPr lang="en-US" dirty="0"/>
-              <a:t>5/16/2020</a:t>
+              <a:t>5/18/2020</a:t>
             </a:fld>
-            <a:endParaRPr lang="en-US" dirty="0"/>
+            <a:endParaRPr lang="en-US"/>
           </a:p>
         </p:txBody>
       </p:sp>
@@ -640,7 +3504,7 @@
           <a:bodyPr/>
           <a:lstStyle/>
           <a:p>
-            <a:endParaRPr lang="en-US" dirty="0"/>
+            <a:endParaRPr lang="en-US"/>
           </a:p>
         </p:txBody>
       </p:sp>
@@ -663,7 +3527,7 @@
               <a:rPr lang="en-US" dirty="0"/>
               <a:t>‹#›</a:t>
             </a:fld>
-            <a:endParaRPr lang="en-US" dirty="0"/>
+            <a:endParaRPr lang="en-US"/>
           </a:p>
         </p:txBody>
       </p:sp>
@@ -713,7 +3577,7 @@
           <a:lstStyle/>
           <a:p>
             <a:r>
-              <a:rPr lang="en-US" dirty="0"/>
+              <a:rPr lang="en-US"/>
               <a:t>Click to edit Master title style</a:t>
             </a:r>
           </a:p>
@@ -736,35 +3600,35 @@
           <a:p>
             <a:pPr lvl="0"/>
             <a:r>
-              <a:rPr lang="en-US" dirty="0"/>
+              <a:rPr lang="en-US"/>
               <a:t>Click to edit Master text styles</a:t>
             </a:r>
           </a:p>
           <a:p>
             <a:pPr lvl="1"/>
             <a:r>
-              <a:rPr lang="en-US" dirty="0"/>
+              <a:rPr lang="en-US"/>
               <a:t>Second level</a:t>
             </a:r>
           </a:p>
           <a:p>
             <a:pPr lvl="2"/>
             <a:r>
-              <a:rPr lang="en-US" dirty="0"/>
+              <a:rPr lang="en-US"/>
               <a:t>Third level</a:t>
             </a:r>
           </a:p>
           <a:p>
             <a:pPr lvl="3"/>
             <a:r>
-              <a:rPr lang="en-US" dirty="0"/>
+              <a:rPr lang="en-US"/>
               <a:t>Fourth level</a:t>
             </a:r>
           </a:p>
           <a:p>
             <a:pPr lvl="4"/>
             <a:r>
-              <a:rPr lang="en-US" dirty="0"/>
+              <a:rPr lang="en-US"/>
               <a:t>Fifth level</a:t>
             </a:r>
           </a:p>
@@ -787,9 +3651,9 @@
           <a:p>
             <a:fld id="{C764DE79-268F-4C1A-8933-263129D2AF90}" type="datetimeFigureOut">
               <a:rPr lang="en-US" dirty="0"/>
-              <a:t>5/16/2020</a:t>
+              <a:t>5/18/2020</a:t>
             </a:fld>
-            <a:endParaRPr lang="en-US" dirty="0"/>
+            <a:endParaRPr lang="en-US"/>
           </a:p>
         </p:txBody>
       </p:sp>
@@ -808,7 +3672,7 @@
           <a:bodyPr/>
           <a:lstStyle/>
           <a:p>
-            <a:endParaRPr lang="en-US" dirty="0"/>
+            <a:endParaRPr lang="en-US"/>
           </a:p>
         </p:txBody>
       </p:sp>
@@ -831,7 +3695,7 @@
               <a:rPr lang="en-US" dirty="0"/>
               <a:t>‹#›</a:t>
             </a:fld>
-            <a:endParaRPr lang="en-US" dirty="0"/>
+            <a:endParaRPr lang="en-US"/>
           </a:p>
         </p:txBody>
       </p:sp>
@@ -890,7 +3754,7 @@
           </a:lstStyle>
           <a:p>
             <a:r>
-              <a:rPr lang="en-US" dirty="0"/>
+              <a:rPr lang="en-US"/>
               <a:t>Click to edit Master title style</a:t>
             </a:r>
           </a:p>
@@ -1009,7 +3873,7 @@
           <a:p>
             <a:pPr lvl="0"/>
             <a:r>
-              <a:rPr lang="en-US" dirty="0"/>
+              <a:rPr lang="en-US"/>
               <a:t>Click to edit Master text styles</a:t>
             </a:r>
           </a:p>
@@ -1032,9 +3896,9 @@
           <a:p>
             <a:fld id="{C764DE79-268F-4C1A-8933-263129D2AF90}" type="datetimeFigureOut">
               <a:rPr lang="en-US" dirty="0"/>
-              <a:t>5/16/2020</a:t>
+              <a:t>5/18/2020</a:t>
             </a:fld>
-            <a:endParaRPr lang="en-US" dirty="0"/>
+            <a:endParaRPr lang="en-US"/>
           </a:p>
         </p:txBody>
       </p:sp>
@@ -1053,7 +3917,7 @@
           <a:bodyPr/>
           <a:lstStyle/>
           <a:p>
-            <a:endParaRPr lang="en-US" dirty="0"/>
+            <a:endParaRPr lang="en-US"/>
           </a:p>
         </p:txBody>
       </p:sp>
@@ -1076,7 +3940,7 @@
               <a:rPr lang="en-US" dirty="0"/>
               <a:t>‹#›</a:t>
             </a:fld>
-            <a:endParaRPr lang="en-US" dirty="0"/>
+            <a:endParaRPr lang="en-US"/>
           </a:p>
         </p:txBody>
       </p:sp>
@@ -1126,7 +3990,7 @@
           <a:lstStyle/>
           <a:p>
             <a:r>
-              <a:rPr lang="en-US" dirty="0"/>
+              <a:rPr lang="en-US"/>
               <a:t>Click to edit Master title style</a:t>
             </a:r>
           </a:p>
@@ -1154,35 +4018,35 @@
           <a:p>
             <a:pPr lvl="0"/>
             <a:r>
-              <a:rPr lang="en-US" dirty="0"/>
+              <a:rPr lang="en-US"/>
               <a:t>Click to edit Master text styles</a:t>
             </a:r>
           </a:p>
           <a:p>
             <a:pPr lvl="1"/>
             <a:r>
-              <a:rPr lang="en-US" dirty="0"/>
+              <a:rPr lang="en-US"/>
               <a:t>Second level</a:t>
             </a:r>
           </a:p>
           <a:p>
             <a:pPr lvl="2"/>
             <a:r>
-              <a:rPr lang="en-US" dirty="0"/>
+              <a:rPr lang="en-US"/>
               <a:t>Third level</a:t>
             </a:r>
           </a:p>
           <a:p>
             <a:pPr lvl="3"/>
             <a:r>
-              <a:rPr lang="en-US" dirty="0"/>
+              <a:rPr lang="en-US"/>
               <a:t>Fourth level</a:t>
             </a:r>
           </a:p>
           <a:p>
             <a:pPr lvl="4"/>
             <a:r>
-              <a:rPr lang="en-US" dirty="0"/>
+              <a:rPr lang="en-US"/>
               <a:t>Fifth level</a:t>
             </a:r>
           </a:p>
@@ -1210,35 +4074,35 @@
           <a:p>
             <a:pPr lvl="0"/>
             <a:r>
-              <a:rPr lang="en-US" dirty="0"/>
+              <a:rPr lang="en-US"/>
               <a:t>Click to edit Master text styles</a:t>
             </a:r>
           </a:p>
           <a:p>
             <a:pPr lvl="1"/>
             <a:r>
-              <a:rPr lang="en-US" dirty="0"/>
+              <a:rPr lang="en-US"/>
               <a:t>Second level</a:t>
             </a:r>
           </a:p>
           <a:p>
             <a:pPr lvl="2"/>
             <a:r>
-              <a:rPr lang="en-US" dirty="0"/>
+              <a:rPr lang="en-US"/>
               <a:t>Third level</a:t>
             </a:r>
           </a:p>
           <a:p>
             <a:pPr lvl="3"/>
             <a:r>
-              <a:rPr lang="en-US" dirty="0"/>
+              <a:rPr lang="en-US"/>
               <a:t>Fourth level</a:t>
             </a:r>
           </a:p>
           <a:p>
             <a:pPr lvl="4"/>
             <a:r>
-              <a:rPr lang="en-US" dirty="0"/>
+              <a:rPr lang="en-US"/>
               <a:t>Fifth level</a:t>
             </a:r>
           </a:p>
@@ -1261,9 +4125,9 @@
           <a:p>
             <a:fld id="{C764DE79-268F-4C1A-8933-263129D2AF90}" type="datetimeFigureOut">
               <a:rPr lang="en-US" dirty="0"/>
-              <a:t>5/16/2020</a:t>
+              <a:t>5/18/2020</a:t>
             </a:fld>
-            <a:endParaRPr lang="en-US" dirty="0"/>
+            <a:endParaRPr lang="en-US"/>
           </a:p>
         </p:txBody>
       </p:sp>
@@ -1282,7 +4146,7 @@
           <a:bodyPr/>
           <a:lstStyle/>
           <a:p>
-            <a:endParaRPr lang="en-US" dirty="0"/>
+            <a:endParaRPr lang="en-US"/>
           </a:p>
         </p:txBody>
       </p:sp>
@@ -1305,7 +4169,7 @@
               <a:rPr lang="en-US" dirty="0"/>
               <a:t>‹#›</a:t>
             </a:fld>
-            <a:endParaRPr lang="en-US" dirty="0"/>
+            <a:endParaRPr lang="en-US"/>
           </a:p>
         </p:txBody>
       </p:sp>
@@ -1360,7 +4224,7 @@
           <a:lstStyle/>
           <a:p>
             <a:r>
-              <a:rPr lang="en-US" dirty="0"/>
+              <a:rPr lang="en-US"/>
               <a:t>Click to edit Master title style</a:t>
             </a:r>
           </a:p>
@@ -1425,7 +4289,7 @@
           <a:p>
             <a:pPr lvl="0"/>
             <a:r>
-              <a:rPr lang="en-US" dirty="0"/>
+              <a:rPr lang="en-US"/>
               <a:t>Click to edit Master text styles</a:t>
             </a:r>
           </a:p>
@@ -1453,35 +4317,35 @@
           <a:p>
             <a:pPr lvl="0"/>
             <a:r>
-              <a:rPr lang="en-US" dirty="0"/>
+              <a:rPr lang="en-US"/>
               <a:t>Click to edit Master text styles</a:t>
             </a:r>
           </a:p>
           <a:p>
             <a:pPr lvl="1"/>
             <a:r>
-              <a:rPr lang="en-US" dirty="0"/>
+              <a:rPr lang="en-US"/>
               <a:t>Second level</a:t>
             </a:r>
           </a:p>
           <a:p>
             <a:pPr lvl="2"/>
             <a:r>
-              <a:rPr lang="en-US" dirty="0"/>
+              <a:rPr lang="en-US"/>
               <a:t>Third level</a:t>
             </a:r>
           </a:p>
           <a:p>
             <a:pPr lvl="3"/>
             <a:r>
-              <a:rPr lang="en-US" dirty="0"/>
+              <a:rPr lang="en-US"/>
               <a:t>Fourth level</a:t>
             </a:r>
           </a:p>
           <a:p>
             <a:pPr lvl="4"/>
             <a:r>
-              <a:rPr lang="en-US" dirty="0"/>
+              <a:rPr lang="en-US"/>
               <a:t>Fifth level</a:t>
             </a:r>
           </a:p>
@@ -1546,7 +4410,7 @@
           <a:p>
             <a:pPr lvl="0"/>
             <a:r>
-              <a:rPr lang="en-US" dirty="0"/>
+              <a:rPr lang="en-US"/>
               <a:t>Click to edit Master text styles</a:t>
             </a:r>
           </a:p>
@@ -1574,35 +4438,35 @@
           <a:p>
             <a:pPr lvl="0"/>
             <a:r>
-              <a:rPr lang="en-US" dirty="0"/>
+              <a:rPr lang="en-US"/>
               <a:t>Click to edit Master text styles</a:t>
             </a:r>
           </a:p>
           <a:p>
             <a:pPr lvl="1"/>
             <a:r>
-              <a:rPr lang="en-US" dirty="0"/>
+              <a:rPr lang="en-US"/>
               <a:t>Second level</a:t>
             </a:r>
           </a:p>
           <a:p>
             <a:pPr lvl="2"/>
             <a:r>
-              <a:rPr lang="en-US" dirty="0"/>
+              <a:rPr lang="en-US"/>
               <a:t>Third level</a:t>
             </a:r>
           </a:p>
           <a:p>
             <a:pPr lvl="3"/>
             <a:r>
-              <a:rPr lang="en-US" dirty="0"/>
+              <a:rPr lang="en-US"/>
               <a:t>Fourth level</a:t>
             </a:r>
           </a:p>
           <a:p>
             <a:pPr lvl="4"/>
             <a:r>
-              <a:rPr lang="en-US" dirty="0"/>
+              <a:rPr lang="en-US"/>
               <a:t>Fifth level</a:t>
             </a:r>
           </a:p>
@@ -1625,9 +4489,9 @@
           <a:p>
             <a:fld id="{C764DE79-268F-4C1A-8933-263129D2AF90}" type="datetimeFigureOut">
               <a:rPr lang="en-US" dirty="0"/>
-              <a:t>5/16/2020</a:t>
+              <a:t>5/18/2020</a:t>
             </a:fld>
-            <a:endParaRPr lang="en-US" dirty="0"/>
+            <a:endParaRPr lang="en-US"/>
           </a:p>
         </p:txBody>
       </p:sp>
@@ -1646,7 +4510,7 @@
           <a:bodyPr/>
           <a:lstStyle/>
           <a:p>
-            <a:endParaRPr lang="en-US" dirty="0"/>
+            <a:endParaRPr lang="en-US"/>
           </a:p>
         </p:txBody>
       </p:sp>
@@ -1669,7 +4533,7 @@
               <a:rPr lang="en-US" dirty="0"/>
               <a:t>‹#›</a:t>
             </a:fld>
-            <a:endParaRPr lang="en-US" dirty="0"/>
+            <a:endParaRPr lang="en-US"/>
           </a:p>
         </p:txBody>
       </p:sp>
@@ -1719,7 +4583,7 @@
           <a:lstStyle/>
           <a:p>
             <a:r>
-              <a:rPr lang="en-US" dirty="0"/>
+              <a:rPr lang="en-US"/>
               <a:t>Click to edit Master title style</a:t>
             </a:r>
           </a:p>
@@ -1742,9 +4606,9 @@
           <a:p>
             <a:fld id="{C764DE79-268F-4C1A-8933-263129D2AF90}" type="datetimeFigureOut">
               <a:rPr lang="en-US" dirty="0"/>
-              <a:t>5/16/2020</a:t>
+              <a:t>5/18/2020</a:t>
             </a:fld>
-            <a:endParaRPr lang="en-US" dirty="0"/>
+            <a:endParaRPr lang="en-US"/>
           </a:p>
         </p:txBody>
       </p:sp>
@@ -1763,7 +4627,7 @@
           <a:bodyPr/>
           <a:lstStyle/>
           <a:p>
-            <a:endParaRPr lang="en-US" dirty="0"/>
+            <a:endParaRPr lang="en-US"/>
           </a:p>
         </p:txBody>
       </p:sp>
@@ -1786,7 +4650,7 @@
               <a:rPr lang="en-US" dirty="0"/>
               <a:t>‹#›</a:t>
             </a:fld>
-            <a:endParaRPr lang="en-US" dirty="0"/>
+            <a:endParaRPr lang="en-US"/>
           </a:p>
         </p:txBody>
       </p:sp>
@@ -1837,9 +4701,9 @@
           <a:p>
             <a:fld id="{C764DE79-268F-4C1A-8933-263129D2AF90}" type="datetimeFigureOut">
               <a:rPr lang="en-US" dirty="0"/>
-              <a:t>5/16/2020</a:t>
+              <a:t>5/18/2020</a:t>
             </a:fld>
-            <a:endParaRPr lang="en-US" dirty="0"/>
+            <a:endParaRPr lang="en-US"/>
           </a:p>
         </p:txBody>
       </p:sp>
@@ -1858,7 +4722,7 @@
           <a:bodyPr/>
           <a:lstStyle/>
           <a:p>
-            <a:endParaRPr lang="en-US" dirty="0"/>
+            <a:endParaRPr lang="en-US"/>
           </a:p>
         </p:txBody>
       </p:sp>
@@ -1881,7 +4745,7 @@
               <a:rPr lang="en-US" dirty="0"/>
               <a:t>‹#›</a:t>
             </a:fld>
-            <a:endParaRPr lang="en-US" dirty="0"/>
+            <a:endParaRPr lang="en-US"/>
           </a:p>
         </p:txBody>
       </p:sp>
@@ -1940,7 +4804,7 @@
           </a:lstStyle>
           <a:p>
             <a:r>
-              <a:rPr lang="en-US" dirty="0"/>
+              <a:rPr lang="en-US"/>
               <a:t>Click to edit Master title style</a:t>
             </a:r>
           </a:p>
@@ -1996,35 +4860,35 @@
           <a:p>
             <a:pPr lvl="0"/>
             <a:r>
-              <a:rPr lang="en-US" dirty="0"/>
+              <a:rPr lang="en-US"/>
               <a:t>Click to edit Master text styles</a:t>
             </a:r>
           </a:p>
           <a:p>
             <a:pPr lvl="1"/>
             <a:r>
-              <a:rPr lang="en-US" dirty="0"/>
+              <a:rPr lang="en-US"/>
               <a:t>Second level</a:t>
             </a:r>
           </a:p>
           <a:p>
             <a:pPr lvl="2"/>
             <a:r>
-              <a:rPr lang="en-US" dirty="0"/>
+              <a:rPr lang="en-US"/>
               <a:t>Third level</a:t>
             </a:r>
           </a:p>
           <a:p>
             <a:pPr lvl="3"/>
             <a:r>
-              <a:rPr lang="en-US" dirty="0"/>
+              <a:rPr lang="en-US"/>
               <a:t>Fourth level</a:t>
             </a:r>
           </a:p>
           <a:p>
             <a:pPr lvl="4"/>
             <a:r>
-              <a:rPr lang="en-US" dirty="0"/>
+              <a:rPr lang="en-US"/>
               <a:t>Fifth level</a:t>
             </a:r>
           </a:p>
@@ -2089,7 +4953,7 @@
           <a:p>
             <a:pPr lvl="0"/>
             <a:r>
-              <a:rPr lang="en-US" dirty="0"/>
+              <a:rPr lang="en-US"/>
               <a:t>Click to edit Master text styles</a:t>
             </a:r>
           </a:p>
@@ -2112,9 +4976,9 @@
           <a:p>
             <a:fld id="{C764DE79-268F-4C1A-8933-263129D2AF90}" type="datetimeFigureOut">
               <a:rPr lang="en-US" dirty="0"/>
-              <a:t>5/16/2020</a:t>
+              <a:t>5/18/2020</a:t>
             </a:fld>
-            <a:endParaRPr lang="en-US" dirty="0"/>
+            <a:endParaRPr lang="en-US"/>
           </a:p>
         </p:txBody>
       </p:sp>
@@ -2133,7 +4997,7 @@
           <a:bodyPr/>
           <a:lstStyle/>
           <a:p>
-            <a:endParaRPr lang="en-US" dirty="0"/>
+            <a:endParaRPr lang="en-US"/>
           </a:p>
         </p:txBody>
       </p:sp>
@@ -2156,7 +5020,7 @@
               <a:rPr lang="en-US" dirty="0"/>
               <a:t>‹#›</a:t>
             </a:fld>
-            <a:endParaRPr lang="en-US" dirty="0"/>
+            <a:endParaRPr lang="en-US"/>
           </a:p>
         </p:txBody>
       </p:sp>
@@ -2215,7 +5079,7 @@
           </a:lstStyle>
           <a:p>
             <a:r>
-              <a:rPr lang="en-US" dirty="0"/>
+              <a:rPr lang="en-US"/>
               <a:t>Click to edit Master title style</a:t>
             </a:r>
           </a:p>
@@ -2278,7 +5142,7 @@
             </a:lvl9pPr>
           </a:lstStyle>
           <a:p>
-            <a:endParaRPr lang="en-US" dirty="0"/>
+            <a:endParaRPr lang="en-US"/>
           </a:p>
         </p:txBody>
       </p:sp>
@@ -2341,7 +5205,7 @@
           <a:p>
             <a:pPr lvl="0"/>
             <a:r>
-              <a:rPr lang="en-US" dirty="0"/>
+              <a:rPr lang="en-US"/>
               <a:t>Click to edit Master text styles</a:t>
             </a:r>
           </a:p>
@@ -2364,9 +5228,9 @@
           <a:p>
             <a:fld id="{C764DE79-268F-4C1A-8933-263129D2AF90}" type="datetimeFigureOut">
               <a:rPr lang="en-US" dirty="0"/>
-              <a:t>5/16/2020</a:t>
+              <a:t>5/18/2020</a:t>
             </a:fld>
-            <a:endParaRPr lang="en-US" dirty="0"/>
+            <a:endParaRPr lang="en-US"/>
           </a:p>
         </p:txBody>
       </p:sp>
@@ -2385,7 +5249,7 @@
           <a:bodyPr/>
           <a:lstStyle/>
           <a:p>
-            <a:endParaRPr lang="en-US" dirty="0"/>
+            <a:endParaRPr lang="en-US"/>
           </a:p>
         </p:txBody>
       </p:sp>
@@ -2408,7 +5272,7 @@
               <a:rPr lang="en-US" dirty="0"/>
               <a:t>‹#›</a:t>
             </a:fld>
-            <a:endParaRPr lang="en-US" dirty="0"/>
+            <a:endParaRPr lang="en-US"/>
           </a:p>
         </p:txBody>
       </p:sp>
@@ -2473,7 +5337,7 @@
           <a:lstStyle/>
           <a:p>
             <a:r>
-              <a:rPr lang="en-US" dirty="0"/>
+              <a:rPr lang="en-US"/>
               <a:t>Click to edit Master title style</a:t>
             </a:r>
           </a:p>
@@ -2506,35 +5370,35 @@
           <a:p>
             <a:pPr lvl="0"/>
             <a:r>
-              <a:rPr lang="en-US" dirty="0"/>
+              <a:rPr lang="en-US"/>
               <a:t>Click to edit Master text styles</a:t>
             </a:r>
           </a:p>
           <a:p>
             <a:pPr lvl="1"/>
             <a:r>
-              <a:rPr lang="en-US" dirty="0"/>
+              <a:rPr lang="en-US"/>
               <a:t>Second level</a:t>
             </a:r>
           </a:p>
           <a:p>
             <a:pPr lvl="2"/>
             <a:r>
-              <a:rPr lang="en-US" dirty="0"/>
+              <a:rPr lang="en-US"/>
               <a:t>Third level</a:t>
             </a:r>
           </a:p>
           <a:p>
             <a:pPr lvl="3"/>
             <a:r>
-              <a:rPr lang="en-US" dirty="0"/>
+              <a:rPr lang="en-US"/>
               <a:t>Fourth level</a:t>
             </a:r>
           </a:p>
           <a:p>
             <a:pPr lvl="4"/>
             <a:r>
-              <a:rPr lang="en-US" dirty="0"/>
+              <a:rPr lang="en-US"/>
               <a:t>Fifth level</a:t>
             </a:r>
           </a:p>
@@ -2575,9 +5439,9 @@
           <a:p>
             <a:fld id="{C764DE79-268F-4C1A-8933-263129D2AF90}" type="datetimeFigureOut">
               <a:rPr lang="en-US" dirty="0"/>
-              <a:t>5/16/2020</a:t>
+              <a:t>5/18/2020</a:t>
             </a:fld>
-            <a:endParaRPr lang="en-US" dirty="0"/>
+            <a:endParaRPr lang="en-US"/>
           </a:p>
         </p:txBody>
       </p:sp>
@@ -2614,7 +5478,7 @@
             </a:lvl1pPr>
           </a:lstStyle>
           <a:p>
-            <a:endParaRPr lang="en-US" dirty="0"/>
+            <a:endParaRPr lang="en-US"/>
           </a:p>
         </p:txBody>
       </p:sp>
@@ -2655,7 +5519,7 @@
               <a:rPr lang="en-US" dirty="0"/>
               <a:t>‹#›</a:t>
             </a:fld>
-            <a:endParaRPr lang="en-US" dirty="0"/>
+            <a:endParaRPr lang="en-US"/>
           </a:p>
         </p:txBody>
       </p:sp>
@@ -2966,6 +5830,14 @@
 <file path=ppt/slides/slide1.xml><?xml version="1.0" encoding="utf-8"?>
 <p:sld xmlns:a="http://schemas.openxmlformats.org/drawingml/2006/main" xmlns:r="http://schemas.openxmlformats.org/officeDocument/2006/relationships" xmlns:p="http://schemas.openxmlformats.org/presentationml/2006/main">
   <p:cSld>
+    <p:bg>
+      <p:bgPr>
+        <a:solidFill>
+          <a:srgbClr val="000000"/>
+        </a:solidFill>
+        <a:effectLst/>
+      </p:bgPr>
+    </p:bg>
     <p:spTree>
       <p:nvGrpSpPr>
         <p:cNvPr id="1" name=""/>
@@ -2982,6 +5854,100 @@
       </p:grpSpPr>
       <p:sp>
         <p:nvSpPr>
+          <p:cNvPr id="19" name="Rectangle 18">
+            <a:extLst>
+              <a:ext uri="{FF2B5EF4-FFF2-40B4-BE49-F238E27FC236}">
+                <a16:creationId xmlns:a16="http://schemas.microsoft.com/office/drawing/2014/main" id="{71B2258F-86CA-4D4D-8270-BC05FCDEBFB3}"/>
+              </a:ext>
+              <a:ext uri="{C183D7F6-B498-43B3-948B-1728B52AA6E4}">
+                <adec:decorative xmlns:adec="http://schemas.microsoft.com/office/drawing/2017/decorative" val="1"/>
+              </a:ext>
+            </a:extLst>
+          </p:cNvPr>
+          <p:cNvSpPr>
+            <a:spLocks noGrp="1" noRot="1" noChangeAspect="1" noMove="1" noResize="1" noEditPoints="1" noAdjustHandles="1" noChangeArrowheads="1" noChangeShapeType="1" noTextEdit="1"/>
+          </p:cNvSpPr>
+          <p:nvPr>
+            <p:extLst>
+              <p:ext uri="{386F3935-93C4-4BCD-93E2-E3B085C9AB24}">
+                <p16:designElem xmlns:p16="http://schemas.microsoft.com/office/powerpoint/2015/main" val="1"/>
+              </p:ext>
+            </p:extLst>
+          </p:nvPr>
+        </p:nvSpPr>
+        <p:spPr>
+          <a:xfrm>
+            <a:off x="0" y="0"/>
+            <a:ext cx="12192000" cy="6857999"/>
+          </a:xfrm>
+          <a:prstGeom prst="rect">
+            <a:avLst/>
+          </a:prstGeom>
+          <a:solidFill>
+            <a:srgbClr val="000000"/>
+          </a:solidFill>
+          <a:ln>
+            <a:noFill/>
+          </a:ln>
+        </p:spPr>
+        <p:style>
+          <a:lnRef idx="2">
+            <a:schemeClr val="accent1">
+              <a:shade val="50000"/>
+            </a:schemeClr>
+          </a:lnRef>
+          <a:fillRef idx="1">
+            <a:schemeClr val="accent1"/>
+          </a:fillRef>
+          <a:effectRef idx="0">
+            <a:schemeClr val="accent1"/>
+          </a:effectRef>
+          <a:fontRef idx="minor">
+            <a:schemeClr val="lt1"/>
+          </a:fontRef>
+        </p:style>
+        <p:txBody>
+          <a:bodyPr rtlCol="0" anchor="ctr"/>
+          <a:lstStyle/>
+          <a:p>
+            <a:pPr algn="ctr"/>
+            <a:endParaRPr lang="en-US"/>
+          </a:p>
+        </p:txBody>
+      </p:sp>
+      <p:pic>
+        <p:nvPicPr>
+          <p:cNvPr id="6" name="Picture 4">
+            <a:extLst>
+              <a:ext uri="{FF2B5EF4-FFF2-40B4-BE49-F238E27FC236}">
+                <a16:creationId xmlns:a16="http://schemas.microsoft.com/office/drawing/2014/main" id="{E02BA9FD-A6B4-4F32-9C34-81BD83013E69}"/>
+              </a:ext>
+            </a:extLst>
+          </p:cNvPr>
+          <p:cNvPicPr>
+            <a:picLocks noChangeAspect="1"/>
+          </p:cNvPicPr>
+          <p:nvPr/>
+        </p:nvPicPr>
+        <p:blipFill rotWithShape="1">
+          <a:blip r:embed="rId2">
+            <a:alphaModFix amt="50000"/>
+          </a:blip>
+          <a:srcRect t="1415" b="14315"/>
+          <a:stretch/>
+        </p:blipFill>
+        <p:spPr>
+          <a:xfrm>
+            <a:off x="20" y="10"/>
+            <a:ext cx="12191980" cy="6857990"/>
+          </a:xfrm>
+          <a:prstGeom prst="rect">
+            <a:avLst/>
+          </a:prstGeom>
+        </p:spPr>
+      </p:pic>
+      <p:sp>
+        <p:nvSpPr>
           <p:cNvPr id="2" name="Title 1"/>
           <p:cNvSpPr>
             <a:spLocks noGrp="1"/>
@@ -2990,18 +5956,34 @@
             <p:ph type="ctrTitle"/>
           </p:nvPr>
         </p:nvSpPr>
-        <p:spPr/>
+        <p:spPr>
+          <a:xfrm>
+            <a:off x="1524000" y="1122362"/>
+            <a:ext cx="9144000" cy="2900518"/>
+          </a:xfrm>
+        </p:spPr>
         <p:txBody>
-          <a:bodyPr/>
+          <a:bodyPr>
+            <a:normAutofit/>
+          </a:bodyPr>
           <a:lstStyle/>
           <a:p>
             <a:r>
-              <a:rPr lang="en-US" dirty="0">
+              <a:rPr lang="en-US">
+                <a:solidFill>
+                  <a:srgbClr val="FFFFFF"/>
+                </a:solidFill>
+                <a:latin typeface="Arial Black"/>
                 <a:cs typeface="Calibri Light"/>
               </a:rPr>
               <a:t>Trading Bot</a:t>
             </a:r>
-            <a:endParaRPr lang="en-US" dirty="0"/>
+            <a:endParaRPr lang="en-US">
+              <a:solidFill>
+                <a:srgbClr val="FFFFFF"/>
+              </a:solidFill>
+              <a:latin typeface="Arial Black"/>
+            </a:endParaRPr>
           </a:p>
         </p:txBody>
       </p:sp>
@@ -3015,12 +5997,28 @@
             <p:ph type="subTitle" idx="1"/>
           </p:nvPr>
         </p:nvSpPr>
-        <p:spPr/>
+        <p:spPr>
+          <a:xfrm>
+            <a:off x="1524000" y="4159404"/>
+            <a:ext cx="9144000" cy="1098395"/>
+          </a:xfrm>
+        </p:spPr>
         <p:txBody>
-          <a:bodyPr/>
+          <a:bodyPr vert="horz" lIns="91440" tIns="45720" rIns="91440" bIns="45720" rtlCol="0">
+            <a:normAutofit/>
+          </a:bodyPr>
           <a:lstStyle/>
           <a:p>
-            <a:endParaRPr lang="en-US"/>
+            <a:r>
+              <a:rPr lang="en-US">
+                <a:solidFill>
+                  <a:srgbClr val="FFFFFF"/>
+                </a:solidFill>
+                <a:latin typeface="Arial Black"/>
+                <a:cs typeface="Calibri"/>
+              </a:rPr>
+              <a:t>Adam Księżyk, Oskar Świerczek</a:t>
+            </a:r>
           </a:p>
         </p:txBody>
       </p:sp>
@@ -3032,7 +6030,7 @@
     </p:extLst>
   </p:cSld>
   <p:clrMapOvr>
-    <a:masterClrMapping/>
+    <a:overrideClrMapping bg1="dk1" tx1="lt1" bg2="dk2" tx2="lt2" accent1="accent1" accent2="accent2" accent3="accent3" accent4="accent4" accent5="accent5" accent6="accent6" hlink="hlink" folHlink="folHlink"/>
   </p:clrMapOvr>
 </p:sld>
 </file>
@@ -3077,11 +6075,44 @@
           <a:p>
             <a:pPr algn="ctr"/>
             <a:r>
-              <a:rPr lang="en-US">
+              <a:rPr lang="en-US" err="1">
+                <a:latin typeface="Arial Black"/>
                 <a:cs typeface="Calibri Light"/>
               </a:rPr>
-              <a:t>Nawiązanie połączenia z serwerem</a:t>
-            </a:r>
+              <a:t>Nawiązanie</a:t>
+            </a:r>
+            <a:r>
+              <a:rPr lang="en-US" dirty="0">
+                <a:latin typeface="Arial Black"/>
+                <a:cs typeface="Calibri Light"/>
+              </a:rPr>
+              <a:t> </a:t>
+            </a:r>
+            <a:r>
+              <a:rPr lang="en-US" err="1">
+                <a:latin typeface="Arial Black"/>
+                <a:cs typeface="Calibri Light"/>
+              </a:rPr>
+              <a:t>połączenia</a:t>
+            </a:r>
+            <a:r>
+              <a:rPr lang="en-US">
+                <a:latin typeface="Arial Black"/>
+                <a:cs typeface="Calibri Light"/>
+              </a:rPr>
+              <a:t> z </a:t>
+            </a:r>
+            <a:r>
+              <a:rPr lang="en-US" err="1">
+                <a:latin typeface="Arial Black"/>
+                <a:cs typeface="Calibri Light"/>
+              </a:rPr>
+              <a:t>serwerem</a:t>
+            </a:r>
+            <a:endParaRPr lang="en-US">
+              <a:latin typeface="Arial Black"/>
+              <a:cs typeface="Calibri Light"/>
+            </a:endParaRPr>
           </a:p>
         </p:txBody>
       </p:sp>
@@ -3109,7 +6140,7 @@
         </p:blipFill>
         <p:spPr>
           <a:xfrm>
-            <a:off x="1804987" y="1685358"/>
+            <a:off x="1804987" y="2131406"/>
             <a:ext cx="8582025" cy="3924300"/>
           </a:xfrm>
         </p:spPr>
@@ -3167,11 +6198,30 @@
           <a:p>
             <a:pPr algn="ctr"/>
             <a:r>
-              <a:rPr lang="en-US">
+              <a:rPr lang="en-US" dirty="0" err="1">
+                <a:latin typeface="Arial Black"/>
                 <a:cs typeface="Calibri Light"/>
               </a:rPr>
-              <a:t>Wysyłanie danych</a:t>
-            </a:r>
+              <a:t>Wysyłanie</a:t>
+            </a:r>
+            <a:r>
+              <a:rPr lang="en-US" dirty="0">
+                <a:latin typeface="Arial Black"/>
+                <a:cs typeface="Calibri Light"/>
+              </a:rPr>
+              <a:t> </a:t>
+            </a:r>
+            <a:r>
+              <a:rPr lang="en-US" dirty="0" err="1">
+                <a:latin typeface="Arial Black"/>
+                <a:cs typeface="Calibri Light"/>
+              </a:rPr>
+              <a:t>danych</a:t>
+            </a:r>
+            <a:endParaRPr lang="en-US" dirty="0">
+              <a:latin typeface="Arial Black"/>
+              <a:cs typeface="Calibri Light"/>
+            </a:endParaRPr>
           </a:p>
         </p:txBody>
       </p:sp>
@@ -3257,11 +6307,30 @@
           <a:p>
             <a:pPr algn="ctr"/>
             <a:r>
-              <a:rPr lang="en-US">
+              <a:rPr lang="en-US" dirty="0" err="1">
+                <a:latin typeface="Arial Black"/>
                 <a:cs typeface="Calibri Light"/>
               </a:rPr>
-              <a:t>Odbieranie danych</a:t>
-            </a:r>
+              <a:t>Odbieranie</a:t>
+            </a:r>
+            <a:r>
+              <a:rPr lang="en-US" dirty="0">
+                <a:latin typeface="Arial Black"/>
+                <a:cs typeface="Calibri Light"/>
+              </a:rPr>
+              <a:t> </a:t>
+            </a:r>
+            <a:r>
+              <a:rPr lang="en-US" dirty="0" err="1">
+                <a:latin typeface="Arial Black"/>
+                <a:cs typeface="Calibri Light"/>
+              </a:rPr>
+              <a:t>danych</a:t>
+            </a:r>
+            <a:endParaRPr lang="en-US" dirty="0">
+              <a:latin typeface="Arial Black"/>
+              <a:cs typeface="Calibri Light"/>
+            </a:endParaRPr>
           </a:p>
         </p:txBody>
       </p:sp>
@@ -3310,6 +6379,14 @@
 <file path=ppt/slides/slide13.xml><?xml version="1.0" encoding="utf-8"?>
 <p:sld xmlns:a="http://schemas.openxmlformats.org/drawingml/2006/main" xmlns:r="http://schemas.openxmlformats.org/officeDocument/2006/relationships" xmlns:p="http://schemas.openxmlformats.org/presentationml/2006/main">
   <p:cSld>
+    <p:bg>
+      <p:bgPr>
+        <a:solidFill>
+          <a:schemeClr val="tx1"/>
+        </a:solidFill>
+        <a:effectLst/>
+      </p:bgPr>
+    </p:bg>
     <p:spTree>
       <p:nvGrpSpPr>
         <p:cNvPr id="1" name=""/>
@@ -3326,6 +6403,140 @@
       </p:grpSpPr>
       <p:sp>
         <p:nvSpPr>
+          <p:cNvPr id="7" name="Rectangle 6">
+            <a:extLst>
+              <a:ext uri="{FF2B5EF4-FFF2-40B4-BE49-F238E27FC236}">
+                <a16:creationId xmlns:a16="http://schemas.microsoft.com/office/drawing/2014/main" id="{2A8AA5BC-4F7A-4226-8F99-6D824B226A97}"/>
+              </a:ext>
+              <a:ext uri="{C183D7F6-B498-43B3-948B-1728B52AA6E4}">
+                <adec:decorative xmlns:adec="http://schemas.microsoft.com/office/drawing/2017/decorative" val="1"/>
+              </a:ext>
+            </a:extLst>
+          </p:cNvPr>
+          <p:cNvSpPr>
+            <a:spLocks noGrp="1" noRot="1" noChangeAspect="1" noMove="1" noResize="1" noEditPoints="1" noAdjustHandles="1" noChangeArrowheads="1" noChangeShapeType="1" noTextEdit="1"/>
+          </p:cNvSpPr>
+          <p:nvPr>
+            <p:extLst>
+              <p:ext uri="{386F3935-93C4-4BCD-93E2-E3B085C9AB24}">
+                <p16:designElem xmlns:p16="http://schemas.microsoft.com/office/powerpoint/2015/main" val="1"/>
+              </p:ext>
+            </p:extLst>
+          </p:nvPr>
+        </p:nvSpPr>
+        <p:spPr>
+          <a:xfrm>
+            <a:off x="0" y="-3324"/>
+            <a:ext cx="12192000" cy="6861324"/>
+          </a:xfrm>
+          <a:prstGeom prst="rect">
+            <a:avLst/>
+          </a:prstGeom>
+          <a:solidFill>
+            <a:schemeClr val="tx1"/>
+          </a:solidFill>
+          <a:ln>
+            <a:noFill/>
+          </a:ln>
+        </p:spPr>
+        <p:style>
+          <a:lnRef idx="2">
+            <a:schemeClr val="accent1">
+              <a:shade val="50000"/>
+            </a:schemeClr>
+          </a:lnRef>
+          <a:fillRef idx="1">
+            <a:schemeClr val="accent1"/>
+          </a:fillRef>
+          <a:effectRef idx="0">
+            <a:schemeClr val="accent1"/>
+          </a:effectRef>
+          <a:fontRef idx="minor">
+            <a:schemeClr val="lt1"/>
+          </a:fontRef>
+        </p:style>
+        <p:txBody>
+          <a:bodyPr rtlCol="0" anchor="ctr"/>
+          <a:lstStyle/>
+          <a:p>
+            <a:pPr algn="ctr"/>
+            <a:endParaRPr lang="en-US"/>
+          </a:p>
+        </p:txBody>
+      </p:sp>
+      <p:sp>
+        <p:nvSpPr>
+          <p:cNvPr id="9" name="Rectangle 8">
+            <a:extLst>
+              <a:ext uri="{FF2B5EF4-FFF2-40B4-BE49-F238E27FC236}">
+                <a16:creationId xmlns:a16="http://schemas.microsoft.com/office/drawing/2014/main" id="{3E5445C6-DD42-4979-86FF-03730E8C6DB0}"/>
+              </a:ext>
+              <a:ext uri="{C183D7F6-B498-43B3-948B-1728B52AA6E4}">
+                <adec:decorative xmlns:adec="http://schemas.microsoft.com/office/drawing/2017/decorative" val="1"/>
+              </a:ext>
+            </a:extLst>
+          </p:cNvPr>
+          <p:cNvSpPr>
+            <a:spLocks noGrp="1" noRot="1" noChangeAspect="1" noMove="1" noResize="1" noEditPoints="1" noAdjustHandles="1" noChangeArrowheads="1" noChangeShapeType="1" noTextEdit="1"/>
+          </p:cNvSpPr>
+          <p:nvPr>
+            <p:extLst>
+              <p:ext uri="{386F3935-93C4-4BCD-93E2-E3B085C9AB24}">
+                <p16:designElem xmlns:p16="http://schemas.microsoft.com/office/powerpoint/2015/main" val="1"/>
+              </p:ext>
+            </p:extLst>
+          </p:nvPr>
+        </p:nvSpPr>
+        <p:spPr bwMode="ltGray">
+          <a:xfrm>
+            <a:off x="321734" y="321733"/>
+            <a:ext cx="11573488" cy="6214534"/>
+          </a:xfrm>
+          <a:prstGeom prst="rect">
+            <a:avLst/>
+          </a:prstGeom>
+          <a:solidFill>
+            <a:schemeClr val="bg1">
+              <a:lumMod val="75000"/>
+              <a:lumOff val="25000"/>
+            </a:schemeClr>
+          </a:solidFill>
+          <a:ln w="127000" cap="sq" cmpd="thinThick">
+            <a:solidFill>
+              <a:schemeClr val="bg1">
+                <a:lumMod val="75000"/>
+                <a:lumOff val="25000"/>
+              </a:schemeClr>
+            </a:solidFill>
+          </a:ln>
+        </p:spPr>
+        <p:style>
+          <a:lnRef idx="2">
+            <a:schemeClr val="accent1">
+              <a:shade val="50000"/>
+            </a:schemeClr>
+          </a:lnRef>
+          <a:fillRef idx="1">
+            <a:schemeClr val="accent1"/>
+          </a:fillRef>
+          <a:effectRef idx="0">
+            <a:schemeClr val="accent1"/>
+          </a:effectRef>
+          <a:fontRef idx="minor">
+            <a:schemeClr val="lt1"/>
+          </a:fontRef>
+        </p:style>
+        <p:txBody>
+          <a:bodyPr rtlCol="0" anchor="ctr"/>
+          <a:lstStyle/>
+          <a:p>
+            <a:pPr algn="ctr"/>
+            <a:endParaRPr lang="en-US"/>
+          </a:p>
+        </p:txBody>
+      </p:sp>
+      <p:sp>
+        <p:nvSpPr>
           <p:cNvPr id="2" name="Title 1">
             <a:extLst>
               <a:ext uri="{FF2B5EF4-FFF2-40B4-BE49-F238E27FC236}">
@@ -3340,46 +6551,87 @@
             <p:ph type="title"/>
           </p:nvPr>
         </p:nvSpPr>
-        <p:spPr/>
+        <p:spPr>
+          <a:xfrm>
+            <a:off x="1524000" y="1122362"/>
+            <a:ext cx="9144000" cy="2840037"/>
+          </a:xfrm>
+        </p:spPr>
         <p:txBody>
-          <a:bodyPr/>
+          <a:bodyPr vert="horz" lIns="91440" tIns="45720" rIns="91440" bIns="45720" rtlCol="0" anchor="b">
+            <a:normAutofit/>
+          </a:bodyPr>
           <a:lstStyle/>
           <a:p>
-            <a:r>
-              <a:rPr lang="en-US" dirty="0" err="1">
-                <a:cs typeface="Calibri Light"/>
+            <a:pPr algn="ctr"/>
+            <a:r>
+              <a:rPr lang="en-US" sz="5800" b="1" kern="1200" dirty="0" err="1">
+                <a:latin typeface="Arial Black"/>
+                <a:cs typeface="Aharoni"/>
               </a:rPr>
               <a:t>APIClient</a:t>
             </a:r>
-            <a:endParaRPr lang="en-US" dirty="0" err="1"/>
+            <a:endParaRPr lang="en-US" sz="5800" b="1" kern="1200" dirty="0">
+              <a:latin typeface="Arial Black"/>
+              <a:cs typeface="Aharoni"/>
+            </a:endParaRPr>
           </a:p>
         </p:txBody>
       </p:sp>
-      <p:sp>
-        <p:nvSpPr>
-          <p:cNvPr id="3" name="Text Placeholder 2">
+      <p:cxnSp>
+        <p:nvCxnSpPr>
+          <p:cNvPr id="11" name="Straight Connector 10">
             <a:extLst>
               <a:ext uri="{FF2B5EF4-FFF2-40B4-BE49-F238E27FC236}">
-                <a16:creationId xmlns:a16="http://schemas.microsoft.com/office/drawing/2014/main" id="{69FFCFE3-4B24-4DB6-AF04-428008B4CA1C}"/>
+                <a16:creationId xmlns:a16="http://schemas.microsoft.com/office/drawing/2014/main" id="{45000665-DFC7-417E-8FD7-516A0F15C975}"/>
+              </a:ext>
+              <a:ext uri="{C183D7F6-B498-43B3-948B-1728B52AA6E4}">
+                <adec:decorative xmlns:adec="http://schemas.microsoft.com/office/drawing/2017/decorative" val="1"/>
               </a:ext>
             </a:extLst>
           </p:cNvPr>
-          <p:cNvSpPr>
-            <a:spLocks noGrp="1"/>
-          </p:cNvSpPr>
-          <p:nvPr>
-            <p:ph type="body" idx="1"/>
-          </p:nvPr>
-        </p:nvSpPr>
-        <p:spPr/>
-        <p:txBody>
-          <a:bodyPr/>
-          <a:lstStyle/>
-          <a:p>
-            <a:endParaRPr lang="en-US"/>
-          </a:p>
-        </p:txBody>
-      </p:sp>
+          <p:cNvCxnSpPr>
+            <a:cxnSpLocks noGrp="1" noRot="1" noChangeAspect="1" noMove="1" noResize="1" noEditPoints="1" noAdjustHandles="1" noChangeArrowheads="1" noChangeShapeType="1"/>
+          </p:cNvCxnSpPr>
+          <p:nvPr>
+            <p:extLst>
+              <p:ext uri="{386F3935-93C4-4BCD-93E2-E3B085C9AB24}">
+                <p16:designElem xmlns:p16="http://schemas.microsoft.com/office/powerpoint/2015/main" val="1"/>
+              </p:ext>
+            </p:extLst>
+          </p:nvPr>
+        </p:nvCxnSpPr>
+        <p:spPr>
+          <a:xfrm>
+            <a:off x="4724400" y="4109417"/>
+            <a:ext cx="2743200" cy="0"/>
+          </a:xfrm>
+          <a:prstGeom prst="line">
+            <a:avLst/>
+          </a:prstGeom>
+          <a:ln w="12700">
+            <a:solidFill>
+              <a:schemeClr val="tx1">
+                <a:lumMod val="85000"/>
+              </a:schemeClr>
+            </a:solidFill>
+          </a:ln>
+        </p:spPr>
+        <p:style>
+          <a:lnRef idx="1">
+            <a:schemeClr val="accent1"/>
+          </a:lnRef>
+          <a:fillRef idx="0">
+            <a:schemeClr val="accent1"/>
+          </a:fillRef>
+          <a:effectRef idx="0">
+            <a:schemeClr val="accent1"/>
+          </a:effectRef>
+          <a:fontRef idx="minor">
+            <a:schemeClr val="tx1"/>
+          </a:fontRef>
+        </p:style>
+      </p:cxnSp>
     </p:spTree>
     <p:extLst>
       <p:ext uri="{BB962C8B-B14F-4D97-AF65-F5344CB8AC3E}">
@@ -3388,7 +6640,7 @@
     </p:extLst>
   </p:cSld>
   <p:clrMapOvr>
-    <a:masterClrMapping/>
+    <a:overrideClrMapping bg1="dk1" tx1="lt1" bg2="dk2" tx2="lt2" accent1="accent1" accent2="accent2" accent3="accent3" accent4="accent4" accent5="accent5" accent6="accent6" hlink="hlink" folHlink="folHlink"/>
   </p:clrMapOvr>
 </p:sld>
 </file>
@@ -3433,29 +6685,32 @@
           <a:p>
             <a:pPr algn="ctr"/>
             <a:r>
-              <a:rPr lang="en-US">
+              <a:rPr lang="en-US" dirty="0" err="1">
+                <a:latin typeface="Arial Black"/>
                 <a:cs typeface="Calibri Light"/>
               </a:rPr>
               <a:t>Konstruktor</a:t>
             </a:r>
+            <a:endParaRPr lang="en-US" dirty="0">
+              <a:latin typeface="Arial Black"/>
+              <a:cs typeface="Calibri Light"/>
+            </a:endParaRPr>
           </a:p>
         </p:txBody>
       </p:sp>
       <p:pic>
         <p:nvPicPr>
-          <p:cNvPr id="5" name="Picture 5" descr="A screen shot of a social media post&#10;&#10;Description generated with very high confidence">
+          <p:cNvPr id="3" name="Picture 3" descr="A picture containing laptop, holding&#10;&#10;Description generated with very high confidence">
             <a:extLst>
               <a:ext uri="{FF2B5EF4-FFF2-40B4-BE49-F238E27FC236}">
-                <a16:creationId xmlns:a16="http://schemas.microsoft.com/office/drawing/2014/main" id="{FBDC1E50-9251-4E0F-BAB0-414339863854}"/>
+                <a16:creationId xmlns:a16="http://schemas.microsoft.com/office/drawing/2014/main" id="{3ABD699F-BA7A-455F-905D-FEB63969592D}"/>
               </a:ext>
             </a:extLst>
           </p:cNvPr>
           <p:cNvPicPr>
-            <a:picLocks noGrp="1" noChangeAspect="1"/>
+            <a:picLocks noChangeAspect="1"/>
           </p:cNvPicPr>
-          <p:nvPr>
-            <p:ph sz="half" idx="1"/>
-          </p:nvPr>
+          <p:nvPr/>
         </p:nvPicPr>
         <p:blipFill>
           <a:blip r:embed="rId2"/>
@@ -3465,9 +6720,12 @@
         </p:blipFill>
         <p:spPr>
           <a:xfrm>
-            <a:off x="2122118" y="2057819"/>
-            <a:ext cx="7947764" cy="1642705"/>
+            <a:off x="837096" y="2175733"/>
+            <a:ext cx="10517809" cy="2495492"/>
           </a:xfrm>
+          <a:prstGeom prst="rect">
+            <a:avLst/>
+          </a:prstGeom>
         </p:spPr>
       </p:pic>
     </p:spTree>
@@ -3505,7 +6763,7 @@
           <p:cNvPr id="2" name="Title 1">
             <a:extLst>
               <a:ext uri="{FF2B5EF4-FFF2-40B4-BE49-F238E27FC236}">
-                <a16:creationId xmlns:a16="http://schemas.microsoft.com/office/drawing/2014/main" id="{7328A3B5-D926-40CA-AC6C-1C6C1C00C78F}"/>
+                <a16:creationId xmlns:a16="http://schemas.microsoft.com/office/drawing/2014/main" id="{576D9242-CD96-4CC9-B087-24B1649F6A3B}"/>
               </a:ext>
             </a:extLst>
           </p:cNvPr>
@@ -3516,19 +6774,68 @@
             <p:ph type="title"/>
           </p:nvPr>
         </p:nvSpPr>
-        <p:spPr/>
+        <p:spPr>
+          <a:xfrm>
+            <a:off x="838200" y="917299"/>
+            <a:ext cx="10515600" cy="1325563"/>
+          </a:xfrm>
+        </p:spPr>
         <p:txBody>
           <a:bodyPr/>
           <a:lstStyle/>
           <a:p>
             <a:pPr algn="ctr"/>
             <a:r>
-              <a:rPr lang="en-US">
+              <a:rPr lang="en-US" dirty="0" err="1">
+                <a:latin typeface="Arial Black"/>
                 <a:cs typeface="Calibri Light"/>
               </a:rPr>
-              <a:t>Cykl Request-Response</a:t>
+              <a:t>Podstawowa</a:t>
+            </a:r>
+            <a:r>
+              <a:rPr lang="en-US" dirty="0">
+                <a:latin typeface="Arial Black"/>
+                <a:cs typeface="Calibri Light"/>
+              </a:rPr>
+              <a:t> </a:t>
+            </a:r>
+            <a:r>
+              <a:rPr lang="en-US" dirty="0" err="1">
+                <a:latin typeface="Arial Black"/>
+                <a:cs typeface="Calibri Light"/>
+              </a:rPr>
+              <a:t>struktura</a:t>
+            </a:r>
+            <a:r>
+              <a:rPr lang="en-US" dirty="0">
+                <a:latin typeface="Arial Black"/>
+                <a:cs typeface="Calibri Light"/>
+              </a:rPr>
+              <a:t> </a:t>
+            </a:r>
+            <a:r>
+              <a:rPr lang="en-US" dirty="0" err="1">
+                <a:latin typeface="Arial Black"/>
+                <a:cs typeface="Calibri Light"/>
+              </a:rPr>
+              <a:t>wymiany</a:t>
+            </a:r>
+            <a:r>
+              <a:rPr lang="en-US" dirty="0">
+                <a:latin typeface="Arial Black"/>
+                <a:cs typeface="Calibri Light"/>
+              </a:rPr>
+              <a:t> </a:t>
+            </a:r>
+            <a:r>
+              <a:rPr lang="en-US" dirty="0" err="1">
+                <a:latin typeface="Arial Black"/>
+                <a:cs typeface="Calibri Light"/>
+              </a:rPr>
+              <a:t>danych</a:t>
             </a:r>
             <a:endParaRPr lang="en-US" dirty="0">
+              <a:latin typeface="Arial Black"/>
               <a:cs typeface="Calibri Light"/>
             </a:endParaRPr>
           </a:p>
@@ -3536,10 +6843,10 @@
       </p:sp>
       <p:pic>
         <p:nvPicPr>
-          <p:cNvPr id="4" name="Picture 4" descr="A picture containing drawing&#10;&#10;Description generated with very high confidence">
+          <p:cNvPr id="5" name="Picture 5" descr="A picture containing photo, holding, man, table&#10;&#10;Description generated with very high confidence">
             <a:extLst>
               <a:ext uri="{FF2B5EF4-FFF2-40B4-BE49-F238E27FC236}">
-                <a16:creationId xmlns:a16="http://schemas.microsoft.com/office/drawing/2014/main" id="{A6BEFBFF-CF03-4F33-A628-719B907D8E97}"/>
+                <a16:creationId xmlns:a16="http://schemas.microsoft.com/office/drawing/2014/main" id="{87D6AB22-E6F1-4895-A29F-B370B6BCC534}"/>
               </a:ext>
             </a:extLst>
           </p:cNvPr>
@@ -3547,7 +6854,7 @@
             <a:picLocks noGrp="1" noChangeAspect="1"/>
           </p:cNvPicPr>
           <p:nvPr>
-            <p:ph idx="1"/>
+            <p:ph sz="half" idx="1"/>
           </p:nvPr>
         </p:nvPicPr>
         <p:blipFill>
@@ -3558,17 +6865,17 @@
         </p:blipFill>
         <p:spPr>
           <a:xfrm>
-            <a:off x="3505200" y="2691913"/>
-            <a:ext cx="5181600" cy="1266825"/>
+            <a:off x="1423806" y="4610189"/>
+            <a:ext cx="9344991" cy="1878621"/>
           </a:xfrm>
         </p:spPr>
       </p:pic>
       <p:pic>
         <p:nvPicPr>
-          <p:cNvPr id="3" name="Picture 4" descr="A picture containing drawing&#10;&#10;Description generated with very high confidence">
+          <p:cNvPr id="3" name="Picture 3" descr="A screenshot of a social media post&#10;&#10;Description generated with very high confidence">
             <a:extLst>
               <a:ext uri="{FF2B5EF4-FFF2-40B4-BE49-F238E27FC236}">
-                <a16:creationId xmlns:a16="http://schemas.microsoft.com/office/drawing/2014/main" id="{ED08C321-91FF-43A2-90E9-9538C76EE5F1}"/>
+                <a16:creationId xmlns:a16="http://schemas.microsoft.com/office/drawing/2014/main" id="{FC56F4CF-6982-4FE8-B1D1-510A234C7F8D}"/>
               </a:ext>
             </a:extLst>
           </p:cNvPr>
@@ -3585,8 +6892,8 @@
         </p:blipFill>
         <p:spPr>
           <a:xfrm>
-            <a:off x="2462981" y="5144536"/>
-            <a:ext cx="7253748" cy="1042603"/>
+            <a:off x="3962400" y="2246658"/>
+            <a:ext cx="4267199" cy="2033380"/>
           </a:xfrm>
           <a:prstGeom prst="rect">
             <a:avLst/>
@@ -3596,7 +6903,7 @@
     </p:spTree>
     <p:extLst>
       <p:ext uri="{BB962C8B-B14F-4D97-AF65-F5344CB8AC3E}">
-        <p14:creationId xmlns:p14="http://schemas.microsoft.com/office/powerpoint/2010/main" val="1230043451"/>
+        <p14:creationId xmlns:p14="http://schemas.microsoft.com/office/powerpoint/2010/main" val="1934392077"/>
       </p:ext>
     </p:extLst>
   </p:cSld>
@@ -3628,7 +6935,7 @@
           <p:cNvPr id="2" name="Title 1">
             <a:extLst>
               <a:ext uri="{FF2B5EF4-FFF2-40B4-BE49-F238E27FC236}">
-                <a16:creationId xmlns:a16="http://schemas.microsoft.com/office/drawing/2014/main" id="{04F849B3-5F0E-4519-81AE-7BE7CDFAF381}"/>
+                <a16:creationId xmlns:a16="http://schemas.microsoft.com/office/drawing/2014/main" id="{7328A3B5-D926-40CA-AC6C-1C6C1C00C78F}"/>
               </a:ext>
             </a:extLst>
           </p:cNvPr>
@@ -3644,45 +6951,81 @@
           <a:bodyPr/>
           <a:lstStyle/>
           <a:p>
-            <a:r>
-              <a:rPr lang="en-US" dirty="0" err="1">
+            <a:pPr algn="ctr"/>
+            <a:r>
+              <a:rPr lang="en-US" dirty="0">
+                <a:latin typeface="Arial Black"/>
                 <a:cs typeface="Calibri Light"/>
               </a:rPr>
-              <a:t>APIStreamClient</a:t>
-            </a:r>
-            <a:endParaRPr lang="en-US" dirty="0" err="1"/>
+              <a:t>Request-Response</a:t>
+            </a:r>
           </a:p>
         </p:txBody>
       </p:sp>
-      <p:sp>
-        <p:nvSpPr>
-          <p:cNvPr id="3" name="Text Placeholder 2">
+      <p:pic>
+        <p:nvPicPr>
+          <p:cNvPr id="5" name="Picture 5" descr="A close up of a sign&#10;&#10;Description generated with very high confidence">
             <a:extLst>
               <a:ext uri="{FF2B5EF4-FFF2-40B4-BE49-F238E27FC236}">
-                <a16:creationId xmlns:a16="http://schemas.microsoft.com/office/drawing/2014/main" id="{B8EDF199-952D-41C4-94B0-97FF2389BA2A}"/>
+                <a16:creationId xmlns:a16="http://schemas.microsoft.com/office/drawing/2014/main" id="{A2E7CD04-697D-456C-A547-6C93B1DD8721}"/>
               </a:ext>
             </a:extLst>
           </p:cNvPr>
-          <p:cNvSpPr>
-            <a:spLocks noGrp="1"/>
-          </p:cNvSpPr>
-          <p:nvPr>
-            <p:ph type="body" idx="1"/>
-          </p:nvPr>
-        </p:nvSpPr>
-        <p:spPr/>
-        <p:txBody>
-          <a:bodyPr/>
-          <a:lstStyle/>
-          <a:p>
-            <a:endParaRPr lang="en-US"/>
-          </a:p>
-        </p:txBody>
-      </p:sp>
+          <p:cNvPicPr>
+            <a:picLocks noChangeAspect="1"/>
+          </p:cNvPicPr>
+          <p:nvPr/>
+        </p:nvPicPr>
+        <p:blipFill>
+          <a:blip r:embed="rId2"/>
+          <a:stretch>
+            <a:fillRect/>
+          </a:stretch>
+        </p:blipFill>
+        <p:spPr>
+          <a:xfrm>
+            <a:off x="2162313" y="3968098"/>
+            <a:ext cx="7878418" cy="1925631"/>
+          </a:xfrm>
+          <a:prstGeom prst="rect">
+            <a:avLst/>
+          </a:prstGeom>
+        </p:spPr>
+      </p:pic>
+      <p:pic>
+        <p:nvPicPr>
+          <p:cNvPr id="8" name="Picture 8" descr="A close up of a sign&#10;&#10;Description generated with high confidence">
+            <a:extLst>
+              <a:ext uri="{FF2B5EF4-FFF2-40B4-BE49-F238E27FC236}">
+                <a16:creationId xmlns:a16="http://schemas.microsoft.com/office/drawing/2014/main" id="{1DDB4C12-E9DD-4347-BDE1-8D9D471EF8C4}"/>
+              </a:ext>
+            </a:extLst>
+          </p:cNvPr>
+          <p:cNvPicPr>
+            <a:picLocks noChangeAspect="1"/>
+          </p:cNvPicPr>
+          <p:nvPr/>
+        </p:nvPicPr>
+        <p:blipFill>
+          <a:blip r:embed="rId3"/>
+          <a:stretch>
+            <a:fillRect/>
+          </a:stretch>
+        </p:blipFill>
+        <p:spPr>
+          <a:xfrm>
+            <a:off x="881270" y="2050653"/>
+            <a:ext cx="10429459" cy="1387304"/>
+          </a:xfrm>
+          <a:prstGeom prst="rect">
+            <a:avLst/>
+          </a:prstGeom>
+        </p:spPr>
+      </p:pic>
     </p:spTree>
     <p:extLst>
       <p:ext uri="{BB962C8B-B14F-4D97-AF65-F5344CB8AC3E}">
-        <p14:creationId xmlns:p14="http://schemas.microsoft.com/office/powerpoint/2010/main" val="1869126936"/>
+        <p14:creationId xmlns:p14="http://schemas.microsoft.com/office/powerpoint/2010/main" val="1230043451"/>
       </p:ext>
     </p:extLst>
   </p:cSld>
@@ -3693,6 +7036,275 @@
 </file>
 
 <file path=ppt/slides/slide17.xml><?xml version="1.0" encoding="utf-8"?>
+<p:sld xmlns:a="http://schemas.openxmlformats.org/drawingml/2006/main" xmlns:r="http://schemas.openxmlformats.org/officeDocument/2006/relationships" xmlns:p="http://schemas.openxmlformats.org/presentationml/2006/main">
+  <p:cSld>
+    <p:bg>
+      <p:bgPr>
+        <a:solidFill>
+          <a:schemeClr val="tx1"/>
+        </a:solidFill>
+        <a:effectLst/>
+      </p:bgPr>
+    </p:bg>
+    <p:spTree>
+      <p:nvGrpSpPr>
+        <p:cNvPr id="1" name=""/>
+        <p:cNvGrpSpPr/>
+        <p:nvPr/>
+      </p:nvGrpSpPr>
+      <p:grpSpPr>
+        <a:xfrm>
+          <a:off x="0" y="0"/>
+          <a:ext cx="0" cy="0"/>
+          <a:chOff x="0" y="0"/>
+          <a:chExt cx="0" cy="0"/>
+        </a:xfrm>
+      </p:grpSpPr>
+      <p:sp>
+        <p:nvSpPr>
+          <p:cNvPr id="7" name="Rectangle 6">
+            <a:extLst>
+              <a:ext uri="{FF2B5EF4-FFF2-40B4-BE49-F238E27FC236}">
+                <a16:creationId xmlns:a16="http://schemas.microsoft.com/office/drawing/2014/main" id="{2A8AA5BC-4F7A-4226-8F99-6D824B226A97}"/>
+              </a:ext>
+              <a:ext uri="{C183D7F6-B498-43B3-948B-1728B52AA6E4}">
+                <adec:decorative xmlns:adec="http://schemas.microsoft.com/office/drawing/2017/decorative" val="1"/>
+              </a:ext>
+            </a:extLst>
+          </p:cNvPr>
+          <p:cNvSpPr>
+            <a:spLocks noGrp="1" noRot="1" noChangeAspect="1" noMove="1" noResize="1" noEditPoints="1" noAdjustHandles="1" noChangeArrowheads="1" noChangeShapeType="1" noTextEdit="1"/>
+          </p:cNvSpPr>
+          <p:nvPr>
+            <p:extLst>
+              <p:ext uri="{386F3935-93C4-4BCD-93E2-E3B085C9AB24}">
+                <p16:designElem xmlns:p16="http://schemas.microsoft.com/office/powerpoint/2015/main" val="1"/>
+              </p:ext>
+            </p:extLst>
+          </p:nvPr>
+        </p:nvSpPr>
+        <p:spPr>
+          <a:xfrm>
+            <a:off x="0" y="-3324"/>
+            <a:ext cx="12192000" cy="6861324"/>
+          </a:xfrm>
+          <a:prstGeom prst="rect">
+            <a:avLst/>
+          </a:prstGeom>
+          <a:solidFill>
+            <a:schemeClr val="tx1"/>
+          </a:solidFill>
+          <a:ln>
+            <a:noFill/>
+          </a:ln>
+        </p:spPr>
+        <p:style>
+          <a:lnRef idx="2">
+            <a:schemeClr val="accent1">
+              <a:shade val="50000"/>
+            </a:schemeClr>
+          </a:lnRef>
+          <a:fillRef idx="1">
+            <a:schemeClr val="accent1"/>
+          </a:fillRef>
+          <a:effectRef idx="0">
+            <a:schemeClr val="accent1"/>
+          </a:effectRef>
+          <a:fontRef idx="minor">
+            <a:schemeClr val="lt1"/>
+          </a:fontRef>
+        </p:style>
+        <p:txBody>
+          <a:bodyPr rtlCol="0" anchor="ctr"/>
+          <a:lstStyle/>
+          <a:p>
+            <a:pPr algn="ctr"/>
+            <a:endParaRPr lang="en-US"/>
+          </a:p>
+        </p:txBody>
+      </p:sp>
+      <p:sp>
+        <p:nvSpPr>
+          <p:cNvPr id="9" name="Rectangle 8">
+            <a:extLst>
+              <a:ext uri="{FF2B5EF4-FFF2-40B4-BE49-F238E27FC236}">
+                <a16:creationId xmlns:a16="http://schemas.microsoft.com/office/drawing/2014/main" id="{3E5445C6-DD42-4979-86FF-03730E8C6DB0}"/>
+              </a:ext>
+              <a:ext uri="{C183D7F6-B498-43B3-948B-1728B52AA6E4}">
+                <adec:decorative xmlns:adec="http://schemas.microsoft.com/office/drawing/2017/decorative" val="1"/>
+              </a:ext>
+            </a:extLst>
+          </p:cNvPr>
+          <p:cNvSpPr>
+            <a:spLocks noGrp="1" noRot="1" noChangeAspect="1" noMove="1" noResize="1" noEditPoints="1" noAdjustHandles="1" noChangeArrowheads="1" noChangeShapeType="1" noTextEdit="1"/>
+          </p:cNvSpPr>
+          <p:nvPr>
+            <p:extLst>
+              <p:ext uri="{386F3935-93C4-4BCD-93E2-E3B085C9AB24}">
+                <p16:designElem xmlns:p16="http://schemas.microsoft.com/office/powerpoint/2015/main" val="1"/>
+              </p:ext>
+            </p:extLst>
+          </p:nvPr>
+        </p:nvSpPr>
+        <p:spPr bwMode="ltGray">
+          <a:xfrm>
+            <a:off x="321734" y="321733"/>
+            <a:ext cx="11573488" cy="6214534"/>
+          </a:xfrm>
+          <a:prstGeom prst="rect">
+            <a:avLst/>
+          </a:prstGeom>
+          <a:solidFill>
+            <a:schemeClr val="bg1">
+              <a:lumMod val="75000"/>
+              <a:lumOff val="25000"/>
+            </a:schemeClr>
+          </a:solidFill>
+          <a:ln w="127000" cap="sq" cmpd="thinThick">
+            <a:solidFill>
+              <a:schemeClr val="bg1">
+                <a:lumMod val="75000"/>
+                <a:lumOff val="25000"/>
+              </a:schemeClr>
+            </a:solidFill>
+          </a:ln>
+        </p:spPr>
+        <p:style>
+          <a:lnRef idx="2">
+            <a:schemeClr val="accent1">
+              <a:shade val="50000"/>
+            </a:schemeClr>
+          </a:lnRef>
+          <a:fillRef idx="1">
+            <a:schemeClr val="accent1"/>
+          </a:fillRef>
+          <a:effectRef idx="0">
+            <a:schemeClr val="accent1"/>
+          </a:effectRef>
+          <a:fontRef idx="minor">
+            <a:schemeClr val="lt1"/>
+          </a:fontRef>
+        </p:style>
+        <p:txBody>
+          <a:bodyPr rtlCol="0" anchor="ctr"/>
+          <a:lstStyle/>
+          <a:p>
+            <a:pPr algn="ctr"/>
+            <a:endParaRPr lang="en-US"/>
+          </a:p>
+        </p:txBody>
+      </p:sp>
+      <p:sp>
+        <p:nvSpPr>
+          <p:cNvPr id="2" name="Title 1">
+            <a:extLst>
+              <a:ext uri="{FF2B5EF4-FFF2-40B4-BE49-F238E27FC236}">
+                <a16:creationId xmlns:a16="http://schemas.microsoft.com/office/drawing/2014/main" id="{04F849B3-5F0E-4519-81AE-7BE7CDFAF381}"/>
+              </a:ext>
+            </a:extLst>
+          </p:cNvPr>
+          <p:cNvSpPr>
+            <a:spLocks noGrp="1"/>
+          </p:cNvSpPr>
+          <p:nvPr>
+            <p:ph type="title"/>
+          </p:nvPr>
+        </p:nvSpPr>
+        <p:spPr>
+          <a:xfrm>
+            <a:off x="1524000" y="1122362"/>
+            <a:ext cx="9144000" cy="2840037"/>
+          </a:xfrm>
+        </p:spPr>
+        <p:txBody>
+          <a:bodyPr vert="horz" lIns="91440" tIns="45720" rIns="91440" bIns="45720" rtlCol="0" anchor="b">
+            <a:normAutofit/>
+          </a:bodyPr>
+          <a:lstStyle/>
+          <a:p>
+            <a:pPr algn="ctr"/>
+            <a:r>
+              <a:rPr lang="en-US" sz="5800" kern="1200" dirty="0" err="1">
+                <a:latin typeface="Arial Black"/>
+                <a:cs typeface="Aharoni"/>
+              </a:rPr>
+              <a:t>APIStreamClient</a:t>
+            </a:r>
+            <a:endParaRPr lang="en-US" sz="5800" kern="1200" dirty="0">
+              <a:latin typeface="Arial Black"/>
+              <a:cs typeface="Aharoni"/>
+            </a:endParaRPr>
+          </a:p>
+        </p:txBody>
+      </p:sp>
+      <p:cxnSp>
+        <p:nvCxnSpPr>
+          <p:cNvPr id="11" name="Straight Connector 10">
+            <a:extLst>
+              <a:ext uri="{FF2B5EF4-FFF2-40B4-BE49-F238E27FC236}">
+                <a16:creationId xmlns:a16="http://schemas.microsoft.com/office/drawing/2014/main" id="{45000665-DFC7-417E-8FD7-516A0F15C975}"/>
+              </a:ext>
+              <a:ext uri="{C183D7F6-B498-43B3-948B-1728B52AA6E4}">
+                <adec:decorative xmlns:adec="http://schemas.microsoft.com/office/drawing/2017/decorative" val="1"/>
+              </a:ext>
+            </a:extLst>
+          </p:cNvPr>
+          <p:cNvCxnSpPr>
+            <a:cxnSpLocks noGrp="1" noRot="1" noChangeAspect="1" noMove="1" noResize="1" noEditPoints="1" noAdjustHandles="1" noChangeArrowheads="1" noChangeShapeType="1"/>
+          </p:cNvCxnSpPr>
+          <p:nvPr>
+            <p:extLst>
+              <p:ext uri="{386F3935-93C4-4BCD-93E2-E3B085C9AB24}">
+                <p16:designElem xmlns:p16="http://schemas.microsoft.com/office/powerpoint/2015/main" val="1"/>
+              </p:ext>
+            </p:extLst>
+          </p:nvPr>
+        </p:nvCxnSpPr>
+        <p:spPr>
+          <a:xfrm>
+            <a:off x="4724400" y="4109417"/>
+            <a:ext cx="2743200" cy="0"/>
+          </a:xfrm>
+          <a:prstGeom prst="line">
+            <a:avLst/>
+          </a:prstGeom>
+          <a:ln w="12700">
+            <a:solidFill>
+              <a:schemeClr val="tx1">
+                <a:lumMod val="85000"/>
+              </a:schemeClr>
+            </a:solidFill>
+          </a:ln>
+        </p:spPr>
+        <p:style>
+          <a:lnRef idx="1">
+            <a:schemeClr val="accent1"/>
+          </a:lnRef>
+          <a:fillRef idx="0">
+            <a:schemeClr val="accent1"/>
+          </a:fillRef>
+          <a:effectRef idx="0">
+            <a:schemeClr val="accent1"/>
+          </a:effectRef>
+          <a:fontRef idx="minor">
+            <a:schemeClr val="tx1"/>
+          </a:fontRef>
+        </p:style>
+      </p:cxnSp>
+    </p:spTree>
+    <p:extLst>
+      <p:ext uri="{BB962C8B-B14F-4D97-AF65-F5344CB8AC3E}">
+        <p14:creationId xmlns:p14="http://schemas.microsoft.com/office/powerpoint/2010/main" val="1869126936"/>
+      </p:ext>
+    </p:extLst>
+  </p:cSld>
+  <p:clrMapOvr>
+    <a:overrideClrMapping bg1="dk1" tx1="lt1" bg2="dk2" tx2="lt2" accent1="accent1" accent2="accent2" accent3="accent3" accent4="accent4" accent5="accent5" accent6="accent6" hlink="hlink" folHlink="folHlink"/>
+  </p:clrMapOvr>
+</p:sld>
+</file>
+
+<file path=ppt/slides/slide18.xml><?xml version="1.0" encoding="utf-8"?>
 <p:sld xmlns:a="http://schemas.openxmlformats.org/drawingml/2006/main" xmlns:r="http://schemas.openxmlformats.org/officeDocument/2006/relationships" xmlns:p="http://schemas.openxmlformats.org/presentationml/2006/main">
   <p:cSld>
     <p:spTree>
@@ -3730,16 +7342,27 @@
           <a:bodyPr/>
           <a:lstStyle/>
           <a:p>
-            <a:endParaRPr lang="en-US"/>
+            <a:pPr algn="ctr"/>
+            <a:r>
+              <a:rPr lang="en-US" dirty="0" err="1">
+                <a:latin typeface="Arial Black"/>
+                <a:cs typeface="Calibri Light"/>
+              </a:rPr>
+              <a:t>Konstruktor</a:t>
+            </a:r>
+            <a:endParaRPr lang="en-US" dirty="0">
+              <a:latin typeface="Arial Black"/>
+              <a:cs typeface="Calibri Light"/>
+            </a:endParaRPr>
           </a:p>
         </p:txBody>
       </p:sp>
       <p:pic>
         <p:nvPicPr>
-          <p:cNvPr id="4" name="Picture 4" descr="A screenshot of a cell phone screen with text&#10;&#10;Description generated with high confidence">
+          <p:cNvPr id="6" name="Picture 6" descr="A screenshot of text&#10;&#10;Description generated with very high confidence">
             <a:extLst>
               <a:ext uri="{FF2B5EF4-FFF2-40B4-BE49-F238E27FC236}">
-                <a16:creationId xmlns:a16="http://schemas.microsoft.com/office/drawing/2014/main" id="{C5CC9276-3AD1-49FA-ADFC-C1AF0AF004BE}"/>
+                <a16:creationId xmlns:a16="http://schemas.microsoft.com/office/drawing/2014/main" id="{E3AFAC4F-914A-44A5-8169-53D6FC937151}"/>
               </a:ext>
             </a:extLst>
           </p:cNvPr>
@@ -3758,8 +7381,8 @@
         </p:blipFill>
         <p:spPr>
           <a:xfrm>
-            <a:off x="2247269" y="1825625"/>
-            <a:ext cx="7697462" cy="4351338"/>
+            <a:off x="1879861" y="1715190"/>
+            <a:ext cx="8421232" cy="4583251"/>
           </a:xfrm>
         </p:spPr>
       </p:pic>
@@ -3767,126 +7390,6 @@
     <p:extLst>
       <p:ext uri="{BB962C8B-B14F-4D97-AF65-F5344CB8AC3E}">
         <p14:creationId xmlns:p14="http://schemas.microsoft.com/office/powerpoint/2010/main" val="1711980860"/>
-      </p:ext>
-    </p:extLst>
-  </p:cSld>
-  <p:clrMapOvr>
-    <a:masterClrMapping/>
-  </p:clrMapOvr>
-</p:sld>
-</file>
-
-<file path=ppt/slides/slide18.xml><?xml version="1.0" encoding="utf-8"?>
-<p:sld xmlns:a="http://schemas.openxmlformats.org/drawingml/2006/main" xmlns:r="http://schemas.openxmlformats.org/officeDocument/2006/relationships" xmlns:p="http://schemas.openxmlformats.org/presentationml/2006/main">
-  <p:cSld>
-    <p:spTree>
-      <p:nvGrpSpPr>
-        <p:cNvPr id="1" name=""/>
-        <p:cNvGrpSpPr/>
-        <p:nvPr/>
-      </p:nvGrpSpPr>
-      <p:grpSpPr>
-        <a:xfrm>
-          <a:off x="0" y="0"/>
-          <a:ext cx="0" cy="0"/>
-          <a:chOff x="0" y="0"/>
-          <a:chExt cx="0" cy="0"/>
-        </a:xfrm>
-      </p:grpSpPr>
-      <p:sp>
-        <p:nvSpPr>
-          <p:cNvPr id="2" name="Title 1">
-            <a:extLst>
-              <a:ext uri="{FF2B5EF4-FFF2-40B4-BE49-F238E27FC236}">
-                <a16:creationId xmlns:a16="http://schemas.microsoft.com/office/drawing/2014/main" id="{284B10B9-6048-48F6-9C6C-5C56AE74B262}"/>
-              </a:ext>
-            </a:extLst>
-          </p:cNvPr>
-          <p:cNvSpPr>
-            <a:spLocks noGrp="1"/>
-          </p:cNvSpPr>
-          <p:nvPr>
-            <p:ph type="title"/>
-          </p:nvPr>
-        </p:nvSpPr>
-        <p:spPr/>
-        <p:txBody>
-          <a:bodyPr/>
-          <a:lstStyle/>
-          <a:p>
-            <a:r>
-              <a:rPr lang="en-US">
-                <a:cs typeface="Calibri Light"/>
-              </a:rPr>
-              <a:t>Wątek do obioru danych</a:t>
-            </a:r>
-            <a:endParaRPr lang="en-US"/>
-          </a:p>
-        </p:txBody>
-      </p:sp>
-      <p:pic>
-        <p:nvPicPr>
-          <p:cNvPr id="5" name="Picture 5" descr="A picture containing holding, black, woman, white&#10;&#10;Description generated with very high confidence">
-            <a:extLst>
-              <a:ext uri="{FF2B5EF4-FFF2-40B4-BE49-F238E27FC236}">
-                <a16:creationId xmlns:a16="http://schemas.microsoft.com/office/drawing/2014/main" id="{74D31A52-9E4D-4AC5-8856-3E48EF03B88E}"/>
-              </a:ext>
-            </a:extLst>
-          </p:cNvPr>
-          <p:cNvPicPr>
-            <a:picLocks noGrp="1" noChangeAspect="1"/>
-          </p:cNvPicPr>
-          <p:nvPr>
-            <p:ph sz="half" idx="1"/>
-          </p:nvPr>
-        </p:nvPicPr>
-        <p:blipFill>
-          <a:blip r:embed="rId2"/>
-          <a:stretch>
-            <a:fillRect/>
-          </a:stretch>
-        </p:blipFill>
-        <p:spPr>
-          <a:xfrm>
-            <a:off x="3499981" y="2454515"/>
-            <a:ext cx="5181600" cy="1256408"/>
-          </a:xfrm>
-        </p:spPr>
-      </p:pic>
-      <p:pic>
-        <p:nvPicPr>
-          <p:cNvPr id="3" name="Picture 3" descr="A picture containing drawing&#10;&#10;Description generated with very high confidence">
-            <a:extLst>
-              <a:ext uri="{FF2B5EF4-FFF2-40B4-BE49-F238E27FC236}">
-                <a16:creationId xmlns:a16="http://schemas.microsoft.com/office/drawing/2014/main" id="{1BE1CB8C-1AC6-42A4-BCCC-58EC0A1029DC}"/>
-              </a:ext>
-            </a:extLst>
-          </p:cNvPr>
-          <p:cNvPicPr>
-            <a:picLocks noChangeAspect="1"/>
-          </p:cNvPicPr>
-          <p:nvPr/>
-        </p:nvPicPr>
-        <p:blipFill>
-          <a:blip r:embed="rId3"/>
-          <a:stretch>
-            <a:fillRect/>
-          </a:stretch>
-        </p:blipFill>
-        <p:spPr>
-          <a:xfrm>
-            <a:off x="4798142" y="4561269"/>
-            <a:ext cx="2743200" cy="1201332"/>
-          </a:xfrm>
-          <a:prstGeom prst="rect">
-            <a:avLst/>
-          </a:prstGeom>
-        </p:spPr>
-      </p:pic>
-    </p:spTree>
-    <p:extLst>
-      <p:ext uri="{BB962C8B-B14F-4D97-AF65-F5344CB8AC3E}">
-        <p14:creationId xmlns:p14="http://schemas.microsoft.com/office/powerpoint/2010/main" val="3875699496"/>
       </p:ext>
     </p:extLst>
   </p:cSld>
@@ -3918,7 +7421,7 @@
           <p:cNvPr id="2" name="Title 1">
             <a:extLst>
               <a:ext uri="{FF2B5EF4-FFF2-40B4-BE49-F238E27FC236}">
-                <a16:creationId xmlns:a16="http://schemas.microsoft.com/office/drawing/2014/main" id="{A47AA4FE-8CC7-4B32-B977-FD79DC6428C2}"/>
+                <a16:creationId xmlns:a16="http://schemas.microsoft.com/office/drawing/2014/main" id="{284B10B9-6048-48F6-9C6C-5C56AE74B262}"/>
               </a:ext>
             </a:extLst>
           </p:cNvPr>
@@ -3934,16 +7437,27 @@
           <a:bodyPr/>
           <a:lstStyle/>
           <a:p>
-            <a:endParaRPr lang="en-US"/>
+            <a:pPr algn="ctr"/>
+            <a:r>
+              <a:rPr lang="en-US" dirty="0">
+                <a:latin typeface="Arial Black"/>
+                <a:ea typeface="+mj-lt"/>
+                <a:cs typeface="+mj-lt"/>
+              </a:rPr>
+              <a:t>Multithreading</a:t>
+            </a:r>
+            <a:endParaRPr lang="en-US" dirty="0">
+              <a:latin typeface="Arial Black"/>
+            </a:endParaRPr>
           </a:p>
         </p:txBody>
       </p:sp>
       <p:pic>
         <p:nvPicPr>
-          <p:cNvPr id="5" name="Picture 5" descr="A picture containing black, holding, white, large&#10;&#10;Description generated with very high confidence">
+          <p:cNvPr id="7" name="Picture 7" descr="A picture containing clock, holding, black, woman&#10;&#10;Description generated with very high confidence">
             <a:extLst>
               <a:ext uri="{FF2B5EF4-FFF2-40B4-BE49-F238E27FC236}">
-                <a16:creationId xmlns:a16="http://schemas.microsoft.com/office/drawing/2014/main" id="{D3BDCF26-E90F-4299-BDAB-C71360484D4E}"/>
+                <a16:creationId xmlns:a16="http://schemas.microsoft.com/office/drawing/2014/main" id="{145D9EDD-B187-4AC5-AE11-AD2540051596}"/>
               </a:ext>
             </a:extLst>
           </p:cNvPr>
@@ -3962,26 +7476,24 @@
         </p:blipFill>
         <p:spPr>
           <a:xfrm>
-            <a:off x="3499981" y="2207873"/>
-            <a:ext cx="5181600" cy="684978"/>
+            <a:off x="1710635" y="1688700"/>
+            <a:ext cx="8770729" cy="1886405"/>
           </a:xfrm>
         </p:spPr>
       </p:pic>
       <p:pic>
         <p:nvPicPr>
-          <p:cNvPr id="7" name="Picture 7" descr="A close up of a sign&#10;&#10;Description generated with high confidence">
+          <p:cNvPr id="8" name="Picture 8" descr="A picture containing white&#10;&#10;Description generated with very high confidence">
             <a:extLst>
               <a:ext uri="{FF2B5EF4-FFF2-40B4-BE49-F238E27FC236}">
-                <a16:creationId xmlns:a16="http://schemas.microsoft.com/office/drawing/2014/main" id="{37ED3855-A803-48BD-ADB5-660B8910C9CD}"/>
+                <a16:creationId xmlns:a16="http://schemas.microsoft.com/office/drawing/2014/main" id="{FCF25E7A-CBD8-4C81-BB0B-B6E0960FE8EC}"/>
               </a:ext>
             </a:extLst>
           </p:cNvPr>
           <p:cNvPicPr>
-            <a:picLocks noGrp="1" noChangeAspect="1"/>
+            <a:picLocks noChangeAspect="1"/>
           </p:cNvPicPr>
-          <p:nvPr>
-            <p:ph sz="half" idx="2"/>
-          </p:nvPr>
+          <p:nvPr/>
         </p:nvPicPr>
         <p:blipFill>
           <a:blip r:embed="rId3"/>
@@ -3991,35 +7503,8 @@
         </p:blipFill>
         <p:spPr>
           <a:xfrm>
-            <a:off x="3499981" y="3492098"/>
-            <a:ext cx="5181600" cy="1039268"/>
-          </a:xfrm>
-        </p:spPr>
-      </p:pic>
-      <p:pic>
-        <p:nvPicPr>
-          <p:cNvPr id="3" name="Picture 3" descr="A picture containing drawing&#10;&#10;Description generated with very high confidence">
-            <a:extLst>
-              <a:ext uri="{FF2B5EF4-FFF2-40B4-BE49-F238E27FC236}">
-                <a16:creationId xmlns:a16="http://schemas.microsoft.com/office/drawing/2014/main" id="{90E7AD04-A29C-4381-A0D6-EE1D7B18E8CE}"/>
-              </a:ext>
-            </a:extLst>
-          </p:cNvPr>
-          <p:cNvPicPr>
-            <a:picLocks noChangeAspect="1"/>
-          </p:cNvPicPr>
-          <p:nvPr/>
-        </p:nvPicPr>
-        <p:blipFill>
-          <a:blip r:embed="rId4"/>
-          <a:stretch>
-            <a:fillRect/>
-          </a:stretch>
-        </p:blipFill>
-        <p:spPr>
-          <a:xfrm>
-            <a:off x="4712110" y="5238675"/>
-            <a:ext cx="2743200" cy="780585"/>
+            <a:off x="3476487" y="4073250"/>
+            <a:ext cx="5239025" cy="2256458"/>
           </a:xfrm>
           <a:prstGeom prst="rect">
             <a:avLst/>
@@ -4029,7 +7514,7 @@
     </p:spTree>
     <p:extLst>
       <p:ext uri="{BB962C8B-B14F-4D97-AF65-F5344CB8AC3E}">
-        <p14:creationId xmlns:p14="http://schemas.microsoft.com/office/powerpoint/2010/main" val="1059566888"/>
+        <p14:creationId xmlns:p14="http://schemas.microsoft.com/office/powerpoint/2010/main" val="3875699496"/>
       </p:ext>
     </p:extLst>
   </p:cSld>
@@ -4042,6 +7527,14 @@
 <file path=ppt/slides/slide2.xml><?xml version="1.0" encoding="utf-8"?>
 <p:sld xmlns:a="http://schemas.openxmlformats.org/drawingml/2006/main" xmlns:r="http://schemas.openxmlformats.org/officeDocument/2006/relationships" xmlns:p="http://schemas.openxmlformats.org/presentationml/2006/main">
   <p:cSld>
+    <p:bg>
+      <p:bgPr>
+        <a:solidFill>
+          <a:schemeClr val="tx1"/>
+        </a:solidFill>
+        <a:effectLst/>
+      </p:bgPr>
+    </p:bg>
     <p:spTree>
       <p:nvGrpSpPr>
         <p:cNvPr id="1" name=""/>
@@ -4058,6 +7551,140 @@
       </p:grpSpPr>
       <p:sp>
         <p:nvSpPr>
+          <p:cNvPr id="10" name="Rectangle 6">
+            <a:extLst>
+              <a:ext uri="{FF2B5EF4-FFF2-40B4-BE49-F238E27FC236}">
+                <a16:creationId xmlns:a16="http://schemas.microsoft.com/office/drawing/2014/main" id="{2A8AA5BC-4F7A-4226-8F99-6D824B226A97}"/>
+              </a:ext>
+              <a:ext uri="{C183D7F6-B498-43B3-948B-1728B52AA6E4}">
+                <adec:decorative xmlns:adec="http://schemas.microsoft.com/office/drawing/2017/decorative" val="1"/>
+              </a:ext>
+            </a:extLst>
+          </p:cNvPr>
+          <p:cNvSpPr>
+            <a:spLocks noGrp="1" noRot="1" noChangeAspect="1" noMove="1" noResize="1" noEditPoints="1" noAdjustHandles="1" noChangeArrowheads="1" noChangeShapeType="1" noTextEdit="1"/>
+          </p:cNvSpPr>
+          <p:nvPr>
+            <p:extLst>
+              <p:ext uri="{386F3935-93C4-4BCD-93E2-E3B085C9AB24}">
+                <p16:designElem xmlns:p16="http://schemas.microsoft.com/office/powerpoint/2015/main" val="1"/>
+              </p:ext>
+            </p:extLst>
+          </p:nvPr>
+        </p:nvSpPr>
+        <p:spPr>
+          <a:xfrm>
+            <a:off x="0" y="-3324"/>
+            <a:ext cx="12192000" cy="6861324"/>
+          </a:xfrm>
+          <a:prstGeom prst="rect">
+            <a:avLst/>
+          </a:prstGeom>
+          <a:solidFill>
+            <a:schemeClr val="tx1"/>
+          </a:solidFill>
+          <a:ln>
+            <a:noFill/>
+          </a:ln>
+        </p:spPr>
+        <p:style>
+          <a:lnRef idx="2">
+            <a:schemeClr val="accent1">
+              <a:shade val="50000"/>
+            </a:schemeClr>
+          </a:lnRef>
+          <a:fillRef idx="1">
+            <a:schemeClr val="accent1"/>
+          </a:fillRef>
+          <a:effectRef idx="0">
+            <a:schemeClr val="accent1"/>
+          </a:effectRef>
+          <a:fontRef idx="minor">
+            <a:schemeClr val="lt1"/>
+          </a:fontRef>
+        </p:style>
+        <p:txBody>
+          <a:bodyPr rtlCol="0" anchor="ctr"/>
+          <a:lstStyle/>
+          <a:p>
+            <a:pPr algn="ctr"/>
+            <a:endParaRPr lang="en-US"/>
+          </a:p>
+        </p:txBody>
+      </p:sp>
+      <p:sp>
+        <p:nvSpPr>
+          <p:cNvPr id="12" name="Rectangle 8">
+            <a:extLst>
+              <a:ext uri="{FF2B5EF4-FFF2-40B4-BE49-F238E27FC236}">
+                <a16:creationId xmlns:a16="http://schemas.microsoft.com/office/drawing/2014/main" id="{3E5445C6-DD42-4979-86FF-03730E8C6DB0}"/>
+              </a:ext>
+              <a:ext uri="{C183D7F6-B498-43B3-948B-1728B52AA6E4}">
+                <adec:decorative xmlns:adec="http://schemas.microsoft.com/office/drawing/2017/decorative" val="1"/>
+              </a:ext>
+            </a:extLst>
+          </p:cNvPr>
+          <p:cNvSpPr>
+            <a:spLocks noGrp="1" noRot="1" noChangeAspect="1" noMove="1" noResize="1" noEditPoints="1" noAdjustHandles="1" noChangeArrowheads="1" noChangeShapeType="1" noTextEdit="1"/>
+          </p:cNvSpPr>
+          <p:nvPr>
+            <p:extLst>
+              <p:ext uri="{386F3935-93C4-4BCD-93E2-E3B085C9AB24}">
+                <p16:designElem xmlns:p16="http://schemas.microsoft.com/office/powerpoint/2015/main" val="1"/>
+              </p:ext>
+            </p:extLst>
+          </p:nvPr>
+        </p:nvSpPr>
+        <p:spPr bwMode="ltGray">
+          <a:xfrm>
+            <a:off x="321734" y="321733"/>
+            <a:ext cx="11573488" cy="6214534"/>
+          </a:xfrm>
+          <a:prstGeom prst="rect">
+            <a:avLst/>
+          </a:prstGeom>
+          <a:solidFill>
+            <a:schemeClr val="bg1">
+              <a:lumMod val="75000"/>
+              <a:lumOff val="25000"/>
+            </a:schemeClr>
+          </a:solidFill>
+          <a:ln w="127000" cap="sq" cmpd="thinThick">
+            <a:solidFill>
+              <a:schemeClr val="bg1">
+                <a:lumMod val="75000"/>
+                <a:lumOff val="25000"/>
+              </a:schemeClr>
+            </a:solidFill>
+          </a:ln>
+        </p:spPr>
+        <p:style>
+          <a:lnRef idx="2">
+            <a:schemeClr val="accent1">
+              <a:shade val="50000"/>
+            </a:schemeClr>
+          </a:lnRef>
+          <a:fillRef idx="1">
+            <a:schemeClr val="accent1"/>
+          </a:fillRef>
+          <a:effectRef idx="0">
+            <a:schemeClr val="accent1"/>
+          </a:effectRef>
+          <a:fontRef idx="minor">
+            <a:schemeClr val="lt1"/>
+          </a:fontRef>
+        </p:style>
+        <p:txBody>
+          <a:bodyPr rtlCol="0" anchor="ctr"/>
+          <a:lstStyle/>
+          <a:p>
+            <a:pPr algn="ctr"/>
+            <a:endParaRPr lang="en-US"/>
+          </a:p>
+        </p:txBody>
+      </p:sp>
+      <p:sp>
+        <p:nvSpPr>
           <p:cNvPr id="2" name="Title 1">
             <a:extLst>
               <a:ext uri="{FF2B5EF4-FFF2-40B4-BE49-F238E27FC236}">
@@ -4072,59 +7699,82 @@
             <p:ph type="title"/>
           </p:nvPr>
         </p:nvSpPr>
-        <p:spPr/>
+        <p:spPr>
+          <a:xfrm>
+            <a:off x="1524000" y="1122362"/>
+            <a:ext cx="9144000" cy="2840037"/>
+          </a:xfrm>
+        </p:spPr>
         <p:txBody>
-          <a:bodyPr/>
+          <a:bodyPr vert="horz" lIns="91440" tIns="45720" rIns="91440" bIns="45720" rtlCol="0" anchor="b">
+            <a:normAutofit/>
+          </a:bodyPr>
           <a:lstStyle/>
           <a:p>
-            <a:r>
-              <a:rPr lang="en-US">
-                <a:cs typeface="Calibri Light"/>
+            <a:pPr algn="ctr"/>
+            <a:r>
+              <a:rPr lang="en-US" sz="5800" kern="1200" dirty="0">
+                <a:latin typeface="Arial Black"/>
               </a:rPr>
-              <a:t>TLS (</a:t>
-            </a:r>
-            <a:r>
-              <a:rPr lang="en"/>
-              <a:t>Transport Layer Security</a:t>
-            </a:r>
-            <a:r>
-              <a:rPr lang="en-US">
-                <a:ea typeface="+mj-lt"/>
-                <a:cs typeface="+mj-lt"/>
-              </a:rPr>
-              <a:t>)</a:t>
-            </a:r>
-            <a:endParaRPr lang="en-US">
-              <a:cs typeface="Calibri Light"/>
-            </a:endParaRPr>
+              <a:t>TLS (Transport Layer Security)</a:t>
+            </a:r>
           </a:p>
         </p:txBody>
       </p:sp>
-      <p:sp>
-        <p:nvSpPr>
-          <p:cNvPr id="3" name="Text Placeholder 2">
+      <p:cxnSp>
+        <p:nvCxnSpPr>
+          <p:cNvPr id="13" name="Straight Connector 10">
             <a:extLst>
               <a:ext uri="{FF2B5EF4-FFF2-40B4-BE49-F238E27FC236}">
-                <a16:creationId xmlns:a16="http://schemas.microsoft.com/office/drawing/2014/main" id="{E38EB11C-E9A4-47B4-81B5-5DF12ED60185}"/>
+                <a16:creationId xmlns:a16="http://schemas.microsoft.com/office/drawing/2014/main" id="{45000665-DFC7-417E-8FD7-516A0F15C975}"/>
+              </a:ext>
+              <a:ext uri="{C183D7F6-B498-43B3-948B-1728B52AA6E4}">
+                <adec:decorative xmlns:adec="http://schemas.microsoft.com/office/drawing/2017/decorative" val="1"/>
               </a:ext>
             </a:extLst>
           </p:cNvPr>
-          <p:cNvSpPr>
-            <a:spLocks noGrp="1"/>
-          </p:cNvSpPr>
-          <p:nvPr>
-            <p:ph type="body" idx="1"/>
-          </p:nvPr>
-        </p:nvSpPr>
-        <p:spPr/>
-        <p:txBody>
-          <a:bodyPr/>
-          <a:lstStyle/>
-          <a:p>
-            <a:endParaRPr lang="en-US"/>
-          </a:p>
-        </p:txBody>
-      </p:sp>
+          <p:cNvCxnSpPr>
+            <a:cxnSpLocks noGrp="1" noRot="1" noChangeAspect="1" noMove="1" noResize="1" noEditPoints="1" noAdjustHandles="1" noChangeArrowheads="1" noChangeShapeType="1"/>
+          </p:cNvCxnSpPr>
+          <p:nvPr>
+            <p:extLst>
+              <p:ext uri="{386F3935-93C4-4BCD-93E2-E3B085C9AB24}">
+                <p16:designElem xmlns:p16="http://schemas.microsoft.com/office/powerpoint/2015/main" val="1"/>
+              </p:ext>
+            </p:extLst>
+          </p:nvPr>
+        </p:nvCxnSpPr>
+        <p:spPr>
+          <a:xfrm>
+            <a:off x="4724400" y="4109417"/>
+            <a:ext cx="2743200" cy="0"/>
+          </a:xfrm>
+          <a:prstGeom prst="line">
+            <a:avLst/>
+          </a:prstGeom>
+          <a:ln w="12700">
+            <a:solidFill>
+              <a:schemeClr val="tx1">
+                <a:lumMod val="85000"/>
+              </a:schemeClr>
+            </a:solidFill>
+          </a:ln>
+        </p:spPr>
+        <p:style>
+          <a:lnRef idx="1">
+            <a:schemeClr val="accent1"/>
+          </a:lnRef>
+          <a:fillRef idx="0">
+            <a:schemeClr val="accent1"/>
+          </a:fillRef>
+          <a:effectRef idx="0">
+            <a:schemeClr val="accent1"/>
+          </a:effectRef>
+          <a:fontRef idx="minor">
+            <a:schemeClr val="tx1"/>
+          </a:fontRef>
+        </p:style>
+      </p:cxnSp>
     </p:spTree>
     <p:extLst>
       <p:ext uri="{BB962C8B-B14F-4D97-AF65-F5344CB8AC3E}">
@@ -4133,7 +7783,7 @@
     </p:extLst>
   </p:cSld>
   <p:clrMapOvr>
-    <a:masterClrMapping/>
+    <a:overrideClrMapping bg1="dk1" tx1="lt1" bg2="dk2" tx2="lt2" accent1="accent1" accent2="accent2" accent3="accent3" accent4="accent4" accent5="accent5" accent6="accent6" hlink="hlink" folHlink="folHlink"/>
   </p:clrMapOvr>
 </p:sld>
 </file>
@@ -4160,6 +7810,253 @@
           <p:cNvPr id="2" name="Title 1">
             <a:extLst>
               <a:ext uri="{FF2B5EF4-FFF2-40B4-BE49-F238E27FC236}">
+                <a16:creationId xmlns:a16="http://schemas.microsoft.com/office/drawing/2014/main" id="{A47AA4FE-8CC7-4B32-B977-FD79DC6428C2}"/>
+              </a:ext>
+            </a:extLst>
+          </p:cNvPr>
+          <p:cNvSpPr>
+            <a:spLocks noGrp="1"/>
+          </p:cNvSpPr>
+          <p:nvPr>
+            <p:ph type="title"/>
+          </p:nvPr>
+        </p:nvSpPr>
+        <p:spPr/>
+        <p:txBody>
+          <a:bodyPr/>
+          <a:lstStyle/>
+          <a:p>
+            <a:pPr algn="ctr"/>
+            <a:r>
+              <a:rPr lang="en-US" dirty="0" err="1">
+                <a:latin typeface="Arial Black"/>
+                <a:cs typeface="Calibri Light"/>
+              </a:rPr>
+              <a:t>Aktualizacja</a:t>
+            </a:r>
+            <a:r>
+              <a:rPr lang="en-US" dirty="0">
+                <a:latin typeface="Arial Black"/>
+                <a:cs typeface="Calibri Light"/>
+              </a:rPr>
+              <a:t> </a:t>
+            </a:r>
+            <a:r>
+              <a:rPr lang="en-US" dirty="0" err="1">
+                <a:latin typeface="Arial Black"/>
+                <a:cs typeface="Calibri Light"/>
+              </a:rPr>
+              <a:t>cen</a:t>
+            </a:r>
+            <a:endParaRPr lang="en-US" dirty="0">
+              <a:latin typeface="Arial Black"/>
+              <a:cs typeface="Calibri Light"/>
+            </a:endParaRPr>
+          </a:p>
+        </p:txBody>
+      </p:sp>
+      <p:pic>
+        <p:nvPicPr>
+          <p:cNvPr id="8" name="Picture 8" descr="A close up of a sign&#10;&#10;Description generated with very high confidence">
+            <a:extLst>
+              <a:ext uri="{FF2B5EF4-FFF2-40B4-BE49-F238E27FC236}">
+                <a16:creationId xmlns:a16="http://schemas.microsoft.com/office/drawing/2014/main" id="{18F7C93F-9096-47FA-B141-42FF5A40522C}"/>
+              </a:ext>
+            </a:extLst>
+          </p:cNvPr>
+          <p:cNvPicPr>
+            <a:picLocks noGrp="1" noChangeAspect="1"/>
+          </p:cNvPicPr>
+          <p:nvPr>
+            <p:ph sz="half" idx="1"/>
+          </p:nvPr>
+        </p:nvPicPr>
+        <p:blipFill>
+          <a:blip r:embed="rId2"/>
+          <a:stretch>
+            <a:fillRect/>
+          </a:stretch>
+        </p:blipFill>
+        <p:spPr>
+          <a:xfrm>
+            <a:off x="2229679" y="3311761"/>
+            <a:ext cx="7732643" cy="871063"/>
+          </a:xfrm>
+        </p:spPr>
+      </p:pic>
+      <p:pic>
+        <p:nvPicPr>
+          <p:cNvPr id="11" name="Picture 11" descr="A close up of a sign&#10;&#10;Description generated with very high confidence">
+            <a:extLst>
+              <a:ext uri="{FF2B5EF4-FFF2-40B4-BE49-F238E27FC236}">
+                <a16:creationId xmlns:a16="http://schemas.microsoft.com/office/drawing/2014/main" id="{9402A705-3182-479B-8F2D-693F3598573F}"/>
+              </a:ext>
+            </a:extLst>
+          </p:cNvPr>
+          <p:cNvPicPr>
+            <a:picLocks noGrp="1" noChangeAspect="1"/>
+          </p:cNvPicPr>
+          <p:nvPr>
+            <p:ph sz="half" idx="2"/>
+          </p:nvPr>
+        </p:nvPicPr>
+        <p:blipFill>
+          <a:blip r:embed="rId3"/>
+          <a:stretch>
+            <a:fillRect/>
+          </a:stretch>
+        </p:blipFill>
+        <p:spPr>
+          <a:xfrm>
+            <a:off x="3179418" y="1693989"/>
+            <a:ext cx="5833164" cy="1014436"/>
+          </a:xfrm>
+        </p:spPr>
+      </p:pic>
+      <p:pic>
+        <p:nvPicPr>
+          <p:cNvPr id="12" name="Picture 12" descr="A picture containing photo, holding, woman, people&#10;&#10;Description generated with very high confidence">
+            <a:extLst>
+              <a:ext uri="{FF2B5EF4-FFF2-40B4-BE49-F238E27FC236}">
+                <a16:creationId xmlns:a16="http://schemas.microsoft.com/office/drawing/2014/main" id="{F803B4BA-390C-47C1-9D81-2049210EEE5C}"/>
+              </a:ext>
+            </a:extLst>
+          </p:cNvPr>
+          <p:cNvPicPr>
+            <a:picLocks noChangeAspect="1"/>
+          </p:cNvPicPr>
+          <p:nvPr/>
+        </p:nvPicPr>
+        <p:blipFill>
+          <a:blip r:embed="rId4"/>
+          <a:stretch>
+            <a:fillRect/>
+          </a:stretch>
+        </p:blipFill>
+        <p:spPr>
+          <a:xfrm>
+            <a:off x="3951356" y="4842328"/>
+            <a:ext cx="4289286" cy="1215258"/>
+          </a:xfrm>
+          <a:prstGeom prst="rect">
+            <a:avLst/>
+          </a:prstGeom>
+        </p:spPr>
+      </p:pic>
+    </p:spTree>
+    <p:extLst>
+      <p:ext uri="{BB962C8B-B14F-4D97-AF65-F5344CB8AC3E}">
+        <p14:creationId xmlns:p14="http://schemas.microsoft.com/office/powerpoint/2010/main" val="1059566888"/>
+      </p:ext>
+    </p:extLst>
+  </p:cSld>
+  <p:clrMapOvr>
+    <a:masterClrMapping/>
+  </p:clrMapOvr>
+</p:sld>
+</file>
+
+<file path=ppt/slides/slide21.xml><?xml version="1.0" encoding="utf-8"?>
+<p:sld xmlns:a="http://schemas.openxmlformats.org/drawingml/2006/main" xmlns:r="http://schemas.openxmlformats.org/officeDocument/2006/relationships" xmlns:p="http://schemas.openxmlformats.org/presentationml/2006/main">
+  <p:cSld>
+    <p:bg>
+      <p:bgPr>
+        <a:solidFill>
+          <a:schemeClr val="bg1"/>
+        </a:solidFill>
+        <a:effectLst/>
+      </p:bgPr>
+    </p:bg>
+    <p:spTree>
+      <p:nvGrpSpPr>
+        <p:cNvPr id="1" name=""/>
+        <p:cNvGrpSpPr/>
+        <p:nvPr/>
+      </p:nvGrpSpPr>
+      <p:grpSpPr>
+        <a:xfrm>
+          <a:off x="0" y="0"/>
+          <a:ext cx="0" cy="0"/>
+          <a:chOff x="0" y="0"/>
+          <a:chExt cx="0" cy="0"/>
+        </a:xfrm>
+      </p:grpSpPr>
+      <p:sp>
+        <p:nvSpPr>
+          <p:cNvPr id="5" name="Rectangle 7">
+            <a:extLst>
+              <a:ext uri="{FF2B5EF4-FFF2-40B4-BE49-F238E27FC236}">
+                <a16:creationId xmlns:a16="http://schemas.microsoft.com/office/drawing/2014/main" id="{F98ED85F-DCEE-4B50-802E-71A6E3E12B04}"/>
+              </a:ext>
+              <a:ext uri="{C183D7F6-B498-43B3-948B-1728B52AA6E4}">
+                <adec:decorative xmlns:adec="http://schemas.microsoft.com/office/drawing/2017/decorative" val="1"/>
+              </a:ext>
+            </a:extLst>
+          </p:cNvPr>
+          <p:cNvSpPr>
+            <a:spLocks noGrp="1" noRot="1" noChangeAspect="1" noMove="1" noResize="1" noEditPoints="1" noAdjustHandles="1" noChangeArrowheads="1" noChangeShapeType="1" noTextEdit="1"/>
+          </p:cNvSpPr>
+          <p:nvPr>
+            <p:extLst>
+              <p:ext uri="{386F3935-93C4-4BCD-93E2-E3B085C9AB24}">
+                <p16:designElem xmlns:p16="http://schemas.microsoft.com/office/powerpoint/2015/main" val="1"/>
+              </p:ext>
+            </p:extLst>
+          </p:nvPr>
+        </p:nvSpPr>
+        <p:spPr bwMode="ltGray">
+          <a:xfrm>
+            <a:off x="321564" y="320040"/>
+            <a:ext cx="11548872" cy="6217920"/>
+          </a:xfrm>
+          <a:prstGeom prst="rect">
+            <a:avLst/>
+          </a:prstGeom>
+          <a:solidFill>
+            <a:schemeClr val="tx1">
+              <a:alpha val="14000"/>
+            </a:schemeClr>
+          </a:solidFill>
+          <a:ln w="127000" cap="sq" cmpd="thinThick">
+            <a:solidFill>
+              <a:schemeClr val="tx1">
+                <a:lumMod val="85000"/>
+                <a:lumOff val="15000"/>
+                <a:alpha val="15000"/>
+              </a:schemeClr>
+            </a:solidFill>
+          </a:ln>
+        </p:spPr>
+        <p:style>
+          <a:lnRef idx="2">
+            <a:schemeClr val="accent1">
+              <a:shade val="50000"/>
+            </a:schemeClr>
+          </a:lnRef>
+          <a:fillRef idx="1">
+            <a:schemeClr val="accent1"/>
+          </a:fillRef>
+          <a:effectRef idx="0">
+            <a:schemeClr val="accent1"/>
+          </a:effectRef>
+          <a:fontRef idx="minor">
+            <a:schemeClr val="lt1"/>
+          </a:fontRef>
+        </p:style>
+        <p:txBody>
+          <a:bodyPr rtlCol="0" anchor="ctr"/>
+          <a:lstStyle/>
+          <a:p>
+            <a:pPr algn="ctr"/>
+            <a:endParaRPr lang="en-US"/>
+          </a:p>
+        </p:txBody>
+      </p:sp>
+      <p:sp>
+        <p:nvSpPr>
+          <p:cNvPr id="2" name="Title 1">
+            <a:extLst>
+              <a:ext uri="{FF2B5EF4-FFF2-40B4-BE49-F238E27FC236}">
                 <a16:creationId xmlns:a16="http://schemas.microsoft.com/office/drawing/2014/main" id="{0B7552AD-03F0-49C2-8583-49C821744B7C}"/>
               </a:ext>
             </a:extLst>
@@ -4171,21 +8068,88 @@
             <p:ph type="title"/>
           </p:nvPr>
         </p:nvSpPr>
-        <p:spPr/>
+        <p:spPr>
+          <a:xfrm>
+            <a:off x="838200" y="631825"/>
+            <a:ext cx="10515600" cy="1325563"/>
+          </a:xfrm>
+        </p:spPr>
         <p:txBody>
-          <a:bodyPr/>
+          <a:bodyPr>
+            <a:normAutofit/>
+          </a:bodyPr>
           <a:lstStyle/>
           <a:p>
-            <a:r>
-              <a:rPr lang="en-US">
+            <a:pPr algn="ctr"/>
+            <a:r>
+              <a:rPr lang="en-US" dirty="0" err="1">
+                <a:latin typeface="Arial Black"/>
                 <a:cs typeface="Calibri Light"/>
               </a:rPr>
               <a:t>Bibliografia</a:t>
             </a:r>
-            <a:endParaRPr lang="en-US"/>
+            <a:endParaRPr lang="en-US" dirty="0">
+              <a:latin typeface="Arial Black"/>
+              <a:cs typeface="Calibri Light"/>
+            </a:endParaRPr>
           </a:p>
         </p:txBody>
       </p:sp>
+      <p:cxnSp>
+        <p:nvCxnSpPr>
+          <p:cNvPr id="10" name="Straight Connector 9">
+            <a:extLst>
+              <a:ext uri="{FF2B5EF4-FFF2-40B4-BE49-F238E27FC236}">
+                <a16:creationId xmlns:a16="http://schemas.microsoft.com/office/drawing/2014/main" id="{E8E35B83-1EC3-4F87-9D54-D863463351B9}"/>
+              </a:ext>
+              <a:ext uri="{C183D7F6-B498-43B3-948B-1728B52AA6E4}">
+                <adec:decorative xmlns:adec="http://schemas.microsoft.com/office/drawing/2017/decorative" val="1"/>
+              </a:ext>
+            </a:extLst>
+          </p:cNvPr>
+          <p:cNvCxnSpPr>
+            <a:cxnSpLocks noGrp="1" noRot="1" noChangeAspect="1" noMove="1" noResize="1" noEditPoints="1" noAdjustHandles="1" noChangeArrowheads="1" noChangeShapeType="1"/>
+          </p:cNvCxnSpPr>
+          <p:nvPr>
+            <p:extLst>
+              <p:ext uri="{386F3935-93C4-4BCD-93E2-E3B085C9AB24}">
+                <p16:designElem xmlns:p16="http://schemas.microsoft.com/office/powerpoint/2015/main" val="1"/>
+              </p:ext>
+            </p:extLst>
+          </p:nvPr>
+        </p:nvCxnSpPr>
+        <p:spPr>
+          <a:xfrm>
+            <a:off x="897636" y="1957388"/>
+            <a:ext cx="10396728" cy="0"/>
+          </a:xfrm>
+          <a:prstGeom prst="line">
+            <a:avLst/>
+          </a:prstGeom>
+          <a:ln w="22225">
+            <a:solidFill>
+              <a:schemeClr val="tx1">
+                <a:lumMod val="50000"/>
+                <a:lumOff val="50000"/>
+              </a:schemeClr>
+            </a:solidFill>
+          </a:ln>
+        </p:spPr>
+        <p:style>
+          <a:lnRef idx="1">
+            <a:schemeClr val="accent1"/>
+          </a:lnRef>
+          <a:fillRef idx="0">
+            <a:schemeClr val="accent1"/>
+          </a:fillRef>
+          <a:effectRef idx="0">
+            <a:schemeClr val="accent1"/>
+          </a:effectRef>
+          <a:fontRef idx="minor">
+            <a:schemeClr val="tx1"/>
+          </a:fontRef>
+        </p:style>
+      </p:cxnSp>
       <p:sp>
         <p:nvSpPr>
           <p:cNvPr id="3" name="Content Placeholder 2">
@@ -4202,15 +8166,20 @@
             <p:ph idx="1"/>
           </p:nvPr>
         </p:nvSpPr>
-        <p:spPr/>
+        <p:spPr>
+          <a:xfrm>
+            <a:off x="838200" y="2269173"/>
+            <a:ext cx="10515600" cy="3659988"/>
+          </a:xfrm>
+        </p:spPr>
         <p:txBody>
-          <a:bodyPr vert="horz" lIns="91440" tIns="45720" rIns="91440" bIns="45720" rtlCol="0" anchor="t">
+          <a:bodyPr vert="horz" lIns="91440" tIns="45720" rIns="91440" bIns="45720" rtlCol="0">
             <a:normAutofit/>
           </a:bodyPr>
           <a:lstStyle/>
           <a:p>
             <a:r>
-              <a:rPr lang="en-US" dirty="0">
+              <a:rPr lang="en-US" sz="2400">
                 <a:ea typeface="+mn-lt"/>
                 <a:cs typeface="+mn-lt"/>
                 <a:hlinkClick r:id="rId2"/>
@@ -4220,7 +8189,7 @@
           </a:p>
           <a:p>
             <a:r>
-              <a:rPr lang="en-US" dirty="0">
+              <a:rPr lang="en-US" sz="2400">
                 <a:ea typeface="+mn-lt"/>
                 <a:cs typeface="+mn-lt"/>
                 <a:hlinkClick r:id="rId3"/>
@@ -4230,7 +8199,7 @@
           </a:p>
           <a:p>
             <a:r>
-              <a:rPr lang="en-US" dirty="0">
+              <a:rPr lang="en-US" sz="2400">
                 <a:ea typeface="+mn-lt"/>
                 <a:cs typeface="+mn-lt"/>
                 <a:hlinkClick r:id="rId4"/>
@@ -4240,14 +8209,14 @@
           </a:p>
           <a:p>
             <a:r>
-              <a:rPr lang="en-US" dirty="0">
+              <a:rPr lang="en-US" sz="2400">
                 <a:ea typeface="+mn-lt"/>
                 <a:cs typeface="+mn-lt"/>
                 <a:hlinkClick r:id="rId5"/>
               </a:rPr>
               <a:t>https://matplotlib.org/3.2.1/contents.html</a:t>
             </a:r>
-            <a:endParaRPr lang="en-US" dirty="0">
+            <a:endParaRPr lang="en-US" sz="2400">
               <a:cs typeface="Calibri"/>
             </a:endParaRPr>
           </a:p>
@@ -4269,6 +8238,14 @@
 <file path=ppt/slides/slide3.xml><?xml version="1.0" encoding="utf-8"?>
 <p:sld xmlns:a="http://schemas.openxmlformats.org/drawingml/2006/main" xmlns:r="http://schemas.openxmlformats.org/officeDocument/2006/relationships" xmlns:p="http://schemas.openxmlformats.org/presentationml/2006/main">
   <p:cSld>
+    <p:bg>
+      <p:bgPr>
+        <a:solidFill>
+          <a:schemeClr val="bg1"/>
+        </a:solidFill>
+        <a:effectLst/>
+      </p:bgPr>
+    </p:bg>
     <p:spTree>
       <p:nvGrpSpPr>
         <p:cNvPr id="1" name=""/>
@@ -4299,125 +8276,60 @@
             <p:ph type="title"/>
           </p:nvPr>
         </p:nvSpPr>
-        <p:spPr/>
+        <p:spPr>
+          <a:xfrm>
+            <a:off x="838200" y="365125"/>
+            <a:ext cx="10515600" cy="1325563"/>
+          </a:xfrm>
+        </p:spPr>
         <p:txBody>
-          <a:bodyPr/>
+          <a:bodyPr>
+            <a:normAutofit/>
+          </a:bodyPr>
           <a:lstStyle/>
           <a:p>
+            <a:pPr algn="ctr"/>
             <a:r>
               <a:rPr lang="en-US">
+                <a:latin typeface="Verdana Pro Black"/>
                 <a:cs typeface="Calibri Light"/>
               </a:rPr>
               <a:t>TLS/SSL</a:t>
             </a:r>
-            <a:endParaRPr lang="en-US"/>
           </a:p>
         </p:txBody>
       </p:sp>
-      <p:sp>
-        <p:nvSpPr>
-          <p:cNvPr id="3" name="Content Placeholder 2">
+      <p:graphicFrame>
+        <p:nvGraphicFramePr>
+          <p:cNvPr id="6" name="Content Placeholder 2">
             <a:extLst>
               <a:ext uri="{FF2B5EF4-FFF2-40B4-BE49-F238E27FC236}">
-                <a16:creationId xmlns:a16="http://schemas.microsoft.com/office/drawing/2014/main" id="{31F7ACF8-5BD6-4E3C-A076-AFB17295BAAA}"/>
+                <a16:creationId xmlns:a16="http://schemas.microsoft.com/office/drawing/2014/main" id="{008A7DD0-CA76-4EEF-B0C7-0F9C87EC1F0E}"/>
               </a:ext>
             </a:extLst>
           </p:cNvPr>
-          <p:cNvSpPr>
-            <a:spLocks noGrp="1"/>
-          </p:cNvSpPr>
+          <p:cNvGraphicFramePr>
+            <a:graphicFrameLocks noGrp="1"/>
+          </p:cNvGraphicFramePr>
           <p:nvPr>
             <p:ph idx="1"/>
-          </p:nvPr>
-        </p:nvSpPr>
-        <p:spPr/>
-        <p:txBody>
-          <a:bodyPr vert="horz" lIns="91440" tIns="45720" rIns="91440" bIns="45720" rtlCol="0" anchor="t">
-            <a:normAutofit/>
-          </a:bodyPr>
-          <a:lstStyle/>
-          <a:p>
-            <a:r>
-              <a:rPr lang="en-US" dirty="0">
-                <a:ea typeface="+mn-lt"/>
-                <a:cs typeface="+mn-lt"/>
-                <a:hlinkClick r:id="rId2"/>
-              </a:rPr>
-              <a:t>communications security</a:t>
-            </a:r>
-            <a:r>
-              <a:rPr lang="en-US" dirty="0">
-                <a:ea typeface="+mn-lt"/>
-                <a:cs typeface="+mn-lt"/>
-              </a:rPr>
-              <a:t> </a:t>
-            </a:r>
-            <a:r>
-              <a:rPr lang="en-US">
-                <a:ea typeface="+mn-lt"/>
-                <a:cs typeface="+mn-lt"/>
-              </a:rPr>
-              <a:t>over a </a:t>
-            </a:r>
-            <a:r>
-              <a:rPr lang="en-US" u="sng" dirty="0">
-                <a:ea typeface="+mn-lt"/>
-                <a:cs typeface="+mn-lt"/>
-                <a:hlinkClick r:id="rId3"/>
-              </a:rPr>
-              <a:t>computer network</a:t>
-            </a:r>
-            <a:endParaRPr lang="en-US" dirty="0">
-              <a:cs typeface="Calibri"/>
-            </a:endParaRPr>
-          </a:p>
-          <a:p>
-            <a:r>
-              <a:rPr lang="en-US" dirty="0">
-                <a:ea typeface="+mn-lt"/>
-                <a:cs typeface="+mn-lt"/>
-                <a:hlinkClick r:id="rId4"/>
-              </a:rPr>
-              <a:t>privacy</a:t>
-            </a:r>
-            <a:r>
-              <a:rPr lang="en-US">
-                <a:ea typeface="+mn-lt"/>
-                <a:cs typeface="+mn-lt"/>
-              </a:rPr>
-              <a:t> and </a:t>
-            </a:r>
-            <a:r>
-              <a:rPr lang="en-US" dirty="0">
-                <a:ea typeface="+mn-lt"/>
-                <a:cs typeface="+mn-lt"/>
-                <a:hlinkClick r:id="rId5"/>
-              </a:rPr>
-              <a:t>data integrity</a:t>
-            </a:r>
-            <a:r>
-              <a:rPr lang="en-US" dirty="0">
-                <a:ea typeface="+mn-lt"/>
-                <a:cs typeface="+mn-lt"/>
-              </a:rPr>
-              <a:t> </a:t>
-            </a:r>
-            <a:endParaRPr lang="en-US" dirty="0">
-              <a:cs typeface="Calibri"/>
-            </a:endParaRPr>
-          </a:p>
-          <a:p>
-            <a:endParaRPr lang="en-US" dirty="0">
-              <a:cs typeface="Calibri"/>
-            </a:endParaRPr>
-          </a:p>
-          <a:p>
-            <a:endParaRPr lang="en-US" dirty="0">
-              <a:cs typeface="Calibri"/>
-            </a:endParaRPr>
-          </a:p>
-        </p:txBody>
-      </p:sp>
+            <p:extLst>
+              <p:ext uri="{D42A27DB-BD31-4B8C-83A1-F6EECF244321}">
+                <p14:modId xmlns:p14="http://schemas.microsoft.com/office/powerpoint/2010/main" val="4260273869"/>
+              </p:ext>
+            </p:extLst>
+          </p:nvPr>
+        </p:nvGraphicFramePr>
+        <p:xfrm>
+          <a:off x="838200" y="1828800"/>
+          <a:ext cx="10515600" cy="4352544"/>
+        </p:xfrm>
+        <a:graphic>
+          <a:graphicData uri="http://schemas.openxmlformats.org/drawingml/2006/diagram">
+            <dgm:relIds xmlns:dgm="http://schemas.openxmlformats.org/drawingml/2006/diagram" xmlns:r="http://schemas.openxmlformats.org/officeDocument/2006/relationships" r:dm="rId2" r:lo="rId3" r:qs="rId4" r:cs="rId5"/>
+          </a:graphicData>
+        </a:graphic>
+      </p:graphicFrame>
     </p:spTree>
     <p:extLst>
       <p:ext uri="{BB962C8B-B14F-4D97-AF65-F5344CB8AC3E}">
@@ -4464,21 +8376,51 @@
             <p:ph type="title"/>
           </p:nvPr>
         </p:nvSpPr>
-        <p:spPr/>
+        <p:spPr>
+          <a:xfrm>
+            <a:off x="838200" y="541686"/>
+            <a:ext cx="10515600" cy="1325563"/>
+          </a:xfrm>
+        </p:spPr>
         <p:txBody>
           <a:bodyPr/>
           <a:lstStyle/>
           <a:p>
-            <a:endParaRPr lang="en-US"/>
+            <a:pPr algn="ctr"/>
+            <a:r>
+              <a:rPr lang="en-US" sz="4000" dirty="0" err="1">
+                <a:latin typeface="Arial Black"/>
+                <a:cs typeface="Calibri Light"/>
+              </a:rPr>
+              <a:t>Zestawianie</a:t>
+            </a:r>
+            <a:r>
+              <a:rPr lang="en-US" sz="4000" dirty="0">
+                <a:latin typeface="Arial Black"/>
+                <a:cs typeface="Calibri Light"/>
+              </a:rPr>
+              <a:t> </a:t>
+            </a:r>
+            <a:r>
+              <a:rPr lang="en-US" sz="4000" dirty="0" err="1">
+                <a:latin typeface="Arial Black"/>
+                <a:cs typeface="Calibri Light"/>
+              </a:rPr>
+              <a:t>połączenia</a:t>
+            </a:r>
+            <a:endParaRPr lang="en-US" sz="4000" dirty="0">
+              <a:latin typeface="Arial Black"/>
+              <a:cs typeface="Calibri Light"/>
+            </a:endParaRPr>
           </a:p>
         </p:txBody>
       </p:sp>
       <p:pic>
         <p:nvPicPr>
-          <p:cNvPr id="4" name="Picture 4" descr="A screenshot of a cell phone&#10;&#10;Description generated with very high confidence">
+          <p:cNvPr id="8" name="Picture 8" descr="A screenshot of text&#10;&#10;Description generated with very high confidence">
             <a:extLst>
               <a:ext uri="{FF2B5EF4-FFF2-40B4-BE49-F238E27FC236}">
-                <a16:creationId xmlns:a16="http://schemas.microsoft.com/office/drawing/2014/main" id="{C0C1BEC3-B759-47FE-9625-8872E289F481}"/>
+                <a16:creationId xmlns:a16="http://schemas.microsoft.com/office/drawing/2014/main" id="{510BBE1C-CA9B-41CF-977B-C3ADACE2D0C0}"/>
               </a:ext>
             </a:extLst>
           </p:cNvPr>
@@ -4497,8 +8439,8 @@
         </p:blipFill>
         <p:spPr>
           <a:xfrm>
-            <a:off x="838200" y="2574902"/>
-            <a:ext cx="10515600" cy="2852783"/>
+            <a:off x="1433512" y="2158323"/>
+            <a:ext cx="9324975" cy="2533650"/>
           </a:xfrm>
         </p:spPr>
       </p:pic>
@@ -4518,6 +8460,14 @@
 <file path=ppt/slides/slide5.xml><?xml version="1.0" encoding="utf-8"?>
 <p:sld xmlns:a="http://schemas.openxmlformats.org/drawingml/2006/main" xmlns:r="http://schemas.openxmlformats.org/officeDocument/2006/relationships" xmlns:p="http://schemas.openxmlformats.org/presentationml/2006/main">
   <p:cSld>
+    <p:bg>
+      <p:bgPr>
+        <a:solidFill>
+          <a:schemeClr val="bg1"/>
+        </a:solidFill>
+        <a:effectLst/>
+      </p:bgPr>
+    </p:bg>
     <p:spTree>
       <p:nvGrpSpPr>
         <p:cNvPr id="1" name=""/>
@@ -4534,6 +8484,98 @@
       </p:grpSpPr>
       <p:sp>
         <p:nvSpPr>
+          <p:cNvPr id="16" name="Rectangle 15">
+            <a:extLst>
+              <a:ext uri="{FF2B5EF4-FFF2-40B4-BE49-F238E27FC236}">
+                <a16:creationId xmlns:a16="http://schemas.microsoft.com/office/drawing/2014/main" id="{42A5316D-ED2F-4F89-B4B4-8D9240B1A348}"/>
+              </a:ext>
+              <a:ext uri="{C183D7F6-B498-43B3-948B-1728B52AA6E4}">
+                <adec:decorative xmlns:adec="http://schemas.microsoft.com/office/drawing/2017/decorative" val="1"/>
+              </a:ext>
+            </a:extLst>
+          </p:cNvPr>
+          <p:cNvSpPr>
+            <a:spLocks noGrp="1" noRot="1" noChangeAspect="1" noMove="1" noResize="1" noEditPoints="1" noAdjustHandles="1" noChangeArrowheads="1" noChangeShapeType="1" noTextEdit="1"/>
+          </p:cNvSpPr>
+          <p:nvPr>
+            <p:extLst>
+              <p:ext uri="{386F3935-93C4-4BCD-93E2-E3B085C9AB24}">
+                <p16:designElem xmlns:p16="http://schemas.microsoft.com/office/powerpoint/2015/main" val="1"/>
+              </p:ext>
+            </p:extLst>
+          </p:nvPr>
+        </p:nvSpPr>
+        <p:spPr>
+          <a:xfrm>
+            <a:off x="0" y="0"/>
+            <a:ext cx="2013557" cy="6858000"/>
+          </a:xfrm>
+          <a:prstGeom prst="rect">
+            <a:avLst/>
+          </a:prstGeom>
+          <a:solidFill>
+            <a:srgbClr val="7F7F7F"/>
+          </a:solidFill>
+          <a:ln>
+            <a:noFill/>
+          </a:ln>
+        </p:spPr>
+        <p:style>
+          <a:lnRef idx="2">
+            <a:schemeClr val="accent1">
+              <a:shade val="50000"/>
+            </a:schemeClr>
+          </a:lnRef>
+          <a:fillRef idx="1">
+            <a:schemeClr val="accent1"/>
+          </a:fillRef>
+          <a:effectRef idx="0">
+            <a:schemeClr val="accent1"/>
+          </a:effectRef>
+          <a:fontRef idx="minor">
+            <a:schemeClr val="lt1"/>
+          </a:fontRef>
+        </p:style>
+        <p:txBody>
+          <a:bodyPr rtlCol="0" anchor="ctr"/>
+          <a:lstStyle/>
+          <a:p>
+            <a:pPr marL="0" marR="0" lvl="0" indent="0" algn="ctr" defTabSz="457200" rtl="0" eaLnBrk="1" fontAlgn="auto" latinLnBrk="0" hangingPunct="1">
+              <a:lnSpc>
+                <a:spcPct val="100000"/>
+              </a:lnSpc>
+              <a:spcBef>
+                <a:spcPts val="0"/>
+              </a:spcBef>
+              <a:spcAft>
+                <a:spcPts val="0"/>
+              </a:spcAft>
+              <a:buClrTx/>
+              <a:buSzTx/>
+              <a:buFontTx/>
+              <a:buNone/>
+              <a:tabLst/>
+              <a:defRPr/>
+            </a:pPr>
+            <a:endParaRPr kumimoji="0" lang="en-US" sz="1800" b="0" i="0" u="none" strike="noStrike" kern="1200" cap="none" spc="0" normalizeH="0" baseline="0" noProof="0">
+              <a:ln>
+                <a:noFill/>
+              </a:ln>
+              <a:solidFill>
+                <a:prstClr val="white"/>
+              </a:solidFill>
+              <a:effectLst/>
+              <a:uLnTx/>
+              <a:uFillTx/>
+              <a:latin typeface="Calibri" panose="020F0502020204030204"/>
+              <a:ea typeface="+mn-ea"/>
+              <a:cs typeface="+mn-cs"/>
+            </a:endParaRPr>
+          </a:p>
+        </p:txBody>
+      </p:sp>
+      <p:sp>
+        <p:nvSpPr>
           <p:cNvPr id="2" name="Title 1">
             <a:extLst>
               <a:ext uri="{FF2B5EF4-FFF2-40B4-BE49-F238E27FC236}">
@@ -4548,12 +8590,67 @@
             <p:ph type="title"/>
           </p:nvPr>
         </p:nvSpPr>
-        <p:spPr/>
+        <p:spPr>
+          <a:xfrm>
+            <a:off x="838200" y="2057400"/>
+            <a:ext cx="2743200" cy="2743200"/>
+          </a:xfrm>
+          <a:prstGeom prst="ellipse">
+            <a:avLst/>
+          </a:prstGeom>
+          <a:solidFill>
+            <a:srgbClr val="262626"/>
+          </a:solidFill>
+          <a:ln w="174625" cmpd="thinThick">
+            <a:solidFill>
+              <a:srgbClr val="262626"/>
+            </a:solidFill>
+          </a:ln>
+        </p:spPr>
         <p:txBody>
-          <a:bodyPr/>
+          <a:bodyPr vert="horz" lIns="91440" tIns="45720" rIns="91440" bIns="45720" rtlCol="0" anchor="ctr">
+            <a:normAutofit/>
+          </a:bodyPr>
           <a:lstStyle/>
           <a:p>
-            <a:endParaRPr lang="en-US"/>
+            <a:pPr algn="ctr"/>
+            <a:r>
+              <a:rPr lang="en-US" sz="2600" b="1" kern="1200" dirty="0" err="1">
+                <a:solidFill>
+                  <a:srgbClr val="FFFFFF"/>
+                </a:solidFill>
+                <a:latin typeface="Calibri Light"/>
+                <a:cs typeface="Calibri Light"/>
+              </a:rPr>
+              <a:t>Szyfrowanie</a:t>
+            </a:r>
+            <a:r>
+              <a:rPr lang="en-US" sz="2600" b="1" kern="1200" dirty="0">
+                <a:solidFill>
+                  <a:srgbClr val="FFFFFF"/>
+                </a:solidFill>
+                <a:latin typeface="Calibri Light"/>
+                <a:cs typeface="Calibri Light"/>
+              </a:rPr>
+              <a:t> </a:t>
+            </a:r>
+            <a:r>
+              <a:rPr lang="en-US" sz="2600" b="1" dirty="0" err="1">
+                <a:solidFill>
+                  <a:srgbClr val="FFFFFF"/>
+                </a:solidFill>
+                <a:latin typeface="Calibri Light"/>
+                <a:cs typeface="Calibri Light"/>
+              </a:rPr>
+              <a:t>danych</a:t>
+            </a:r>
+            <a:endParaRPr lang="en-US" sz="2600" b="1" kern="1200" dirty="0">
+              <a:solidFill>
+                <a:srgbClr val="FFFFFF"/>
+              </a:solidFill>
+              <a:latin typeface="Calibri Light"/>
+              <a:cs typeface="Calibri Light"/>
+            </a:endParaRPr>
           </a:p>
         </p:txBody>
       </p:sp>
@@ -4581,8 +8678,8 @@
         </p:blipFill>
         <p:spPr>
           <a:xfrm>
-            <a:off x="838200" y="3398092"/>
-            <a:ext cx="5181600" cy="1206403"/>
+            <a:off x="4127500" y="1208088"/>
+            <a:ext cx="7137400" cy="1530350"/>
           </a:xfrm>
         </p:spPr>
       </p:pic>
@@ -4610,8 +8707,8 @@
         </p:blipFill>
         <p:spPr>
           <a:xfrm>
-            <a:off x="6172200" y="2938304"/>
-            <a:ext cx="5181600" cy="2125980"/>
+            <a:off x="4127500" y="2820988"/>
+            <a:ext cx="7137400" cy="2828925"/>
           </a:xfrm>
         </p:spPr>
       </p:pic>
@@ -4631,6 +8728,14 @@
 <file path=ppt/slides/slide6.xml><?xml version="1.0" encoding="utf-8"?>
 <p:sld xmlns:a="http://schemas.openxmlformats.org/drawingml/2006/main" xmlns:r="http://schemas.openxmlformats.org/officeDocument/2006/relationships" xmlns:p="http://schemas.openxmlformats.org/presentationml/2006/main">
   <p:cSld>
+    <p:bg>
+      <p:bgPr>
+        <a:solidFill>
+          <a:schemeClr val="tx1"/>
+        </a:solidFill>
+        <a:effectLst/>
+      </p:bgPr>
+    </p:bg>
     <p:spTree>
       <p:nvGrpSpPr>
         <p:cNvPr id="1" name=""/>
@@ -4647,10 +8752,144 @@
       </p:grpSpPr>
       <p:sp>
         <p:nvSpPr>
+          <p:cNvPr id="7" name="Rectangle 6">
+            <a:extLst>
+              <a:ext uri="{FF2B5EF4-FFF2-40B4-BE49-F238E27FC236}">
+                <a16:creationId xmlns:a16="http://schemas.microsoft.com/office/drawing/2014/main" id="{2A8AA5BC-4F7A-4226-8F99-6D824B226A97}"/>
+              </a:ext>
+              <a:ext uri="{C183D7F6-B498-43B3-948B-1728B52AA6E4}">
+                <adec:decorative xmlns:adec="http://schemas.microsoft.com/office/drawing/2017/decorative" val="1"/>
+              </a:ext>
+            </a:extLst>
+          </p:cNvPr>
+          <p:cNvSpPr>
+            <a:spLocks noGrp="1" noRot="1" noChangeAspect="1" noMove="1" noResize="1" noEditPoints="1" noAdjustHandles="1" noChangeArrowheads="1" noChangeShapeType="1" noTextEdit="1"/>
+          </p:cNvSpPr>
+          <p:nvPr>
+            <p:extLst>
+              <p:ext uri="{386F3935-93C4-4BCD-93E2-E3B085C9AB24}">
+                <p16:designElem xmlns:p16="http://schemas.microsoft.com/office/powerpoint/2015/main" val="1"/>
+              </p:ext>
+            </p:extLst>
+          </p:nvPr>
+        </p:nvSpPr>
+        <p:spPr>
+          <a:xfrm>
+            <a:off x="0" y="-3324"/>
+            <a:ext cx="12192000" cy="6861324"/>
+          </a:xfrm>
+          <a:prstGeom prst="rect">
+            <a:avLst/>
+          </a:prstGeom>
+          <a:solidFill>
+            <a:schemeClr val="tx1"/>
+          </a:solidFill>
+          <a:ln>
+            <a:noFill/>
+          </a:ln>
+        </p:spPr>
+        <p:style>
+          <a:lnRef idx="2">
+            <a:schemeClr val="accent1">
+              <a:shade val="50000"/>
+            </a:schemeClr>
+          </a:lnRef>
+          <a:fillRef idx="1">
+            <a:schemeClr val="accent1"/>
+          </a:fillRef>
+          <a:effectRef idx="0">
+            <a:schemeClr val="accent1"/>
+          </a:effectRef>
+          <a:fontRef idx="minor">
+            <a:schemeClr val="lt1"/>
+          </a:fontRef>
+        </p:style>
+        <p:txBody>
+          <a:bodyPr rtlCol="0" anchor="ctr"/>
+          <a:lstStyle/>
+          <a:p>
+            <a:pPr algn="ctr"/>
+            <a:endParaRPr lang="en-US"/>
+          </a:p>
+        </p:txBody>
+      </p:sp>
+      <p:sp>
+        <p:nvSpPr>
+          <p:cNvPr id="9" name="Rectangle 8">
+            <a:extLst>
+              <a:ext uri="{FF2B5EF4-FFF2-40B4-BE49-F238E27FC236}">
+                <a16:creationId xmlns:a16="http://schemas.microsoft.com/office/drawing/2014/main" id="{3E5445C6-DD42-4979-86FF-03730E8C6DB0}"/>
+              </a:ext>
+              <a:ext uri="{C183D7F6-B498-43B3-948B-1728B52AA6E4}">
+                <adec:decorative xmlns:adec="http://schemas.microsoft.com/office/drawing/2017/decorative" val="1"/>
+              </a:ext>
+            </a:extLst>
+          </p:cNvPr>
+          <p:cNvSpPr>
+            <a:spLocks noGrp="1" noRot="1" noChangeAspect="1" noMove="1" noResize="1" noEditPoints="1" noAdjustHandles="1" noChangeArrowheads="1" noChangeShapeType="1" noTextEdit="1"/>
+          </p:cNvSpPr>
+          <p:nvPr>
+            <p:extLst>
+              <p:ext uri="{386F3935-93C4-4BCD-93E2-E3B085C9AB24}">
+                <p16:designElem xmlns:p16="http://schemas.microsoft.com/office/powerpoint/2015/main" val="1"/>
+              </p:ext>
+            </p:extLst>
+          </p:nvPr>
+        </p:nvSpPr>
+        <p:spPr bwMode="ltGray">
+          <a:xfrm>
+            <a:off x="321734" y="321733"/>
+            <a:ext cx="11573488" cy="6214534"/>
+          </a:xfrm>
+          <a:prstGeom prst="rect">
+            <a:avLst/>
+          </a:prstGeom>
+          <a:solidFill>
+            <a:schemeClr val="bg1">
+              <a:lumMod val="75000"/>
+              <a:lumOff val="25000"/>
+            </a:schemeClr>
+          </a:solidFill>
+          <a:ln w="127000" cap="sq" cmpd="thinThick">
+            <a:solidFill>
+              <a:schemeClr val="bg1">
+                <a:lumMod val="75000"/>
+                <a:lumOff val="25000"/>
+              </a:schemeClr>
+            </a:solidFill>
+          </a:ln>
+        </p:spPr>
+        <p:style>
+          <a:lnRef idx="2">
+            <a:schemeClr val="accent1">
+              <a:shade val="50000"/>
+            </a:schemeClr>
+          </a:lnRef>
+          <a:fillRef idx="1">
+            <a:schemeClr val="accent1"/>
+          </a:fillRef>
+          <a:effectRef idx="0">
+            <a:schemeClr val="accent1"/>
+          </a:effectRef>
+          <a:fontRef idx="minor">
+            <a:schemeClr val="lt1"/>
+          </a:fontRef>
+        </p:style>
+        <p:txBody>
+          <a:bodyPr rtlCol="0" anchor="ctr"/>
+          <a:lstStyle/>
+          <a:p>
+            <a:pPr algn="ctr"/>
+            <a:endParaRPr lang="en-US"/>
+          </a:p>
+        </p:txBody>
+      </p:sp>
+      <p:sp>
+        <p:nvSpPr>
           <p:cNvPr id="2" name="Title 1">
             <a:extLst>
               <a:ext uri="{FF2B5EF4-FFF2-40B4-BE49-F238E27FC236}">
-                <a16:creationId xmlns:a16="http://schemas.microsoft.com/office/drawing/2014/main" id="{63D470B5-4995-411E-9DBF-94E743BCBDE1}"/>
+                <a16:creationId xmlns:a16="http://schemas.microsoft.com/office/drawing/2014/main" id="{1D90A5E5-3C81-4360-847E-B5F7A6654BF5}"/>
               </a:ext>
             </a:extLst>
           </p:cNvPr>
@@ -4661,68 +8900,94 @@
             <p:ph type="title"/>
           </p:nvPr>
         </p:nvSpPr>
-        <p:spPr/>
+        <p:spPr>
+          <a:xfrm>
+            <a:off x="1524000" y="1122362"/>
+            <a:ext cx="9144000" cy="2840037"/>
+          </a:xfrm>
+        </p:spPr>
         <p:txBody>
-          <a:bodyPr/>
+          <a:bodyPr vert="horz" lIns="91440" tIns="45720" rIns="91440" bIns="45720" rtlCol="0" anchor="b">
+            <a:normAutofit/>
+          </a:bodyPr>
           <a:lstStyle/>
           <a:p>
             <a:pPr algn="ctr"/>
             <a:r>
-              <a:rPr lang="en-US">
-                <a:cs typeface="Calibri Light"/>
+              <a:rPr lang="en-US" sz="5800" kern="1200" dirty="0" err="1">
+                <a:latin typeface="Arial Black"/>
               </a:rPr>
               <a:t>xAPI</a:t>
             </a:r>
-            <a:endParaRPr lang="en-US" dirty="0">
-              <a:cs typeface="Calibri Light"/>
+            <a:endParaRPr lang="en-US" sz="5800" kern="1200">
+              <a:latin typeface="Arial Black"/>
             </a:endParaRPr>
           </a:p>
         </p:txBody>
       </p:sp>
-      <p:pic>
-        <p:nvPicPr>
-          <p:cNvPr id="4" name="Graphic 4">
+      <p:cxnSp>
+        <p:nvCxnSpPr>
+          <p:cNvPr id="11" name="Straight Connector 10">
             <a:extLst>
               <a:ext uri="{FF2B5EF4-FFF2-40B4-BE49-F238E27FC236}">
-                <a16:creationId xmlns:a16="http://schemas.microsoft.com/office/drawing/2014/main" id="{F0374346-CED1-4043-803E-06417502FC4B}"/>
+                <a16:creationId xmlns:a16="http://schemas.microsoft.com/office/drawing/2014/main" id="{45000665-DFC7-417E-8FD7-516A0F15C975}"/>
+              </a:ext>
+              <a:ext uri="{C183D7F6-B498-43B3-948B-1728B52AA6E4}">
+                <adec:decorative xmlns:adec="http://schemas.microsoft.com/office/drawing/2017/decorative" val="1"/>
               </a:ext>
             </a:extLst>
           </p:cNvPr>
-          <p:cNvPicPr>
-            <a:picLocks noGrp="1" noChangeAspect="1"/>
-          </p:cNvPicPr>
-          <p:nvPr>
-            <p:ph idx="1"/>
-          </p:nvPr>
-        </p:nvPicPr>
-        <p:blipFill>
-          <a:blip r:embed="rId2">
-            <a:extLst>
-              <a:ext uri="{96DAC541-7B7A-43D3-8B79-37D633B846F1}">
-                <asvg:svgBlip xmlns:asvg="http://schemas.microsoft.com/office/drawing/2016/SVG/main" r:embed="rId3"/>
-              </a:ext>
-            </a:extLst>
-          </a:blip>
-          <a:stretch>
-            <a:fillRect/>
-          </a:stretch>
-        </p:blipFill>
+          <p:cNvCxnSpPr>
+            <a:cxnSpLocks noGrp="1" noRot="1" noChangeAspect="1" noMove="1" noResize="1" noEditPoints="1" noAdjustHandles="1" noChangeArrowheads="1" noChangeShapeType="1"/>
+          </p:cNvCxnSpPr>
+          <p:nvPr>
+            <p:extLst>
+              <p:ext uri="{386F3935-93C4-4BCD-93E2-E3B085C9AB24}">
+                <p16:designElem xmlns:p16="http://schemas.microsoft.com/office/powerpoint/2015/main" val="1"/>
+              </p:ext>
+            </p:extLst>
+          </p:nvPr>
+        </p:nvCxnSpPr>
         <p:spPr>
           <a:xfrm>
-            <a:off x="4242005" y="1697781"/>
-            <a:ext cx="3695700" cy="4385801"/>
+            <a:off x="4724400" y="4109417"/>
+            <a:ext cx="2743200" cy="0"/>
           </a:xfrm>
+          <a:prstGeom prst="line">
+            <a:avLst/>
+          </a:prstGeom>
+          <a:ln w="12700">
+            <a:solidFill>
+              <a:schemeClr val="tx1">
+                <a:lumMod val="85000"/>
+              </a:schemeClr>
+            </a:solidFill>
+          </a:ln>
         </p:spPr>
-      </p:pic>
+        <p:style>
+          <a:lnRef idx="1">
+            <a:schemeClr val="accent1"/>
+          </a:lnRef>
+          <a:fillRef idx="0">
+            <a:schemeClr val="accent1"/>
+          </a:fillRef>
+          <a:effectRef idx="0">
+            <a:schemeClr val="accent1"/>
+          </a:effectRef>
+          <a:fontRef idx="minor">
+            <a:schemeClr val="tx1"/>
+          </a:fontRef>
+        </p:style>
+      </p:cxnSp>
     </p:spTree>
     <p:extLst>
       <p:ext uri="{BB962C8B-B14F-4D97-AF65-F5344CB8AC3E}">
-        <p14:creationId xmlns:p14="http://schemas.microsoft.com/office/powerpoint/2010/main" val="3183330867"/>
+        <p14:creationId xmlns:p14="http://schemas.microsoft.com/office/powerpoint/2010/main" val="3394562789"/>
       </p:ext>
     </p:extLst>
   </p:cSld>
   <p:clrMapOvr>
-    <a:masterClrMapping/>
+    <a:overrideClrMapping bg1="dk1" tx1="lt1" bg2="dk2" tx2="lt2" accent1="accent1" accent2="accent2" accent3="accent3" accent4="accent4" accent5="accent5" accent6="accent6" hlink="hlink" folHlink="folHlink"/>
   </p:clrMapOvr>
 </p:sld>
 </file>
@@ -4730,6 +8995,14 @@
 <file path=ppt/slides/slide7.xml><?xml version="1.0" encoding="utf-8"?>
 <p:sld xmlns:a="http://schemas.openxmlformats.org/drawingml/2006/main" xmlns:r="http://schemas.openxmlformats.org/officeDocument/2006/relationships" xmlns:p="http://schemas.openxmlformats.org/presentationml/2006/main">
   <p:cSld>
+    <p:bg>
+      <p:bgPr>
+        <a:solidFill>
+          <a:schemeClr val="bg1"/>
+        </a:solidFill>
+        <a:effectLst/>
+      </p:bgPr>
+    </p:bg>
     <p:spTree>
       <p:nvGrpSpPr>
         <p:cNvPr id="1" name=""/>
@@ -4746,10 +9019,79 @@
       </p:grpSpPr>
       <p:sp>
         <p:nvSpPr>
+          <p:cNvPr id="6" name="Rectangle 8">
+            <a:extLst>
+              <a:ext uri="{FF2B5EF4-FFF2-40B4-BE49-F238E27FC236}">
+                <a16:creationId xmlns:a16="http://schemas.microsoft.com/office/drawing/2014/main" id="{AB45A142-4255-493C-8284-5D566C121B10}"/>
+              </a:ext>
+              <a:ext uri="{C183D7F6-B498-43B3-948B-1728B52AA6E4}">
+                <adec:decorative xmlns:adec="http://schemas.microsoft.com/office/drawing/2017/decorative" val="1"/>
+              </a:ext>
+            </a:extLst>
+          </p:cNvPr>
+          <p:cNvSpPr>
+            <a:spLocks noGrp="1" noRot="1" noChangeAspect="1" noMove="1" noResize="1" noEditPoints="1" noAdjustHandles="1" noChangeArrowheads="1" noChangeShapeType="1" noTextEdit="1"/>
+          </p:cNvSpPr>
+          <p:nvPr>
+            <p:extLst>
+              <p:ext uri="{386F3935-93C4-4BCD-93E2-E3B085C9AB24}">
+                <p16:designElem xmlns:p16="http://schemas.microsoft.com/office/powerpoint/2015/main" val="1"/>
+              </p:ext>
+            </p:extLst>
+          </p:nvPr>
+        </p:nvSpPr>
+        <p:spPr bwMode="ltGray">
+          <a:xfrm>
+            <a:off x="336884" y="321177"/>
+            <a:ext cx="4332307" cy="6179552"/>
+          </a:xfrm>
+          <a:prstGeom prst="rect">
+            <a:avLst/>
+          </a:prstGeom>
+          <a:solidFill>
+            <a:srgbClr val="404040">
+              <a:alpha val="89804"/>
+            </a:srgbClr>
+          </a:solidFill>
+          <a:ln w="127000" cap="sq" cmpd="thinThick">
+            <a:solidFill>
+              <a:srgbClr val="595959">
+                <a:alpha val="80000"/>
+              </a:srgbClr>
+            </a:solidFill>
+          </a:ln>
+        </p:spPr>
+        <p:style>
+          <a:lnRef idx="2">
+            <a:schemeClr val="accent1">
+              <a:shade val="50000"/>
+            </a:schemeClr>
+          </a:lnRef>
+          <a:fillRef idx="1">
+            <a:schemeClr val="accent1"/>
+          </a:fillRef>
+          <a:effectRef idx="0">
+            <a:schemeClr val="accent1"/>
+          </a:effectRef>
+          <a:fontRef idx="minor">
+            <a:schemeClr val="lt1"/>
+          </a:fontRef>
+        </p:style>
+        <p:txBody>
+          <a:bodyPr rtlCol="0" anchor="ctr"/>
+          <a:lstStyle/>
+          <a:p>
+            <a:pPr algn="ctr"/>
+            <a:endParaRPr lang="en-US"/>
+          </a:p>
+        </p:txBody>
+      </p:sp>
+      <p:sp>
+        <p:nvSpPr>
           <p:cNvPr id="2" name="Title 1">
             <a:extLst>
               <a:ext uri="{FF2B5EF4-FFF2-40B4-BE49-F238E27FC236}">
-                <a16:creationId xmlns:a16="http://schemas.microsoft.com/office/drawing/2014/main" id="{576D9242-CD96-4CC9-B087-24B1649F6A3B}"/>
+                <a16:creationId xmlns:a16="http://schemas.microsoft.com/office/drawing/2014/main" id="{63D470B5-4995-411E-9DBF-94E743BCBDE1}"/>
               </a:ext>
             </a:extLst>
           </p:cNvPr>
@@ -4760,27 +9102,112 @@
             <p:ph type="title"/>
           </p:nvPr>
         </p:nvSpPr>
-        <p:spPr/>
+        <p:spPr>
+          <a:xfrm>
+            <a:off x="483737" y="914400"/>
+            <a:ext cx="4289257" cy="2887579"/>
+          </a:xfrm>
+        </p:spPr>
         <p:txBody>
-          <a:bodyPr/>
+          <a:bodyPr vert="horz" lIns="91440" tIns="45720" rIns="91440" bIns="45720" rtlCol="0" anchor="b">
+            <a:normAutofit/>
+          </a:bodyPr>
           <a:lstStyle/>
           <a:p>
             <a:pPr algn="ctr"/>
-            <a:r>
-              <a:rPr lang="en-US">
-                <a:cs typeface="Calibri Light"/>
+            <a:br>
+              <a:rPr lang="en-US" sz="4800" dirty="0"/>
+            </a:br>
+            <a:br>
+              <a:rPr lang="en-US" sz="4800" dirty="0"/>
+            </a:br>
+            <a:r>
+              <a:rPr lang="en-US" sz="4800" dirty="0" err="1">
+                <a:solidFill>
+                  <a:srgbClr val="FFFFFF"/>
+                </a:solidFill>
+                <a:latin typeface="Arial Black"/>
               </a:rPr>
-              <a:t>Podstawowa struktura wymiany danych</a:t>
-            </a:r>
+              <a:t>xAPI</a:t>
+            </a:r>
+            <a:br>
+              <a:rPr lang="en-US" sz="4800" dirty="0">
+                <a:latin typeface="Arial Black"/>
+              </a:rPr>
+            </a:br>
+            <a:r>
+              <a:rPr lang="en-US" sz="4800" dirty="0">
+                <a:solidFill>
+                  <a:srgbClr val="FFFFFF"/>
+                </a:solidFill>
+                <a:latin typeface="Arial Black"/>
+              </a:rPr>
+              <a:t>Model UML</a:t>
+            </a:r>
+            <a:endParaRPr lang="en-US" sz="4800" kern="1200" dirty="0">
+              <a:latin typeface="Arial Black"/>
+            </a:endParaRPr>
           </a:p>
         </p:txBody>
       </p:sp>
+      <p:cxnSp>
+        <p:nvCxnSpPr>
+          <p:cNvPr id="7" name="Straight Connector 10">
+            <a:extLst>
+              <a:ext uri="{FF2B5EF4-FFF2-40B4-BE49-F238E27FC236}">
+                <a16:creationId xmlns:a16="http://schemas.microsoft.com/office/drawing/2014/main" id="{38FB9660-F42F-4313-BBC4-47C007FE484C}"/>
+              </a:ext>
+              <a:ext uri="{C183D7F6-B498-43B3-948B-1728B52AA6E4}">
+                <adec:decorative xmlns:adec="http://schemas.microsoft.com/office/drawing/2017/decorative" val="1"/>
+              </a:ext>
+            </a:extLst>
+          </p:cNvPr>
+          <p:cNvCxnSpPr>
+            <a:cxnSpLocks noGrp="1" noRot="1" noChangeAspect="1" noMove="1" noResize="1" noEditPoints="1" noAdjustHandles="1" noChangeArrowheads="1" noChangeShapeType="1"/>
+          </p:cNvCxnSpPr>
+          <p:nvPr>
+            <p:extLst>
+              <p:ext uri="{386F3935-93C4-4BCD-93E2-E3B085C9AB24}">
+                <p16:designElem xmlns:p16="http://schemas.microsoft.com/office/powerpoint/2015/main" val="1"/>
+              </p:ext>
+            </p:extLst>
+          </p:nvPr>
+        </p:nvCxnSpPr>
+        <p:spPr>
+          <a:xfrm>
+            <a:off x="1191126" y="3910267"/>
+            <a:ext cx="2586790" cy="0"/>
+          </a:xfrm>
+          <a:prstGeom prst="line">
+            <a:avLst/>
+          </a:prstGeom>
+          <a:ln w="22225">
+            <a:solidFill>
+              <a:srgbClr val="D9D9D9"/>
+            </a:solidFill>
+          </a:ln>
+        </p:spPr>
+        <p:style>
+          <a:lnRef idx="1">
+            <a:schemeClr val="accent1"/>
+          </a:lnRef>
+          <a:fillRef idx="0">
+            <a:schemeClr val="accent1"/>
+          </a:fillRef>
+          <a:effectRef idx="0">
+            <a:schemeClr val="accent1"/>
+          </a:effectRef>
+          <a:fontRef idx="minor">
+            <a:schemeClr val="tx1"/>
+          </a:fontRef>
+        </p:style>
+      </p:cxnSp>
       <p:pic>
         <p:nvPicPr>
-          <p:cNvPr id="5" name="Picture 5" descr="A picture containing photo, holding, man, table&#10;&#10;Description generated with very high confidence">
+          <p:cNvPr id="4" name="Graphic 4">
             <a:extLst>
               <a:ext uri="{FF2B5EF4-FFF2-40B4-BE49-F238E27FC236}">
-                <a16:creationId xmlns:a16="http://schemas.microsoft.com/office/drawing/2014/main" id="{87D6AB22-E6F1-4895-A29F-B370B6BCC534}"/>
+                <a16:creationId xmlns:a16="http://schemas.microsoft.com/office/drawing/2014/main" id="{F0374346-CED1-4043-803E-06417502FC4B}"/>
               </a:ext>
             </a:extLst>
           </p:cNvPr>
@@ -4788,26 +9215,35 @@
             <a:picLocks noGrp="1" noChangeAspect="1"/>
           </p:cNvPicPr>
           <p:nvPr>
-            <p:ph sz="half" idx="1"/>
+            <p:ph idx="1"/>
           </p:nvPr>
         </p:nvPicPr>
         <p:blipFill>
-          <a:blip r:embed="rId2"/>
+          <a:blip r:embed="rId2">
+            <a:extLst>
+              <a:ext uri="{96DAC541-7B7A-43D3-8B79-37D633B846F1}">
+                <asvg:svgBlip xmlns:asvg="http://schemas.microsoft.com/office/drawing/2016/SVG/main" r:embed="rId3"/>
+              </a:ext>
+            </a:extLst>
+          </a:blip>
           <a:stretch>
             <a:fillRect/>
           </a:stretch>
         </p:blipFill>
         <p:spPr>
           <a:xfrm>
-            <a:off x="3499981" y="2302101"/>
-            <a:ext cx="5181600" cy="1039318"/>
+            <a:off x="5958956" y="492573"/>
+            <a:ext cx="4943277" cy="5880796"/>
           </a:xfrm>
+          <a:prstGeom prst="rect">
+            <a:avLst/>
+          </a:prstGeom>
         </p:spPr>
       </p:pic>
     </p:spTree>
     <p:extLst>
       <p:ext uri="{BB962C8B-B14F-4D97-AF65-F5344CB8AC3E}">
-        <p14:creationId xmlns:p14="http://schemas.microsoft.com/office/powerpoint/2010/main" val="1934392077"/>
+        <p14:creationId xmlns:p14="http://schemas.microsoft.com/office/powerpoint/2010/main" val="3183330867"/>
       </p:ext>
     </p:extLst>
   </p:cSld>
@@ -4820,6 +9256,14 @@
 <file path=ppt/slides/slide8.xml><?xml version="1.0" encoding="utf-8"?>
 <p:sld xmlns:a="http://schemas.openxmlformats.org/drawingml/2006/main" xmlns:r="http://schemas.openxmlformats.org/officeDocument/2006/relationships" xmlns:p="http://schemas.openxmlformats.org/presentationml/2006/main">
   <p:cSld>
+    <p:bg>
+      <p:bgPr>
+        <a:solidFill>
+          <a:schemeClr val="tx1"/>
+        </a:solidFill>
+        <a:effectLst/>
+      </p:bgPr>
+    </p:bg>
     <p:spTree>
       <p:nvGrpSpPr>
         <p:cNvPr id="1" name=""/>
@@ -4836,6 +9280,140 @@
       </p:grpSpPr>
       <p:sp>
         <p:nvSpPr>
+          <p:cNvPr id="7" name="Rectangle 6">
+            <a:extLst>
+              <a:ext uri="{FF2B5EF4-FFF2-40B4-BE49-F238E27FC236}">
+                <a16:creationId xmlns:a16="http://schemas.microsoft.com/office/drawing/2014/main" id="{2A8AA5BC-4F7A-4226-8F99-6D824B226A97}"/>
+              </a:ext>
+              <a:ext uri="{C183D7F6-B498-43B3-948B-1728B52AA6E4}">
+                <adec:decorative xmlns:adec="http://schemas.microsoft.com/office/drawing/2017/decorative" val="1"/>
+              </a:ext>
+            </a:extLst>
+          </p:cNvPr>
+          <p:cNvSpPr>
+            <a:spLocks noGrp="1" noRot="1" noChangeAspect="1" noMove="1" noResize="1" noEditPoints="1" noAdjustHandles="1" noChangeArrowheads="1" noChangeShapeType="1" noTextEdit="1"/>
+          </p:cNvSpPr>
+          <p:nvPr>
+            <p:extLst>
+              <p:ext uri="{386F3935-93C4-4BCD-93E2-E3B085C9AB24}">
+                <p16:designElem xmlns:p16="http://schemas.microsoft.com/office/powerpoint/2015/main" val="1"/>
+              </p:ext>
+            </p:extLst>
+          </p:nvPr>
+        </p:nvSpPr>
+        <p:spPr>
+          <a:xfrm>
+            <a:off x="0" y="-3324"/>
+            <a:ext cx="12192000" cy="6861324"/>
+          </a:xfrm>
+          <a:prstGeom prst="rect">
+            <a:avLst/>
+          </a:prstGeom>
+          <a:solidFill>
+            <a:schemeClr val="tx1"/>
+          </a:solidFill>
+          <a:ln>
+            <a:noFill/>
+          </a:ln>
+        </p:spPr>
+        <p:style>
+          <a:lnRef idx="2">
+            <a:schemeClr val="accent1">
+              <a:shade val="50000"/>
+            </a:schemeClr>
+          </a:lnRef>
+          <a:fillRef idx="1">
+            <a:schemeClr val="accent1"/>
+          </a:fillRef>
+          <a:effectRef idx="0">
+            <a:schemeClr val="accent1"/>
+          </a:effectRef>
+          <a:fontRef idx="minor">
+            <a:schemeClr val="lt1"/>
+          </a:fontRef>
+        </p:style>
+        <p:txBody>
+          <a:bodyPr rtlCol="0" anchor="ctr"/>
+          <a:lstStyle/>
+          <a:p>
+            <a:pPr algn="ctr"/>
+            <a:endParaRPr lang="en-US"/>
+          </a:p>
+        </p:txBody>
+      </p:sp>
+      <p:sp>
+        <p:nvSpPr>
+          <p:cNvPr id="9" name="Rectangle 8">
+            <a:extLst>
+              <a:ext uri="{FF2B5EF4-FFF2-40B4-BE49-F238E27FC236}">
+                <a16:creationId xmlns:a16="http://schemas.microsoft.com/office/drawing/2014/main" id="{3E5445C6-DD42-4979-86FF-03730E8C6DB0}"/>
+              </a:ext>
+              <a:ext uri="{C183D7F6-B498-43B3-948B-1728B52AA6E4}">
+                <adec:decorative xmlns:adec="http://schemas.microsoft.com/office/drawing/2017/decorative" val="1"/>
+              </a:ext>
+            </a:extLst>
+          </p:cNvPr>
+          <p:cNvSpPr>
+            <a:spLocks noGrp="1" noRot="1" noChangeAspect="1" noMove="1" noResize="1" noEditPoints="1" noAdjustHandles="1" noChangeArrowheads="1" noChangeShapeType="1" noTextEdit="1"/>
+          </p:cNvSpPr>
+          <p:nvPr>
+            <p:extLst>
+              <p:ext uri="{386F3935-93C4-4BCD-93E2-E3B085C9AB24}">
+                <p16:designElem xmlns:p16="http://schemas.microsoft.com/office/powerpoint/2015/main" val="1"/>
+              </p:ext>
+            </p:extLst>
+          </p:nvPr>
+        </p:nvSpPr>
+        <p:spPr bwMode="ltGray">
+          <a:xfrm>
+            <a:off x="321734" y="321733"/>
+            <a:ext cx="11573488" cy="6214534"/>
+          </a:xfrm>
+          <a:prstGeom prst="rect">
+            <a:avLst/>
+          </a:prstGeom>
+          <a:solidFill>
+            <a:schemeClr val="bg1">
+              <a:lumMod val="75000"/>
+              <a:lumOff val="25000"/>
+            </a:schemeClr>
+          </a:solidFill>
+          <a:ln w="127000" cap="sq" cmpd="thinThick">
+            <a:solidFill>
+              <a:schemeClr val="bg1">
+                <a:lumMod val="75000"/>
+                <a:lumOff val="25000"/>
+              </a:schemeClr>
+            </a:solidFill>
+          </a:ln>
+        </p:spPr>
+        <p:style>
+          <a:lnRef idx="2">
+            <a:schemeClr val="accent1">
+              <a:shade val="50000"/>
+            </a:schemeClr>
+          </a:lnRef>
+          <a:fillRef idx="1">
+            <a:schemeClr val="accent1"/>
+          </a:fillRef>
+          <a:effectRef idx="0">
+            <a:schemeClr val="accent1"/>
+          </a:effectRef>
+          <a:fontRef idx="minor">
+            <a:schemeClr val="lt1"/>
+          </a:fontRef>
+        </p:style>
+        <p:txBody>
+          <a:bodyPr rtlCol="0" anchor="ctr"/>
+          <a:lstStyle/>
+          <a:p>
+            <a:pPr algn="ctr"/>
+            <a:endParaRPr lang="en-US"/>
+          </a:p>
+        </p:txBody>
+      </p:sp>
+      <p:sp>
+        <p:nvSpPr>
           <p:cNvPr id="2" name="Title 1">
             <a:extLst>
               <a:ext uri="{FF2B5EF4-FFF2-40B4-BE49-F238E27FC236}">
@@ -4850,46 +9428,85 @@
             <p:ph type="title"/>
           </p:nvPr>
         </p:nvSpPr>
-        <p:spPr/>
+        <p:spPr>
+          <a:xfrm>
+            <a:off x="1524000" y="1122362"/>
+            <a:ext cx="9144000" cy="2840037"/>
+          </a:xfrm>
+        </p:spPr>
         <p:txBody>
-          <a:bodyPr/>
+          <a:bodyPr vert="horz" lIns="91440" tIns="45720" rIns="91440" bIns="45720" rtlCol="0" anchor="b">
+            <a:normAutofit/>
+          </a:bodyPr>
           <a:lstStyle/>
           <a:p>
-            <a:r>
-              <a:rPr lang="en-US" dirty="0" err="1">
-                <a:cs typeface="Calibri Light"/>
+            <a:pPr algn="ctr"/>
+            <a:r>
+              <a:rPr lang="en-US" sz="5800" kern="1200" dirty="0" err="1">
+                <a:latin typeface="Arial Black"/>
               </a:rPr>
               <a:t>JSONSocket</a:t>
             </a:r>
-            <a:endParaRPr lang="en-US" dirty="0" err="1"/>
+            <a:endParaRPr lang="en-US" sz="5800" kern="1200">
+              <a:latin typeface="Arial Black"/>
+            </a:endParaRPr>
           </a:p>
         </p:txBody>
       </p:sp>
-      <p:sp>
-        <p:nvSpPr>
-          <p:cNvPr id="3" name="Text Placeholder 2">
+      <p:cxnSp>
+        <p:nvCxnSpPr>
+          <p:cNvPr id="11" name="Straight Connector 10">
             <a:extLst>
               <a:ext uri="{FF2B5EF4-FFF2-40B4-BE49-F238E27FC236}">
-                <a16:creationId xmlns:a16="http://schemas.microsoft.com/office/drawing/2014/main" id="{30204A08-6D50-4631-AAED-53C953690283}"/>
+                <a16:creationId xmlns:a16="http://schemas.microsoft.com/office/drawing/2014/main" id="{45000665-DFC7-417E-8FD7-516A0F15C975}"/>
+              </a:ext>
+              <a:ext uri="{C183D7F6-B498-43B3-948B-1728B52AA6E4}">
+                <adec:decorative xmlns:adec="http://schemas.microsoft.com/office/drawing/2017/decorative" val="1"/>
               </a:ext>
             </a:extLst>
           </p:cNvPr>
-          <p:cNvSpPr>
-            <a:spLocks noGrp="1"/>
-          </p:cNvSpPr>
-          <p:nvPr>
-            <p:ph type="body" idx="1"/>
-          </p:nvPr>
-        </p:nvSpPr>
-        <p:spPr/>
-        <p:txBody>
-          <a:bodyPr/>
-          <a:lstStyle/>
-          <a:p>
-            <a:endParaRPr lang="en-US"/>
-          </a:p>
-        </p:txBody>
-      </p:sp>
+          <p:cNvCxnSpPr>
+            <a:cxnSpLocks noGrp="1" noRot="1" noChangeAspect="1" noMove="1" noResize="1" noEditPoints="1" noAdjustHandles="1" noChangeArrowheads="1" noChangeShapeType="1"/>
+          </p:cNvCxnSpPr>
+          <p:nvPr>
+            <p:extLst>
+              <p:ext uri="{386F3935-93C4-4BCD-93E2-E3B085C9AB24}">
+                <p16:designElem xmlns:p16="http://schemas.microsoft.com/office/powerpoint/2015/main" val="1"/>
+              </p:ext>
+            </p:extLst>
+          </p:nvPr>
+        </p:nvCxnSpPr>
+        <p:spPr>
+          <a:xfrm>
+            <a:off x="4724400" y="4109417"/>
+            <a:ext cx="2743200" cy="0"/>
+          </a:xfrm>
+          <a:prstGeom prst="line">
+            <a:avLst/>
+          </a:prstGeom>
+          <a:ln w="12700">
+            <a:solidFill>
+              <a:schemeClr val="tx1">
+                <a:lumMod val="85000"/>
+              </a:schemeClr>
+            </a:solidFill>
+          </a:ln>
+        </p:spPr>
+        <p:style>
+          <a:lnRef idx="1">
+            <a:schemeClr val="accent1"/>
+          </a:lnRef>
+          <a:fillRef idx="0">
+            <a:schemeClr val="accent1"/>
+          </a:fillRef>
+          <a:effectRef idx="0">
+            <a:schemeClr val="accent1"/>
+          </a:effectRef>
+          <a:fontRef idx="minor">
+            <a:schemeClr val="tx1"/>
+          </a:fontRef>
+        </p:style>
+      </p:cxnSp>
     </p:spTree>
     <p:extLst>
       <p:ext uri="{BB962C8B-B14F-4D97-AF65-F5344CB8AC3E}">
@@ -4898,7 +9515,7 @@
     </p:extLst>
   </p:cSld>
   <p:clrMapOvr>
-    <a:masterClrMapping/>
+    <a:overrideClrMapping bg1="dk1" tx1="lt1" bg2="dk2" tx2="lt2" accent1="accent1" accent2="accent2" accent3="accent3" accent4="accent4" accent5="accent5" accent6="accent6" hlink="hlink" folHlink="folHlink"/>
   </p:clrMapOvr>
 </p:sld>
 </file>
@@ -4943,13 +9560,43 @@
           <a:p>
             <a:pPr algn="ctr"/>
             <a:r>
-              <a:rPr lang="en-US">
+              <a:rPr lang="en-US" dirty="0" err="1">
+                <a:latin typeface="Arial Black"/>
                 <a:cs typeface="Calibri Light"/>
               </a:rPr>
-              <a:t>Konstruktor klasy bazowej</a:t>
-            </a:r>
-            <a:endParaRPr lang="en-US" dirty="0" err="1">
-              <a:cs typeface="Calibri Light" panose="020F0302020204030204"/>
+              <a:t>Konstruktor</a:t>
+            </a:r>
+            <a:r>
+              <a:rPr lang="en-US" dirty="0">
+                <a:latin typeface="Arial Black"/>
+                <a:cs typeface="Calibri Light"/>
+              </a:rPr>
+              <a:t> </a:t>
+            </a:r>
+            <a:r>
+              <a:rPr lang="en-US" dirty="0" err="1">
+                <a:latin typeface="Arial Black"/>
+                <a:cs typeface="Calibri Light"/>
+              </a:rPr>
+              <a:t>klasy</a:t>
+            </a:r>
+            <a:r>
+              <a:rPr lang="en-US" dirty="0">
+                <a:latin typeface="Arial Black"/>
+                <a:cs typeface="Calibri Light"/>
+              </a:rPr>
+              <a:t> </a:t>
+            </a:r>
+            <a:r>
+              <a:rPr lang="en-US" dirty="0" err="1">
+                <a:latin typeface="Arial Black"/>
+                <a:cs typeface="Calibri Light"/>
+              </a:rPr>
+              <a:t>bazowej</a:t>
+            </a:r>
+            <a:endParaRPr lang="en-US">
+              <a:latin typeface="Arial Black"/>
+              <a:cs typeface="Calibri Light"/>
             </a:endParaRPr>
           </a:p>
         </p:txBody>
